--- a/Web app paas környezetben.pptx
+++ b/Web app paas környezetben.pptx
@@ -115,6 +115,11 @@
       </a:defRPr>
     </a:lvl9pPr>
   </p:defaultTextStyle>
+  <p:extLst>
+    <p:ext uri="{EFAFB233-063F-42B5-8137-9DF3F51BA10A}">
+      <p15:sldGuideLst xmlns:p15="http://schemas.microsoft.com/office/powerpoint/2012/main"/>
+    </p:ext>
+  </p:extLst>
 </p:presentation>
 </file>
 
@@ -3646,7 +3651,7 @@
           <a:noFill/>
           <a:extLst>
             <a:ext uri="{909E8E84-426E-40dd-AFC4-6F175D3DCCD1}">
-              <a14:hiddenFill xmlns:a14="http://schemas.microsoft.com/office/drawing/2010/main" xmlns="">
+              <a14:hiddenFill xmlns="" xmlns:a14="http://schemas.microsoft.com/office/drawing/2010/main">
                 <a:solidFill>
                   <a:srgbClr val="FFFFFF"/>
                 </a:solidFill>
@@ -3706,7 +3711,7 @@
             </a:ln>
             <a:extLst>
               <a:ext uri="{91240B29-F687-4f45-9708-019B960494DF}">
-                <a14:hiddenLine xmlns:a14="http://schemas.microsoft.com/office/drawing/2010/main" xmlns="" w="9525">
+                <a14:hiddenLine xmlns="" xmlns:a14="http://schemas.microsoft.com/office/drawing/2010/main" w="9525">
                   <a:solidFill>
                     <a:srgbClr val="000000"/>
                   </a:solidFill>
@@ -3796,7 +3801,7 @@
             </a:ln>
             <a:extLst>
               <a:ext uri="{91240B29-F687-4f45-9708-019B960494DF}">
-                <a14:hiddenLine xmlns:a14="http://schemas.microsoft.com/office/drawing/2010/main" xmlns="" w="9525">
+                <a14:hiddenLine xmlns="" xmlns:a14="http://schemas.microsoft.com/office/drawing/2010/main" w="9525">
                   <a:solidFill>
                     <a:srgbClr val="000000"/>
                   </a:solidFill>
@@ -3886,7 +3891,7 @@
             </a:ln>
             <a:extLst>
               <a:ext uri="{91240B29-F687-4f45-9708-019B960494DF}">
-                <a14:hiddenLine xmlns:a14="http://schemas.microsoft.com/office/drawing/2010/main" xmlns="" w="9525">
+                <a14:hiddenLine xmlns="" xmlns:a14="http://schemas.microsoft.com/office/drawing/2010/main" w="9525">
                   <a:solidFill>
                     <a:srgbClr val="000000"/>
                   </a:solidFill>
@@ -3920,7 +3925,7 @@
             </a:ln>
             <a:extLst>
               <a:ext uri="{91240B29-F687-4f45-9708-019B960494DF}">
-                <a14:hiddenLine xmlns:a14="http://schemas.microsoft.com/office/drawing/2010/main" xmlns="" w="9525">
+                <a14:hiddenLine xmlns="" xmlns:a14="http://schemas.microsoft.com/office/drawing/2010/main" w="9525">
                   <a:solidFill>
                     <a:srgbClr val="000000"/>
                   </a:solidFill>
@@ -4010,7 +4015,7 @@
             </a:ln>
             <a:extLst>
               <a:ext uri="{91240B29-F687-4f45-9708-019B960494DF}">
-                <a14:hiddenLine xmlns:a14="http://schemas.microsoft.com/office/drawing/2010/main" xmlns="" w="9525">
+                <a14:hiddenLine xmlns="" xmlns:a14="http://schemas.microsoft.com/office/drawing/2010/main" w="9525">
                   <a:solidFill>
                     <a:srgbClr val="000000"/>
                   </a:solidFill>
@@ -4072,7 +4077,7 @@
             </a:ln>
             <a:extLst>
               <a:ext uri="{91240B29-F687-4f45-9708-019B960494DF}">
-                <a14:hiddenLine xmlns:a14="http://schemas.microsoft.com/office/drawing/2010/main" xmlns="" w="9525">
+                <a14:hiddenLine xmlns="" xmlns:a14="http://schemas.microsoft.com/office/drawing/2010/main" w="9525">
                   <a:solidFill>
                     <a:srgbClr val="000000"/>
                   </a:solidFill>
@@ -4134,7 +4139,7 @@
             </a:ln>
             <a:extLst>
               <a:ext uri="{91240B29-F687-4f45-9708-019B960494DF}">
-                <a14:hiddenLine xmlns:a14="http://schemas.microsoft.com/office/drawing/2010/main" xmlns="" w="9525">
+                <a14:hiddenLine xmlns="" xmlns:a14="http://schemas.microsoft.com/office/drawing/2010/main" w="9525">
                   <a:solidFill>
                     <a:srgbClr val="000000"/>
                   </a:solidFill>
@@ -4224,7 +4229,7 @@
             </a:ln>
             <a:extLst>
               <a:ext uri="{91240B29-F687-4f45-9708-019B960494DF}">
-                <a14:hiddenLine xmlns:a14="http://schemas.microsoft.com/office/drawing/2010/main" xmlns="" w="9525">
+                <a14:hiddenLine xmlns="" xmlns:a14="http://schemas.microsoft.com/office/drawing/2010/main" w="9525">
                   <a:solidFill>
                     <a:srgbClr val="000000"/>
                   </a:solidFill>
@@ -4286,7 +4291,7 @@
             </a:ln>
             <a:extLst>
               <a:ext uri="{91240B29-F687-4f45-9708-019B960494DF}">
-                <a14:hiddenLine xmlns:a14="http://schemas.microsoft.com/office/drawing/2010/main" xmlns="" w="9525">
+                <a14:hiddenLine xmlns="" xmlns:a14="http://schemas.microsoft.com/office/drawing/2010/main" w="9525">
                   <a:solidFill>
                     <a:srgbClr val="000000"/>
                   </a:solidFill>
@@ -4348,7 +4353,7 @@
             </a:ln>
             <a:extLst>
               <a:ext uri="{91240B29-F687-4f45-9708-019B960494DF}">
-                <a14:hiddenLine xmlns:a14="http://schemas.microsoft.com/office/drawing/2010/main" xmlns="" w="9525">
+                <a14:hiddenLine xmlns="" xmlns:a14="http://schemas.microsoft.com/office/drawing/2010/main" w="9525">
                   <a:solidFill>
                     <a:srgbClr val="000000"/>
                   </a:solidFill>
@@ -4438,7 +4443,7 @@
             </a:ln>
             <a:extLst>
               <a:ext uri="{91240B29-F687-4f45-9708-019B960494DF}">
-                <a14:hiddenLine xmlns:a14="http://schemas.microsoft.com/office/drawing/2010/main" xmlns="" w="9525">
+                <a14:hiddenLine xmlns="" xmlns:a14="http://schemas.microsoft.com/office/drawing/2010/main" w="9525">
                   <a:solidFill>
                     <a:srgbClr val="000000"/>
                   </a:solidFill>
@@ -4528,7 +4533,7 @@
             </a:ln>
             <a:extLst>
               <a:ext uri="{91240B29-F687-4f45-9708-019B960494DF}">
-                <a14:hiddenLine xmlns:a14="http://schemas.microsoft.com/office/drawing/2010/main" xmlns="" w="9525">
+                <a14:hiddenLine xmlns="" xmlns:a14="http://schemas.microsoft.com/office/drawing/2010/main" w="9525">
                   <a:solidFill>
                     <a:srgbClr val="000000"/>
                   </a:solidFill>
@@ -4590,7 +4595,7 @@
             </a:ln>
             <a:extLst>
               <a:ext uri="{91240B29-F687-4f45-9708-019B960494DF}">
-                <a14:hiddenLine xmlns:a14="http://schemas.microsoft.com/office/drawing/2010/main" xmlns="" w="9525">
+                <a14:hiddenLine xmlns="" xmlns:a14="http://schemas.microsoft.com/office/drawing/2010/main" w="9525">
                   <a:solidFill>
                     <a:srgbClr val="000000"/>
                   </a:solidFill>
@@ -4700,7 +4705,7 @@
             </a:ln>
             <a:extLst>
               <a:ext uri="{91240B29-F687-4f45-9708-019B960494DF}">
-                <a14:hiddenLine xmlns:a14="http://schemas.microsoft.com/office/drawing/2010/main" xmlns="" w="9525">
+                <a14:hiddenLine xmlns="" xmlns:a14="http://schemas.microsoft.com/office/drawing/2010/main" w="9525">
                   <a:solidFill>
                     <a:srgbClr val="000000"/>
                   </a:solidFill>
@@ -4762,7 +4767,7 @@
             </a:ln>
             <a:extLst>
               <a:ext uri="{91240B29-F687-4f45-9708-019B960494DF}">
-                <a14:hiddenLine xmlns:a14="http://schemas.microsoft.com/office/drawing/2010/main" xmlns="" w="9525">
+                <a14:hiddenLine xmlns="" xmlns:a14="http://schemas.microsoft.com/office/drawing/2010/main" w="9525">
                   <a:solidFill>
                     <a:srgbClr val="000000"/>
                   </a:solidFill>
@@ -4852,7 +4857,7 @@
             </a:ln>
             <a:extLst>
               <a:ext uri="{91240B29-F687-4f45-9708-019B960494DF}">
-                <a14:hiddenLine xmlns:a14="http://schemas.microsoft.com/office/drawing/2010/main" xmlns="" w="9525">
+                <a14:hiddenLine xmlns="" xmlns:a14="http://schemas.microsoft.com/office/drawing/2010/main" w="9525">
                   <a:solidFill>
                     <a:srgbClr val="000000"/>
                   </a:solidFill>
@@ -4942,7 +4947,7 @@
             </a:ln>
             <a:extLst>
               <a:ext uri="{91240B29-F687-4f45-9708-019B960494DF}">
-                <a14:hiddenLine xmlns:a14="http://schemas.microsoft.com/office/drawing/2010/main" xmlns="" w="9525">
+                <a14:hiddenLine xmlns="" xmlns:a14="http://schemas.microsoft.com/office/drawing/2010/main" w="9525">
                   <a:solidFill>
                     <a:srgbClr val="000000"/>
                   </a:solidFill>
@@ -5004,7 +5009,7 @@
             </a:ln>
             <a:extLst>
               <a:ext uri="{91240B29-F687-4f45-9708-019B960494DF}">
-                <a14:hiddenLine xmlns:a14="http://schemas.microsoft.com/office/drawing/2010/main" xmlns="" w="9525">
+                <a14:hiddenLine xmlns="" xmlns:a14="http://schemas.microsoft.com/office/drawing/2010/main" w="9525">
                   <a:solidFill>
                     <a:srgbClr val="000000"/>
                   </a:solidFill>
@@ -5094,7 +5099,7 @@
             </a:ln>
             <a:extLst>
               <a:ext uri="{91240B29-F687-4f45-9708-019B960494DF}">
-                <a14:hiddenLine xmlns:a14="http://schemas.microsoft.com/office/drawing/2010/main" xmlns="" w="9525">
+                <a14:hiddenLine xmlns="" xmlns:a14="http://schemas.microsoft.com/office/drawing/2010/main" w="9525">
                   <a:solidFill>
                     <a:srgbClr val="000000"/>
                   </a:solidFill>
@@ -5184,7 +5189,7 @@
             </a:ln>
             <a:extLst>
               <a:ext uri="{91240B29-F687-4f45-9708-019B960494DF}">
-                <a14:hiddenLine xmlns:a14="http://schemas.microsoft.com/office/drawing/2010/main" xmlns="" w="9525">
+                <a14:hiddenLine xmlns="" xmlns:a14="http://schemas.microsoft.com/office/drawing/2010/main" w="9525">
                   <a:solidFill>
                     <a:srgbClr val="000000"/>
                   </a:solidFill>
@@ -5240,7 +5245,7 @@
             </a:ln>
             <a:extLst>
               <a:ext uri="{91240B29-F687-4f45-9708-019B960494DF}">
-                <a14:hiddenLine xmlns:a14="http://schemas.microsoft.com/office/drawing/2010/main" xmlns="" w="9525">
+                <a14:hiddenLine xmlns="" xmlns:a14="http://schemas.microsoft.com/office/drawing/2010/main" w="9525">
                   <a:solidFill>
                     <a:srgbClr val="000000"/>
                   </a:solidFill>
@@ -5330,7 +5335,7 @@
             </a:ln>
             <a:extLst>
               <a:ext uri="{91240B29-F687-4f45-9708-019B960494DF}">
-                <a14:hiddenLine xmlns:a14="http://schemas.microsoft.com/office/drawing/2010/main" xmlns="" w="9525">
+                <a14:hiddenLine xmlns="" xmlns:a14="http://schemas.microsoft.com/office/drawing/2010/main" w="9525">
                   <a:solidFill>
                     <a:srgbClr val="000000"/>
                   </a:solidFill>
@@ -5386,7 +5391,7 @@
             </a:ln>
             <a:extLst>
               <a:ext uri="{91240B29-F687-4f45-9708-019B960494DF}">
-                <a14:hiddenLine xmlns:a14="http://schemas.microsoft.com/office/drawing/2010/main" xmlns="" w="9525">
+                <a14:hiddenLine xmlns="" xmlns:a14="http://schemas.microsoft.com/office/drawing/2010/main" w="9525">
                   <a:solidFill>
                     <a:srgbClr val="000000"/>
                   </a:solidFill>
@@ -5476,7 +5481,7 @@
             </a:ln>
             <a:extLst>
               <a:ext uri="{91240B29-F687-4f45-9708-019B960494DF}">
-                <a14:hiddenLine xmlns:a14="http://schemas.microsoft.com/office/drawing/2010/main" xmlns="" w="9525">
+                <a14:hiddenLine xmlns="" xmlns:a14="http://schemas.microsoft.com/office/drawing/2010/main" w="9525">
                   <a:solidFill>
                     <a:srgbClr val="000000"/>
                   </a:solidFill>
@@ -5544,7 +5549,7 @@
             </a:ln>
             <a:extLst>
               <a:ext uri="{91240B29-F687-4f45-9708-019B960494DF}">
-                <a14:hiddenLine xmlns:a14="http://schemas.microsoft.com/office/drawing/2010/main" xmlns="" w="9525">
+                <a14:hiddenLine xmlns="" xmlns:a14="http://schemas.microsoft.com/office/drawing/2010/main" w="9525">
                   <a:solidFill>
                     <a:srgbClr val="000000"/>
                   </a:solidFill>
@@ -5634,7 +5639,7 @@
             </a:ln>
             <a:extLst>
               <a:ext uri="{91240B29-F687-4f45-9708-019B960494DF}">
-                <a14:hiddenLine xmlns:a14="http://schemas.microsoft.com/office/drawing/2010/main" xmlns="" w="9525">
+                <a14:hiddenLine xmlns="" xmlns:a14="http://schemas.microsoft.com/office/drawing/2010/main" w="9525">
                   <a:solidFill>
                     <a:srgbClr val="000000"/>
                   </a:solidFill>
@@ -5702,7 +5707,7 @@
             </a:ln>
             <a:extLst>
               <a:ext uri="{91240B29-F687-4f45-9708-019B960494DF}">
-                <a14:hiddenLine xmlns:a14="http://schemas.microsoft.com/office/drawing/2010/main" xmlns="" w="9525">
+                <a14:hiddenLine xmlns="" xmlns:a14="http://schemas.microsoft.com/office/drawing/2010/main" w="9525">
                   <a:solidFill>
                     <a:srgbClr val="000000"/>
                   </a:solidFill>
@@ -5792,7 +5797,7 @@
             </a:ln>
             <a:extLst>
               <a:ext uri="{91240B29-F687-4f45-9708-019B960494DF}">
-                <a14:hiddenLine xmlns:a14="http://schemas.microsoft.com/office/drawing/2010/main" xmlns="" w="9525">
+                <a14:hiddenLine xmlns="" xmlns:a14="http://schemas.microsoft.com/office/drawing/2010/main" w="9525">
                   <a:solidFill>
                     <a:srgbClr val="000000"/>
                   </a:solidFill>
@@ -5826,7 +5831,7 @@
             </a:ln>
             <a:extLst>
               <a:ext uri="{91240B29-F687-4f45-9708-019B960494DF}">
-                <a14:hiddenLine xmlns:a14="http://schemas.microsoft.com/office/drawing/2010/main" xmlns="" w="9525">
+                <a14:hiddenLine xmlns="" xmlns:a14="http://schemas.microsoft.com/office/drawing/2010/main" w="9525">
                   <a:solidFill>
                     <a:srgbClr val="000000"/>
                   </a:solidFill>
@@ -5916,7 +5921,7 @@
             </a:ln>
             <a:extLst>
               <a:ext uri="{91240B29-F687-4f45-9708-019B960494DF}">
-                <a14:hiddenLine xmlns:a14="http://schemas.microsoft.com/office/drawing/2010/main" xmlns="" w="9525">
+                <a14:hiddenLine xmlns="" xmlns:a14="http://schemas.microsoft.com/office/drawing/2010/main" w="9525">
                   <a:solidFill>
                     <a:srgbClr val="000000"/>
                   </a:solidFill>
@@ -5978,7 +5983,7 @@
             </a:ln>
             <a:extLst>
               <a:ext uri="{91240B29-F687-4f45-9708-019B960494DF}">
-                <a14:hiddenLine xmlns:a14="http://schemas.microsoft.com/office/drawing/2010/main" xmlns="" w="9525">
+                <a14:hiddenLine xmlns="" xmlns:a14="http://schemas.microsoft.com/office/drawing/2010/main" w="9525">
                   <a:solidFill>
                     <a:srgbClr val="000000"/>
                   </a:solidFill>
@@ -6040,7 +6045,7 @@
             </a:ln>
             <a:extLst>
               <a:ext uri="{91240B29-F687-4f45-9708-019B960494DF}">
-                <a14:hiddenLine xmlns:a14="http://schemas.microsoft.com/office/drawing/2010/main" xmlns="" w="9525">
+                <a14:hiddenLine xmlns="" xmlns:a14="http://schemas.microsoft.com/office/drawing/2010/main" w="9525">
                   <a:solidFill>
                     <a:srgbClr val="000000"/>
                   </a:solidFill>
@@ -6130,7 +6135,7 @@
             </a:ln>
             <a:extLst>
               <a:ext uri="{91240B29-F687-4f45-9708-019B960494DF}">
-                <a14:hiddenLine xmlns:a14="http://schemas.microsoft.com/office/drawing/2010/main" xmlns="" w="9525">
+                <a14:hiddenLine xmlns="" xmlns:a14="http://schemas.microsoft.com/office/drawing/2010/main" w="9525">
                   <a:solidFill>
                     <a:srgbClr val="000000"/>
                   </a:solidFill>
@@ -6198,7 +6203,7 @@
             </a:ln>
             <a:extLst>
               <a:ext uri="{91240B29-F687-4f45-9708-019B960494DF}">
-                <a14:hiddenLine xmlns:a14="http://schemas.microsoft.com/office/drawing/2010/main" xmlns="" w="9525">
+                <a14:hiddenLine xmlns="" xmlns:a14="http://schemas.microsoft.com/office/drawing/2010/main" w="9525">
                   <a:solidFill>
                     <a:srgbClr val="000000"/>
                   </a:solidFill>
@@ -6260,7 +6265,7 @@
             </a:ln>
             <a:extLst>
               <a:ext uri="{91240B29-F687-4f45-9708-019B960494DF}">
-                <a14:hiddenLine xmlns:a14="http://schemas.microsoft.com/office/drawing/2010/main" xmlns="" w="9525">
+                <a14:hiddenLine xmlns="" xmlns:a14="http://schemas.microsoft.com/office/drawing/2010/main" w="9525">
                   <a:solidFill>
                     <a:srgbClr val="000000"/>
                   </a:solidFill>
@@ -6350,7 +6355,7 @@
             </a:ln>
             <a:extLst>
               <a:ext uri="{91240B29-F687-4f45-9708-019B960494DF}">
-                <a14:hiddenLine xmlns:a14="http://schemas.microsoft.com/office/drawing/2010/main" xmlns="" w="9525">
+                <a14:hiddenLine xmlns="" xmlns:a14="http://schemas.microsoft.com/office/drawing/2010/main" w="9525">
                   <a:solidFill>
                     <a:srgbClr val="000000"/>
                   </a:solidFill>
@@ -6412,7 +6417,7 @@
             </a:ln>
             <a:extLst>
               <a:ext uri="{91240B29-F687-4f45-9708-019B960494DF}">
-                <a14:hiddenLine xmlns:a14="http://schemas.microsoft.com/office/drawing/2010/main" xmlns="" w="9525">
+                <a14:hiddenLine xmlns="" xmlns:a14="http://schemas.microsoft.com/office/drawing/2010/main" w="9525">
                   <a:solidFill>
                     <a:srgbClr val="000000"/>
                   </a:solidFill>
@@ -6502,7 +6507,7 @@
             </a:ln>
             <a:extLst>
               <a:ext uri="{91240B29-F687-4f45-9708-019B960494DF}">
-                <a14:hiddenLine xmlns:a14="http://schemas.microsoft.com/office/drawing/2010/main" xmlns="" w="9525">
+                <a14:hiddenLine xmlns="" xmlns:a14="http://schemas.microsoft.com/office/drawing/2010/main" w="9525">
                   <a:solidFill>
                     <a:srgbClr val="000000"/>
                   </a:solidFill>
@@ -6564,7 +6569,7 @@
             </a:ln>
             <a:extLst>
               <a:ext uri="{91240B29-F687-4f45-9708-019B960494DF}">
-                <a14:hiddenLine xmlns:a14="http://schemas.microsoft.com/office/drawing/2010/main" xmlns="" w="9525">
+                <a14:hiddenLine xmlns="" xmlns:a14="http://schemas.microsoft.com/office/drawing/2010/main" w="9525">
                   <a:solidFill>
                     <a:srgbClr val="000000"/>
                   </a:solidFill>
@@ -6654,7 +6659,7 @@
             </a:ln>
             <a:extLst>
               <a:ext uri="{91240B29-F687-4f45-9708-019B960494DF}">
-                <a14:hiddenLine xmlns:a14="http://schemas.microsoft.com/office/drawing/2010/main" xmlns="" w="9525">
+                <a14:hiddenLine xmlns="" xmlns:a14="http://schemas.microsoft.com/office/drawing/2010/main" w="9525">
                   <a:solidFill>
                     <a:srgbClr val="000000"/>
                   </a:solidFill>
@@ -6688,7 +6693,7 @@
             </a:ln>
             <a:extLst>
               <a:ext uri="{91240B29-F687-4f45-9708-019B960494DF}">
-                <a14:hiddenLine xmlns:a14="http://schemas.microsoft.com/office/drawing/2010/main" xmlns="" w="9525">
+                <a14:hiddenLine xmlns="" xmlns:a14="http://schemas.microsoft.com/office/drawing/2010/main" w="9525">
                   <a:solidFill>
                     <a:srgbClr val="000000"/>
                   </a:solidFill>
@@ -6753,7 +6758,7 @@
             </a:ln>
             <a:extLst>
               <a:ext uri="{91240B29-F687-4f45-9708-019B960494DF}">
-                <a14:hiddenLine xmlns:a14="http://schemas.microsoft.com/office/drawing/2010/main" xmlns="" w="9525">
+                <a14:hiddenLine xmlns="" xmlns:a14="http://schemas.microsoft.com/office/drawing/2010/main" w="9525">
                   <a:solidFill>
                     <a:srgbClr val="000000"/>
                   </a:solidFill>
@@ -6843,7 +6848,7 @@
             </a:ln>
             <a:extLst>
               <a:ext uri="{91240B29-F687-4f45-9708-019B960494DF}">
-                <a14:hiddenLine xmlns:a14="http://schemas.microsoft.com/office/drawing/2010/main" xmlns="" w="9525">
+                <a14:hiddenLine xmlns="" xmlns:a14="http://schemas.microsoft.com/office/drawing/2010/main" w="9525">
                   <a:solidFill>
                     <a:srgbClr val="000000"/>
                   </a:solidFill>
@@ -6905,7 +6910,7 @@
             </a:ln>
             <a:extLst>
               <a:ext uri="{91240B29-F687-4f45-9708-019B960494DF}">
-                <a14:hiddenLine xmlns:a14="http://schemas.microsoft.com/office/drawing/2010/main" xmlns="" w="9525">
+                <a14:hiddenLine xmlns="" xmlns:a14="http://schemas.microsoft.com/office/drawing/2010/main" w="9525">
                   <a:solidFill>
                     <a:srgbClr val="000000"/>
                   </a:solidFill>
@@ -6995,7 +7000,7 @@
             </a:ln>
             <a:extLst>
               <a:ext uri="{91240B29-F687-4f45-9708-019B960494DF}">
-                <a14:hiddenLine xmlns:a14="http://schemas.microsoft.com/office/drawing/2010/main" xmlns="" w="9525">
+                <a14:hiddenLine xmlns="" xmlns:a14="http://schemas.microsoft.com/office/drawing/2010/main" w="9525">
                   <a:solidFill>
                     <a:srgbClr val="000000"/>
                   </a:solidFill>
@@ -7085,7 +7090,7 @@
             </a:ln>
             <a:extLst>
               <a:ext uri="{91240B29-F687-4f45-9708-019B960494DF}">
-                <a14:hiddenLine xmlns:a14="http://schemas.microsoft.com/office/drawing/2010/main" xmlns="" w="9525">
+                <a14:hiddenLine xmlns="" xmlns:a14="http://schemas.microsoft.com/office/drawing/2010/main" w="9525">
                   <a:solidFill>
                     <a:srgbClr val="000000"/>
                   </a:solidFill>
@@ -7150,7 +7155,7 @@
             </a:ln>
             <a:extLst>
               <a:ext uri="{91240B29-F687-4f45-9708-019B960494DF}">
-                <a14:hiddenLine xmlns:a14="http://schemas.microsoft.com/office/drawing/2010/main" xmlns="" w="9525">
+                <a14:hiddenLine xmlns="" xmlns:a14="http://schemas.microsoft.com/office/drawing/2010/main" w="9525">
                   <a:solidFill>
                     <a:srgbClr val="000000"/>
                   </a:solidFill>
@@ -7212,7 +7217,7 @@
             </a:ln>
             <a:extLst>
               <a:ext uri="{91240B29-F687-4f45-9708-019B960494DF}">
-                <a14:hiddenLine xmlns:a14="http://schemas.microsoft.com/office/drawing/2010/main" xmlns="" w="9525">
+                <a14:hiddenLine xmlns="" xmlns:a14="http://schemas.microsoft.com/office/drawing/2010/main" w="9525">
                   <a:solidFill>
                     <a:srgbClr val="000000"/>
                   </a:solidFill>
@@ -7302,7 +7307,7 @@
             </a:ln>
             <a:extLst>
               <a:ext uri="{91240B29-F687-4f45-9708-019B960494DF}">
-                <a14:hiddenLine xmlns:a14="http://schemas.microsoft.com/office/drawing/2010/main" xmlns="" w="9525">
+                <a14:hiddenLine xmlns="" xmlns:a14="http://schemas.microsoft.com/office/drawing/2010/main" w="9525">
                   <a:solidFill>
                     <a:srgbClr val="000000"/>
                   </a:solidFill>
@@ -7392,7 +7397,7 @@
             </a:ln>
             <a:extLst>
               <a:ext uri="{91240B29-F687-4f45-9708-019B960494DF}">
-                <a14:hiddenLine xmlns:a14="http://schemas.microsoft.com/office/drawing/2010/main" xmlns="" w="9525">
+                <a14:hiddenLine xmlns="" xmlns:a14="http://schemas.microsoft.com/office/drawing/2010/main" w="9525">
                   <a:solidFill>
                     <a:srgbClr val="000000"/>
                   </a:solidFill>
@@ -7454,7 +7459,7 @@
             </a:ln>
             <a:extLst>
               <a:ext uri="{91240B29-F687-4f45-9708-019B960494DF}">
-                <a14:hiddenLine xmlns:a14="http://schemas.microsoft.com/office/drawing/2010/main" xmlns="" w="9525">
+                <a14:hiddenLine xmlns="" xmlns:a14="http://schemas.microsoft.com/office/drawing/2010/main" w="9525">
                   <a:solidFill>
                     <a:srgbClr val="000000"/>
                   </a:solidFill>
@@ -7574,7 +7579,7 @@
             </a:ln>
             <a:extLst>
               <a:ext uri="{91240B29-F687-4f45-9708-019B960494DF}">
-                <a14:hiddenLine xmlns:a14="http://schemas.microsoft.com/office/drawing/2010/main" xmlns="" w="9525">
+                <a14:hiddenLine xmlns="" xmlns:a14="http://schemas.microsoft.com/office/drawing/2010/main" w="9525">
                   <a:solidFill>
                     <a:srgbClr val="000000"/>
                   </a:solidFill>
@@ -7642,7 +7647,7 @@
             </a:ln>
             <a:extLst>
               <a:ext uri="{91240B29-F687-4f45-9708-019B960494DF}">
-                <a14:hiddenLine xmlns:a14="http://schemas.microsoft.com/office/drawing/2010/main" xmlns="" w="9525">
+                <a14:hiddenLine xmlns="" xmlns:a14="http://schemas.microsoft.com/office/drawing/2010/main" w="9525">
                   <a:solidFill>
                     <a:srgbClr val="000000"/>
                   </a:solidFill>
@@ -7732,7 +7737,7 @@
             </a:ln>
             <a:extLst>
               <a:ext uri="{91240B29-F687-4f45-9708-019B960494DF}">
-                <a14:hiddenLine xmlns:a14="http://schemas.microsoft.com/office/drawing/2010/main" xmlns="" w="9525">
+                <a14:hiddenLine xmlns="" xmlns:a14="http://schemas.microsoft.com/office/drawing/2010/main" w="9525">
                   <a:solidFill>
                     <a:srgbClr val="000000"/>
                   </a:solidFill>
@@ -7872,7 +7877,7 @@
           <a:p>
             <a:fld id="{48A87A34-81AB-432B-8DAE-1953F412C126}" type="datetimeFigureOut">
               <a:rPr lang="en-US" dirty="0"/>
-              <a:t>4/6/2025</a:t>
+              <a:t>4/7/2025</a:t>
             </a:fld>
             <a:endParaRPr lang="en-US" dirty="0"/>
           </a:p>
@@ -8134,7 +8139,7 @@
           <a:p>
             <a:fld id="{48A87A34-81AB-432B-8DAE-1953F412C126}" type="datetimeFigureOut">
               <a:rPr lang="en-US" dirty="0"/>
-              <a:t>4/6/2025</a:t>
+              <a:t>4/7/2025</a:t>
             </a:fld>
             <a:endParaRPr lang="en-US" dirty="0"/>
           </a:p>
@@ -8325,7 +8330,7 @@
           <a:p>
             <a:fld id="{48A87A34-81AB-432B-8DAE-1953F412C126}" type="datetimeFigureOut">
               <a:rPr lang="en-US" dirty="0"/>
-              <a:t>4/6/2025</a:t>
+              <a:t>4/7/2025</a:t>
             </a:fld>
             <a:endParaRPr lang="en-US" dirty="0"/>
           </a:p>
@@ -8583,7 +8588,7 @@
           <a:p>
             <a:fld id="{48A87A34-81AB-432B-8DAE-1953F412C126}" type="datetimeFigureOut">
               <a:rPr lang="en-US" dirty="0"/>
-              <a:t>4/6/2025</a:t>
+              <a:t>4/7/2025</a:t>
             </a:fld>
             <a:endParaRPr lang="en-US" dirty="0"/>
           </a:p>
@@ -9012,7 +9017,7 @@
           <a:p>
             <a:fld id="{48A87A34-81AB-432B-8DAE-1953F412C126}" type="datetimeFigureOut">
               <a:rPr lang="en-US" dirty="0"/>
-              <a:t>4/6/2025</a:t>
+              <a:t>4/7/2025</a:t>
             </a:fld>
             <a:endParaRPr lang="en-US" dirty="0"/>
           </a:p>
@@ -9553,7 +9558,7 @@
           <a:p>
             <a:fld id="{48A87A34-81AB-432B-8DAE-1953F412C126}" type="datetimeFigureOut">
               <a:rPr lang="en-US" dirty="0"/>
-              <a:t>4/6/2025</a:t>
+              <a:t>4/7/2025</a:t>
             </a:fld>
             <a:endParaRPr lang="en-US" dirty="0"/>
           </a:p>
@@ -10268,7 +10273,7 @@
           <a:p>
             <a:fld id="{48A87A34-81AB-432B-8DAE-1953F412C126}" type="datetimeFigureOut">
               <a:rPr lang="en-US" dirty="0"/>
-              <a:t>4/6/2025</a:t>
+              <a:t>4/7/2025</a:t>
             </a:fld>
             <a:endParaRPr lang="en-US" dirty="0"/>
           </a:p>
@@ -10433,7 +10438,7 @@
           <a:p>
             <a:fld id="{48A87A34-81AB-432B-8DAE-1953F412C126}" type="datetimeFigureOut">
               <a:rPr lang="en-US" dirty="0"/>
-              <a:t>4/6/2025</a:t>
+              <a:t>4/7/2025</a:t>
             </a:fld>
             <a:endParaRPr lang="en-US" dirty="0"/>
           </a:p>
@@ -10608,7 +10613,7 @@
           <a:p>
             <a:fld id="{48A87A34-81AB-432B-8DAE-1953F412C126}" type="datetimeFigureOut">
               <a:rPr lang="en-US" dirty="0"/>
-              <a:t>4/6/2025</a:t>
+              <a:t>4/7/2025</a:t>
             </a:fld>
             <a:endParaRPr lang="en-US" dirty="0"/>
           </a:p>
@@ -10773,7 +10778,7 @@
           <a:p>
             <a:fld id="{48A87A34-81AB-432B-8DAE-1953F412C126}" type="datetimeFigureOut">
               <a:rPr lang="en-US" dirty="0"/>
-              <a:t>4/6/2025</a:t>
+              <a:t>4/7/2025</a:t>
             </a:fld>
             <a:endParaRPr lang="en-US" dirty="0"/>
           </a:p>
@@ -11018,7 +11023,7 @@
           <a:p>
             <a:fld id="{48A87A34-81AB-432B-8DAE-1953F412C126}" type="datetimeFigureOut">
               <a:rPr lang="en-US" dirty="0"/>
-              <a:t>4/6/2025</a:t>
+              <a:t>4/7/2025</a:t>
             </a:fld>
             <a:endParaRPr lang="en-US" dirty="0"/>
           </a:p>
@@ -11245,7 +11250,7 @@
           <a:p>
             <a:fld id="{48A87A34-81AB-432B-8DAE-1953F412C126}" type="datetimeFigureOut">
               <a:rPr lang="en-US" dirty="0"/>
-              <a:t>4/6/2025</a:t>
+              <a:t>4/7/2025</a:t>
             </a:fld>
             <a:endParaRPr lang="en-US" dirty="0"/>
           </a:p>
@@ -11621,7 +11626,7 @@
           <a:p>
             <a:fld id="{48A87A34-81AB-432B-8DAE-1953F412C126}" type="datetimeFigureOut">
               <a:rPr lang="en-US" dirty="0"/>
-              <a:t>4/6/2025</a:t>
+              <a:t>4/7/2025</a:t>
             </a:fld>
             <a:endParaRPr lang="en-US" dirty="0"/>
           </a:p>
@@ -11734,7 +11739,7 @@
           <a:p>
             <a:fld id="{48A87A34-81AB-432B-8DAE-1953F412C126}" type="datetimeFigureOut">
               <a:rPr lang="en-US" dirty="0"/>
-              <a:t>4/6/2025</a:t>
+              <a:t>4/7/2025</a:t>
             </a:fld>
             <a:endParaRPr lang="en-US" dirty="0"/>
           </a:p>
@@ -11824,7 +11829,7 @@
           <a:p>
             <a:fld id="{48A87A34-81AB-432B-8DAE-1953F412C126}" type="datetimeFigureOut">
               <a:rPr lang="en-US" dirty="0"/>
-              <a:t>4/6/2025</a:t>
+              <a:t>4/7/2025</a:t>
             </a:fld>
             <a:endParaRPr lang="en-US" dirty="0"/>
           </a:p>
@@ -12068,7 +12073,7 @@
           <a:p>
             <a:fld id="{48A87A34-81AB-432B-8DAE-1953F412C126}" type="datetimeFigureOut">
               <a:rPr lang="en-US" dirty="0"/>
-              <a:t>4/6/2025</a:t>
+              <a:t>4/7/2025</a:t>
             </a:fld>
             <a:endParaRPr lang="en-US" dirty="0"/>
           </a:p>
@@ -12343,7 +12348,7 @@
           <a:p>
             <a:fld id="{48A87A34-81AB-432B-8DAE-1953F412C126}" type="datetimeFigureOut">
               <a:rPr lang="en-US" dirty="0"/>
-              <a:t>4/6/2025</a:t>
+              <a:t>4/7/2025</a:t>
             </a:fld>
             <a:endParaRPr lang="en-US" dirty="0"/>
           </a:p>
@@ -12454,7 +12459,7 @@
           <a:noFill/>
           <a:extLst>
             <a:ext uri="{909E8E84-426E-40dd-AFC4-6F175D3DCCD1}">
-              <a14:hiddenFill xmlns:a14="http://schemas.microsoft.com/office/drawing/2010/main" xmlns="">
+              <a14:hiddenFill xmlns="" xmlns:a14="http://schemas.microsoft.com/office/drawing/2010/main">
                 <a:solidFill>
                   <a:srgbClr val="FFFFFF"/>
                 </a:solidFill>
@@ -12528,7 +12533,7 @@
               </a:ln>
               <a:extLst>
                 <a:ext uri="{91240B29-F687-4f45-9708-019B960494DF}">
-                  <a14:hiddenLine xmlns:a14="http://schemas.microsoft.com/office/drawing/2010/main" xmlns="" w="9525">
+                  <a14:hiddenLine xmlns="" xmlns:a14="http://schemas.microsoft.com/office/drawing/2010/main" w="9525">
                     <a:solidFill>
                       <a:srgbClr val="000000"/>
                     </a:solidFill>
@@ -12618,7 +12623,7 @@
               </a:ln>
               <a:extLst>
                 <a:ext uri="{91240B29-F687-4f45-9708-019B960494DF}">
-                  <a14:hiddenLine xmlns:a14="http://schemas.microsoft.com/office/drawing/2010/main" xmlns="" w="9525">
+                  <a14:hiddenLine xmlns="" xmlns:a14="http://schemas.microsoft.com/office/drawing/2010/main" w="9525">
                     <a:solidFill>
                       <a:srgbClr val="000000"/>
                     </a:solidFill>
@@ -12708,7 +12713,7 @@
               </a:ln>
               <a:extLst>
                 <a:ext uri="{91240B29-F687-4f45-9708-019B960494DF}">
-                  <a14:hiddenLine xmlns:a14="http://schemas.microsoft.com/office/drawing/2010/main" xmlns="" w="9525">
+                  <a14:hiddenLine xmlns="" xmlns:a14="http://schemas.microsoft.com/office/drawing/2010/main" w="9525">
                     <a:solidFill>
                       <a:srgbClr val="000000"/>
                     </a:solidFill>
@@ -12770,7 +12775,7 @@
               </a:ln>
               <a:extLst>
                 <a:ext uri="{91240B29-F687-4f45-9708-019B960494DF}">
-                  <a14:hiddenLine xmlns:a14="http://schemas.microsoft.com/office/drawing/2010/main" xmlns="" w="9525">
+                  <a14:hiddenLine xmlns="" xmlns:a14="http://schemas.microsoft.com/office/drawing/2010/main" w="9525">
                     <a:solidFill>
                       <a:srgbClr val="000000"/>
                     </a:solidFill>
@@ -12860,7 +12865,7 @@
               </a:ln>
               <a:extLst>
                 <a:ext uri="{91240B29-F687-4f45-9708-019B960494DF}">
-                  <a14:hiddenLine xmlns:a14="http://schemas.microsoft.com/office/drawing/2010/main" xmlns="" w="9525">
+                  <a14:hiddenLine xmlns="" xmlns:a14="http://schemas.microsoft.com/office/drawing/2010/main" w="9525">
                     <a:solidFill>
                       <a:srgbClr val="000000"/>
                     </a:solidFill>
@@ -12922,7 +12927,7 @@
               </a:ln>
               <a:extLst>
                 <a:ext uri="{91240B29-F687-4f45-9708-019B960494DF}">
-                  <a14:hiddenLine xmlns:a14="http://schemas.microsoft.com/office/drawing/2010/main" xmlns="" w="9525">
+                  <a14:hiddenLine xmlns="" xmlns:a14="http://schemas.microsoft.com/office/drawing/2010/main" w="9525">
                     <a:solidFill>
                       <a:srgbClr val="000000"/>
                     </a:solidFill>
@@ -12984,7 +12989,7 @@
               </a:ln>
               <a:extLst>
                 <a:ext uri="{91240B29-F687-4f45-9708-019B960494DF}">
-                  <a14:hiddenLine xmlns:a14="http://schemas.microsoft.com/office/drawing/2010/main" xmlns="" w="9525">
+                  <a14:hiddenLine xmlns="" xmlns:a14="http://schemas.microsoft.com/office/drawing/2010/main" w="9525">
                     <a:solidFill>
                       <a:srgbClr val="000000"/>
                     </a:solidFill>
@@ -13074,7 +13079,7 @@
               </a:ln>
               <a:extLst>
                 <a:ext uri="{91240B29-F687-4f45-9708-019B960494DF}">
-                  <a14:hiddenLine xmlns:a14="http://schemas.microsoft.com/office/drawing/2010/main" xmlns="" w="9525">
+                  <a14:hiddenLine xmlns="" xmlns:a14="http://schemas.microsoft.com/office/drawing/2010/main" w="9525">
                     <a:solidFill>
                       <a:srgbClr val="000000"/>
                     </a:solidFill>
@@ -13164,7 +13169,7 @@
               </a:ln>
               <a:extLst>
                 <a:ext uri="{91240B29-F687-4f45-9708-019B960494DF}">
-                  <a14:hiddenLine xmlns:a14="http://schemas.microsoft.com/office/drawing/2010/main" xmlns="" w="9525">
+                  <a14:hiddenLine xmlns="" xmlns:a14="http://schemas.microsoft.com/office/drawing/2010/main" w="9525">
                     <a:solidFill>
                       <a:srgbClr val="000000"/>
                     </a:solidFill>
@@ -13226,7 +13231,7 @@
               </a:ln>
               <a:extLst>
                 <a:ext uri="{91240B29-F687-4f45-9708-019B960494DF}">
-                  <a14:hiddenLine xmlns:a14="http://schemas.microsoft.com/office/drawing/2010/main" xmlns="" w="9525">
+                  <a14:hiddenLine xmlns="" xmlns:a14="http://schemas.microsoft.com/office/drawing/2010/main" w="9525">
                     <a:solidFill>
                       <a:srgbClr val="000000"/>
                     </a:solidFill>
@@ -13336,7 +13341,7 @@
               </a:ln>
               <a:extLst>
                 <a:ext uri="{91240B29-F687-4f45-9708-019B960494DF}">
-                  <a14:hiddenLine xmlns:a14="http://schemas.microsoft.com/office/drawing/2010/main" xmlns="" w="9525">
+                  <a14:hiddenLine xmlns="" xmlns:a14="http://schemas.microsoft.com/office/drawing/2010/main" w="9525">
                     <a:solidFill>
                       <a:srgbClr val="000000"/>
                     </a:solidFill>
@@ -13420,7 +13425,7 @@
               </a:ln>
               <a:extLst>
                 <a:ext uri="{91240B29-F687-4f45-9708-019B960494DF}">
-                  <a14:hiddenLine xmlns:a14="http://schemas.microsoft.com/office/drawing/2010/main" xmlns="" w="9525">
+                  <a14:hiddenLine xmlns="" xmlns:a14="http://schemas.microsoft.com/office/drawing/2010/main" w="9525">
                     <a:solidFill>
                       <a:srgbClr val="000000"/>
                     </a:solidFill>
@@ -13482,7 +13487,7 @@
               </a:ln>
               <a:extLst>
                 <a:ext uri="{91240B29-F687-4f45-9708-019B960494DF}">
-                  <a14:hiddenLine xmlns:a14="http://schemas.microsoft.com/office/drawing/2010/main" xmlns="" w="9525">
+                  <a14:hiddenLine xmlns="" xmlns:a14="http://schemas.microsoft.com/office/drawing/2010/main" w="9525">
                     <a:solidFill>
                       <a:srgbClr val="000000"/>
                     </a:solidFill>
@@ -13544,7 +13549,7 @@
               </a:ln>
               <a:extLst>
                 <a:ext uri="{91240B29-F687-4f45-9708-019B960494DF}">
-                  <a14:hiddenLine xmlns:a14="http://schemas.microsoft.com/office/drawing/2010/main" xmlns="" w="9525">
+                  <a14:hiddenLine xmlns="" xmlns:a14="http://schemas.microsoft.com/office/drawing/2010/main" w="9525">
                     <a:solidFill>
                       <a:srgbClr val="000000"/>
                     </a:solidFill>
@@ -13634,7 +13639,7 @@
               </a:ln>
               <a:extLst>
                 <a:ext uri="{91240B29-F687-4f45-9708-019B960494DF}">
-                  <a14:hiddenLine xmlns:a14="http://schemas.microsoft.com/office/drawing/2010/main" xmlns="" w="9525">
+                  <a14:hiddenLine xmlns="" xmlns:a14="http://schemas.microsoft.com/office/drawing/2010/main" w="9525">
                     <a:solidFill>
                       <a:srgbClr val="000000"/>
                     </a:solidFill>
@@ -13668,7 +13673,7 @@
               </a:ln>
               <a:extLst>
                 <a:ext uri="{91240B29-F687-4f45-9708-019B960494DF}">
-                  <a14:hiddenLine xmlns:a14="http://schemas.microsoft.com/office/drawing/2010/main" xmlns="" w="9525">
+                  <a14:hiddenLine xmlns="" xmlns:a14="http://schemas.microsoft.com/office/drawing/2010/main" w="9525">
                     <a:solidFill>
                       <a:srgbClr val="000000"/>
                     </a:solidFill>
@@ -13733,7 +13738,7 @@
               </a:ln>
               <a:extLst>
                 <a:ext uri="{91240B29-F687-4f45-9708-019B960494DF}">
-                  <a14:hiddenLine xmlns:a14="http://schemas.microsoft.com/office/drawing/2010/main" xmlns="" w="9525">
+                  <a14:hiddenLine xmlns="" xmlns:a14="http://schemas.microsoft.com/office/drawing/2010/main" w="9525">
                     <a:solidFill>
                       <a:srgbClr val="000000"/>
                     </a:solidFill>
@@ -13823,7 +13828,7 @@
               </a:ln>
               <a:extLst>
                 <a:ext uri="{91240B29-F687-4f45-9708-019B960494DF}">
-                  <a14:hiddenLine xmlns:a14="http://schemas.microsoft.com/office/drawing/2010/main" xmlns="" w="9525">
+                  <a14:hiddenLine xmlns="" xmlns:a14="http://schemas.microsoft.com/office/drawing/2010/main" w="9525">
                     <a:solidFill>
                       <a:srgbClr val="000000"/>
                     </a:solidFill>
@@ -13885,7 +13890,7 @@
               </a:ln>
               <a:extLst>
                 <a:ext uri="{91240B29-F687-4f45-9708-019B960494DF}">
-                  <a14:hiddenLine xmlns:a14="http://schemas.microsoft.com/office/drawing/2010/main" xmlns="" w="9525">
+                  <a14:hiddenLine xmlns="" xmlns:a14="http://schemas.microsoft.com/office/drawing/2010/main" w="9525">
                     <a:solidFill>
                       <a:srgbClr val="000000"/>
                     </a:solidFill>
@@ -13975,7 +13980,7 @@
               </a:ln>
               <a:extLst>
                 <a:ext uri="{91240B29-F687-4f45-9708-019B960494DF}">
-                  <a14:hiddenLine xmlns:a14="http://schemas.microsoft.com/office/drawing/2010/main" xmlns="" w="9525">
+                  <a14:hiddenLine xmlns="" xmlns:a14="http://schemas.microsoft.com/office/drawing/2010/main" w="9525">
                     <a:solidFill>
                       <a:srgbClr val="000000"/>
                     </a:solidFill>
@@ -14040,7 +14045,7 @@
               </a:ln>
               <a:extLst>
                 <a:ext uri="{91240B29-F687-4f45-9708-019B960494DF}">
-                  <a14:hiddenLine xmlns:a14="http://schemas.microsoft.com/office/drawing/2010/main" xmlns="" w="9525">
+                  <a14:hiddenLine xmlns="" xmlns:a14="http://schemas.microsoft.com/office/drawing/2010/main" w="9525">
                     <a:solidFill>
                       <a:srgbClr val="000000"/>
                     </a:solidFill>
@@ -14102,7 +14107,7 @@
               </a:ln>
               <a:extLst>
                 <a:ext uri="{91240B29-F687-4f45-9708-019B960494DF}">
-                  <a14:hiddenLine xmlns:a14="http://schemas.microsoft.com/office/drawing/2010/main" xmlns="" w="9525">
+                  <a14:hiddenLine xmlns="" xmlns:a14="http://schemas.microsoft.com/office/drawing/2010/main" w="9525">
                     <a:solidFill>
                       <a:srgbClr val="000000"/>
                     </a:solidFill>
@@ -14192,7 +14197,7 @@
               </a:ln>
               <a:extLst>
                 <a:ext uri="{91240B29-F687-4f45-9708-019B960494DF}">
-                  <a14:hiddenLine xmlns:a14="http://schemas.microsoft.com/office/drawing/2010/main" xmlns="" w="9525">
+                  <a14:hiddenLine xmlns="" xmlns:a14="http://schemas.microsoft.com/office/drawing/2010/main" w="9525">
                     <a:solidFill>
                       <a:srgbClr val="000000"/>
                     </a:solidFill>
@@ -14282,7 +14287,7 @@
               </a:ln>
               <a:extLst>
                 <a:ext uri="{91240B29-F687-4f45-9708-019B960494DF}">
-                  <a14:hiddenLine xmlns:a14="http://schemas.microsoft.com/office/drawing/2010/main" xmlns="" w="9525">
+                  <a14:hiddenLine xmlns="" xmlns:a14="http://schemas.microsoft.com/office/drawing/2010/main" w="9525">
                     <a:solidFill>
                       <a:srgbClr val="000000"/>
                     </a:solidFill>
@@ -14347,7 +14352,7 @@
               </a:ln>
               <a:extLst>
                 <a:ext uri="{91240B29-F687-4f45-9708-019B960494DF}">
-                  <a14:hiddenLine xmlns:a14="http://schemas.microsoft.com/office/drawing/2010/main" xmlns="" w="9525">
+                  <a14:hiddenLine xmlns="" xmlns:a14="http://schemas.microsoft.com/office/drawing/2010/main" w="9525">
                     <a:solidFill>
                       <a:srgbClr val="000000"/>
                     </a:solidFill>
@@ -14467,7 +14472,7 @@
               </a:ln>
               <a:extLst>
                 <a:ext uri="{91240B29-F687-4f45-9708-019B960494DF}">
-                  <a14:hiddenLine xmlns:a14="http://schemas.microsoft.com/office/drawing/2010/main" xmlns="" w="9525">
+                  <a14:hiddenLine xmlns="" xmlns:a14="http://schemas.microsoft.com/office/drawing/2010/main" w="9525">
                     <a:solidFill>
                       <a:srgbClr val="000000"/>
                     </a:solidFill>
@@ -14565,7 +14570,7 @@
               </a:ln>
               <a:extLst>
                 <a:ext uri="{91240B29-F687-4f45-9708-019B960494DF}">
-                  <a14:hiddenLine xmlns:a14="http://schemas.microsoft.com/office/drawing/2010/main" xmlns="" w="9525">
+                  <a14:hiddenLine xmlns="" xmlns:a14="http://schemas.microsoft.com/office/drawing/2010/main" w="9525">
                     <a:solidFill>
                       <a:srgbClr val="000000"/>
                     </a:solidFill>
@@ -14680,7 +14685,7 @@
               </a:ln>
               <a:extLst>
                 <a:ext uri="{91240B29-F687-4f45-9708-019B960494DF}">
-                  <a14:hiddenLine xmlns:a14="http://schemas.microsoft.com/office/drawing/2010/main" xmlns="" w="9525">
+                  <a14:hiddenLine xmlns="" xmlns:a14="http://schemas.microsoft.com/office/drawing/2010/main" w="9525">
                     <a:solidFill>
                       <a:srgbClr val="000000"/>
                     </a:solidFill>
@@ -14770,7 +14775,7 @@
               </a:ln>
               <a:extLst>
                 <a:ext uri="{91240B29-F687-4f45-9708-019B960494DF}">
-                  <a14:hiddenLine xmlns:a14="http://schemas.microsoft.com/office/drawing/2010/main" xmlns="" w="9525">
+                  <a14:hiddenLine xmlns="" xmlns:a14="http://schemas.microsoft.com/office/drawing/2010/main" w="9525">
                     <a:solidFill>
                       <a:srgbClr val="000000"/>
                     </a:solidFill>
@@ -14835,7 +14840,7 @@
               </a:ln>
               <a:extLst>
                 <a:ext uri="{91240B29-F687-4f45-9708-019B960494DF}">
-                  <a14:hiddenLine xmlns:a14="http://schemas.microsoft.com/office/drawing/2010/main" xmlns="" w="9525">
+                  <a14:hiddenLine xmlns="" xmlns:a14="http://schemas.microsoft.com/office/drawing/2010/main" w="9525">
                     <a:solidFill>
                       <a:srgbClr val="000000"/>
                     </a:solidFill>
@@ -14925,7 +14930,7 @@
               </a:ln>
               <a:extLst>
                 <a:ext uri="{91240B29-F687-4f45-9708-019B960494DF}">
-                  <a14:hiddenLine xmlns:a14="http://schemas.microsoft.com/office/drawing/2010/main" xmlns="" w="9525">
+                  <a14:hiddenLine xmlns="" xmlns:a14="http://schemas.microsoft.com/office/drawing/2010/main" w="9525">
                     <a:solidFill>
                       <a:srgbClr val="000000"/>
                     </a:solidFill>
@@ -14993,7 +14998,7 @@
               </a:ln>
               <a:extLst>
                 <a:ext uri="{91240B29-F687-4f45-9708-019B960494DF}">
-                  <a14:hiddenLine xmlns:a14="http://schemas.microsoft.com/office/drawing/2010/main" xmlns="" w="9525">
+                  <a14:hiddenLine xmlns="" xmlns:a14="http://schemas.microsoft.com/office/drawing/2010/main" w="9525">
                     <a:solidFill>
                       <a:srgbClr val="000000"/>
                     </a:solidFill>
@@ -15083,7 +15088,7 @@
               </a:ln>
               <a:extLst>
                 <a:ext uri="{91240B29-F687-4f45-9708-019B960494DF}">
-                  <a14:hiddenLine xmlns:a14="http://schemas.microsoft.com/office/drawing/2010/main" xmlns="" w="9525">
+                  <a14:hiddenLine xmlns="" xmlns:a14="http://schemas.microsoft.com/office/drawing/2010/main" w="9525">
                     <a:solidFill>
                       <a:srgbClr val="000000"/>
                     </a:solidFill>
@@ -15151,7 +15156,7 @@
               </a:ln>
               <a:extLst>
                 <a:ext uri="{91240B29-F687-4f45-9708-019B960494DF}">
-                  <a14:hiddenLine xmlns:a14="http://schemas.microsoft.com/office/drawing/2010/main" xmlns="" w="9525">
+                  <a14:hiddenLine xmlns="" xmlns:a14="http://schemas.microsoft.com/office/drawing/2010/main" w="9525">
                     <a:solidFill>
                       <a:srgbClr val="000000"/>
                     </a:solidFill>
@@ -15241,7 +15246,7 @@
               </a:ln>
               <a:extLst>
                 <a:ext uri="{91240B29-F687-4f45-9708-019B960494DF}">
-                  <a14:hiddenLine xmlns:a14="http://schemas.microsoft.com/office/drawing/2010/main" xmlns="" w="9525">
+                  <a14:hiddenLine xmlns="" xmlns:a14="http://schemas.microsoft.com/office/drawing/2010/main" w="9525">
                     <a:solidFill>
                       <a:srgbClr val="000000"/>
                     </a:solidFill>
@@ -15275,7 +15280,7 @@
               </a:ln>
               <a:extLst>
                 <a:ext uri="{91240B29-F687-4f45-9708-019B960494DF}">
-                  <a14:hiddenLine xmlns:a14="http://schemas.microsoft.com/office/drawing/2010/main" xmlns="" w="9525">
+                  <a14:hiddenLine xmlns="" xmlns:a14="http://schemas.microsoft.com/office/drawing/2010/main" w="9525">
                     <a:solidFill>
                       <a:srgbClr val="000000"/>
                     </a:solidFill>
@@ -15416,7 +15421,7 @@
             <a:fld id="{48A87A34-81AB-432B-8DAE-1953F412C126}" type="datetimeFigureOut">
               <a:rPr lang="en-US" dirty="0"/>
               <a:pPr/>
-              <a:t>4/6/2025</a:t>
+              <a:t>4/7/2025</a:t>
             </a:fld>
             <a:endParaRPr lang="en-US" dirty="0"/>
           </a:p>
@@ -16019,7 +16024,7 @@
           <a:noFill/>
           <a:extLst>
             <a:ext uri="{909E8E84-426E-40dd-AFC4-6F175D3DCCD1}">
-              <a14:hiddenFill xmlns="" xmlns:a16="http://schemas.microsoft.com/office/drawing/2014/main" xmlns:p14="http://schemas.microsoft.com/office/powerpoint/2010/main" xmlns:a14="http://schemas.microsoft.com/office/drawing/2010/main">
+              <a14:hiddenFill xmlns:a14="http://schemas.microsoft.com/office/drawing/2010/main" xmlns:p14="http://schemas.microsoft.com/office/powerpoint/2010/main" xmlns:a16="http://schemas.microsoft.com/office/drawing/2014/main" xmlns="">
                 <a:solidFill>
                   <a:srgbClr val="FFFFFF"/>
                 </a:solidFill>
@@ -16140,7 +16145,7 @@
               </a:ln>
               <a:extLst>
                 <a:ext uri="{91240B29-F687-4f45-9708-019B960494DF}">
-                  <a14:hiddenLine xmlns="" xmlns:a16="http://schemas.microsoft.com/office/drawing/2014/main" xmlns:p14="http://schemas.microsoft.com/office/powerpoint/2010/main" xmlns:a14="http://schemas.microsoft.com/office/drawing/2010/main" w="9525">
+                  <a14:hiddenLine xmlns:a14="http://schemas.microsoft.com/office/drawing/2010/main" xmlns:p14="http://schemas.microsoft.com/office/powerpoint/2010/main" xmlns:a16="http://schemas.microsoft.com/office/drawing/2014/main" xmlns="" w="9525">
                     <a:solidFill>
                       <a:srgbClr val="000000"/>
                     </a:solidFill>
@@ -16252,7 +16257,7 @@
               </a:ln>
               <a:extLst>
                 <a:ext uri="{91240B29-F687-4f45-9708-019B960494DF}">
-                  <a14:hiddenLine xmlns="" xmlns:a16="http://schemas.microsoft.com/office/drawing/2014/main" xmlns:p14="http://schemas.microsoft.com/office/powerpoint/2010/main" xmlns:a14="http://schemas.microsoft.com/office/drawing/2010/main" w="9525">
+                  <a14:hiddenLine xmlns:a14="http://schemas.microsoft.com/office/drawing/2010/main" xmlns:p14="http://schemas.microsoft.com/office/powerpoint/2010/main" xmlns:a16="http://schemas.microsoft.com/office/drawing/2014/main" xmlns="" w="9525">
                     <a:solidFill>
                       <a:srgbClr val="000000"/>
                     </a:solidFill>
@@ -16364,7 +16369,7 @@
               </a:ln>
               <a:extLst>
                 <a:ext uri="{91240B29-F687-4f45-9708-019B960494DF}">
-                  <a14:hiddenLine xmlns="" xmlns:a16="http://schemas.microsoft.com/office/drawing/2014/main" xmlns:p14="http://schemas.microsoft.com/office/powerpoint/2010/main" xmlns:a14="http://schemas.microsoft.com/office/drawing/2010/main" w="9525">
+                  <a14:hiddenLine xmlns:a14="http://schemas.microsoft.com/office/drawing/2010/main" xmlns:p14="http://schemas.microsoft.com/office/powerpoint/2010/main" xmlns:a16="http://schemas.microsoft.com/office/drawing/2014/main" xmlns="" w="9525">
                     <a:solidFill>
                       <a:srgbClr val="000000"/>
                     </a:solidFill>
@@ -16448,7 +16453,7 @@
               </a:ln>
               <a:extLst>
                 <a:ext uri="{91240B29-F687-4f45-9708-019B960494DF}">
-                  <a14:hiddenLine xmlns="" xmlns:a16="http://schemas.microsoft.com/office/drawing/2014/main" xmlns:p14="http://schemas.microsoft.com/office/powerpoint/2010/main" xmlns:a14="http://schemas.microsoft.com/office/drawing/2010/main" w="9525">
+                  <a14:hiddenLine xmlns:a14="http://schemas.microsoft.com/office/drawing/2010/main" xmlns:p14="http://schemas.microsoft.com/office/powerpoint/2010/main" xmlns:a16="http://schemas.microsoft.com/office/drawing/2014/main" xmlns="" w="9525">
                     <a:solidFill>
                       <a:srgbClr val="000000"/>
                     </a:solidFill>
@@ -16560,7 +16565,7 @@
               </a:ln>
               <a:extLst>
                 <a:ext uri="{91240B29-F687-4f45-9708-019B960494DF}">
-                  <a14:hiddenLine xmlns="" xmlns:a16="http://schemas.microsoft.com/office/drawing/2014/main" xmlns:p14="http://schemas.microsoft.com/office/powerpoint/2010/main" xmlns:a14="http://schemas.microsoft.com/office/drawing/2010/main" w="9525">
+                  <a14:hiddenLine xmlns:a14="http://schemas.microsoft.com/office/drawing/2010/main" xmlns:p14="http://schemas.microsoft.com/office/powerpoint/2010/main" xmlns:a16="http://schemas.microsoft.com/office/drawing/2014/main" xmlns="" w="9525">
                     <a:solidFill>
                       <a:srgbClr val="000000"/>
                     </a:solidFill>
@@ -16644,7 +16649,7 @@
               </a:ln>
               <a:extLst>
                 <a:ext uri="{91240B29-F687-4f45-9708-019B960494DF}">
-                  <a14:hiddenLine xmlns="" xmlns:a16="http://schemas.microsoft.com/office/drawing/2014/main" xmlns:p14="http://schemas.microsoft.com/office/powerpoint/2010/main" xmlns:a14="http://schemas.microsoft.com/office/drawing/2010/main" w="9525">
+                  <a14:hiddenLine xmlns:a14="http://schemas.microsoft.com/office/drawing/2010/main" xmlns:p14="http://schemas.microsoft.com/office/powerpoint/2010/main" xmlns:a16="http://schemas.microsoft.com/office/drawing/2014/main" xmlns="" w="9525">
                     <a:solidFill>
                       <a:srgbClr val="000000"/>
                     </a:solidFill>
@@ -16728,7 +16733,7 @@
               </a:ln>
               <a:extLst>
                 <a:ext uri="{91240B29-F687-4f45-9708-019B960494DF}">
-                  <a14:hiddenLine xmlns="" xmlns:a16="http://schemas.microsoft.com/office/drawing/2014/main" xmlns:p14="http://schemas.microsoft.com/office/powerpoint/2010/main" xmlns:a14="http://schemas.microsoft.com/office/drawing/2010/main" w="9525">
+                  <a14:hiddenLine xmlns:a14="http://schemas.microsoft.com/office/drawing/2010/main" xmlns:p14="http://schemas.microsoft.com/office/powerpoint/2010/main" xmlns:a16="http://schemas.microsoft.com/office/drawing/2014/main" xmlns="" w="9525">
                     <a:solidFill>
                       <a:srgbClr val="000000"/>
                     </a:solidFill>
@@ -16840,7 +16845,7 @@
               </a:ln>
               <a:extLst>
                 <a:ext uri="{91240B29-F687-4f45-9708-019B960494DF}">
-                  <a14:hiddenLine xmlns="" xmlns:a16="http://schemas.microsoft.com/office/drawing/2014/main" xmlns:p14="http://schemas.microsoft.com/office/powerpoint/2010/main" xmlns:a14="http://schemas.microsoft.com/office/drawing/2010/main" w="9525">
+                  <a14:hiddenLine xmlns:a14="http://schemas.microsoft.com/office/drawing/2010/main" xmlns:p14="http://schemas.microsoft.com/office/powerpoint/2010/main" xmlns:a16="http://schemas.microsoft.com/office/drawing/2014/main" xmlns="" w="9525">
                     <a:solidFill>
                       <a:srgbClr val="000000"/>
                     </a:solidFill>
@@ -16952,7 +16957,7 @@
               </a:ln>
               <a:extLst>
                 <a:ext uri="{91240B29-F687-4f45-9708-019B960494DF}">
-                  <a14:hiddenLine xmlns="" xmlns:a16="http://schemas.microsoft.com/office/drawing/2014/main" xmlns:p14="http://schemas.microsoft.com/office/powerpoint/2010/main" xmlns:a14="http://schemas.microsoft.com/office/drawing/2010/main" w="9525">
+                  <a14:hiddenLine xmlns:a14="http://schemas.microsoft.com/office/drawing/2010/main" xmlns:p14="http://schemas.microsoft.com/office/powerpoint/2010/main" xmlns:a16="http://schemas.microsoft.com/office/drawing/2014/main" xmlns="" w="9525">
                     <a:solidFill>
                       <a:srgbClr val="000000"/>
                     </a:solidFill>
@@ -17036,7 +17041,7 @@
               </a:ln>
               <a:extLst>
                 <a:ext uri="{91240B29-F687-4f45-9708-019B960494DF}">
-                  <a14:hiddenLine xmlns="" xmlns:a16="http://schemas.microsoft.com/office/drawing/2014/main" xmlns:p14="http://schemas.microsoft.com/office/powerpoint/2010/main" xmlns:a14="http://schemas.microsoft.com/office/drawing/2010/main" w="9525">
+                  <a14:hiddenLine xmlns:a14="http://schemas.microsoft.com/office/drawing/2010/main" xmlns:p14="http://schemas.microsoft.com/office/powerpoint/2010/main" xmlns:a16="http://schemas.microsoft.com/office/drawing/2014/main" xmlns="" w="9525">
                     <a:solidFill>
                       <a:srgbClr val="000000"/>
                     </a:solidFill>
@@ -17168,7 +17173,7 @@
               </a:ln>
               <a:extLst>
                 <a:ext uri="{91240B29-F687-4f45-9708-019B960494DF}">
-                  <a14:hiddenLine xmlns="" xmlns:a16="http://schemas.microsoft.com/office/drawing/2014/main" xmlns:p14="http://schemas.microsoft.com/office/powerpoint/2010/main" xmlns:a14="http://schemas.microsoft.com/office/drawing/2010/main" w="9525">
+                  <a14:hiddenLine xmlns:a14="http://schemas.microsoft.com/office/drawing/2010/main" xmlns:p14="http://schemas.microsoft.com/office/powerpoint/2010/main" xmlns:a16="http://schemas.microsoft.com/office/drawing/2014/main" xmlns="" w="9525">
                     <a:solidFill>
                       <a:srgbClr val="000000"/>
                     </a:solidFill>
@@ -17296,7 +17301,7 @@
               </a:ln>
               <a:extLst>
                 <a:ext uri="{91240B29-F687-4f45-9708-019B960494DF}">
-                  <a14:hiddenLine xmlns="" xmlns:a16="http://schemas.microsoft.com/office/drawing/2014/main" xmlns:p14="http://schemas.microsoft.com/office/powerpoint/2010/main" xmlns:a14="http://schemas.microsoft.com/office/drawing/2010/main" w="9525">
+                  <a14:hiddenLine xmlns:a14="http://schemas.microsoft.com/office/drawing/2010/main" xmlns:p14="http://schemas.microsoft.com/office/powerpoint/2010/main" xmlns:a16="http://schemas.microsoft.com/office/drawing/2014/main" xmlns="" w="9525">
                     <a:solidFill>
                       <a:srgbClr val="000000"/>
                     </a:solidFill>
@@ -17380,7 +17385,7 @@
               </a:ln>
               <a:extLst>
                 <a:ext uri="{91240B29-F687-4f45-9708-019B960494DF}">
-                  <a14:hiddenLine xmlns="" xmlns:a16="http://schemas.microsoft.com/office/drawing/2014/main" xmlns:p14="http://schemas.microsoft.com/office/powerpoint/2010/main" xmlns:a14="http://schemas.microsoft.com/office/drawing/2010/main" w="9525">
+                  <a14:hiddenLine xmlns:a14="http://schemas.microsoft.com/office/drawing/2010/main" xmlns:p14="http://schemas.microsoft.com/office/powerpoint/2010/main" xmlns:a16="http://schemas.microsoft.com/office/drawing/2014/main" xmlns="" w="9525">
                     <a:solidFill>
                       <a:srgbClr val="000000"/>
                     </a:solidFill>
@@ -17464,7 +17469,7 @@
               </a:ln>
               <a:extLst>
                 <a:ext uri="{91240B29-F687-4f45-9708-019B960494DF}">
-                  <a14:hiddenLine xmlns="" xmlns:a16="http://schemas.microsoft.com/office/drawing/2014/main" xmlns:p14="http://schemas.microsoft.com/office/powerpoint/2010/main" xmlns:a14="http://schemas.microsoft.com/office/drawing/2010/main" w="9525">
+                  <a14:hiddenLine xmlns:a14="http://schemas.microsoft.com/office/drawing/2010/main" xmlns:p14="http://schemas.microsoft.com/office/powerpoint/2010/main" xmlns:a16="http://schemas.microsoft.com/office/drawing/2014/main" xmlns="" w="9525">
                     <a:solidFill>
                       <a:srgbClr val="000000"/>
                     </a:solidFill>
@@ -17576,7 +17581,7 @@
               </a:ln>
               <a:extLst>
                 <a:ext uri="{91240B29-F687-4f45-9708-019B960494DF}">
-                  <a14:hiddenLine xmlns="" xmlns:a16="http://schemas.microsoft.com/office/drawing/2014/main" xmlns:p14="http://schemas.microsoft.com/office/powerpoint/2010/main" xmlns:a14="http://schemas.microsoft.com/office/drawing/2010/main" w="9525">
+                  <a14:hiddenLine xmlns:a14="http://schemas.microsoft.com/office/drawing/2010/main" xmlns:p14="http://schemas.microsoft.com/office/powerpoint/2010/main" xmlns:a16="http://schemas.microsoft.com/office/drawing/2014/main" xmlns="" w="9525">
                     <a:solidFill>
                       <a:srgbClr val="000000"/>
                     </a:solidFill>
@@ -17632,7 +17637,7 @@
               </a:ln>
               <a:extLst>
                 <a:ext uri="{91240B29-F687-4f45-9708-019B960494DF}">
-                  <a14:hiddenLine xmlns="" xmlns:a16="http://schemas.microsoft.com/office/drawing/2014/main" xmlns:p14="http://schemas.microsoft.com/office/powerpoint/2010/main" xmlns:a14="http://schemas.microsoft.com/office/drawing/2010/main" w="9525">
+                  <a14:hiddenLine xmlns:a14="http://schemas.microsoft.com/office/drawing/2010/main" xmlns:p14="http://schemas.microsoft.com/office/powerpoint/2010/main" xmlns:a16="http://schemas.microsoft.com/office/drawing/2014/main" xmlns="" w="9525">
                     <a:solidFill>
                       <a:srgbClr val="000000"/>
                     </a:solidFill>
@@ -17719,7 +17724,7 @@
               </a:ln>
               <a:extLst>
                 <a:ext uri="{91240B29-F687-4f45-9708-019B960494DF}">
-                  <a14:hiddenLine xmlns="" xmlns:a16="http://schemas.microsoft.com/office/drawing/2014/main" xmlns:p14="http://schemas.microsoft.com/office/powerpoint/2010/main" xmlns:a14="http://schemas.microsoft.com/office/drawing/2010/main" w="9525">
+                  <a14:hiddenLine xmlns:a14="http://schemas.microsoft.com/office/drawing/2010/main" xmlns:p14="http://schemas.microsoft.com/office/powerpoint/2010/main" xmlns:a16="http://schemas.microsoft.com/office/drawing/2014/main" xmlns="" w="9525">
                     <a:solidFill>
                       <a:srgbClr val="000000"/>
                     </a:solidFill>
@@ -17831,7 +17836,7 @@
               </a:ln>
               <a:extLst>
                 <a:ext uri="{91240B29-F687-4f45-9708-019B960494DF}">
-                  <a14:hiddenLine xmlns="" xmlns:a16="http://schemas.microsoft.com/office/drawing/2014/main" xmlns:p14="http://schemas.microsoft.com/office/powerpoint/2010/main" xmlns:a14="http://schemas.microsoft.com/office/drawing/2010/main" w="9525">
+                  <a14:hiddenLine xmlns:a14="http://schemas.microsoft.com/office/drawing/2010/main" xmlns:p14="http://schemas.microsoft.com/office/powerpoint/2010/main" xmlns:a16="http://schemas.microsoft.com/office/drawing/2014/main" xmlns="" w="9525">
                     <a:solidFill>
                       <a:srgbClr val="000000"/>
                     </a:solidFill>
@@ -17915,7 +17920,7 @@
               </a:ln>
               <a:extLst>
                 <a:ext uri="{91240B29-F687-4f45-9708-019B960494DF}">
-                  <a14:hiddenLine xmlns="" xmlns:a16="http://schemas.microsoft.com/office/drawing/2014/main" xmlns:p14="http://schemas.microsoft.com/office/powerpoint/2010/main" xmlns:a14="http://schemas.microsoft.com/office/drawing/2010/main" w="9525">
+                  <a14:hiddenLine xmlns:a14="http://schemas.microsoft.com/office/drawing/2010/main" xmlns:p14="http://schemas.microsoft.com/office/powerpoint/2010/main" xmlns:a16="http://schemas.microsoft.com/office/drawing/2014/main" xmlns="" w="9525">
                     <a:solidFill>
                       <a:srgbClr val="000000"/>
                     </a:solidFill>
@@ -18027,7 +18032,7 @@
               </a:ln>
               <a:extLst>
                 <a:ext uri="{91240B29-F687-4f45-9708-019B960494DF}">
-                  <a14:hiddenLine xmlns="" xmlns:a16="http://schemas.microsoft.com/office/drawing/2014/main" xmlns:p14="http://schemas.microsoft.com/office/powerpoint/2010/main" xmlns:a14="http://schemas.microsoft.com/office/drawing/2010/main" w="9525">
+                  <a14:hiddenLine xmlns:a14="http://schemas.microsoft.com/office/drawing/2010/main" xmlns:p14="http://schemas.microsoft.com/office/powerpoint/2010/main" xmlns:a16="http://schemas.microsoft.com/office/drawing/2014/main" xmlns="" w="9525">
                     <a:solidFill>
                       <a:srgbClr val="000000"/>
                     </a:solidFill>
@@ -18114,7 +18119,7 @@
               </a:ln>
               <a:extLst>
                 <a:ext uri="{91240B29-F687-4f45-9708-019B960494DF}">
-                  <a14:hiddenLine xmlns="" xmlns:a16="http://schemas.microsoft.com/office/drawing/2014/main" xmlns:p14="http://schemas.microsoft.com/office/powerpoint/2010/main" xmlns:a14="http://schemas.microsoft.com/office/drawing/2010/main" w="9525">
+                  <a14:hiddenLine xmlns:a14="http://schemas.microsoft.com/office/drawing/2010/main" xmlns:p14="http://schemas.microsoft.com/office/powerpoint/2010/main" xmlns:a16="http://schemas.microsoft.com/office/drawing/2014/main" xmlns="" w="9525">
                     <a:solidFill>
                       <a:srgbClr val="000000"/>
                     </a:solidFill>
@@ -18198,7 +18203,7 @@
               </a:ln>
               <a:extLst>
                 <a:ext uri="{91240B29-F687-4f45-9708-019B960494DF}">
-                  <a14:hiddenLine xmlns="" xmlns:a16="http://schemas.microsoft.com/office/drawing/2014/main" xmlns:p14="http://schemas.microsoft.com/office/powerpoint/2010/main" xmlns:a14="http://schemas.microsoft.com/office/drawing/2010/main" w="9525">
+                  <a14:hiddenLine xmlns:a14="http://schemas.microsoft.com/office/drawing/2010/main" xmlns:p14="http://schemas.microsoft.com/office/powerpoint/2010/main" xmlns:a16="http://schemas.microsoft.com/office/drawing/2014/main" xmlns="" w="9525">
                     <a:solidFill>
                       <a:srgbClr val="000000"/>
                     </a:solidFill>
@@ -18310,7 +18315,7 @@
               </a:ln>
               <a:extLst>
                 <a:ext uri="{91240B29-F687-4f45-9708-019B960494DF}">
-                  <a14:hiddenLine xmlns="" xmlns:a16="http://schemas.microsoft.com/office/drawing/2014/main" xmlns:p14="http://schemas.microsoft.com/office/powerpoint/2010/main" xmlns:a14="http://schemas.microsoft.com/office/drawing/2010/main" w="9525">
+                  <a14:hiddenLine xmlns:a14="http://schemas.microsoft.com/office/drawing/2010/main" xmlns:p14="http://schemas.microsoft.com/office/powerpoint/2010/main" xmlns:a16="http://schemas.microsoft.com/office/drawing/2014/main" xmlns="" w="9525">
                     <a:solidFill>
                       <a:srgbClr val="000000"/>
                     </a:solidFill>
@@ -18422,7 +18427,7 @@
               </a:ln>
               <a:extLst>
                 <a:ext uri="{91240B29-F687-4f45-9708-019B960494DF}">
-                  <a14:hiddenLine xmlns="" xmlns:a16="http://schemas.microsoft.com/office/drawing/2014/main" xmlns:p14="http://schemas.microsoft.com/office/powerpoint/2010/main" xmlns:a14="http://schemas.microsoft.com/office/drawing/2010/main" w="9525">
+                  <a14:hiddenLine xmlns:a14="http://schemas.microsoft.com/office/drawing/2010/main" xmlns:p14="http://schemas.microsoft.com/office/powerpoint/2010/main" xmlns:a16="http://schemas.microsoft.com/office/drawing/2014/main" xmlns="" w="9525">
                     <a:solidFill>
                       <a:srgbClr val="000000"/>
                     </a:solidFill>
@@ -18509,7 +18514,7 @@
               </a:ln>
               <a:extLst>
                 <a:ext uri="{91240B29-F687-4f45-9708-019B960494DF}">
-                  <a14:hiddenLine xmlns="" xmlns:a16="http://schemas.microsoft.com/office/drawing/2014/main" xmlns:p14="http://schemas.microsoft.com/office/powerpoint/2010/main" xmlns:a14="http://schemas.microsoft.com/office/drawing/2010/main" w="9525">
+                  <a14:hiddenLine xmlns:a14="http://schemas.microsoft.com/office/drawing/2010/main" xmlns:p14="http://schemas.microsoft.com/office/powerpoint/2010/main" xmlns:a16="http://schemas.microsoft.com/office/drawing/2014/main" xmlns="" w="9525">
                     <a:solidFill>
                       <a:srgbClr val="000000"/>
                     </a:solidFill>
@@ -18651,7 +18656,7 @@
               </a:ln>
               <a:extLst>
                 <a:ext uri="{91240B29-F687-4f45-9708-019B960494DF}">
-                  <a14:hiddenLine xmlns="" xmlns:a16="http://schemas.microsoft.com/office/drawing/2014/main" xmlns:p14="http://schemas.microsoft.com/office/powerpoint/2010/main" xmlns:a14="http://schemas.microsoft.com/office/drawing/2010/main" w="9525">
+                  <a14:hiddenLine xmlns:a14="http://schemas.microsoft.com/office/drawing/2010/main" xmlns:p14="http://schemas.microsoft.com/office/powerpoint/2010/main" xmlns:a16="http://schemas.microsoft.com/office/drawing/2014/main" xmlns="" w="9525">
                     <a:solidFill>
                       <a:srgbClr val="000000"/>
                     </a:solidFill>
@@ -18786,7 +18791,7 @@
               </a:ln>
               <a:extLst>
                 <a:ext uri="{91240B29-F687-4f45-9708-019B960494DF}">
-                  <a14:hiddenLine xmlns="" xmlns:a16="http://schemas.microsoft.com/office/drawing/2014/main" xmlns:p14="http://schemas.microsoft.com/office/powerpoint/2010/main" xmlns:a14="http://schemas.microsoft.com/office/drawing/2010/main" w="9525">
+                  <a14:hiddenLine xmlns:a14="http://schemas.microsoft.com/office/drawing/2010/main" xmlns:p14="http://schemas.microsoft.com/office/powerpoint/2010/main" xmlns:a16="http://schemas.microsoft.com/office/drawing/2014/main" xmlns="" w="9525">
                     <a:solidFill>
                       <a:srgbClr val="000000"/>
                     </a:solidFill>
@@ -18923,7 +18928,7 @@
               </a:ln>
               <a:extLst>
                 <a:ext uri="{91240B29-F687-4f45-9708-019B960494DF}">
-                  <a14:hiddenLine xmlns="" xmlns:a16="http://schemas.microsoft.com/office/drawing/2014/main" xmlns:p14="http://schemas.microsoft.com/office/powerpoint/2010/main" xmlns:a14="http://schemas.microsoft.com/office/drawing/2010/main" w="9525">
+                  <a14:hiddenLine xmlns:a14="http://schemas.microsoft.com/office/drawing/2010/main" xmlns:p14="http://schemas.microsoft.com/office/powerpoint/2010/main" xmlns:a16="http://schemas.microsoft.com/office/drawing/2014/main" xmlns="" w="9525">
                     <a:solidFill>
                       <a:srgbClr val="000000"/>
                     </a:solidFill>
@@ -19035,7 +19040,7 @@
               </a:ln>
               <a:extLst>
                 <a:ext uri="{91240B29-F687-4f45-9708-019B960494DF}">
-                  <a14:hiddenLine xmlns="" xmlns:a16="http://schemas.microsoft.com/office/drawing/2014/main" xmlns:p14="http://schemas.microsoft.com/office/powerpoint/2010/main" xmlns:a14="http://schemas.microsoft.com/office/drawing/2010/main" w="9525">
+                  <a14:hiddenLine xmlns:a14="http://schemas.microsoft.com/office/drawing/2010/main" xmlns:p14="http://schemas.microsoft.com/office/powerpoint/2010/main" xmlns:a16="http://schemas.microsoft.com/office/drawing/2014/main" xmlns="" w="9525">
                     <a:solidFill>
                       <a:srgbClr val="000000"/>
                     </a:solidFill>
@@ -19122,7 +19127,7 @@
               </a:ln>
               <a:extLst>
                 <a:ext uri="{91240B29-F687-4f45-9708-019B960494DF}">
-                  <a14:hiddenLine xmlns="" xmlns:a16="http://schemas.microsoft.com/office/drawing/2014/main" xmlns:p14="http://schemas.microsoft.com/office/powerpoint/2010/main" xmlns:a14="http://schemas.microsoft.com/office/drawing/2010/main" w="9525">
+                  <a14:hiddenLine xmlns:a14="http://schemas.microsoft.com/office/drawing/2010/main" xmlns:p14="http://schemas.microsoft.com/office/powerpoint/2010/main" xmlns:a16="http://schemas.microsoft.com/office/drawing/2014/main" xmlns="" w="9525">
                     <a:solidFill>
                       <a:srgbClr val="000000"/>
                     </a:solidFill>
@@ -19234,7 +19239,7 @@
               </a:ln>
               <a:extLst>
                 <a:ext uri="{91240B29-F687-4f45-9708-019B960494DF}">
-                  <a14:hiddenLine xmlns="" xmlns:a16="http://schemas.microsoft.com/office/drawing/2014/main" xmlns:p14="http://schemas.microsoft.com/office/powerpoint/2010/main" xmlns:a14="http://schemas.microsoft.com/office/drawing/2010/main" w="9525">
+                  <a14:hiddenLine xmlns:a14="http://schemas.microsoft.com/office/drawing/2010/main" xmlns:p14="http://schemas.microsoft.com/office/powerpoint/2010/main" xmlns:a16="http://schemas.microsoft.com/office/drawing/2014/main" xmlns="" w="9525">
                     <a:solidFill>
                       <a:srgbClr val="000000"/>
                     </a:solidFill>
@@ -19324,7 +19329,7 @@
               </a:ln>
               <a:extLst>
                 <a:ext uri="{91240B29-F687-4f45-9708-019B960494DF}">
-                  <a14:hiddenLine xmlns="" xmlns:a16="http://schemas.microsoft.com/office/drawing/2014/main" xmlns:p14="http://schemas.microsoft.com/office/powerpoint/2010/main" xmlns:a14="http://schemas.microsoft.com/office/drawing/2010/main" w="9525">
+                  <a14:hiddenLine xmlns:a14="http://schemas.microsoft.com/office/drawing/2010/main" xmlns:p14="http://schemas.microsoft.com/office/powerpoint/2010/main" xmlns:a16="http://schemas.microsoft.com/office/drawing/2014/main" xmlns="" w="9525">
                     <a:solidFill>
                       <a:srgbClr val="000000"/>
                     </a:solidFill>
@@ -19436,7 +19441,7 @@
               </a:ln>
               <a:extLst>
                 <a:ext uri="{91240B29-F687-4f45-9708-019B960494DF}">
-                  <a14:hiddenLine xmlns="" xmlns:a16="http://schemas.microsoft.com/office/drawing/2014/main" xmlns:p14="http://schemas.microsoft.com/office/powerpoint/2010/main" xmlns:a14="http://schemas.microsoft.com/office/drawing/2010/main" w="9525">
+                  <a14:hiddenLine xmlns:a14="http://schemas.microsoft.com/office/drawing/2010/main" xmlns:p14="http://schemas.microsoft.com/office/powerpoint/2010/main" xmlns:a16="http://schemas.microsoft.com/office/drawing/2014/main" xmlns="" w="9525">
                     <a:solidFill>
                       <a:srgbClr val="000000"/>
                     </a:solidFill>
@@ -19526,7 +19531,7 @@
               </a:ln>
               <a:extLst>
                 <a:ext uri="{91240B29-F687-4f45-9708-019B960494DF}">
-                  <a14:hiddenLine xmlns="" xmlns:a16="http://schemas.microsoft.com/office/drawing/2014/main" xmlns:p14="http://schemas.microsoft.com/office/powerpoint/2010/main" xmlns:a14="http://schemas.microsoft.com/office/drawing/2010/main" w="9525">
+                  <a14:hiddenLine xmlns:a14="http://schemas.microsoft.com/office/drawing/2010/main" xmlns:p14="http://schemas.microsoft.com/office/powerpoint/2010/main" xmlns:a16="http://schemas.microsoft.com/office/drawing/2014/main" xmlns="" w="9525">
                     <a:solidFill>
                       <a:srgbClr val="000000"/>
                     </a:solidFill>
@@ -19638,7 +19643,7 @@
               </a:ln>
               <a:extLst>
                 <a:ext uri="{91240B29-F687-4f45-9708-019B960494DF}">
-                  <a14:hiddenLine xmlns="" xmlns:a16="http://schemas.microsoft.com/office/drawing/2014/main" xmlns:p14="http://schemas.microsoft.com/office/powerpoint/2010/main" xmlns:a14="http://schemas.microsoft.com/office/drawing/2010/main" w="9525">
+                  <a14:hiddenLine xmlns:a14="http://schemas.microsoft.com/office/drawing/2010/main" xmlns:p14="http://schemas.microsoft.com/office/powerpoint/2010/main" xmlns:a16="http://schemas.microsoft.com/office/drawing/2014/main" xmlns="" w="9525">
                     <a:solidFill>
                       <a:srgbClr val="000000"/>
                     </a:solidFill>
@@ -19694,7 +19699,7 @@
               </a:ln>
               <a:extLst>
                 <a:ext uri="{91240B29-F687-4f45-9708-019B960494DF}">
-                  <a14:hiddenLine xmlns="" xmlns:a16="http://schemas.microsoft.com/office/drawing/2014/main" xmlns:p14="http://schemas.microsoft.com/office/powerpoint/2010/main" xmlns:a14="http://schemas.microsoft.com/office/drawing/2010/main" w="9525">
+                  <a14:hiddenLine xmlns:a14="http://schemas.microsoft.com/office/drawing/2010/main" xmlns:p14="http://schemas.microsoft.com/office/powerpoint/2010/main" xmlns:a16="http://schemas.microsoft.com/office/drawing/2014/main" xmlns="" w="9525">
                     <a:solidFill>
                       <a:srgbClr val="000000"/>
                     </a:solidFill>
@@ -19763,7 +19768,7 @@
           <a:noFill/>
           <a:extLst>
             <a:ext uri="{909E8E84-426E-40dd-AFC4-6F175D3DCCD1}">
-              <a14:hiddenFill xmlns="" xmlns:a16="http://schemas.microsoft.com/office/drawing/2014/main" xmlns:p14="http://schemas.microsoft.com/office/powerpoint/2010/main" xmlns:a14="http://schemas.microsoft.com/office/drawing/2010/main">
+              <a14:hiddenFill xmlns:a14="http://schemas.microsoft.com/office/drawing/2010/main" xmlns:p14="http://schemas.microsoft.com/office/powerpoint/2010/main" xmlns:a16="http://schemas.microsoft.com/office/drawing/2014/main" xmlns="">
                 <a:solidFill>
                   <a:srgbClr val="FFFFFF"/>
                 </a:solidFill>
@@ -19887,7 +19892,7 @@
           <a:noFill/>
           <a:extLst>
             <a:ext uri="{909E8E84-426E-40dd-AFC4-6F175D3DCCD1}">
-              <a14:hiddenFill xmlns="" xmlns:a16="http://schemas.microsoft.com/office/drawing/2014/main" xmlns:p14="http://schemas.microsoft.com/office/powerpoint/2010/main" xmlns:a14="http://schemas.microsoft.com/office/drawing/2010/main">
+              <a14:hiddenFill xmlns:a14="http://schemas.microsoft.com/office/drawing/2010/main" xmlns:p14="http://schemas.microsoft.com/office/powerpoint/2010/main" xmlns:a16="http://schemas.microsoft.com/office/drawing/2014/main" xmlns="">
                 <a:solidFill>
                   <a:srgbClr val="FFFFFF"/>
                 </a:solidFill>
@@ -20135,7 +20140,7 @@
             </a:ln>
             <a:extLst>
               <a:ext uri="{91240B29-F687-4f45-9708-019B960494DF}">
-                <a14:hiddenLine xmlns="" xmlns:a16="http://schemas.microsoft.com/office/drawing/2014/main" xmlns:p14="http://schemas.microsoft.com/office/powerpoint/2010/main" xmlns:a14="http://schemas.microsoft.com/office/drawing/2010/main" w="9525">
+                <a14:hiddenLine xmlns:a14="http://schemas.microsoft.com/office/drawing/2010/main" xmlns:p14="http://schemas.microsoft.com/office/powerpoint/2010/main" xmlns:a16="http://schemas.microsoft.com/office/drawing/2014/main" xmlns="" w="9525">
                   <a:solidFill>
                     <a:srgbClr val="000000"/>
                   </a:solidFill>
@@ -20247,7 +20252,7 @@
             </a:ln>
             <a:extLst>
               <a:ext uri="{91240B29-F687-4f45-9708-019B960494DF}">
-                <a14:hiddenLine xmlns="" xmlns:a16="http://schemas.microsoft.com/office/drawing/2014/main" xmlns:p14="http://schemas.microsoft.com/office/powerpoint/2010/main" xmlns:a14="http://schemas.microsoft.com/office/drawing/2010/main" w="9525">
+                <a14:hiddenLine xmlns:a14="http://schemas.microsoft.com/office/drawing/2010/main" xmlns:p14="http://schemas.microsoft.com/office/powerpoint/2010/main" xmlns:a16="http://schemas.microsoft.com/office/drawing/2014/main" xmlns="" w="9525">
                   <a:solidFill>
                     <a:srgbClr val="000000"/>
                   </a:solidFill>
@@ -20359,7 +20364,7 @@
             </a:ln>
             <a:extLst>
               <a:ext uri="{91240B29-F687-4f45-9708-019B960494DF}">
-                <a14:hiddenLine xmlns="" xmlns:a16="http://schemas.microsoft.com/office/drawing/2014/main" xmlns:p14="http://schemas.microsoft.com/office/powerpoint/2010/main" xmlns:a14="http://schemas.microsoft.com/office/drawing/2010/main" w="9525">
+                <a14:hiddenLine xmlns:a14="http://schemas.microsoft.com/office/drawing/2010/main" xmlns:p14="http://schemas.microsoft.com/office/powerpoint/2010/main" xmlns:a16="http://schemas.microsoft.com/office/drawing/2014/main" xmlns="" w="9525">
                   <a:solidFill>
                     <a:srgbClr val="000000"/>
                   </a:solidFill>
@@ -20443,7 +20448,7 @@
             </a:ln>
             <a:extLst>
               <a:ext uri="{91240B29-F687-4f45-9708-019B960494DF}">
-                <a14:hiddenLine xmlns="" xmlns:a16="http://schemas.microsoft.com/office/drawing/2014/main" xmlns:p14="http://schemas.microsoft.com/office/powerpoint/2010/main" xmlns:a14="http://schemas.microsoft.com/office/drawing/2010/main" w="9525">
+                <a14:hiddenLine xmlns:a14="http://schemas.microsoft.com/office/drawing/2010/main" xmlns:p14="http://schemas.microsoft.com/office/powerpoint/2010/main" xmlns:a16="http://schemas.microsoft.com/office/drawing/2014/main" xmlns="" w="9525">
                   <a:solidFill>
                     <a:srgbClr val="000000"/>
                   </a:solidFill>
@@ -20555,7 +20560,7 @@
             </a:ln>
             <a:extLst>
               <a:ext uri="{91240B29-F687-4f45-9708-019B960494DF}">
-                <a14:hiddenLine xmlns="" xmlns:a16="http://schemas.microsoft.com/office/drawing/2014/main" xmlns:p14="http://schemas.microsoft.com/office/powerpoint/2010/main" xmlns:a14="http://schemas.microsoft.com/office/drawing/2010/main" w="9525">
+                <a14:hiddenLine xmlns:a14="http://schemas.microsoft.com/office/drawing/2010/main" xmlns:p14="http://schemas.microsoft.com/office/powerpoint/2010/main" xmlns:a16="http://schemas.microsoft.com/office/drawing/2014/main" xmlns="" w="9525">
                   <a:solidFill>
                     <a:srgbClr val="000000"/>
                   </a:solidFill>
@@ -20639,7 +20644,7 @@
             </a:ln>
             <a:extLst>
               <a:ext uri="{91240B29-F687-4f45-9708-019B960494DF}">
-                <a14:hiddenLine xmlns="" xmlns:a16="http://schemas.microsoft.com/office/drawing/2014/main" xmlns:p14="http://schemas.microsoft.com/office/powerpoint/2010/main" xmlns:a14="http://schemas.microsoft.com/office/drawing/2010/main" w="9525">
+                <a14:hiddenLine xmlns:a14="http://schemas.microsoft.com/office/drawing/2010/main" xmlns:p14="http://schemas.microsoft.com/office/powerpoint/2010/main" xmlns:a16="http://schemas.microsoft.com/office/drawing/2014/main" xmlns="" w="9525">
                   <a:solidFill>
                     <a:srgbClr val="000000"/>
                   </a:solidFill>
@@ -20723,7 +20728,7 @@
             </a:ln>
             <a:extLst>
               <a:ext uri="{91240B29-F687-4f45-9708-019B960494DF}">
-                <a14:hiddenLine xmlns="" xmlns:a16="http://schemas.microsoft.com/office/drawing/2014/main" xmlns:p14="http://schemas.microsoft.com/office/powerpoint/2010/main" xmlns:a14="http://schemas.microsoft.com/office/drawing/2010/main" w="9525">
+                <a14:hiddenLine xmlns:a14="http://schemas.microsoft.com/office/drawing/2010/main" xmlns:p14="http://schemas.microsoft.com/office/powerpoint/2010/main" xmlns:a16="http://schemas.microsoft.com/office/drawing/2014/main" xmlns="" w="9525">
                   <a:solidFill>
                     <a:srgbClr val="000000"/>
                   </a:solidFill>
@@ -20835,7 +20840,7 @@
             </a:ln>
             <a:extLst>
               <a:ext uri="{91240B29-F687-4f45-9708-019B960494DF}">
-                <a14:hiddenLine xmlns="" xmlns:a16="http://schemas.microsoft.com/office/drawing/2014/main" xmlns:p14="http://schemas.microsoft.com/office/powerpoint/2010/main" xmlns:a14="http://schemas.microsoft.com/office/drawing/2010/main" w="9525">
+                <a14:hiddenLine xmlns:a14="http://schemas.microsoft.com/office/drawing/2010/main" xmlns:p14="http://schemas.microsoft.com/office/powerpoint/2010/main" xmlns:a16="http://schemas.microsoft.com/office/drawing/2014/main" xmlns="" w="9525">
                   <a:solidFill>
                     <a:srgbClr val="000000"/>
                   </a:solidFill>
@@ -20947,7 +20952,7 @@
             </a:ln>
             <a:extLst>
               <a:ext uri="{91240B29-F687-4f45-9708-019B960494DF}">
-                <a14:hiddenLine xmlns="" xmlns:a16="http://schemas.microsoft.com/office/drawing/2014/main" xmlns:p14="http://schemas.microsoft.com/office/powerpoint/2010/main" xmlns:a14="http://schemas.microsoft.com/office/drawing/2010/main" w="9525">
+                <a14:hiddenLine xmlns:a14="http://schemas.microsoft.com/office/drawing/2010/main" xmlns:p14="http://schemas.microsoft.com/office/powerpoint/2010/main" xmlns:a16="http://schemas.microsoft.com/office/drawing/2014/main" xmlns="" w="9525">
                   <a:solidFill>
                     <a:srgbClr val="000000"/>
                   </a:solidFill>
@@ -21031,7 +21036,7 @@
             </a:ln>
             <a:extLst>
               <a:ext uri="{91240B29-F687-4f45-9708-019B960494DF}">
-                <a14:hiddenLine xmlns="" xmlns:a16="http://schemas.microsoft.com/office/drawing/2014/main" xmlns:p14="http://schemas.microsoft.com/office/powerpoint/2010/main" xmlns:a14="http://schemas.microsoft.com/office/drawing/2010/main" w="9525">
+                <a14:hiddenLine xmlns:a14="http://schemas.microsoft.com/office/drawing/2010/main" xmlns:p14="http://schemas.microsoft.com/office/powerpoint/2010/main" xmlns:a16="http://schemas.microsoft.com/office/drawing/2014/main" xmlns="" w="9525">
                   <a:solidFill>
                     <a:srgbClr val="000000"/>
                   </a:solidFill>
@@ -21163,7 +21168,7 @@
             </a:ln>
             <a:extLst>
               <a:ext uri="{91240B29-F687-4f45-9708-019B960494DF}">
-                <a14:hiddenLine xmlns="" xmlns:a16="http://schemas.microsoft.com/office/drawing/2014/main" xmlns:p14="http://schemas.microsoft.com/office/powerpoint/2010/main" xmlns:a14="http://schemas.microsoft.com/office/drawing/2010/main" w="9525">
+                <a14:hiddenLine xmlns:a14="http://schemas.microsoft.com/office/drawing/2010/main" xmlns:p14="http://schemas.microsoft.com/office/powerpoint/2010/main" xmlns:a16="http://schemas.microsoft.com/office/drawing/2014/main" xmlns="" w="9525">
                   <a:solidFill>
                     <a:srgbClr val="000000"/>
                   </a:solidFill>
@@ -21291,7 +21296,7 @@
             </a:ln>
             <a:extLst>
               <a:ext uri="{91240B29-F687-4f45-9708-019B960494DF}">
-                <a14:hiddenLine xmlns="" xmlns:a16="http://schemas.microsoft.com/office/drawing/2014/main" xmlns:p14="http://schemas.microsoft.com/office/powerpoint/2010/main" xmlns:a14="http://schemas.microsoft.com/office/drawing/2010/main" w="9525">
+                <a14:hiddenLine xmlns:a14="http://schemas.microsoft.com/office/drawing/2010/main" xmlns:p14="http://schemas.microsoft.com/office/powerpoint/2010/main" xmlns:a16="http://schemas.microsoft.com/office/drawing/2014/main" xmlns="" w="9525">
                   <a:solidFill>
                     <a:srgbClr val="000000"/>
                   </a:solidFill>
@@ -21375,7 +21380,7 @@
             </a:ln>
             <a:extLst>
               <a:ext uri="{91240B29-F687-4f45-9708-019B960494DF}">
-                <a14:hiddenLine xmlns="" xmlns:a16="http://schemas.microsoft.com/office/drawing/2014/main" xmlns:p14="http://schemas.microsoft.com/office/powerpoint/2010/main" xmlns:a14="http://schemas.microsoft.com/office/drawing/2010/main" w="9525">
+                <a14:hiddenLine xmlns:a14="http://schemas.microsoft.com/office/drawing/2010/main" xmlns:p14="http://schemas.microsoft.com/office/powerpoint/2010/main" xmlns:a16="http://schemas.microsoft.com/office/drawing/2014/main" xmlns="" w="9525">
                   <a:solidFill>
                     <a:srgbClr val="000000"/>
                   </a:solidFill>
@@ -21459,7 +21464,7 @@
             </a:ln>
             <a:extLst>
               <a:ext uri="{91240B29-F687-4f45-9708-019B960494DF}">
-                <a14:hiddenLine xmlns="" xmlns:a16="http://schemas.microsoft.com/office/drawing/2014/main" xmlns:p14="http://schemas.microsoft.com/office/powerpoint/2010/main" xmlns:a14="http://schemas.microsoft.com/office/drawing/2010/main" w="9525">
+                <a14:hiddenLine xmlns:a14="http://schemas.microsoft.com/office/drawing/2010/main" xmlns:p14="http://schemas.microsoft.com/office/powerpoint/2010/main" xmlns:a16="http://schemas.microsoft.com/office/drawing/2014/main" xmlns="" w="9525">
                   <a:solidFill>
                     <a:srgbClr val="000000"/>
                   </a:solidFill>
@@ -21571,7 +21576,7 @@
             </a:ln>
             <a:extLst>
               <a:ext uri="{91240B29-F687-4f45-9708-019B960494DF}">
-                <a14:hiddenLine xmlns="" xmlns:a16="http://schemas.microsoft.com/office/drawing/2014/main" xmlns:p14="http://schemas.microsoft.com/office/powerpoint/2010/main" xmlns:a14="http://schemas.microsoft.com/office/drawing/2010/main" w="9525">
+                <a14:hiddenLine xmlns:a14="http://schemas.microsoft.com/office/drawing/2010/main" xmlns:p14="http://schemas.microsoft.com/office/powerpoint/2010/main" xmlns:a16="http://schemas.microsoft.com/office/drawing/2014/main" xmlns="" w="9525">
                   <a:solidFill>
                     <a:srgbClr val="000000"/>
                   </a:solidFill>
@@ -21627,7 +21632,7 @@
             </a:ln>
             <a:extLst>
               <a:ext uri="{91240B29-F687-4f45-9708-019B960494DF}">
-                <a14:hiddenLine xmlns="" xmlns:a16="http://schemas.microsoft.com/office/drawing/2014/main" xmlns:p14="http://schemas.microsoft.com/office/powerpoint/2010/main" xmlns:a14="http://schemas.microsoft.com/office/drawing/2010/main" w="9525">
+                <a14:hiddenLine xmlns:a14="http://schemas.microsoft.com/office/drawing/2010/main" xmlns:p14="http://schemas.microsoft.com/office/powerpoint/2010/main" xmlns:a16="http://schemas.microsoft.com/office/drawing/2014/main" xmlns="" w="9525">
                   <a:solidFill>
                     <a:srgbClr val="000000"/>
                   </a:solidFill>
@@ -21714,7 +21719,7 @@
             </a:ln>
             <a:extLst>
               <a:ext uri="{91240B29-F687-4f45-9708-019B960494DF}">
-                <a14:hiddenLine xmlns="" xmlns:a16="http://schemas.microsoft.com/office/drawing/2014/main" xmlns:p14="http://schemas.microsoft.com/office/powerpoint/2010/main" xmlns:a14="http://schemas.microsoft.com/office/drawing/2010/main" w="9525">
+                <a14:hiddenLine xmlns:a14="http://schemas.microsoft.com/office/drawing/2010/main" xmlns:p14="http://schemas.microsoft.com/office/powerpoint/2010/main" xmlns:a16="http://schemas.microsoft.com/office/drawing/2014/main" xmlns="" w="9525">
                   <a:solidFill>
                     <a:srgbClr val="000000"/>
                   </a:solidFill>
@@ -21826,7 +21831,7 @@
             </a:ln>
             <a:extLst>
               <a:ext uri="{91240B29-F687-4f45-9708-019B960494DF}">
-                <a14:hiddenLine xmlns="" xmlns:a16="http://schemas.microsoft.com/office/drawing/2014/main" xmlns:p14="http://schemas.microsoft.com/office/powerpoint/2010/main" xmlns:a14="http://schemas.microsoft.com/office/drawing/2010/main" w="9525">
+                <a14:hiddenLine xmlns:a14="http://schemas.microsoft.com/office/drawing/2010/main" xmlns:p14="http://schemas.microsoft.com/office/powerpoint/2010/main" xmlns:a16="http://schemas.microsoft.com/office/drawing/2014/main" xmlns="" w="9525">
                   <a:solidFill>
                     <a:srgbClr val="000000"/>
                   </a:solidFill>
@@ -21910,7 +21915,7 @@
             </a:ln>
             <a:extLst>
               <a:ext uri="{91240B29-F687-4f45-9708-019B960494DF}">
-                <a14:hiddenLine xmlns="" xmlns:a16="http://schemas.microsoft.com/office/drawing/2014/main" xmlns:p14="http://schemas.microsoft.com/office/powerpoint/2010/main" xmlns:a14="http://schemas.microsoft.com/office/drawing/2010/main" w="9525">
+                <a14:hiddenLine xmlns:a14="http://schemas.microsoft.com/office/drawing/2010/main" xmlns:p14="http://schemas.microsoft.com/office/powerpoint/2010/main" xmlns:a16="http://schemas.microsoft.com/office/drawing/2014/main" xmlns="" w="9525">
                   <a:solidFill>
                     <a:srgbClr val="000000"/>
                   </a:solidFill>
@@ -22022,7 +22027,7 @@
             </a:ln>
             <a:extLst>
               <a:ext uri="{91240B29-F687-4f45-9708-019B960494DF}">
-                <a14:hiddenLine xmlns="" xmlns:a16="http://schemas.microsoft.com/office/drawing/2014/main" xmlns:p14="http://schemas.microsoft.com/office/powerpoint/2010/main" xmlns:a14="http://schemas.microsoft.com/office/drawing/2010/main" w="9525">
+                <a14:hiddenLine xmlns:a14="http://schemas.microsoft.com/office/drawing/2010/main" xmlns:p14="http://schemas.microsoft.com/office/powerpoint/2010/main" xmlns:a16="http://schemas.microsoft.com/office/drawing/2014/main" xmlns="" w="9525">
                   <a:solidFill>
                     <a:srgbClr val="000000"/>
                   </a:solidFill>
@@ -22109,7 +22114,7 @@
             </a:ln>
             <a:extLst>
               <a:ext uri="{91240B29-F687-4f45-9708-019B960494DF}">
-                <a14:hiddenLine xmlns="" xmlns:a16="http://schemas.microsoft.com/office/drawing/2014/main" xmlns:p14="http://schemas.microsoft.com/office/powerpoint/2010/main" xmlns:a14="http://schemas.microsoft.com/office/drawing/2010/main" w="9525">
+                <a14:hiddenLine xmlns:a14="http://schemas.microsoft.com/office/drawing/2010/main" xmlns:p14="http://schemas.microsoft.com/office/powerpoint/2010/main" xmlns:a16="http://schemas.microsoft.com/office/drawing/2014/main" xmlns="" w="9525">
                   <a:solidFill>
                     <a:srgbClr val="000000"/>
                   </a:solidFill>
@@ -22193,7 +22198,7 @@
             </a:ln>
             <a:extLst>
               <a:ext uri="{91240B29-F687-4f45-9708-019B960494DF}">
-                <a14:hiddenLine xmlns="" xmlns:a16="http://schemas.microsoft.com/office/drawing/2014/main" xmlns:p14="http://schemas.microsoft.com/office/powerpoint/2010/main" xmlns:a14="http://schemas.microsoft.com/office/drawing/2010/main" w="9525">
+                <a14:hiddenLine xmlns:a14="http://schemas.microsoft.com/office/drawing/2010/main" xmlns:p14="http://schemas.microsoft.com/office/powerpoint/2010/main" xmlns:a16="http://schemas.microsoft.com/office/drawing/2014/main" xmlns="" w="9525">
                   <a:solidFill>
                     <a:srgbClr val="000000"/>
                   </a:solidFill>
@@ -22305,7 +22310,7 @@
             </a:ln>
             <a:extLst>
               <a:ext uri="{91240B29-F687-4f45-9708-019B960494DF}">
-                <a14:hiddenLine xmlns="" xmlns:a16="http://schemas.microsoft.com/office/drawing/2014/main" xmlns:p14="http://schemas.microsoft.com/office/powerpoint/2010/main" xmlns:a14="http://schemas.microsoft.com/office/drawing/2010/main" w="9525">
+                <a14:hiddenLine xmlns:a14="http://schemas.microsoft.com/office/drawing/2010/main" xmlns:p14="http://schemas.microsoft.com/office/powerpoint/2010/main" xmlns:a16="http://schemas.microsoft.com/office/drawing/2014/main" xmlns="" w="9525">
                   <a:solidFill>
                     <a:srgbClr val="000000"/>
                   </a:solidFill>
@@ -22417,7 +22422,7 @@
             </a:ln>
             <a:extLst>
               <a:ext uri="{91240B29-F687-4f45-9708-019B960494DF}">
-                <a14:hiddenLine xmlns="" xmlns:a16="http://schemas.microsoft.com/office/drawing/2014/main" xmlns:p14="http://schemas.microsoft.com/office/powerpoint/2010/main" xmlns:a14="http://schemas.microsoft.com/office/drawing/2010/main" w="9525">
+                <a14:hiddenLine xmlns:a14="http://schemas.microsoft.com/office/drawing/2010/main" xmlns:p14="http://schemas.microsoft.com/office/powerpoint/2010/main" xmlns:a16="http://schemas.microsoft.com/office/drawing/2014/main" xmlns="" w="9525">
                   <a:solidFill>
                     <a:srgbClr val="000000"/>
                   </a:solidFill>
@@ -22504,7 +22509,7 @@
             </a:ln>
             <a:extLst>
               <a:ext uri="{91240B29-F687-4f45-9708-019B960494DF}">
-                <a14:hiddenLine xmlns="" xmlns:a16="http://schemas.microsoft.com/office/drawing/2014/main" xmlns:p14="http://schemas.microsoft.com/office/powerpoint/2010/main" xmlns:a14="http://schemas.microsoft.com/office/drawing/2010/main" w="9525">
+                <a14:hiddenLine xmlns:a14="http://schemas.microsoft.com/office/drawing/2010/main" xmlns:p14="http://schemas.microsoft.com/office/powerpoint/2010/main" xmlns:a16="http://schemas.microsoft.com/office/drawing/2014/main" xmlns="" w="9525">
                   <a:solidFill>
                     <a:srgbClr val="000000"/>
                   </a:solidFill>
@@ -22646,7 +22651,7 @@
             </a:ln>
             <a:extLst>
               <a:ext uri="{91240B29-F687-4f45-9708-019B960494DF}">
-                <a14:hiddenLine xmlns="" xmlns:a16="http://schemas.microsoft.com/office/drawing/2014/main" xmlns:p14="http://schemas.microsoft.com/office/powerpoint/2010/main" xmlns:a14="http://schemas.microsoft.com/office/drawing/2010/main" w="9525">
+                <a14:hiddenLine xmlns:a14="http://schemas.microsoft.com/office/drawing/2010/main" xmlns:p14="http://schemas.microsoft.com/office/powerpoint/2010/main" xmlns:a16="http://schemas.microsoft.com/office/drawing/2014/main" xmlns="" w="9525">
                   <a:solidFill>
                     <a:srgbClr val="000000"/>
                   </a:solidFill>
@@ -22929,7 +22934,7 @@
             </a:ln>
             <a:extLst>
               <a:ext uri="{91240B29-F687-4f45-9708-019B960494DF}">
-                <a14:hiddenLine xmlns="" xmlns:a16="http://schemas.microsoft.com/office/drawing/2014/main" xmlns:p14="http://schemas.microsoft.com/office/powerpoint/2010/main" xmlns:a14="http://schemas.microsoft.com/office/drawing/2010/main" w="9525">
+                <a14:hiddenLine xmlns:a14="http://schemas.microsoft.com/office/drawing/2010/main" xmlns:p14="http://schemas.microsoft.com/office/powerpoint/2010/main" xmlns:a16="http://schemas.microsoft.com/office/drawing/2014/main" xmlns="" w="9525">
                   <a:solidFill>
                     <a:srgbClr val="000000"/>
                   </a:solidFill>
@@ -23066,7 +23071,7 @@
             </a:ln>
             <a:extLst>
               <a:ext uri="{91240B29-F687-4f45-9708-019B960494DF}">
-                <a14:hiddenLine xmlns="" xmlns:a16="http://schemas.microsoft.com/office/drawing/2014/main" xmlns:p14="http://schemas.microsoft.com/office/powerpoint/2010/main" xmlns:a14="http://schemas.microsoft.com/office/drawing/2010/main" w="9525">
+                <a14:hiddenLine xmlns:a14="http://schemas.microsoft.com/office/drawing/2010/main" xmlns:p14="http://schemas.microsoft.com/office/powerpoint/2010/main" xmlns:a16="http://schemas.microsoft.com/office/drawing/2014/main" xmlns="" w="9525">
                   <a:solidFill>
                     <a:srgbClr val="000000"/>
                   </a:solidFill>
@@ -23178,7 +23183,7 @@
             </a:ln>
             <a:extLst>
               <a:ext uri="{91240B29-F687-4f45-9708-019B960494DF}">
-                <a14:hiddenLine xmlns="" xmlns:a16="http://schemas.microsoft.com/office/drawing/2014/main" xmlns:p14="http://schemas.microsoft.com/office/powerpoint/2010/main" xmlns:a14="http://schemas.microsoft.com/office/drawing/2010/main" w="9525">
+                <a14:hiddenLine xmlns:a14="http://schemas.microsoft.com/office/drawing/2010/main" xmlns:p14="http://schemas.microsoft.com/office/powerpoint/2010/main" xmlns:a16="http://schemas.microsoft.com/office/drawing/2014/main" xmlns="" w="9525">
                   <a:solidFill>
                     <a:srgbClr val="000000"/>
                   </a:solidFill>
@@ -23265,7 +23270,7 @@
             </a:ln>
             <a:extLst>
               <a:ext uri="{91240B29-F687-4f45-9708-019B960494DF}">
-                <a14:hiddenLine xmlns="" xmlns:a16="http://schemas.microsoft.com/office/drawing/2014/main" xmlns:p14="http://schemas.microsoft.com/office/powerpoint/2010/main" xmlns:a14="http://schemas.microsoft.com/office/drawing/2010/main" w="9525">
+                <a14:hiddenLine xmlns:a14="http://schemas.microsoft.com/office/drawing/2010/main" xmlns:p14="http://schemas.microsoft.com/office/powerpoint/2010/main" xmlns:a16="http://schemas.microsoft.com/office/drawing/2014/main" xmlns="" w="9525">
                   <a:solidFill>
                     <a:srgbClr val="000000"/>
                   </a:solidFill>
@@ -23377,7 +23382,7 @@
             </a:ln>
             <a:extLst>
               <a:ext uri="{91240B29-F687-4f45-9708-019B960494DF}">
-                <a14:hiddenLine xmlns="" xmlns:a16="http://schemas.microsoft.com/office/drawing/2014/main" xmlns:p14="http://schemas.microsoft.com/office/powerpoint/2010/main" xmlns:a14="http://schemas.microsoft.com/office/drawing/2010/main" w="9525">
+                <a14:hiddenLine xmlns:a14="http://schemas.microsoft.com/office/drawing/2010/main" xmlns:p14="http://schemas.microsoft.com/office/powerpoint/2010/main" xmlns:a16="http://schemas.microsoft.com/office/drawing/2014/main" xmlns="" w="9525">
                   <a:solidFill>
                     <a:srgbClr val="000000"/>
                   </a:solidFill>
@@ -23467,7 +23472,7 @@
             </a:ln>
             <a:extLst>
               <a:ext uri="{91240B29-F687-4f45-9708-019B960494DF}">
-                <a14:hiddenLine xmlns="" xmlns:a16="http://schemas.microsoft.com/office/drawing/2014/main" xmlns:p14="http://schemas.microsoft.com/office/powerpoint/2010/main" xmlns:a14="http://schemas.microsoft.com/office/drawing/2010/main" w="9525">
+                <a14:hiddenLine xmlns:a14="http://schemas.microsoft.com/office/drawing/2010/main" xmlns:p14="http://schemas.microsoft.com/office/powerpoint/2010/main" xmlns:a16="http://schemas.microsoft.com/office/drawing/2014/main" xmlns="" w="9525">
                   <a:solidFill>
                     <a:srgbClr val="000000"/>
                   </a:solidFill>
@@ -23579,7 +23584,7 @@
             </a:ln>
             <a:extLst>
               <a:ext uri="{91240B29-F687-4f45-9708-019B960494DF}">
-                <a14:hiddenLine xmlns="" xmlns:a16="http://schemas.microsoft.com/office/drawing/2014/main" xmlns:p14="http://schemas.microsoft.com/office/powerpoint/2010/main" xmlns:a14="http://schemas.microsoft.com/office/drawing/2010/main" w="9525">
+                <a14:hiddenLine xmlns:a14="http://schemas.microsoft.com/office/drawing/2010/main" xmlns:p14="http://schemas.microsoft.com/office/powerpoint/2010/main" xmlns:a16="http://schemas.microsoft.com/office/drawing/2014/main" xmlns="" w="9525">
                   <a:solidFill>
                     <a:srgbClr val="000000"/>
                   </a:solidFill>
@@ -23669,7 +23674,7 @@
             </a:ln>
             <a:extLst>
               <a:ext uri="{91240B29-F687-4f45-9708-019B960494DF}">
-                <a14:hiddenLine xmlns="" xmlns:a16="http://schemas.microsoft.com/office/drawing/2014/main" xmlns:p14="http://schemas.microsoft.com/office/powerpoint/2010/main" xmlns:a14="http://schemas.microsoft.com/office/drawing/2010/main" w="9525">
+                <a14:hiddenLine xmlns:a14="http://schemas.microsoft.com/office/drawing/2010/main" xmlns:p14="http://schemas.microsoft.com/office/powerpoint/2010/main" xmlns:a16="http://schemas.microsoft.com/office/drawing/2014/main" xmlns="" w="9525">
                   <a:solidFill>
                     <a:srgbClr val="000000"/>
                   </a:solidFill>
@@ -23781,7 +23786,7 @@
             </a:ln>
             <a:extLst>
               <a:ext uri="{91240B29-F687-4f45-9708-019B960494DF}">
-                <a14:hiddenLine xmlns="" xmlns:a16="http://schemas.microsoft.com/office/drawing/2014/main" xmlns:p14="http://schemas.microsoft.com/office/powerpoint/2010/main" xmlns:a14="http://schemas.microsoft.com/office/drawing/2010/main" w="9525">
+                <a14:hiddenLine xmlns:a14="http://schemas.microsoft.com/office/drawing/2010/main" xmlns:p14="http://schemas.microsoft.com/office/powerpoint/2010/main" xmlns:a16="http://schemas.microsoft.com/office/drawing/2014/main" xmlns="" w="9525">
                   <a:solidFill>
                     <a:srgbClr val="000000"/>
                   </a:solidFill>
@@ -23837,7 +23842,7 @@
             </a:ln>
             <a:extLst>
               <a:ext uri="{91240B29-F687-4f45-9708-019B960494DF}">
-                <a14:hiddenLine xmlns="" xmlns:a16="http://schemas.microsoft.com/office/drawing/2014/main" xmlns:p14="http://schemas.microsoft.com/office/powerpoint/2010/main" xmlns:a14="http://schemas.microsoft.com/office/drawing/2010/main" w="9525">
+                <a14:hiddenLine xmlns:a14="http://schemas.microsoft.com/office/drawing/2010/main" xmlns:p14="http://schemas.microsoft.com/office/powerpoint/2010/main" xmlns:a16="http://schemas.microsoft.com/office/drawing/2014/main" xmlns="" w="9525">
                   <a:solidFill>
                     <a:srgbClr val="000000"/>
                   </a:solidFill>
@@ -24173,7 +24178,7 @@
             </a:ln>
             <a:extLst>
               <a:ext uri="{91240B29-F687-4f45-9708-019B960494DF}">
-                <a14:hiddenLine xmlns="" xmlns:a16="http://schemas.microsoft.com/office/drawing/2014/main" xmlns:p14="http://schemas.microsoft.com/office/powerpoint/2010/main" xmlns:a14="http://schemas.microsoft.com/office/drawing/2010/main" w="9525">
+                <a14:hiddenLine xmlns:a14="http://schemas.microsoft.com/office/drawing/2010/main" xmlns:p14="http://schemas.microsoft.com/office/powerpoint/2010/main" xmlns:a16="http://schemas.microsoft.com/office/drawing/2014/main" xmlns="" w="9525">
                   <a:solidFill>
                     <a:srgbClr val="000000"/>
                   </a:solidFill>
@@ -24285,7 +24290,7 @@
             </a:ln>
             <a:extLst>
               <a:ext uri="{91240B29-F687-4f45-9708-019B960494DF}">
-                <a14:hiddenLine xmlns="" xmlns:a16="http://schemas.microsoft.com/office/drawing/2014/main" xmlns:p14="http://schemas.microsoft.com/office/powerpoint/2010/main" xmlns:a14="http://schemas.microsoft.com/office/drawing/2010/main" w="9525">
+                <a14:hiddenLine xmlns:a14="http://schemas.microsoft.com/office/drawing/2010/main" xmlns:p14="http://schemas.microsoft.com/office/powerpoint/2010/main" xmlns:a16="http://schemas.microsoft.com/office/drawing/2014/main" xmlns="" w="9525">
                   <a:solidFill>
                     <a:srgbClr val="000000"/>
                   </a:solidFill>
@@ -24397,7 +24402,7 @@
             </a:ln>
             <a:extLst>
               <a:ext uri="{91240B29-F687-4f45-9708-019B960494DF}">
-                <a14:hiddenLine xmlns="" xmlns:a16="http://schemas.microsoft.com/office/drawing/2014/main" xmlns:p14="http://schemas.microsoft.com/office/powerpoint/2010/main" xmlns:a14="http://schemas.microsoft.com/office/drawing/2010/main" w="9525">
+                <a14:hiddenLine xmlns:a14="http://schemas.microsoft.com/office/drawing/2010/main" xmlns:p14="http://schemas.microsoft.com/office/powerpoint/2010/main" xmlns:a16="http://schemas.microsoft.com/office/drawing/2014/main" xmlns="" w="9525">
                   <a:solidFill>
                     <a:srgbClr val="000000"/>
                   </a:solidFill>
@@ -24481,7 +24486,7 @@
             </a:ln>
             <a:extLst>
               <a:ext uri="{91240B29-F687-4f45-9708-019B960494DF}">
-                <a14:hiddenLine xmlns="" xmlns:a16="http://schemas.microsoft.com/office/drawing/2014/main" xmlns:p14="http://schemas.microsoft.com/office/powerpoint/2010/main" xmlns:a14="http://schemas.microsoft.com/office/drawing/2010/main" w="9525">
+                <a14:hiddenLine xmlns:a14="http://schemas.microsoft.com/office/drawing/2010/main" xmlns:p14="http://schemas.microsoft.com/office/powerpoint/2010/main" xmlns:a16="http://schemas.microsoft.com/office/drawing/2014/main" xmlns="" w="9525">
                   <a:solidFill>
                     <a:srgbClr val="000000"/>
                   </a:solidFill>
@@ -24593,7 +24598,7 @@
             </a:ln>
             <a:extLst>
               <a:ext uri="{91240B29-F687-4f45-9708-019B960494DF}">
-                <a14:hiddenLine xmlns="" xmlns:a16="http://schemas.microsoft.com/office/drawing/2014/main" xmlns:p14="http://schemas.microsoft.com/office/powerpoint/2010/main" xmlns:a14="http://schemas.microsoft.com/office/drawing/2010/main" w="9525">
+                <a14:hiddenLine xmlns:a14="http://schemas.microsoft.com/office/drawing/2010/main" xmlns:p14="http://schemas.microsoft.com/office/powerpoint/2010/main" xmlns:a16="http://schemas.microsoft.com/office/drawing/2014/main" xmlns="" w="9525">
                   <a:solidFill>
                     <a:srgbClr val="000000"/>
                   </a:solidFill>
@@ -24677,7 +24682,7 @@
             </a:ln>
             <a:extLst>
               <a:ext uri="{91240B29-F687-4f45-9708-019B960494DF}">
-                <a14:hiddenLine xmlns="" xmlns:a16="http://schemas.microsoft.com/office/drawing/2014/main" xmlns:p14="http://schemas.microsoft.com/office/powerpoint/2010/main" xmlns:a14="http://schemas.microsoft.com/office/drawing/2010/main" w="9525">
+                <a14:hiddenLine xmlns:a14="http://schemas.microsoft.com/office/drawing/2010/main" xmlns:p14="http://schemas.microsoft.com/office/powerpoint/2010/main" xmlns:a16="http://schemas.microsoft.com/office/drawing/2014/main" xmlns="" w="9525">
                   <a:solidFill>
                     <a:srgbClr val="000000"/>
                   </a:solidFill>
@@ -24761,7 +24766,7 @@
             </a:ln>
             <a:extLst>
               <a:ext uri="{91240B29-F687-4f45-9708-019B960494DF}">
-                <a14:hiddenLine xmlns="" xmlns:a16="http://schemas.microsoft.com/office/drawing/2014/main" xmlns:p14="http://schemas.microsoft.com/office/powerpoint/2010/main" xmlns:a14="http://schemas.microsoft.com/office/drawing/2010/main" w="9525">
+                <a14:hiddenLine xmlns:a14="http://schemas.microsoft.com/office/drawing/2010/main" xmlns:p14="http://schemas.microsoft.com/office/powerpoint/2010/main" xmlns:a16="http://schemas.microsoft.com/office/drawing/2014/main" xmlns="" w="9525">
                   <a:solidFill>
                     <a:srgbClr val="000000"/>
                   </a:solidFill>
@@ -24873,7 +24878,7 @@
             </a:ln>
             <a:extLst>
               <a:ext uri="{91240B29-F687-4f45-9708-019B960494DF}">
-                <a14:hiddenLine xmlns="" xmlns:a16="http://schemas.microsoft.com/office/drawing/2014/main" xmlns:p14="http://schemas.microsoft.com/office/powerpoint/2010/main" xmlns:a14="http://schemas.microsoft.com/office/drawing/2010/main" w="9525">
+                <a14:hiddenLine xmlns:a14="http://schemas.microsoft.com/office/drawing/2010/main" xmlns:p14="http://schemas.microsoft.com/office/powerpoint/2010/main" xmlns:a16="http://schemas.microsoft.com/office/drawing/2014/main" xmlns="" w="9525">
                   <a:solidFill>
                     <a:srgbClr val="000000"/>
                   </a:solidFill>
@@ -24985,7 +24990,7 @@
             </a:ln>
             <a:extLst>
               <a:ext uri="{91240B29-F687-4f45-9708-019B960494DF}">
-                <a14:hiddenLine xmlns="" xmlns:a16="http://schemas.microsoft.com/office/drawing/2014/main" xmlns:p14="http://schemas.microsoft.com/office/powerpoint/2010/main" xmlns:a14="http://schemas.microsoft.com/office/drawing/2010/main" w="9525">
+                <a14:hiddenLine xmlns:a14="http://schemas.microsoft.com/office/drawing/2010/main" xmlns:p14="http://schemas.microsoft.com/office/powerpoint/2010/main" xmlns:a16="http://schemas.microsoft.com/office/drawing/2014/main" xmlns="" w="9525">
                   <a:solidFill>
                     <a:srgbClr val="000000"/>
                   </a:solidFill>
@@ -25069,7 +25074,7 @@
             </a:ln>
             <a:extLst>
               <a:ext uri="{91240B29-F687-4f45-9708-019B960494DF}">
-                <a14:hiddenLine xmlns="" xmlns:a16="http://schemas.microsoft.com/office/drawing/2014/main" xmlns:p14="http://schemas.microsoft.com/office/powerpoint/2010/main" xmlns:a14="http://schemas.microsoft.com/office/drawing/2010/main" w="9525">
+                <a14:hiddenLine xmlns:a14="http://schemas.microsoft.com/office/drawing/2010/main" xmlns:p14="http://schemas.microsoft.com/office/powerpoint/2010/main" xmlns:a16="http://schemas.microsoft.com/office/drawing/2014/main" xmlns="" w="9525">
                   <a:solidFill>
                     <a:srgbClr val="000000"/>
                   </a:solidFill>
@@ -25201,7 +25206,7 @@
             </a:ln>
             <a:extLst>
               <a:ext uri="{91240B29-F687-4f45-9708-019B960494DF}">
-                <a14:hiddenLine xmlns="" xmlns:a16="http://schemas.microsoft.com/office/drawing/2014/main" xmlns:p14="http://schemas.microsoft.com/office/powerpoint/2010/main" xmlns:a14="http://schemas.microsoft.com/office/drawing/2010/main" w="9525">
+                <a14:hiddenLine xmlns:a14="http://schemas.microsoft.com/office/drawing/2010/main" xmlns:p14="http://schemas.microsoft.com/office/powerpoint/2010/main" xmlns:a16="http://schemas.microsoft.com/office/drawing/2014/main" xmlns="" w="9525">
                   <a:solidFill>
                     <a:srgbClr val="000000"/>
                   </a:solidFill>
@@ -25329,7 +25334,7 @@
             </a:ln>
             <a:extLst>
               <a:ext uri="{91240B29-F687-4f45-9708-019B960494DF}">
-                <a14:hiddenLine xmlns="" xmlns:a16="http://schemas.microsoft.com/office/drawing/2014/main" xmlns:p14="http://schemas.microsoft.com/office/powerpoint/2010/main" xmlns:a14="http://schemas.microsoft.com/office/drawing/2010/main" w="9525">
+                <a14:hiddenLine xmlns:a14="http://schemas.microsoft.com/office/drawing/2010/main" xmlns:p14="http://schemas.microsoft.com/office/powerpoint/2010/main" xmlns:a16="http://schemas.microsoft.com/office/drawing/2014/main" xmlns="" w="9525">
                   <a:solidFill>
                     <a:srgbClr val="000000"/>
                   </a:solidFill>
@@ -25413,7 +25418,7 @@
             </a:ln>
             <a:extLst>
               <a:ext uri="{91240B29-F687-4f45-9708-019B960494DF}">
-                <a14:hiddenLine xmlns="" xmlns:a16="http://schemas.microsoft.com/office/drawing/2014/main" xmlns:p14="http://schemas.microsoft.com/office/powerpoint/2010/main" xmlns:a14="http://schemas.microsoft.com/office/drawing/2010/main" w="9525">
+                <a14:hiddenLine xmlns:a14="http://schemas.microsoft.com/office/drawing/2010/main" xmlns:p14="http://schemas.microsoft.com/office/powerpoint/2010/main" xmlns:a16="http://schemas.microsoft.com/office/drawing/2014/main" xmlns="" w="9525">
                   <a:solidFill>
                     <a:srgbClr val="000000"/>
                   </a:solidFill>
@@ -25497,7 +25502,7 @@
             </a:ln>
             <a:extLst>
               <a:ext uri="{91240B29-F687-4f45-9708-019B960494DF}">
-                <a14:hiddenLine xmlns="" xmlns:a16="http://schemas.microsoft.com/office/drawing/2014/main" xmlns:p14="http://schemas.microsoft.com/office/powerpoint/2010/main" xmlns:a14="http://schemas.microsoft.com/office/drawing/2010/main" w="9525">
+                <a14:hiddenLine xmlns:a14="http://schemas.microsoft.com/office/drawing/2010/main" xmlns:p14="http://schemas.microsoft.com/office/powerpoint/2010/main" xmlns:a16="http://schemas.microsoft.com/office/drawing/2014/main" xmlns="" w="9525">
                   <a:solidFill>
                     <a:srgbClr val="000000"/>
                   </a:solidFill>
@@ -25609,7 +25614,7 @@
             </a:ln>
             <a:extLst>
               <a:ext uri="{91240B29-F687-4f45-9708-019B960494DF}">
-                <a14:hiddenLine xmlns="" xmlns:a16="http://schemas.microsoft.com/office/drawing/2014/main" xmlns:p14="http://schemas.microsoft.com/office/powerpoint/2010/main" xmlns:a14="http://schemas.microsoft.com/office/drawing/2010/main" w="9525">
+                <a14:hiddenLine xmlns:a14="http://schemas.microsoft.com/office/drawing/2010/main" xmlns:p14="http://schemas.microsoft.com/office/powerpoint/2010/main" xmlns:a16="http://schemas.microsoft.com/office/drawing/2014/main" xmlns="" w="9525">
                   <a:solidFill>
                     <a:srgbClr val="000000"/>
                   </a:solidFill>
@@ -25665,7 +25670,7 @@
             </a:ln>
             <a:extLst>
               <a:ext uri="{91240B29-F687-4f45-9708-019B960494DF}">
-                <a14:hiddenLine xmlns="" xmlns:a16="http://schemas.microsoft.com/office/drawing/2014/main" xmlns:p14="http://schemas.microsoft.com/office/powerpoint/2010/main" xmlns:a14="http://schemas.microsoft.com/office/drawing/2010/main" w="9525">
+                <a14:hiddenLine xmlns:a14="http://schemas.microsoft.com/office/drawing/2010/main" xmlns:p14="http://schemas.microsoft.com/office/powerpoint/2010/main" xmlns:a16="http://schemas.microsoft.com/office/drawing/2014/main" xmlns="" w="9525">
                   <a:solidFill>
                     <a:srgbClr val="000000"/>
                   </a:solidFill>
@@ -25752,7 +25757,7 @@
             </a:ln>
             <a:extLst>
               <a:ext uri="{91240B29-F687-4f45-9708-019B960494DF}">
-                <a14:hiddenLine xmlns="" xmlns:a16="http://schemas.microsoft.com/office/drawing/2014/main" xmlns:p14="http://schemas.microsoft.com/office/powerpoint/2010/main" xmlns:a14="http://schemas.microsoft.com/office/drawing/2010/main" w="9525">
+                <a14:hiddenLine xmlns:a14="http://schemas.microsoft.com/office/drawing/2010/main" xmlns:p14="http://schemas.microsoft.com/office/powerpoint/2010/main" xmlns:a16="http://schemas.microsoft.com/office/drawing/2014/main" xmlns="" w="9525">
                   <a:solidFill>
                     <a:srgbClr val="000000"/>
                   </a:solidFill>
@@ -25864,7 +25869,7 @@
             </a:ln>
             <a:extLst>
               <a:ext uri="{91240B29-F687-4f45-9708-019B960494DF}">
-                <a14:hiddenLine xmlns="" xmlns:a16="http://schemas.microsoft.com/office/drawing/2014/main" xmlns:p14="http://schemas.microsoft.com/office/powerpoint/2010/main" xmlns:a14="http://schemas.microsoft.com/office/drawing/2010/main" w="9525">
+                <a14:hiddenLine xmlns:a14="http://schemas.microsoft.com/office/drawing/2010/main" xmlns:p14="http://schemas.microsoft.com/office/powerpoint/2010/main" xmlns:a16="http://schemas.microsoft.com/office/drawing/2014/main" xmlns="" w="9525">
                   <a:solidFill>
                     <a:srgbClr val="000000"/>
                   </a:solidFill>
@@ -25948,7 +25953,7 @@
             </a:ln>
             <a:extLst>
               <a:ext uri="{91240B29-F687-4f45-9708-019B960494DF}">
-                <a14:hiddenLine xmlns="" xmlns:a16="http://schemas.microsoft.com/office/drawing/2014/main" xmlns:p14="http://schemas.microsoft.com/office/powerpoint/2010/main" xmlns:a14="http://schemas.microsoft.com/office/drawing/2010/main" w="9525">
+                <a14:hiddenLine xmlns:a14="http://schemas.microsoft.com/office/drawing/2010/main" xmlns:p14="http://schemas.microsoft.com/office/powerpoint/2010/main" xmlns:a16="http://schemas.microsoft.com/office/drawing/2014/main" xmlns="" w="9525">
                   <a:solidFill>
                     <a:srgbClr val="000000"/>
                   </a:solidFill>
@@ -26060,7 +26065,7 @@
             </a:ln>
             <a:extLst>
               <a:ext uri="{91240B29-F687-4f45-9708-019B960494DF}">
-                <a14:hiddenLine xmlns="" xmlns:a16="http://schemas.microsoft.com/office/drawing/2014/main" xmlns:p14="http://schemas.microsoft.com/office/powerpoint/2010/main" xmlns:a14="http://schemas.microsoft.com/office/drawing/2010/main" w="9525">
+                <a14:hiddenLine xmlns:a14="http://schemas.microsoft.com/office/drawing/2010/main" xmlns:p14="http://schemas.microsoft.com/office/powerpoint/2010/main" xmlns:a16="http://schemas.microsoft.com/office/drawing/2014/main" xmlns="" w="9525">
                   <a:solidFill>
                     <a:srgbClr val="000000"/>
                   </a:solidFill>
@@ -26147,7 +26152,7 @@
             </a:ln>
             <a:extLst>
               <a:ext uri="{91240B29-F687-4f45-9708-019B960494DF}">
-                <a14:hiddenLine xmlns="" xmlns:a16="http://schemas.microsoft.com/office/drawing/2014/main" xmlns:p14="http://schemas.microsoft.com/office/powerpoint/2010/main" xmlns:a14="http://schemas.microsoft.com/office/drawing/2010/main" w="9525">
+                <a14:hiddenLine xmlns:a14="http://schemas.microsoft.com/office/drawing/2010/main" xmlns:p14="http://schemas.microsoft.com/office/powerpoint/2010/main" xmlns:a16="http://schemas.microsoft.com/office/drawing/2014/main" xmlns="" w="9525">
                   <a:solidFill>
                     <a:srgbClr val="000000"/>
                   </a:solidFill>
@@ -26231,7 +26236,7 @@
             </a:ln>
             <a:extLst>
               <a:ext uri="{91240B29-F687-4f45-9708-019B960494DF}">
-                <a14:hiddenLine xmlns="" xmlns:a16="http://schemas.microsoft.com/office/drawing/2014/main" xmlns:p14="http://schemas.microsoft.com/office/powerpoint/2010/main" xmlns:a14="http://schemas.microsoft.com/office/drawing/2010/main" w="9525">
+                <a14:hiddenLine xmlns:a14="http://schemas.microsoft.com/office/drawing/2010/main" xmlns:p14="http://schemas.microsoft.com/office/powerpoint/2010/main" xmlns:a16="http://schemas.microsoft.com/office/drawing/2014/main" xmlns="" w="9525">
                   <a:solidFill>
                     <a:srgbClr val="000000"/>
                   </a:solidFill>
@@ -26343,7 +26348,7 @@
             </a:ln>
             <a:extLst>
               <a:ext uri="{91240B29-F687-4f45-9708-019B960494DF}">
-                <a14:hiddenLine xmlns="" xmlns:a16="http://schemas.microsoft.com/office/drawing/2014/main" xmlns:p14="http://schemas.microsoft.com/office/powerpoint/2010/main" xmlns:a14="http://schemas.microsoft.com/office/drawing/2010/main" w="9525">
+                <a14:hiddenLine xmlns:a14="http://schemas.microsoft.com/office/drawing/2010/main" xmlns:p14="http://schemas.microsoft.com/office/powerpoint/2010/main" xmlns:a16="http://schemas.microsoft.com/office/drawing/2014/main" xmlns="" w="9525">
                   <a:solidFill>
                     <a:srgbClr val="000000"/>
                   </a:solidFill>
@@ -26455,7 +26460,7 @@
             </a:ln>
             <a:extLst>
               <a:ext uri="{91240B29-F687-4f45-9708-019B960494DF}">
-                <a14:hiddenLine xmlns="" xmlns:a16="http://schemas.microsoft.com/office/drawing/2014/main" xmlns:p14="http://schemas.microsoft.com/office/powerpoint/2010/main" xmlns:a14="http://schemas.microsoft.com/office/drawing/2010/main" w="9525">
+                <a14:hiddenLine xmlns:a14="http://schemas.microsoft.com/office/drawing/2010/main" xmlns:p14="http://schemas.microsoft.com/office/powerpoint/2010/main" xmlns:a16="http://schemas.microsoft.com/office/drawing/2014/main" xmlns="" w="9525">
                   <a:solidFill>
                     <a:srgbClr val="000000"/>
                   </a:solidFill>
@@ -26542,7 +26547,7 @@
             </a:ln>
             <a:extLst>
               <a:ext uri="{91240B29-F687-4f45-9708-019B960494DF}">
-                <a14:hiddenLine xmlns="" xmlns:a16="http://schemas.microsoft.com/office/drawing/2014/main" xmlns:p14="http://schemas.microsoft.com/office/powerpoint/2010/main" xmlns:a14="http://schemas.microsoft.com/office/drawing/2010/main" w="9525">
+                <a14:hiddenLine xmlns:a14="http://schemas.microsoft.com/office/drawing/2010/main" xmlns:p14="http://schemas.microsoft.com/office/powerpoint/2010/main" xmlns:a16="http://schemas.microsoft.com/office/drawing/2014/main" xmlns="" w="9525">
                   <a:solidFill>
                     <a:srgbClr val="000000"/>
                   </a:solidFill>
@@ -26684,7 +26689,7 @@
             </a:ln>
             <a:extLst>
               <a:ext uri="{91240B29-F687-4f45-9708-019B960494DF}">
-                <a14:hiddenLine xmlns="" xmlns:a16="http://schemas.microsoft.com/office/drawing/2014/main" xmlns:p14="http://schemas.microsoft.com/office/powerpoint/2010/main" xmlns:a14="http://schemas.microsoft.com/office/drawing/2010/main" w="9525">
+                <a14:hiddenLine xmlns:a14="http://schemas.microsoft.com/office/drawing/2010/main" xmlns:p14="http://schemas.microsoft.com/office/powerpoint/2010/main" xmlns:a16="http://schemas.microsoft.com/office/drawing/2014/main" xmlns="" w="9525">
                   <a:solidFill>
                     <a:srgbClr val="000000"/>
                   </a:solidFill>
@@ -26967,7 +26972,7 @@
             </a:ln>
             <a:extLst>
               <a:ext uri="{91240B29-F687-4f45-9708-019B960494DF}">
-                <a14:hiddenLine xmlns="" xmlns:a16="http://schemas.microsoft.com/office/drawing/2014/main" xmlns:p14="http://schemas.microsoft.com/office/powerpoint/2010/main" xmlns:a14="http://schemas.microsoft.com/office/drawing/2010/main" w="9525">
+                <a14:hiddenLine xmlns:a14="http://schemas.microsoft.com/office/drawing/2010/main" xmlns:p14="http://schemas.microsoft.com/office/powerpoint/2010/main" xmlns:a16="http://schemas.microsoft.com/office/drawing/2014/main" xmlns="" w="9525">
                   <a:solidFill>
                     <a:srgbClr val="000000"/>
                   </a:solidFill>
@@ -27104,7 +27109,7 @@
             </a:ln>
             <a:extLst>
               <a:ext uri="{91240B29-F687-4f45-9708-019B960494DF}">
-                <a14:hiddenLine xmlns="" xmlns:a16="http://schemas.microsoft.com/office/drawing/2014/main" xmlns:p14="http://schemas.microsoft.com/office/powerpoint/2010/main" xmlns:a14="http://schemas.microsoft.com/office/drawing/2010/main" w="9525">
+                <a14:hiddenLine xmlns:a14="http://schemas.microsoft.com/office/drawing/2010/main" xmlns:p14="http://schemas.microsoft.com/office/powerpoint/2010/main" xmlns:a16="http://schemas.microsoft.com/office/drawing/2014/main" xmlns="" w="9525">
                   <a:solidFill>
                     <a:srgbClr val="000000"/>
                   </a:solidFill>
@@ -27216,7 +27221,7 @@
             </a:ln>
             <a:extLst>
               <a:ext uri="{91240B29-F687-4f45-9708-019B960494DF}">
-                <a14:hiddenLine xmlns="" xmlns:a16="http://schemas.microsoft.com/office/drawing/2014/main" xmlns:p14="http://schemas.microsoft.com/office/powerpoint/2010/main" xmlns:a14="http://schemas.microsoft.com/office/drawing/2010/main" w="9525">
+                <a14:hiddenLine xmlns:a14="http://schemas.microsoft.com/office/drawing/2010/main" xmlns:p14="http://schemas.microsoft.com/office/powerpoint/2010/main" xmlns:a16="http://schemas.microsoft.com/office/drawing/2014/main" xmlns="" w="9525">
                   <a:solidFill>
                     <a:srgbClr val="000000"/>
                   </a:solidFill>
@@ -27303,7 +27308,7 @@
             </a:ln>
             <a:extLst>
               <a:ext uri="{91240B29-F687-4f45-9708-019B960494DF}">
-                <a14:hiddenLine xmlns="" xmlns:a16="http://schemas.microsoft.com/office/drawing/2014/main" xmlns:p14="http://schemas.microsoft.com/office/powerpoint/2010/main" xmlns:a14="http://schemas.microsoft.com/office/drawing/2010/main" w="9525">
+                <a14:hiddenLine xmlns:a14="http://schemas.microsoft.com/office/drawing/2010/main" xmlns:p14="http://schemas.microsoft.com/office/powerpoint/2010/main" xmlns:a16="http://schemas.microsoft.com/office/drawing/2014/main" xmlns="" w="9525">
                   <a:solidFill>
                     <a:srgbClr val="000000"/>
                   </a:solidFill>
@@ -27415,7 +27420,7 @@
             </a:ln>
             <a:extLst>
               <a:ext uri="{91240B29-F687-4f45-9708-019B960494DF}">
-                <a14:hiddenLine xmlns="" xmlns:a16="http://schemas.microsoft.com/office/drawing/2014/main" xmlns:p14="http://schemas.microsoft.com/office/powerpoint/2010/main" xmlns:a14="http://schemas.microsoft.com/office/drawing/2010/main" w="9525">
+                <a14:hiddenLine xmlns:a14="http://schemas.microsoft.com/office/drawing/2010/main" xmlns:p14="http://schemas.microsoft.com/office/powerpoint/2010/main" xmlns:a16="http://schemas.microsoft.com/office/drawing/2014/main" xmlns="" w="9525">
                   <a:solidFill>
                     <a:srgbClr val="000000"/>
                   </a:solidFill>
@@ -27505,7 +27510,7 @@
             </a:ln>
             <a:extLst>
               <a:ext uri="{91240B29-F687-4f45-9708-019B960494DF}">
-                <a14:hiddenLine xmlns="" xmlns:a16="http://schemas.microsoft.com/office/drawing/2014/main" xmlns:p14="http://schemas.microsoft.com/office/powerpoint/2010/main" xmlns:a14="http://schemas.microsoft.com/office/drawing/2010/main" w="9525">
+                <a14:hiddenLine xmlns:a14="http://schemas.microsoft.com/office/drawing/2010/main" xmlns:p14="http://schemas.microsoft.com/office/powerpoint/2010/main" xmlns:a16="http://schemas.microsoft.com/office/drawing/2014/main" xmlns="" w="9525">
                   <a:solidFill>
                     <a:srgbClr val="000000"/>
                   </a:solidFill>
@@ -27617,7 +27622,7 @@
             </a:ln>
             <a:extLst>
               <a:ext uri="{91240B29-F687-4f45-9708-019B960494DF}">
-                <a14:hiddenLine xmlns="" xmlns:a16="http://schemas.microsoft.com/office/drawing/2014/main" xmlns:p14="http://schemas.microsoft.com/office/powerpoint/2010/main" xmlns:a14="http://schemas.microsoft.com/office/drawing/2010/main" w="9525">
+                <a14:hiddenLine xmlns:a14="http://schemas.microsoft.com/office/drawing/2010/main" xmlns:p14="http://schemas.microsoft.com/office/powerpoint/2010/main" xmlns:a16="http://schemas.microsoft.com/office/drawing/2014/main" xmlns="" w="9525">
                   <a:solidFill>
                     <a:srgbClr val="000000"/>
                   </a:solidFill>
@@ -27707,7 +27712,7 @@
             </a:ln>
             <a:extLst>
               <a:ext uri="{91240B29-F687-4f45-9708-019B960494DF}">
-                <a14:hiddenLine xmlns="" xmlns:a16="http://schemas.microsoft.com/office/drawing/2014/main" xmlns:p14="http://schemas.microsoft.com/office/powerpoint/2010/main" xmlns:a14="http://schemas.microsoft.com/office/drawing/2010/main" w="9525">
+                <a14:hiddenLine xmlns:a14="http://schemas.microsoft.com/office/drawing/2010/main" xmlns:p14="http://schemas.microsoft.com/office/powerpoint/2010/main" xmlns:a16="http://schemas.microsoft.com/office/drawing/2014/main" xmlns="" w="9525">
                   <a:solidFill>
                     <a:srgbClr val="000000"/>
                   </a:solidFill>
@@ -27819,7 +27824,7 @@
             </a:ln>
             <a:extLst>
               <a:ext uri="{91240B29-F687-4f45-9708-019B960494DF}">
-                <a14:hiddenLine xmlns="" xmlns:a16="http://schemas.microsoft.com/office/drawing/2014/main" xmlns:p14="http://schemas.microsoft.com/office/powerpoint/2010/main" xmlns:a14="http://schemas.microsoft.com/office/drawing/2010/main" w="9525">
+                <a14:hiddenLine xmlns:a14="http://schemas.microsoft.com/office/drawing/2010/main" xmlns:p14="http://schemas.microsoft.com/office/powerpoint/2010/main" xmlns:a16="http://schemas.microsoft.com/office/drawing/2014/main" xmlns="" w="9525">
                   <a:solidFill>
                     <a:srgbClr val="000000"/>
                   </a:solidFill>
@@ -27875,7 +27880,7 @@
             </a:ln>
             <a:extLst>
               <a:ext uri="{91240B29-F687-4f45-9708-019B960494DF}">
-                <a14:hiddenLine xmlns="" xmlns:a16="http://schemas.microsoft.com/office/drawing/2014/main" xmlns:p14="http://schemas.microsoft.com/office/powerpoint/2010/main" xmlns:a14="http://schemas.microsoft.com/office/drawing/2010/main" w="9525">
+                <a14:hiddenLine xmlns:a14="http://schemas.microsoft.com/office/drawing/2010/main" xmlns:p14="http://schemas.microsoft.com/office/powerpoint/2010/main" xmlns:a16="http://schemas.microsoft.com/office/drawing/2014/main" xmlns="" w="9525">
                   <a:solidFill>
                     <a:srgbClr val="000000"/>
                   </a:solidFill>
@@ -28150,8 +28155,8 @@
         </p:nvSpPr>
         <p:spPr>
           <a:xfrm>
-            <a:off x="3657599" y="618518"/>
-            <a:ext cx="7389811" cy="1478570"/>
+            <a:off x="1141413" y="618518"/>
+            <a:ext cx="4685529" cy="1478570"/>
           </a:xfrm>
         </p:spPr>
         <p:txBody>
@@ -28174,10 +28179,69 @@
       </p:sp>
       <p:sp>
         <p:nvSpPr>
-          <p:cNvPr id="3095" name="Round Single Corner Rectangle 16">
+          <p:cNvPr id="3" name="Tartalom helye 2">
             <a:extLst>
               <a:ext uri="{FF2B5EF4-FFF2-40B4-BE49-F238E27FC236}">
-                <a16:creationId xmlns:a16="http://schemas.microsoft.com/office/drawing/2014/main" id="{04B7EA48-2154-4E59-9F36-6BC72DA8F391}"/>
+                <a16:creationId xmlns:a16="http://schemas.microsoft.com/office/drawing/2014/main" id="{330E4663-C3E8-9A6F-BEC3-29DA938C4722}"/>
+              </a:ext>
+            </a:extLst>
+          </p:cNvPr>
+          <p:cNvSpPr>
+            <a:spLocks noGrp="1"/>
+          </p:cNvSpPr>
+          <p:nvPr>
+            <p:ph idx="1"/>
+          </p:nvPr>
+        </p:nvSpPr>
+        <p:spPr>
+          <a:xfrm>
+            <a:off x="1141413" y="2249487"/>
+            <a:ext cx="4685530" cy="3541714"/>
+          </a:xfrm>
+        </p:spPr>
+        <p:txBody>
+          <a:bodyPr>
+            <a:normAutofit/>
+          </a:bodyPr>
+          <a:lstStyle/>
+          <a:p>
+            <a:pPr>
+              <a:buFont typeface="Arial" panose="020B0604020202020204" pitchFamily="34" charset="0"/>
+              <a:buChar char="•"/>
+            </a:pPr>
+            <a:r>
+              <a:rPr lang="hu-HU" sz="2300"/>
+              <a:t>Frontend: React + TypeScript + Tailwind + Shadcn UI</a:t>
+            </a:r>
+          </a:p>
+          <a:p>
+            <a:pPr>
+              <a:buFont typeface="Arial" panose="020B0604020202020204" pitchFamily="34" charset="0"/>
+              <a:buChar char="•"/>
+            </a:pPr>
+            <a:r>
+              <a:rPr lang="hu-HU" sz="2300"/>
+              <a:t>Backend: Spring Boot, Liquibase, JWT</a:t>
+            </a:r>
+          </a:p>
+          <a:p>
+            <a:pPr>
+              <a:buFont typeface="Arial" panose="020B0604020202020204" pitchFamily="34" charset="0"/>
+              <a:buChar char="•"/>
+            </a:pPr>
+            <a:r>
+              <a:rPr lang="hu-HU" sz="2300"/>
+              <a:t>Adatbázis: PostgreSQL (OpenShift)</a:t>
+            </a:r>
+          </a:p>
+        </p:txBody>
+      </p:sp>
+      <p:sp>
+        <p:nvSpPr>
+          <p:cNvPr id="3104" name="Rectangle 3103">
+            <a:extLst>
+              <a:ext uri="{FF2B5EF4-FFF2-40B4-BE49-F238E27FC236}">
+                <a16:creationId xmlns:a16="http://schemas.microsoft.com/office/drawing/2014/main" id="{414BE714-4E73-4D5F-8FE1-129333676010}"/>
               </a:ext>
               <a:ext uri="{C183D7F6-B498-43B3-948B-1728B52AA6E4}">
                 <adec:decorative xmlns:adec="http://schemas.microsoft.com/office/drawing/2017/decorative" val="1"/>
@@ -28196,34 +28260,25 @@
           </p:nvPr>
         </p:nvSpPr>
         <p:spPr>
-          <a:xfrm flipH="1">
-            <a:off x="804973" y="643467"/>
-            <a:ext cx="2559744" cy="1706538"/>
+          <a:xfrm>
+            <a:off x="6095999" y="0"/>
+            <a:ext cx="6096001" cy="6858000"/>
           </a:xfrm>
-          <a:prstGeom prst="round1Rect">
-            <a:avLst>
-              <a:gd name="adj" fmla="val 14792"/>
-            </a:avLst>
+          <a:prstGeom prst="rect">
+            <a:avLst/>
           </a:prstGeom>
           <a:solidFill>
-            <a:srgbClr val="FFFFFF"/>
+            <a:schemeClr val="tx1"/>
           </a:solidFill>
-          <a:ln w="19050" cap="sq">
-            <a:solidFill>
-              <a:schemeClr val="tx2">
-                <a:lumMod val="60000"/>
-                <a:lumOff val="40000"/>
-                <a:alpha val="60000"/>
-              </a:schemeClr>
-            </a:solidFill>
-            <a:miter lim="800000"/>
+          <a:ln>
+            <a:noFill/>
           </a:ln>
           <a:effectLst>
-            <a:outerShdw blurRad="88900" dist="38100" dir="5400000" algn="t" rotWithShape="0">
+            <a:innerShdw blurRad="63500" dist="12700" dir="10800000">
               <a:prstClr val="black">
-                <a:alpha val="40000"/>
+                <a:alpha val="42000"/>
               </a:prstClr>
-            </a:outerShdw>
+            </a:innerShdw>
           </a:effectLst>
         </p:spPr>
         <p:style>
@@ -28253,7 +28308,7 @@
       </p:sp>
       <p:pic>
         <p:nvPicPr>
-          <p:cNvPr id="3088" name="Picture 16">
+          <p:cNvPr id="3088" name="Picture 16" descr="A képen clipart, vázlat, Grafika, rajz látható&#10;&#10;Előfordulhat, hogy a mesterséges intelligencia által létrehozott tartalom helytelen.">
             <a:extLst>
               <a:ext uri="{FF2B5EF4-FFF2-40B4-BE49-F238E27FC236}">
                 <a16:creationId xmlns:a16="http://schemas.microsoft.com/office/drawing/2014/main" id="{D7751927-F915-F9CA-56DA-F35299A85AD4}"/>
@@ -28279,8 +28334,8 @@
         </p:blipFill>
         <p:spPr bwMode="auto">
           <a:xfrm>
-            <a:off x="1412659" y="808396"/>
-            <a:ext cx="1338352" cy="1380744"/>
+            <a:off x="6420907" y="632099"/>
+            <a:ext cx="1597730" cy="1648336"/>
           </a:xfrm>
           <a:prstGeom prst="rect">
             <a:avLst/>
@@ -28297,12 +28352,12 @@
           </a:extLst>
         </p:spPr>
       </p:pic>
-      <p:sp>
+      <p:sp useBgFill="1">
         <p:nvSpPr>
-          <p:cNvPr id="3097" name="Round Diagonal Corner Rectangle 12">
+          <p:cNvPr id="3106" name="Rectangle 3105">
             <a:extLst>
               <a:ext uri="{FF2B5EF4-FFF2-40B4-BE49-F238E27FC236}">
-                <a16:creationId xmlns:a16="http://schemas.microsoft.com/office/drawing/2014/main" id="{50CB2E6E-5C9B-4D63-A7B7-EB4BDD2C7F28}"/>
+                <a16:creationId xmlns:a16="http://schemas.microsoft.com/office/drawing/2014/main" id="{9784C132-48CC-48E2-B92D-79EBF5EFE8A6}"/>
               </a:ext>
               <a:ext uri="{C183D7F6-B498-43B3-948B-1728B52AA6E4}">
                 <adec:decorative xmlns:adec="http://schemas.microsoft.com/office/drawing/2017/decorative" val="1"/>
@@ -28322,35 +28377,75 @@
         </p:nvSpPr>
         <p:spPr>
           <a:xfrm>
-            <a:off x="798953" y="2554110"/>
-            <a:ext cx="2565764" cy="1710603"/>
+            <a:off x="6095998" y="2743200"/>
+            <a:ext cx="6096002" cy="91440"/>
           </a:xfrm>
-          <a:prstGeom prst="round2DiagRect">
-            <a:avLst>
-              <a:gd name="adj1" fmla="val 0"/>
-              <a:gd name="adj2" fmla="val 0"/>
-            </a:avLst>
+          <a:prstGeom prst="rect">
+            <a:avLst/>
           </a:prstGeom>
-          <a:solidFill>
-            <a:srgbClr val="FFFFFF"/>
-          </a:solidFill>
-          <a:ln w="19050" cap="sq">
-            <a:solidFill>
-              <a:schemeClr val="tx2">
-                <a:lumMod val="60000"/>
-                <a:lumOff val="40000"/>
-                <a:alpha val="60000"/>
-              </a:schemeClr>
-            </a:solidFill>
-            <a:miter lim="800000"/>
+          <a:ln>
+            <a:noFill/>
           </a:ln>
-          <a:effectLst>
-            <a:outerShdw blurRad="88900" dist="38100" dir="5400000" algn="t" rotWithShape="0">
-              <a:prstClr val="black">
-                <a:alpha val="40000"/>
-              </a:prstClr>
-            </a:outerShdw>
-          </a:effectLst>
+        </p:spPr>
+        <p:style>
+          <a:lnRef idx="2">
+            <a:schemeClr val="accent1">
+              <a:shade val="50000"/>
+            </a:schemeClr>
+          </a:lnRef>
+          <a:fillRef idx="1">
+            <a:schemeClr val="accent1"/>
+          </a:fillRef>
+          <a:effectRef idx="0">
+            <a:schemeClr val="accent1"/>
+          </a:effectRef>
+          <a:fontRef idx="minor">
+            <a:schemeClr val="lt1"/>
+          </a:fontRef>
+        </p:style>
+        <p:txBody>
+          <a:bodyPr rtlCol="0" anchor="ctr"/>
+          <a:lstStyle/>
+          <a:p>
+            <a:pPr algn="ctr"/>
+            <a:endParaRPr lang="en-US"/>
+          </a:p>
+        </p:txBody>
+      </p:sp>
+      <p:sp useBgFill="1">
+        <p:nvSpPr>
+          <p:cNvPr id="3108" name="Rectangle 3107">
+            <a:extLst>
+              <a:ext uri="{FF2B5EF4-FFF2-40B4-BE49-F238E27FC236}">
+                <a16:creationId xmlns:a16="http://schemas.microsoft.com/office/drawing/2014/main" id="{6F6A848C-630F-44DE-93AE-7C2F7BCDB6D2}"/>
+              </a:ext>
+              <a:ext uri="{C183D7F6-B498-43B3-948B-1728B52AA6E4}">
+                <adec:decorative xmlns:adec="http://schemas.microsoft.com/office/drawing/2017/decorative" val="1"/>
+              </a:ext>
+            </a:extLst>
+          </p:cNvPr>
+          <p:cNvSpPr>
+            <a:spLocks noGrp="1" noRot="1" noChangeAspect="1" noMove="1" noResize="1" noEditPoints="1" noAdjustHandles="1" noChangeArrowheads="1" noChangeShapeType="1" noTextEdit="1"/>
+          </p:cNvSpPr>
+          <p:nvPr>
+            <p:extLst>
+              <p:ext uri="{386F3935-93C4-4BCD-93E2-E3B085C9AB24}">
+                <p16:designElem xmlns:p16="http://schemas.microsoft.com/office/powerpoint/2015/main" val="1"/>
+              </p:ext>
+            </p:extLst>
+          </p:nvPr>
+        </p:nvSpPr>
+        <p:spPr>
+          <a:xfrm>
+            <a:off x="8136959" y="0"/>
+            <a:ext cx="91440" cy="2834640"/>
+          </a:xfrm>
+          <a:prstGeom prst="rect">
+            <a:avLst/>
+          </a:prstGeom>
+          <a:ln>
+            <a:noFill/>
+          </a:ln>
         </p:spPr>
         <p:style>
           <a:lnRef idx="2">
@@ -28405,8 +28500,8 @@
         </p:blipFill>
         <p:spPr bwMode="auto">
           <a:xfrm>
-            <a:off x="1394531" y="2719039"/>
-            <a:ext cx="1374607" cy="1380744"/>
+            <a:off x="8345134" y="653836"/>
+            <a:ext cx="1597730" cy="1604862"/>
           </a:xfrm>
           <a:prstGeom prst="rect">
             <a:avLst/>
@@ -28423,12 +28518,12 @@
           </a:extLst>
         </p:spPr>
       </p:pic>
-      <p:sp>
+      <p:sp useBgFill="1">
         <p:nvSpPr>
-          <p:cNvPr id="3099" name="Round Single Corner Rectangle 18">
+          <p:cNvPr id="3110" name="Rectangle 3109">
             <a:extLst>
               <a:ext uri="{FF2B5EF4-FFF2-40B4-BE49-F238E27FC236}">
-                <a16:creationId xmlns:a16="http://schemas.microsoft.com/office/drawing/2014/main" id="{D9F3B175-D9A0-4272-8A14-1E8E1F83A185}"/>
+                <a16:creationId xmlns:a16="http://schemas.microsoft.com/office/drawing/2014/main" id="{FA1F8F0C-921B-4EF9-BA35-B5F73B11B5A9}"/>
               </a:ext>
               <a:ext uri="{C183D7F6-B498-43B3-948B-1728B52AA6E4}">
                 <adec:decorative xmlns:adec="http://schemas.microsoft.com/office/drawing/2017/decorative" val="1"/>
@@ -28447,35 +28542,16 @@
           </p:nvPr>
         </p:nvSpPr>
         <p:spPr>
-          <a:xfrm flipV="1">
-            <a:off x="804973" y="4472883"/>
-            <a:ext cx="2559744" cy="1706538"/>
+          <a:xfrm>
+            <a:off x="10060128" y="0"/>
+            <a:ext cx="91440" cy="2834640"/>
           </a:xfrm>
-          <a:prstGeom prst="round1Rect">
-            <a:avLst>
-              <a:gd name="adj" fmla="val 14792"/>
-            </a:avLst>
+          <a:prstGeom prst="rect">
+            <a:avLst/>
           </a:prstGeom>
-          <a:solidFill>
-            <a:srgbClr val="FFFFFF"/>
-          </a:solidFill>
-          <a:ln w="19050" cap="sq">
-            <a:solidFill>
-              <a:schemeClr val="tx2">
-                <a:lumMod val="60000"/>
-                <a:lumOff val="40000"/>
-                <a:alpha val="60000"/>
-              </a:schemeClr>
-            </a:solidFill>
-            <a:miter lim="800000"/>
+          <a:ln>
+            <a:noFill/>
           </a:ln>
-          <a:effectLst>
-            <a:outerShdw blurRad="88900" dist="38100" dir="5400000" algn="t" rotWithShape="0">
-              <a:prstClr val="black">
-                <a:alpha val="40000"/>
-              </a:prstClr>
-            </a:outerShdw>
-          </a:effectLst>
         </p:spPr>
         <p:style>
           <a:lnRef idx="2">
@@ -28504,7 +28580,7 @@
       </p:sp>
       <p:pic>
         <p:nvPicPr>
-          <p:cNvPr id="3090" name="Picture 18">
+          <p:cNvPr id="3090" name="Picture 18" descr="A képen kör, Grafika, tervezés látható&#10;&#10;Előfordulhat, hogy a mesterséges intelligencia által létrehozott tartalom helytelen.">
             <a:extLst>
               <a:ext uri="{FF2B5EF4-FFF2-40B4-BE49-F238E27FC236}">
                 <a16:creationId xmlns:a16="http://schemas.microsoft.com/office/drawing/2014/main" id="{3A029CA1-3E76-385A-494A-A3D4774B0DC1}"/>
@@ -28530,8 +28606,8 @@
         </p:blipFill>
         <p:spPr bwMode="auto">
           <a:xfrm>
-            <a:off x="1306795" y="4633747"/>
-            <a:ext cx="1550080" cy="1380744"/>
+            <a:off x="10270577" y="744673"/>
+            <a:ext cx="1597730" cy="1423188"/>
           </a:xfrm>
           <a:prstGeom prst="rect">
             <a:avLst/>
@@ -28548,121 +28624,36 @@
           </a:extLst>
         </p:spPr>
       </p:pic>
-      <p:sp>
-        <p:nvSpPr>
-          <p:cNvPr id="3" name="Tartalom helye 2">
+      <p:pic>
+        <p:nvPicPr>
+          <p:cNvPr id="5" name="Kép 4" descr="A képen képernyőkép, szöveg, embléma, tervezés látható&#10;&#10;Előfordulhat, hogy a mesterséges intelligencia által létrehozott tartalom helytelen.">
             <a:extLst>
               <a:ext uri="{FF2B5EF4-FFF2-40B4-BE49-F238E27FC236}">
-                <a16:creationId xmlns:a16="http://schemas.microsoft.com/office/drawing/2014/main" id="{330E4663-C3E8-9A6F-BEC3-29DA938C4722}"/>
+                <a16:creationId xmlns:a16="http://schemas.microsoft.com/office/drawing/2014/main" id="{4152F53A-96A1-2CCE-CD5D-8649561D45AF}"/>
               </a:ext>
             </a:extLst>
           </p:cNvPr>
-          <p:cNvSpPr>
-            <a:spLocks noGrp="1"/>
-          </p:cNvSpPr>
-          <p:nvPr>
-            <p:ph idx="1"/>
-          </p:nvPr>
-        </p:nvSpPr>
+          <p:cNvPicPr>
+            <a:picLocks noChangeAspect="1"/>
+          </p:cNvPicPr>
+          <p:nvPr/>
+        </p:nvPicPr>
+        <p:blipFill>
+          <a:blip r:embed="rId6"/>
+          <a:stretch>
+            <a:fillRect/>
+          </a:stretch>
+        </p:blipFill>
         <p:spPr>
           <a:xfrm>
-            <a:off x="3657599" y="2249487"/>
-            <a:ext cx="7389812" cy="3541714"/>
+            <a:off x="6420906" y="3763640"/>
+            <a:ext cx="5431367" cy="1996026"/>
           </a:xfrm>
+          <a:prstGeom prst="rect">
+            <a:avLst/>
+          </a:prstGeom>
         </p:spPr>
-        <p:txBody>
-          <a:bodyPr>
-            <a:normAutofit/>
-          </a:bodyPr>
-          <a:lstStyle/>
-          <a:p>
-            <a:pPr>
-              <a:buFont typeface="Arial" panose="020B0604020202020204" pitchFamily="34" charset="0"/>
-              <a:buChar char="•"/>
-            </a:pPr>
-            <a:r>
-              <a:rPr lang="hu-HU" dirty="0"/>
-              <a:t>Frontend: </a:t>
-            </a:r>
-            <a:r>
-              <a:rPr lang="hu-HU" dirty="0" err="1"/>
-              <a:t>React</a:t>
-            </a:r>
-            <a:r>
-              <a:rPr lang="hu-HU" dirty="0"/>
-              <a:t> + </a:t>
-            </a:r>
-            <a:r>
-              <a:rPr lang="hu-HU" dirty="0" err="1"/>
-              <a:t>TypeScript</a:t>
-            </a:r>
-            <a:r>
-              <a:rPr lang="hu-HU" dirty="0"/>
-              <a:t> + </a:t>
-            </a:r>
-            <a:r>
-              <a:rPr lang="hu-HU" dirty="0" err="1"/>
-              <a:t>Tailwind</a:t>
-            </a:r>
-            <a:r>
-              <a:rPr lang="hu-HU" dirty="0"/>
-              <a:t> + </a:t>
-            </a:r>
-            <a:r>
-              <a:rPr lang="hu-HU" dirty="0" err="1"/>
-              <a:t>Shadcn</a:t>
-            </a:r>
-            <a:r>
-              <a:rPr lang="hu-HU" dirty="0"/>
-              <a:t> UI</a:t>
-            </a:r>
-          </a:p>
-          <a:p>
-            <a:pPr>
-              <a:buFont typeface="Arial" panose="020B0604020202020204" pitchFamily="34" charset="0"/>
-              <a:buChar char="•"/>
-            </a:pPr>
-            <a:r>
-              <a:rPr lang="hu-HU" dirty="0"/>
-              <a:t>Backend: Spring Boot, </a:t>
-            </a:r>
-            <a:r>
-              <a:rPr lang="hu-HU" dirty="0" err="1"/>
-              <a:t>Liquibase</a:t>
-            </a:r>
-            <a:r>
-              <a:rPr lang="hu-HU" dirty="0"/>
-              <a:t>, JWT</a:t>
-            </a:r>
-          </a:p>
-          <a:p>
-            <a:pPr>
-              <a:buFont typeface="Arial" panose="020B0604020202020204" pitchFamily="34" charset="0"/>
-              <a:buChar char="•"/>
-            </a:pPr>
-            <a:r>
-              <a:rPr lang="hu-HU" dirty="0"/>
-              <a:t>Adatbázis: </a:t>
-            </a:r>
-            <a:r>
-              <a:rPr lang="hu-HU" dirty="0" err="1"/>
-              <a:t>PostgreSQL</a:t>
-            </a:r>
-            <a:r>
-              <a:rPr lang="hu-HU" dirty="0"/>
-              <a:t> (</a:t>
-            </a:r>
-            <a:r>
-              <a:rPr lang="hu-HU" dirty="0" err="1"/>
-              <a:t>OpenShift</a:t>
-            </a:r>
-            <a:r>
-              <a:rPr lang="hu-HU" dirty="0"/>
-              <a:t>)</a:t>
-            </a:r>
-          </a:p>
-        </p:txBody>
-      </p:sp>
+      </p:pic>
     </p:spTree>
     <p:extLst>
       <p:ext uri="{BB962C8B-B14F-4D97-AF65-F5344CB8AC3E}">
@@ -28852,7 +28843,7 @@
             </a:ln>
             <a:extLst>
               <a:ext uri="{91240B29-F687-4f45-9708-019B960494DF}">
-                <a14:hiddenLine xmlns="" xmlns:a16="http://schemas.microsoft.com/office/drawing/2014/main" xmlns:p14="http://schemas.microsoft.com/office/powerpoint/2010/main" xmlns:a14="http://schemas.microsoft.com/office/drawing/2010/main" w="9525">
+                <a14:hiddenLine xmlns:a14="http://schemas.microsoft.com/office/drawing/2010/main" xmlns:p14="http://schemas.microsoft.com/office/powerpoint/2010/main" xmlns:a16="http://schemas.microsoft.com/office/drawing/2014/main" xmlns="" w="9525">
                   <a:solidFill>
                     <a:srgbClr val="000000"/>
                   </a:solidFill>
@@ -28964,7 +28955,7 @@
             </a:ln>
             <a:extLst>
               <a:ext uri="{91240B29-F687-4f45-9708-019B960494DF}">
-                <a14:hiddenLine xmlns="" xmlns:a16="http://schemas.microsoft.com/office/drawing/2014/main" xmlns:p14="http://schemas.microsoft.com/office/powerpoint/2010/main" xmlns:a14="http://schemas.microsoft.com/office/drawing/2010/main" w="9525">
+                <a14:hiddenLine xmlns:a14="http://schemas.microsoft.com/office/drawing/2010/main" xmlns:p14="http://schemas.microsoft.com/office/powerpoint/2010/main" xmlns:a16="http://schemas.microsoft.com/office/drawing/2014/main" xmlns="" w="9525">
                   <a:solidFill>
                     <a:srgbClr val="000000"/>
                   </a:solidFill>
@@ -29076,7 +29067,7 @@
             </a:ln>
             <a:extLst>
               <a:ext uri="{91240B29-F687-4f45-9708-019B960494DF}">
-                <a14:hiddenLine xmlns="" xmlns:a16="http://schemas.microsoft.com/office/drawing/2014/main" xmlns:p14="http://schemas.microsoft.com/office/powerpoint/2010/main" xmlns:a14="http://schemas.microsoft.com/office/drawing/2010/main" w="9525">
+                <a14:hiddenLine xmlns:a14="http://schemas.microsoft.com/office/drawing/2010/main" xmlns:p14="http://schemas.microsoft.com/office/powerpoint/2010/main" xmlns:a16="http://schemas.microsoft.com/office/drawing/2014/main" xmlns="" w="9525">
                   <a:solidFill>
                     <a:srgbClr val="000000"/>
                   </a:solidFill>
@@ -29160,7 +29151,7 @@
             </a:ln>
             <a:extLst>
               <a:ext uri="{91240B29-F687-4f45-9708-019B960494DF}">
-                <a14:hiddenLine xmlns="" xmlns:a16="http://schemas.microsoft.com/office/drawing/2014/main" xmlns:p14="http://schemas.microsoft.com/office/powerpoint/2010/main" xmlns:a14="http://schemas.microsoft.com/office/drawing/2010/main" w="9525">
+                <a14:hiddenLine xmlns:a14="http://schemas.microsoft.com/office/drawing/2010/main" xmlns:p14="http://schemas.microsoft.com/office/powerpoint/2010/main" xmlns:a16="http://schemas.microsoft.com/office/drawing/2014/main" xmlns="" w="9525">
                   <a:solidFill>
                     <a:srgbClr val="000000"/>
                   </a:solidFill>
@@ -29272,7 +29263,7 @@
             </a:ln>
             <a:extLst>
               <a:ext uri="{91240B29-F687-4f45-9708-019B960494DF}">
-                <a14:hiddenLine xmlns="" xmlns:a16="http://schemas.microsoft.com/office/drawing/2014/main" xmlns:p14="http://schemas.microsoft.com/office/powerpoint/2010/main" xmlns:a14="http://schemas.microsoft.com/office/drawing/2010/main" w="9525">
+                <a14:hiddenLine xmlns:a14="http://schemas.microsoft.com/office/drawing/2010/main" xmlns:p14="http://schemas.microsoft.com/office/powerpoint/2010/main" xmlns:a16="http://schemas.microsoft.com/office/drawing/2014/main" xmlns="" w="9525">
                   <a:solidFill>
                     <a:srgbClr val="000000"/>
                   </a:solidFill>
@@ -29356,7 +29347,7 @@
             </a:ln>
             <a:extLst>
               <a:ext uri="{91240B29-F687-4f45-9708-019B960494DF}">
-                <a14:hiddenLine xmlns="" xmlns:a16="http://schemas.microsoft.com/office/drawing/2014/main" xmlns:p14="http://schemas.microsoft.com/office/powerpoint/2010/main" xmlns:a14="http://schemas.microsoft.com/office/drawing/2010/main" w="9525">
+                <a14:hiddenLine xmlns:a14="http://schemas.microsoft.com/office/drawing/2010/main" xmlns:p14="http://schemas.microsoft.com/office/powerpoint/2010/main" xmlns:a16="http://schemas.microsoft.com/office/drawing/2014/main" xmlns="" w="9525">
                   <a:solidFill>
                     <a:srgbClr val="000000"/>
                   </a:solidFill>
@@ -29440,7 +29431,7 @@
             </a:ln>
             <a:extLst>
               <a:ext uri="{91240B29-F687-4f45-9708-019B960494DF}">
-                <a14:hiddenLine xmlns="" xmlns:a16="http://schemas.microsoft.com/office/drawing/2014/main" xmlns:p14="http://schemas.microsoft.com/office/powerpoint/2010/main" xmlns:a14="http://schemas.microsoft.com/office/drawing/2010/main" w="9525">
+                <a14:hiddenLine xmlns:a14="http://schemas.microsoft.com/office/drawing/2010/main" xmlns:p14="http://schemas.microsoft.com/office/powerpoint/2010/main" xmlns:a16="http://schemas.microsoft.com/office/drawing/2014/main" xmlns="" w="9525">
                   <a:solidFill>
                     <a:srgbClr val="000000"/>
                   </a:solidFill>
@@ -29552,7 +29543,7 @@
             </a:ln>
             <a:extLst>
               <a:ext uri="{91240B29-F687-4f45-9708-019B960494DF}">
-                <a14:hiddenLine xmlns="" xmlns:a16="http://schemas.microsoft.com/office/drawing/2014/main" xmlns:p14="http://schemas.microsoft.com/office/powerpoint/2010/main" xmlns:a14="http://schemas.microsoft.com/office/drawing/2010/main" w="9525">
+                <a14:hiddenLine xmlns:a14="http://schemas.microsoft.com/office/drawing/2010/main" xmlns:p14="http://schemas.microsoft.com/office/powerpoint/2010/main" xmlns:a16="http://schemas.microsoft.com/office/drawing/2014/main" xmlns="" w="9525">
                   <a:solidFill>
                     <a:srgbClr val="000000"/>
                   </a:solidFill>
@@ -29664,7 +29655,7 @@
             </a:ln>
             <a:extLst>
               <a:ext uri="{91240B29-F687-4f45-9708-019B960494DF}">
-                <a14:hiddenLine xmlns="" xmlns:a16="http://schemas.microsoft.com/office/drawing/2014/main" xmlns:p14="http://schemas.microsoft.com/office/powerpoint/2010/main" xmlns:a14="http://schemas.microsoft.com/office/drawing/2010/main" w="9525">
+                <a14:hiddenLine xmlns:a14="http://schemas.microsoft.com/office/drawing/2010/main" xmlns:p14="http://schemas.microsoft.com/office/powerpoint/2010/main" xmlns:a16="http://schemas.microsoft.com/office/drawing/2014/main" xmlns="" w="9525">
                   <a:solidFill>
                     <a:srgbClr val="000000"/>
                   </a:solidFill>
@@ -29748,7 +29739,7 @@
             </a:ln>
             <a:extLst>
               <a:ext uri="{91240B29-F687-4f45-9708-019B960494DF}">
-                <a14:hiddenLine xmlns="" xmlns:a16="http://schemas.microsoft.com/office/drawing/2014/main" xmlns:p14="http://schemas.microsoft.com/office/powerpoint/2010/main" xmlns:a14="http://schemas.microsoft.com/office/drawing/2010/main" w="9525">
+                <a14:hiddenLine xmlns:a14="http://schemas.microsoft.com/office/drawing/2010/main" xmlns:p14="http://schemas.microsoft.com/office/powerpoint/2010/main" xmlns:a16="http://schemas.microsoft.com/office/drawing/2014/main" xmlns="" w="9525">
                   <a:solidFill>
                     <a:srgbClr val="000000"/>
                   </a:solidFill>
@@ -29880,7 +29871,7 @@
             </a:ln>
             <a:extLst>
               <a:ext uri="{91240B29-F687-4f45-9708-019B960494DF}">
-                <a14:hiddenLine xmlns="" xmlns:a16="http://schemas.microsoft.com/office/drawing/2014/main" xmlns:p14="http://schemas.microsoft.com/office/powerpoint/2010/main" xmlns:a14="http://schemas.microsoft.com/office/drawing/2010/main" w="9525">
+                <a14:hiddenLine xmlns:a14="http://schemas.microsoft.com/office/drawing/2010/main" xmlns:p14="http://schemas.microsoft.com/office/powerpoint/2010/main" xmlns:a16="http://schemas.microsoft.com/office/drawing/2014/main" xmlns="" w="9525">
                   <a:solidFill>
                     <a:srgbClr val="000000"/>
                   </a:solidFill>
@@ -30008,7 +29999,7 @@
             </a:ln>
             <a:extLst>
               <a:ext uri="{91240B29-F687-4f45-9708-019B960494DF}">
-                <a14:hiddenLine xmlns="" xmlns:a16="http://schemas.microsoft.com/office/drawing/2014/main" xmlns:p14="http://schemas.microsoft.com/office/powerpoint/2010/main" xmlns:a14="http://schemas.microsoft.com/office/drawing/2010/main" w="9525">
+                <a14:hiddenLine xmlns:a14="http://schemas.microsoft.com/office/drawing/2010/main" xmlns:p14="http://schemas.microsoft.com/office/powerpoint/2010/main" xmlns:a16="http://schemas.microsoft.com/office/drawing/2014/main" xmlns="" w="9525">
                   <a:solidFill>
                     <a:srgbClr val="000000"/>
                   </a:solidFill>
@@ -30092,7 +30083,7 @@
             </a:ln>
             <a:extLst>
               <a:ext uri="{91240B29-F687-4f45-9708-019B960494DF}">
-                <a14:hiddenLine xmlns="" xmlns:a16="http://schemas.microsoft.com/office/drawing/2014/main" xmlns:p14="http://schemas.microsoft.com/office/powerpoint/2010/main" xmlns:a14="http://schemas.microsoft.com/office/drawing/2010/main" w="9525">
+                <a14:hiddenLine xmlns:a14="http://schemas.microsoft.com/office/drawing/2010/main" xmlns:p14="http://schemas.microsoft.com/office/powerpoint/2010/main" xmlns:a16="http://schemas.microsoft.com/office/drawing/2014/main" xmlns="" w="9525">
                   <a:solidFill>
                     <a:srgbClr val="000000"/>
                   </a:solidFill>
@@ -30176,7 +30167,7 @@
             </a:ln>
             <a:extLst>
               <a:ext uri="{91240B29-F687-4f45-9708-019B960494DF}">
-                <a14:hiddenLine xmlns="" xmlns:a16="http://schemas.microsoft.com/office/drawing/2014/main" xmlns:p14="http://schemas.microsoft.com/office/powerpoint/2010/main" xmlns:a14="http://schemas.microsoft.com/office/drawing/2010/main" w="9525">
+                <a14:hiddenLine xmlns:a14="http://schemas.microsoft.com/office/drawing/2010/main" xmlns:p14="http://schemas.microsoft.com/office/powerpoint/2010/main" xmlns:a16="http://schemas.microsoft.com/office/drawing/2014/main" xmlns="" w="9525">
                   <a:solidFill>
                     <a:srgbClr val="000000"/>
                   </a:solidFill>
@@ -30288,7 +30279,7 @@
             </a:ln>
             <a:extLst>
               <a:ext uri="{91240B29-F687-4f45-9708-019B960494DF}">
-                <a14:hiddenLine xmlns="" xmlns:a16="http://schemas.microsoft.com/office/drawing/2014/main" xmlns:p14="http://schemas.microsoft.com/office/powerpoint/2010/main" xmlns:a14="http://schemas.microsoft.com/office/drawing/2010/main" w="9525">
+                <a14:hiddenLine xmlns:a14="http://schemas.microsoft.com/office/drawing/2010/main" xmlns:p14="http://schemas.microsoft.com/office/powerpoint/2010/main" xmlns:a16="http://schemas.microsoft.com/office/drawing/2014/main" xmlns="" w="9525">
                   <a:solidFill>
                     <a:srgbClr val="000000"/>
                   </a:solidFill>
@@ -30344,7 +30335,7 @@
             </a:ln>
             <a:extLst>
               <a:ext uri="{91240B29-F687-4f45-9708-019B960494DF}">
-                <a14:hiddenLine xmlns="" xmlns:a16="http://schemas.microsoft.com/office/drawing/2014/main" xmlns:p14="http://schemas.microsoft.com/office/powerpoint/2010/main" xmlns:a14="http://schemas.microsoft.com/office/drawing/2010/main" w="9525">
+                <a14:hiddenLine xmlns:a14="http://schemas.microsoft.com/office/drawing/2010/main" xmlns:p14="http://schemas.microsoft.com/office/powerpoint/2010/main" xmlns:a16="http://schemas.microsoft.com/office/drawing/2014/main" xmlns="" w="9525">
                   <a:solidFill>
                     <a:srgbClr val="000000"/>
                   </a:solidFill>
@@ -30431,7 +30422,7 @@
             </a:ln>
             <a:extLst>
               <a:ext uri="{91240B29-F687-4f45-9708-019B960494DF}">
-                <a14:hiddenLine xmlns="" xmlns:a16="http://schemas.microsoft.com/office/drawing/2014/main" xmlns:p14="http://schemas.microsoft.com/office/powerpoint/2010/main" xmlns:a14="http://schemas.microsoft.com/office/drawing/2010/main" w="9525">
+                <a14:hiddenLine xmlns:a14="http://schemas.microsoft.com/office/drawing/2010/main" xmlns:p14="http://schemas.microsoft.com/office/powerpoint/2010/main" xmlns:a16="http://schemas.microsoft.com/office/drawing/2014/main" xmlns="" w="9525">
                   <a:solidFill>
                     <a:srgbClr val="000000"/>
                   </a:solidFill>
@@ -30543,7 +30534,7 @@
             </a:ln>
             <a:extLst>
               <a:ext uri="{91240B29-F687-4f45-9708-019B960494DF}">
-                <a14:hiddenLine xmlns="" xmlns:a16="http://schemas.microsoft.com/office/drawing/2014/main" xmlns:p14="http://schemas.microsoft.com/office/powerpoint/2010/main" xmlns:a14="http://schemas.microsoft.com/office/drawing/2010/main" w="9525">
+                <a14:hiddenLine xmlns:a14="http://schemas.microsoft.com/office/drawing/2010/main" xmlns:p14="http://schemas.microsoft.com/office/powerpoint/2010/main" xmlns:a16="http://schemas.microsoft.com/office/drawing/2014/main" xmlns="" w="9525">
                   <a:solidFill>
                     <a:srgbClr val="000000"/>
                   </a:solidFill>
@@ -30627,7 +30618,7 @@
             </a:ln>
             <a:extLst>
               <a:ext uri="{91240B29-F687-4f45-9708-019B960494DF}">
-                <a14:hiddenLine xmlns="" xmlns:a16="http://schemas.microsoft.com/office/drawing/2014/main" xmlns:p14="http://schemas.microsoft.com/office/powerpoint/2010/main" xmlns:a14="http://schemas.microsoft.com/office/drawing/2010/main" w="9525">
+                <a14:hiddenLine xmlns:a14="http://schemas.microsoft.com/office/drawing/2010/main" xmlns:p14="http://schemas.microsoft.com/office/powerpoint/2010/main" xmlns:a16="http://schemas.microsoft.com/office/drawing/2014/main" xmlns="" w="9525">
                   <a:solidFill>
                     <a:srgbClr val="000000"/>
                   </a:solidFill>
@@ -30739,7 +30730,7 @@
             </a:ln>
             <a:extLst>
               <a:ext uri="{91240B29-F687-4f45-9708-019B960494DF}">
-                <a14:hiddenLine xmlns="" xmlns:a16="http://schemas.microsoft.com/office/drawing/2014/main" xmlns:p14="http://schemas.microsoft.com/office/powerpoint/2010/main" xmlns:a14="http://schemas.microsoft.com/office/drawing/2010/main" w="9525">
+                <a14:hiddenLine xmlns:a14="http://schemas.microsoft.com/office/drawing/2010/main" xmlns:p14="http://schemas.microsoft.com/office/powerpoint/2010/main" xmlns:a16="http://schemas.microsoft.com/office/drawing/2014/main" xmlns="" w="9525">
                   <a:solidFill>
                     <a:srgbClr val="000000"/>
                   </a:solidFill>
@@ -30826,7 +30817,7 @@
             </a:ln>
             <a:extLst>
               <a:ext uri="{91240B29-F687-4f45-9708-019B960494DF}">
-                <a14:hiddenLine xmlns="" xmlns:a16="http://schemas.microsoft.com/office/drawing/2014/main" xmlns:p14="http://schemas.microsoft.com/office/powerpoint/2010/main" xmlns:a14="http://schemas.microsoft.com/office/drawing/2010/main" w="9525">
+                <a14:hiddenLine xmlns:a14="http://schemas.microsoft.com/office/drawing/2010/main" xmlns:p14="http://schemas.microsoft.com/office/powerpoint/2010/main" xmlns:a16="http://schemas.microsoft.com/office/drawing/2014/main" xmlns="" w="9525">
                   <a:solidFill>
                     <a:srgbClr val="000000"/>
                   </a:solidFill>
@@ -30910,7 +30901,7 @@
             </a:ln>
             <a:extLst>
               <a:ext uri="{91240B29-F687-4f45-9708-019B960494DF}">
-                <a14:hiddenLine xmlns="" xmlns:a16="http://schemas.microsoft.com/office/drawing/2014/main" xmlns:p14="http://schemas.microsoft.com/office/powerpoint/2010/main" xmlns:a14="http://schemas.microsoft.com/office/drawing/2010/main" w="9525">
+                <a14:hiddenLine xmlns:a14="http://schemas.microsoft.com/office/drawing/2010/main" xmlns:p14="http://schemas.microsoft.com/office/powerpoint/2010/main" xmlns:a16="http://schemas.microsoft.com/office/drawing/2014/main" xmlns="" w="9525">
                   <a:solidFill>
                     <a:srgbClr val="000000"/>
                   </a:solidFill>
@@ -31022,7 +31013,7 @@
             </a:ln>
             <a:extLst>
               <a:ext uri="{91240B29-F687-4f45-9708-019B960494DF}">
-                <a14:hiddenLine xmlns="" xmlns:a16="http://schemas.microsoft.com/office/drawing/2014/main" xmlns:p14="http://schemas.microsoft.com/office/powerpoint/2010/main" xmlns:a14="http://schemas.microsoft.com/office/drawing/2010/main" w="9525">
+                <a14:hiddenLine xmlns:a14="http://schemas.microsoft.com/office/drawing/2010/main" xmlns:p14="http://schemas.microsoft.com/office/powerpoint/2010/main" xmlns:a16="http://schemas.microsoft.com/office/drawing/2014/main" xmlns="" w="9525">
                   <a:solidFill>
                     <a:srgbClr val="000000"/>
                   </a:solidFill>
@@ -31134,7 +31125,7 @@
             </a:ln>
             <a:extLst>
               <a:ext uri="{91240B29-F687-4f45-9708-019B960494DF}">
-                <a14:hiddenLine xmlns="" xmlns:a16="http://schemas.microsoft.com/office/drawing/2014/main" xmlns:p14="http://schemas.microsoft.com/office/powerpoint/2010/main" xmlns:a14="http://schemas.microsoft.com/office/drawing/2010/main" w="9525">
+                <a14:hiddenLine xmlns:a14="http://schemas.microsoft.com/office/drawing/2010/main" xmlns:p14="http://schemas.microsoft.com/office/powerpoint/2010/main" xmlns:a16="http://schemas.microsoft.com/office/drawing/2014/main" xmlns="" w="9525">
                   <a:solidFill>
                     <a:srgbClr val="000000"/>
                   </a:solidFill>
@@ -31221,7 +31212,7 @@
             </a:ln>
             <a:extLst>
               <a:ext uri="{91240B29-F687-4f45-9708-019B960494DF}">
-                <a14:hiddenLine xmlns="" xmlns:a16="http://schemas.microsoft.com/office/drawing/2014/main" xmlns:p14="http://schemas.microsoft.com/office/powerpoint/2010/main" xmlns:a14="http://schemas.microsoft.com/office/drawing/2010/main" w="9525">
+                <a14:hiddenLine xmlns:a14="http://schemas.microsoft.com/office/drawing/2010/main" xmlns:p14="http://schemas.microsoft.com/office/powerpoint/2010/main" xmlns:a16="http://schemas.microsoft.com/office/drawing/2014/main" xmlns="" w="9525">
                   <a:solidFill>
                     <a:srgbClr val="000000"/>
                   </a:solidFill>
@@ -31363,7 +31354,7 @@
             </a:ln>
             <a:extLst>
               <a:ext uri="{91240B29-F687-4f45-9708-019B960494DF}">
-                <a14:hiddenLine xmlns="" xmlns:a16="http://schemas.microsoft.com/office/drawing/2014/main" xmlns:p14="http://schemas.microsoft.com/office/powerpoint/2010/main" xmlns:a14="http://schemas.microsoft.com/office/drawing/2010/main" w="9525">
+                <a14:hiddenLine xmlns:a14="http://schemas.microsoft.com/office/drawing/2010/main" xmlns:p14="http://schemas.microsoft.com/office/powerpoint/2010/main" xmlns:a16="http://schemas.microsoft.com/office/drawing/2014/main" xmlns="" w="9525">
                   <a:solidFill>
                     <a:srgbClr val="000000"/>
                   </a:solidFill>
@@ -31646,7 +31637,7 @@
             </a:ln>
             <a:extLst>
               <a:ext uri="{91240B29-F687-4f45-9708-019B960494DF}">
-                <a14:hiddenLine xmlns="" xmlns:a16="http://schemas.microsoft.com/office/drawing/2014/main" xmlns:p14="http://schemas.microsoft.com/office/powerpoint/2010/main" xmlns:a14="http://schemas.microsoft.com/office/drawing/2010/main" w="9525">
+                <a14:hiddenLine xmlns:a14="http://schemas.microsoft.com/office/drawing/2010/main" xmlns:p14="http://schemas.microsoft.com/office/powerpoint/2010/main" xmlns:a16="http://schemas.microsoft.com/office/drawing/2014/main" xmlns="" w="9525">
                   <a:solidFill>
                     <a:srgbClr val="000000"/>
                   </a:solidFill>
@@ -31783,7 +31774,7 @@
             </a:ln>
             <a:extLst>
               <a:ext uri="{91240B29-F687-4f45-9708-019B960494DF}">
-                <a14:hiddenLine xmlns="" xmlns:a16="http://schemas.microsoft.com/office/drawing/2014/main" xmlns:p14="http://schemas.microsoft.com/office/powerpoint/2010/main" xmlns:a14="http://schemas.microsoft.com/office/drawing/2010/main" w="9525">
+                <a14:hiddenLine xmlns:a14="http://schemas.microsoft.com/office/drawing/2010/main" xmlns:p14="http://schemas.microsoft.com/office/powerpoint/2010/main" xmlns:a16="http://schemas.microsoft.com/office/drawing/2014/main" xmlns="" w="9525">
                   <a:solidFill>
                     <a:srgbClr val="000000"/>
                   </a:solidFill>
@@ -31895,7 +31886,7 @@
             </a:ln>
             <a:extLst>
               <a:ext uri="{91240B29-F687-4f45-9708-019B960494DF}">
-                <a14:hiddenLine xmlns="" xmlns:a16="http://schemas.microsoft.com/office/drawing/2014/main" xmlns:p14="http://schemas.microsoft.com/office/powerpoint/2010/main" xmlns:a14="http://schemas.microsoft.com/office/drawing/2010/main" w="9525">
+                <a14:hiddenLine xmlns:a14="http://schemas.microsoft.com/office/drawing/2010/main" xmlns:p14="http://schemas.microsoft.com/office/powerpoint/2010/main" xmlns:a16="http://schemas.microsoft.com/office/drawing/2014/main" xmlns="" w="9525">
                   <a:solidFill>
                     <a:srgbClr val="000000"/>
                   </a:solidFill>
@@ -31982,7 +31973,7 @@
             </a:ln>
             <a:extLst>
               <a:ext uri="{91240B29-F687-4f45-9708-019B960494DF}">
-                <a14:hiddenLine xmlns="" xmlns:a16="http://schemas.microsoft.com/office/drawing/2014/main" xmlns:p14="http://schemas.microsoft.com/office/powerpoint/2010/main" xmlns:a14="http://schemas.microsoft.com/office/drawing/2010/main" w="9525">
+                <a14:hiddenLine xmlns:a14="http://schemas.microsoft.com/office/drawing/2010/main" xmlns:p14="http://schemas.microsoft.com/office/powerpoint/2010/main" xmlns:a16="http://schemas.microsoft.com/office/drawing/2014/main" xmlns="" w="9525">
                   <a:solidFill>
                     <a:srgbClr val="000000"/>
                   </a:solidFill>
@@ -32094,7 +32085,7 @@
             </a:ln>
             <a:extLst>
               <a:ext uri="{91240B29-F687-4f45-9708-019B960494DF}">
-                <a14:hiddenLine xmlns="" xmlns:a16="http://schemas.microsoft.com/office/drawing/2014/main" xmlns:p14="http://schemas.microsoft.com/office/powerpoint/2010/main" xmlns:a14="http://schemas.microsoft.com/office/drawing/2010/main" w="9525">
+                <a14:hiddenLine xmlns:a14="http://schemas.microsoft.com/office/drawing/2010/main" xmlns:p14="http://schemas.microsoft.com/office/powerpoint/2010/main" xmlns:a16="http://schemas.microsoft.com/office/drawing/2014/main" xmlns="" w="9525">
                   <a:solidFill>
                     <a:srgbClr val="000000"/>
                   </a:solidFill>
@@ -32184,7 +32175,7 @@
             </a:ln>
             <a:extLst>
               <a:ext uri="{91240B29-F687-4f45-9708-019B960494DF}">
-                <a14:hiddenLine xmlns="" xmlns:a16="http://schemas.microsoft.com/office/drawing/2014/main" xmlns:p14="http://schemas.microsoft.com/office/powerpoint/2010/main" xmlns:a14="http://schemas.microsoft.com/office/drawing/2010/main" w="9525">
+                <a14:hiddenLine xmlns:a14="http://schemas.microsoft.com/office/drawing/2010/main" xmlns:p14="http://schemas.microsoft.com/office/powerpoint/2010/main" xmlns:a16="http://schemas.microsoft.com/office/drawing/2014/main" xmlns="" w="9525">
                   <a:solidFill>
                     <a:srgbClr val="000000"/>
                   </a:solidFill>
@@ -32296,7 +32287,7 @@
             </a:ln>
             <a:extLst>
               <a:ext uri="{91240B29-F687-4f45-9708-019B960494DF}">
-                <a14:hiddenLine xmlns="" xmlns:a16="http://schemas.microsoft.com/office/drawing/2014/main" xmlns:p14="http://schemas.microsoft.com/office/powerpoint/2010/main" xmlns:a14="http://schemas.microsoft.com/office/drawing/2010/main" w="9525">
+                <a14:hiddenLine xmlns:a14="http://schemas.microsoft.com/office/drawing/2010/main" xmlns:p14="http://schemas.microsoft.com/office/powerpoint/2010/main" xmlns:a16="http://schemas.microsoft.com/office/drawing/2014/main" xmlns="" w="9525">
                   <a:solidFill>
                     <a:srgbClr val="000000"/>
                   </a:solidFill>
@@ -32386,7 +32377,7 @@
             </a:ln>
             <a:extLst>
               <a:ext uri="{91240B29-F687-4f45-9708-019B960494DF}">
-                <a14:hiddenLine xmlns="" xmlns:a16="http://schemas.microsoft.com/office/drawing/2014/main" xmlns:p14="http://schemas.microsoft.com/office/powerpoint/2010/main" xmlns:a14="http://schemas.microsoft.com/office/drawing/2010/main" w="9525">
+                <a14:hiddenLine xmlns:a14="http://schemas.microsoft.com/office/drawing/2010/main" xmlns:p14="http://schemas.microsoft.com/office/powerpoint/2010/main" xmlns:a16="http://schemas.microsoft.com/office/drawing/2014/main" xmlns="" w="9525">
                   <a:solidFill>
                     <a:srgbClr val="000000"/>
                   </a:solidFill>
@@ -32498,7 +32489,7 @@
             </a:ln>
             <a:extLst>
               <a:ext uri="{91240B29-F687-4f45-9708-019B960494DF}">
-                <a14:hiddenLine xmlns="" xmlns:a16="http://schemas.microsoft.com/office/drawing/2014/main" xmlns:p14="http://schemas.microsoft.com/office/powerpoint/2010/main" xmlns:a14="http://schemas.microsoft.com/office/drawing/2010/main" w="9525">
+                <a14:hiddenLine xmlns:a14="http://schemas.microsoft.com/office/drawing/2010/main" xmlns:p14="http://schemas.microsoft.com/office/powerpoint/2010/main" xmlns:a16="http://schemas.microsoft.com/office/drawing/2014/main" xmlns="" w="9525">
                   <a:solidFill>
                     <a:srgbClr val="000000"/>
                   </a:solidFill>
@@ -32554,7 +32545,7 @@
             </a:ln>
             <a:extLst>
               <a:ext uri="{91240B29-F687-4f45-9708-019B960494DF}">
-                <a14:hiddenLine xmlns="" xmlns:a16="http://schemas.microsoft.com/office/drawing/2014/main" xmlns:p14="http://schemas.microsoft.com/office/powerpoint/2010/main" xmlns:a14="http://schemas.microsoft.com/office/drawing/2010/main" w="9525">
+                <a14:hiddenLine xmlns:a14="http://schemas.microsoft.com/office/drawing/2010/main" xmlns:p14="http://schemas.microsoft.com/office/powerpoint/2010/main" xmlns:a16="http://schemas.microsoft.com/office/drawing/2014/main" xmlns="" w="9525">
                   <a:solidFill>
                     <a:srgbClr val="000000"/>
                   </a:solidFill>
@@ -33101,27 +33092,25 @@
   <p:cSld>
     <p:bg>
       <p:bgPr>
-        <a:gradFill rotWithShape="1">
-          <a:gsLst>
-            <a:gs pos="0">
+        <a:blipFill>
+          <a:blip r:embed="rId2">
+            <a:duotone>
+              <a:schemeClr val="bg2">
+                <a:shade val="88000"/>
+                <a:hueMod val="106000"/>
+                <a:satMod val="140000"/>
+                <a:lumMod val="54000"/>
+              </a:schemeClr>
               <a:schemeClr val="bg2">
                 <a:tint val="98000"/>
-                <a:hueMod val="94000"/>
-                <a:satMod val="148000"/>
-                <a:lumMod val="150000"/>
+                <a:hueMod val="90000"/>
+                <a:satMod val="150000"/>
+                <a:lumMod val="160000"/>
               </a:schemeClr>
-            </a:gs>
-            <a:gs pos="100000">
-              <a:schemeClr val="bg2">
-                <a:shade val="92000"/>
-                <a:hueMod val="104000"/>
-                <a:satMod val="140000"/>
-                <a:lumMod val="68000"/>
-              </a:schemeClr>
-            </a:gs>
-          </a:gsLst>
-          <a:lin ang="5040000" scaled="0"/>
-        </a:gradFill>
+            </a:duotone>
+          </a:blip>
+          <a:stretch/>
+        </a:blipFill>
         <a:effectLst/>
       </p:bgPr>
     </p:bg>
@@ -33139,2670 +33128,6 @@
           <a:chExt cx="0" cy="0"/>
         </a:xfrm>
       </p:grpSpPr>
-      <p:sp useBgFill="1">
-        <p:nvSpPr>
-          <p:cNvPr id="44" name="Rectangle 43">
-            <a:extLst>
-              <a:ext uri="{FF2B5EF4-FFF2-40B4-BE49-F238E27FC236}">
-                <a16:creationId xmlns:a16="http://schemas.microsoft.com/office/drawing/2014/main" id="{E978A47D-4F17-40FE-AB70-7AF78A9575EB}"/>
-              </a:ext>
-              <a:ext uri="{C183D7F6-B498-43B3-948B-1728B52AA6E4}">
-                <adec:decorative xmlns:adec="http://schemas.microsoft.com/office/drawing/2017/decorative" val="1"/>
-              </a:ext>
-            </a:extLst>
-          </p:cNvPr>
-          <p:cNvSpPr>
-            <a:spLocks noGrp="1" noRot="1" noChangeAspect="1" noMove="1" noResize="1" noEditPoints="1" noAdjustHandles="1" noChangeArrowheads="1" noChangeShapeType="1" noTextEdit="1"/>
-          </p:cNvSpPr>
-          <p:nvPr>
-            <p:extLst>
-              <p:ext uri="{386F3935-93C4-4BCD-93E2-E3B085C9AB24}">
-                <p16:designElem xmlns:p16="http://schemas.microsoft.com/office/powerpoint/2015/main" val="1"/>
-              </p:ext>
-            </p:extLst>
-          </p:nvPr>
-        </p:nvSpPr>
-        <p:spPr>
-          <a:xfrm>
-            <a:off x="25400" y="-14287"/>
-            <a:ext cx="12192000" cy="6858000"/>
-          </a:xfrm>
-          <a:prstGeom prst="rect">
-            <a:avLst/>
-          </a:prstGeom>
-          <a:ln>
-            <a:noFill/>
-          </a:ln>
-        </p:spPr>
-        <p:style>
-          <a:lnRef idx="2">
-            <a:schemeClr val="accent1">
-              <a:shade val="50000"/>
-            </a:schemeClr>
-          </a:lnRef>
-          <a:fillRef idx="1">
-            <a:schemeClr val="accent1"/>
-          </a:fillRef>
-          <a:effectRef idx="0">
-            <a:schemeClr val="accent1"/>
-          </a:effectRef>
-          <a:fontRef idx="minor">
-            <a:schemeClr val="lt1"/>
-          </a:fontRef>
-        </p:style>
-        <p:txBody>
-          <a:bodyPr rtlCol="0" anchor="ctr"/>
-          <a:lstStyle/>
-          <a:p>
-            <a:pPr algn="ctr"/>
-            <a:endParaRPr lang="en-US"/>
-          </a:p>
-        </p:txBody>
-      </p:sp>
-      <p:grpSp>
-        <p:nvGrpSpPr>
-          <p:cNvPr id="46" name="Group 45">
-            <a:extLst>
-              <a:ext uri="{FF2B5EF4-FFF2-40B4-BE49-F238E27FC236}">
-                <a16:creationId xmlns:a16="http://schemas.microsoft.com/office/drawing/2014/main" id="{85BE3A7E-6A3F-401E-A025-BBB8FDB8DD30}"/>
-              </a:ext>
-              <a:ext uri="{C183D7F6-B498-43B3-948B-1728B52AA6E4}">
-                <adec:decorative xmlns:adec="http://schemas.microsoft.com/office/drawing/2017/decorative" val="1"/>
-              </a:ext>
-            </a:extLst>
-          </p:cNvPr>
-          <p:cNvGrpSpPr>
-            <a:grpSpLocks noGrp="1" noUngrp="1" noRot="1" noChangeAspect="1" noMove="1" noResize="1"/>
-          </p:cNvGrpSpPr>
-          <p:nvPr>
-            <p:extLst>
-              <p:ext uri="{386F3935-93C4-4BCD-93E2-E3B085C9AB24}">
-                <p16:designElem xmlns:p16="http://schemas.microsoft.com/office/powerpoint/2015/main" val="1"/>
-              </p:ext>
-            </p:extLst>
-          </p:nvPr>
-        </p:nvGrpSpPr>
-        <p:grpSpPr>
-          <a:xfrm>
-            <a:off x="-14288" y="0"/>
-            <a:ext cx="1220788" cy="6858001"/>
-            <a:chOff x="-14288" y="0"/>
-            <a:chExt cx="1220788" cy="6858001"/>
-          </a:xfrm>
-          <a:solidFill>
-            <a:schemeClr val="tx1">
-              <a:alpha val="60000"/>
-            </a:schemeClr>
-          </a:solidFill>
-        </p:grpSpPr>
-        <p:sp>
-          <p:nvSpPr>
-            <p:cNvPr id="47" name="Rectangle 5">
-              <a:extLst>
-                <a:ext uri="{FF2B5EF4-FFF2-40B4-BE49-F238E27FC236}">
-                  <a16:creationId xmlns:a16="http://schemas.microsoft.com/office/drawing/2014/main" id="{41EE9036-817C-476C-BD59-B5184F9A3E35}"/>
-                </a:ext>
-                <a:ext uri="{C183D7F6-B498-43B3-948B-1728B52AA6E4}">
-                  <adec:decorative xmlns:adec="http://schemas.microsoft.com/office/drawing/2017/decorative" val="1"/>
-                </a:ext>
-              </a:extLst>
-            </p:cNvPr>
-            <p:cNvSpPr>
-              <a:spLocks noChangeArrowheads="1"/>
-            </p:cNvSpPr>
-            <p:nvPr>
-              <p:extLst>
-                <p:ext uri="{386F3935-93C4-4BCD-93E2-E3B085C9AB24}">
-                  <p16:designElem xmlns:p16="http://schemas.microsoft.com/office/powerpoint/2015/main" val="1"/>
-                </p:ext>
-              </p:extLst>
-            </p:nvPr>
-          </p:nvSpPr>
-          <p:spPr bwMode="auto">
-            <a:xfrm>
-              <a:off x="114300" y="4763"/>
-              <a:ext cx="23813" cy="2181225"/>
-            </a:xfrm>
-            <a:prstGeom prst="rect">
-              <a:avLst/>
-            </a:prstGeom>
-            <a:grpFill/>
-            <a:ln>
-              <a:noFill/>
-            </a:ln>
-            <a:extLst>
-              <a:ext uri="{91240B29-F687-4f45-9708-019B960494DF}">
-                <a14:hiddenLine xmlns="" xmlns:a16="http://schemas.microsoft.com/office/drawing/2014/main" xmlns:p14="http://schemas.microsoft.com/office/powerpoint/2010/main" xmlns:a14="http://schemas.microsoft.com/office/drawing/2010/main" w="9525">
-                  <a:solidFill>
-                    <a:srgbClr val="000000"/>
-                  </a:solidFill>
-                  <a:miter lim="800000"/>
-                  <a:headEnd/>
-                  <a:tailEnd/>
-                </a14:hiddenLine>
-              </a:ext>
-            </a:extLst>
-          </p:spPr>
-          <p:txBody>
-            <a:bodyPr/>
-            <a:lstStyle/>
-            <a:p>
-              <a:endParaRPr lang="hu-HU"/>
-            </a:p>
-          </p:txBody>
-        </p:sp>
-        <p:sp>
-          <p:nvSpPr>
-            <p:cNvPr id="48" name="Freeform 6">
-              <a:extLst>
-                <a:ext uri="{FF2B5EF4-FFF2-40B4-BE49-F238E27FC236}">
-                  <a16:creationId xmlns:a16="http://schemas.microsoft.com/office/drawing/2014/main" id="{F098087A-B4E4-4300-A841-44988BD88E2F}"/>
-                </a:ext>
-                <a:ext uri="{C183D7F6-B498-43B3-948B-1728B52AA6E4}">
-                  <adec:decorative xmlns:adec="http://schemas.microsoft.com/office/drawing/2017/decorative" val="1"/>
-                </a:ext>
-              </a:extLst>
-            </p:cNvPr>
-            <p:cNvSpPr>
-              <a:spLocks noEditPoints="1"/>
-            </p:cNvSpPr>
-            <p:nvPr>
-              <p:extLst>
-                <p:ext uri="{386F3935-93C4-4BCD-93E2-E3B085C9AB24}">
-                  <p16:designElem xmlns:p16="http://schemas.microsoft.com/office/powerpoint/2015/main" val="1"/>
-                </p:ext>
-              </p:extLst>
-            </p:nvPr>
-          </p:nvSpPr>
-          <p:spPr bwMode="auto">
-            <a:xfrm>
-              <a:off x="33337" y="2176463"/>
-              <a:ext cx="190500" cy="190500"/>
-            </a:xfrm>
-            <a:custGeom>
-              <a:avLst/>
-              <a:gdLst/>
-              <a:ahLst/>
-              <a:cxnLst/>
-              <a:rect l="0" t="0" r="r" b="b"/>
-              <a:pathLst>
-                <a:path w="40" h="40">
-                  <a:moveTo>
-                    <a:pt x="20" y="40"/>
-                  </a:moveTo>
-                  <a:cubicBezTo>
-                    <a:pt x="9" y="40"/>
-                    <a:pt x="0" y="31"/>
-                    <a:pt x="0" y="20"/>
-                  </a:cubicBezTo>
-                  <a:cubicBezTo>
-                    <a:pt x="0" y="9"/>
-                    <a:pt x="9" y="0"/>
-                    <a:pt x="20" y="0"/>
-                  </a:cubicBezTo>
-                  <a:cubicBezTo>
-                    <a:pt x="31" y="0"/>
-                    <a:pt x="40" y="9"/>
-                    <a:pt x="40" y="20"/>
-                  </a:cubicBezTo>
-                  <a:cubicBezTo>
-                    <a:pt x="40" y="31"/>
-                    <a:pt x="31" y="40"/>
-                    <a:pt x="20" y="40"/>
-                  </a:cubicBezTo>
-                  <a:close/>
-                  <a:moveTo>
-                    <a:pt x="20" y="4"/>
-                  </a:moveTo>
-                  <a:cubicBezTo>
-                    <a:pt x="11" y="4"/>
-                    <a:pt x="4" y="11"/>
-                    <a:pt x="4" y="20"/>
-                  </a:cubicBezTo>
-                  <a:cubicBezTo>
-                    <a:pt x="4" y="29"/>
-                    <a:pt x="11" y="36"/>
-                    <a:pt x="20" y="36"/>
-                  </a:cubicBezTo>
-                  <a:cubicBezTo>
-                    <a:pt x="28" y="36"/>
-                    <a:pt x="36" y="29"/>
-                    <a:pt x="36" y="20"/>
-                  </a:cubicBezTo>
-                  <a:cubicBezTo>
-                    <a:pt x="36" y="11"/>
-                    <a:pt x="28" y="4"/>
-                    <a:pt x="20" y="4"/>
-                  </a:cubicBezTo>
-                  <a:close/>
-                </a:path>
-              </a:pathLst>
-            </a:custGeom>
-            <a:grpFill/>
-            <a:ln>
-              <a:noFill/>
-            </a:ln>
-            <a:extLst>
-              <a:ext uri="{91240B29-F687-4f45-9708-019B960494DF}">
-                <a14:hiddenLine xmlns="" xmlns:a16="http://schemas.microsoft.com/office/drawing/2014/main" xmlns:p14="http://schemas.microsoft.com/office/powerpoint/2010/main" xmlns:a14="http://schemas.microsoft.com/office/drawing/2010/main" w="9525">
-                  <a:solidFill>
-                    <a:srgbClr val="000000"/>
-                  </a:solidFill>
-                  <a:round/>
-                  <a:headEnd/>
-                  <a:tailEnd/>
-                </a14:hiddenLine>
-              </a:ext>
-            </a:extLst>
-          </p:spPr>
-          <p:txBody>
-            <a:bodyPr/>
-            <a:lstStyle/>
-            <a:p>
-              <a:endParaRPr lang="hu-HU"/>
-            </a:p>
-          </p:txBody>
-        </p:sp>
-        <p:sp>
-          <p:nvSpPr>
-            <p:cNvPr id="49" name="Freeform 7">
-              <a:extLst>
-                <a:ext uri="{FF2B5EF4-FFF2-40B4-BE49-F238E27FC236}">
-                  <a16:creationId xmlns:a16="http://schemas.microsoft.com/office/drawing/2014/main" id="{F5BD5F4B-A39C-4DF9-84E4-A4D33F30E6EE}"/>
-                </a:ext>
-                <a:ext uri="{C183D7F6-B498-43B3-948B-1728B52AA6E4}">
-                  <adec:decorative xmlns:adec="http://schemas.microsoft.com/office/drawing/2017/decorative" val="1"/>
-                </a:ext>
-              </a:extLst>
-            </p:cNvPr>
-            <p:cNvSpPr>
-              <a:spLocks noEditPoints="1"/>
-            </p:cNvSpPr>
-            <p:nvPr>
-              <p:extLst>
-                <p:ext uri="{386F3935-93C4-4BCD-93E2-E3B085C9AB24}">
-                  <p16:designElem xmlns:p16="http://schemas.microsoft.com/office/powerpoint/2015/main" val="1"/>
-                </p:ext>
-              </p:extLst>
-            </p:nvPr>
-          </p:nvSpPr>
-          <p:spPr bwMode="auto">
-            <a:xfrm>
-              <a:off x="28575" y="4021138"/>
-              <a:ext cx="190500" cy="188913"/>
-            </a:xfrm>
-            <a:custGeom>
-              <a:avLst/>
-              <a:gdLst/>
-              <a:ahLst/>
-              <a:cxnLst/>
-              <a:rect l="0" t="0" r="r" b="b"/>
-              <a:pathLst>
-                <a:path w="40" h="40">
-                  <a:moveTo>
-                    <a:pt x="20" y="40"/>
-                  </a:moveTo>
-                  <a:cubicBezTo>
-                    <a:pt x="9" y="40"/>
-                    <a:pt x="0" y="31"/>
-                    <a:pt x="0" y="20"/>
-                  </a:cubicBezTo>
-                  <a:cubicBezTo>
-                    <a:pt x="0" y="9"/>
-                    <a:pt x="9" y="0"/>
-                    <a:pt x="20" y="0"/>
-                  </a:cubicBezTo>
-                  <a:cubicBezTo>
-                    <a:pt x="31" y="0"/>
-                    <a:pt x="40" y="9"/>
-                    <a:pt x="40" y="20"/>
-                  </a:cubicBezTo>
-                  <a:cubicBezTo>
-                    <a:pt x="40" y="31"/>
-                    <a:pt x="31" y="40"/>
-                    <a:pt x="20" y="40"/>
-                  </a:cubicBezTo>
-                  <a:close/>
-                  <a:moveTo>
-                    <a:pt x="20" y="4"/>
-                  </a:moveTo>
-                  <a:cubicBezTo>
-                    <a:pt x="12" y="4"/>
-                    <a:pt x="4" y="11"/>
-                    <a:pt x="4" y="20"/>
-                  </a:cubicBezTo>
-                  <a:cubicBezTo>
-                    <a:pt x="4" y="29"/>
-                    <a:pt x="12" y="36"/>
-                    <a:pt x="20" y="36"/>
-                  </a:cubicBezTo>
-                  <a:cubicBezTo>
-                    <a:pt x="29" y="36"/>
-                    <a:pt x="36" y="29"/>
-                    <a:pt x="36" y="20"/>
-                  </a:cubicBezTo>
-                  <a:cubicBezTo>
-                    <a:pt x="36" y="11"/>
-                    <a:pt x="29" y="4"/>
-                    <a:pt x="20" y="4"/>
-                  </a:cubicBezTo>
-                  <a:close/>
-                </a:path>
-              </a:pathLst>
-            </a:custGeom>
-            <a:grpFill/>
-            <a:ln>
-              <a:noFill/>
-            </a:ln>
-            <a:extLst>
-              <a:ext uri="{91240B29-F687-4f45-9708-019B960494DF}">
-                <a14:hiddenLine xmlns="" xmlns:a16="http://schemas.microsoft.com/office/drawing/2014/main" xmlns:p14="http://schemas.microsoft.com/office/powerpoint/2010/main" xmlns:a14="http://schemas.microsoft.com/office/drawing/2010/main" w="9525">
-                  <a:solidFill>
-                    <a:srgbClr val="000000"/>
-                  </a:solidFill>
-                  <a:round/>
-                  <a:headEnd/>
-                  <a:tailEnd/>
-                </a14:hiddenLine>
-              </a:ext>
-            </a:extLst>
-          </p:spPr>
-          <p:txBody>
-            <a:bodyPr/>
-            <a:lstStyle/>
-            <a:p>
-              <a:endParaRPr lang="hu-HU"/>
-            </a:p>
-          </p:txBody>
-        </p:sp>
-        <p:sp>
-          <p:nvSpPr>
-            <p:cNvPr id="50" name="Freeform 8">
-              <a:extLst>
-                <a:ext uri="{FF2B5EF4-FFF2-40B4-BE49-F238E27FC236}">
-                  <a16:creationId xmlns:a16="http://schemas.microsoft.com/office/drawing/2014/main" id="{D7FA9858-BFA0-4D5B-AF72-B1B65EB0699C}"/>
-                </a:ext>
-                <a:ext uri="{C183D7F6-B498-43B3-948B-1728B52AA6E4}">
-                  <adec:decorative xmlns:adec="http://schemas.microsoft.com/office/drawing/2017/decorative" val="1"/>
-                </a:ext>
-              </a:extLst>
-            </p:cNvPr>
-            <p:cNvSpPr/>
-            <p:nvPr>
-              <p:extLst>
-                <p:ext uri="{386F3935-93C4-4BCD-93E2-E3B085C9AB24}">
-                  <p16:designElem xmlns:p16="http://schemas.microsoft.com/office/powerpoint/2015/main" val="1"/>
-                </p:ext>
-              </p:extLst>
-            </p:nvPr>
-          </p:nvSpPr>
-          <p:spPr bwMode="auto">
-            <a:xfrm>
-              <a:off x="200025" y="4763"/>
-              <a:ext cx="369888" cy="1811338"/>
-            </a:xfrm>
-            <a:custGeom>
-              <a:avLst/>
-              <a:gdLst/>
-              <a:ahLst/>
-              <a:cxnLst/>
-              <a:rect l="0" t="0" r="r" b="b"/>
-              <a:pathLst>
-                <a:path w="233" h="1141">
-                  <a:moveTo>
-                    <a:pt x="218" y="1141"/>
-                  </a:moveTo>
-                  <a:lnTo>
-                    <a:pt x="0" y="626"/>
-                  </a:lnTo>
-                  <a:lnTo>
-                    <a:pt x="0" y="0"/>
-                  </a:lnTo>
-                  <a:lnTo>
-                    <a:pt x="15" y="0"/>
-                  </a:lnTo>
-                  <a:lnTo>
-                    <a:pt x="15" y="623"/>
-                  </a:lnTo>
-                  <a:lnTo>
-                    <a:pt x="233" y="1135"/>
-                  </a:lnTo>
-                  <a:lnTo>
-                    <a:pt x="218" y="1141"/>
-                  </a:lnTo>
-                  <a:close/>
-                </a:path>
-              </a:pathLst>
-            </a:custGeom>
-            <a:grpFill/>
-            <a:ln>
-              <a:noFill/>
-            </a:ln>
-            <a:extLst>
-              <a:ext uri="{91240B29-F687-4f45-9708-019B960494DF}">
-                <a14:hiddenLine xmlns="" xmlns:a16="http://schemas.microsoft.com/office/drawing/2014/main" xmlns:p14="http://schemas.microsoft.com/office/powerpoint/2010/main" xmlns:a14="http://schemas.microsoft.com/office/drawing/2010/main" w="9525">
-                  <a:solidFill>
-                    <a:srgbClr val="000000"/>
-                  </a:solidFill>
-                  <a:round/>
-                  <a:headEnd/>
-                  <a:tailEnd/>
-                </a14:hiddenLine>
-              </a:ext>
-            </a:extLst>
-          </p:spPr>
-          <p:txBody>
-            <a:bodyPr/>
-            <a:lstStyle/>
-            <a:p>
-              <a:endParaRPr lang="hu-HU"/>
-            </a:p>
-          </p:txBody>
-        </p:sp>
-        <p:sp>
-          <p:nvSpPr>
-            <p:cNvPr id="51" name="Freeform 9">
-              <a:extLst>
-                <a:ext uri="{FF2B5EF4-FFF2-40B4-BE49-F238E27FC236}">
-                  <a16:creationId xmlns:a16="http://schemas.microsoft.com/office/drawing/2014/main" id="{A508A5F3-AFE0-4750-A9C2-B51A514FFC4C}"/>
-                </a:ext>
-                <a:ext uri="{C183D7F6-B498-43B3-948B-1728B52AA6E4}">
-                  <adec:decorative xmlns:adec="http://schemas.microsoft.com/office/drawing/2017/decorative" val="1"/>
-                </a:ext>
-              </a:extLst>
-            </p:cNvPr>
-            <p:cNvSpPr>
-              <a:spLocks noEditPoints="1"/>
-            </p:cNvSpPr>
-            <p:nvPr>
-              <p:extLst>
-                <p:ext uri="{386F3935-93C4-4BCD-93E2-E3B085C9AB24}">
-                  <p16:designElem xmlns:p16="http://schemas.microsoft.com/office/powerpoint/2015/main" val="1"/>
-                </p:ext>
-              </p:extLst>
-            </p:nvPr>
-          </p:nvSpPr>
-          <p:spPr bwMode="auto">
-            <a:xfrm>
-              <a:off x="503237" y="1801813"/>
-              <a:ext cx="190500" cy="188913"/>
-            </a:xfrm>
-            <a:custGeom>
-              <a:avLst/>
-              <a:gdLst/>
-              <a:ahLst/>
-              <a:cxnLst/>
-              <a:rect l="0" t="0" r="r" b="b"/>
-              <a:pathLst>
-                <a:path w="40" h="40">
-                  <a:moveTo>
-                    <a:pt x="20" y="40"/>
-                  </a:moveTo>
-                  <a:cubicBezTo>
-                    <a:pt x="9" y="40"/>
-                    <a:pt x="0" y="31"/>
-                    <a:pt x="0" y="20"/>
-                  </a:cubicBezTo>
-                  <a:cubicBezTo>
-                    <a:pt x="0" y="9"/>
-                    <a:pt x="9" y="0"/>
-                    <a:pt x="20" y="0"/>
-                  </a:cubicBezTo>
-                  <a:cubicBezTo>
-                    <a:pt x="33" y="0"/>
-                    <a:pt x="40" y="6"/>
-                    <a:pt x="40" y="20"/>
-                  </a:cubicBezTo>
-                  <a:cubicBezTo>
-                    <a:pt x="40" y="31"/>
-                    <a:pt x="31" y="40"/>
-                    <a:pt x="20" y="40"/>
-                  </a:cubicBezTo>
-                  <a:close/>
-                  <a:moveTo>
-                    <a:pt x="20" y="4"/>
-                  </a:moveTo>
-                  <a:cubicBezTo>
-                    <a:pt x="11" y="4"/>
-                    <a:pt x="4" y="11"/>
-                    <a:pt x="4" y="20"/>
-                  </a:cubicBezTo>
-                  <a:cubicBezTo>
-                    <a:pt x="4" y="29"/>
-                    <a:pt x="11" y="36"/>
-                    <a:pt x="20" y="36"/>
-                  </a:cubicBezTo>
-                  <a:cubicBezTo>
-                    <a:pt x="28" y="36"/>
-                    <a:pt x="36" y="29"/>
-                    <a:pt x="36" y="20"/>
-                  </a:cubicBezTo>
-                  <a:cubicBezTo>
-                    <a:pt x="36" y="9"/>
-                    <a:pt x="31" y="4"/>
-                    <a:pt x="20" y="4"/>
-                  </a:cubicBezTo>
-                  <a:close/>
-                </a:path>
-              </a:pathLst>
-            </a:custGeom>
-            <a:grpFill/>
-            <a:ln>
-              <a:noFill/>
-            </a:ln>
-            <a:extLst>
-              <a:ext uri="{91240B29-F687-4f45-9708-019B960494DF}">
-                <a14:hiddenLine xmlns="" xmlns:a16="http://schemas.microsoft.com/office/drawing/2014/main" xmlns:p14="http://schemas.microsoft.com/office/powerpoint/2010/main" xmlns:a14="http://schemas.microsoft.com/office/drawing/2010/main" w="9525">
-                  <a:solidFill>
-                    <a:srgbClr val="000000"/>
-                  </a:solidFill>
-                  <a:round/>
-                  <a:headEnd/>
-                  <a:tailEnd/>
-                </a14:hiddenLine>
-              </a:ext>
-            </a:extLst>
-          </p:spPr>
-          <p:txBody>
-            <a:bodyPr/>
-            <a:lstStyle/>
-            <a:p>
-              <a:endParaRPr lang="hu-HU"/>
-            </a:p>
-          </p:txBody>
-        </p:sp>
-        <p:sp>
-          <p:nvSpPr>
-            <p:cNvPr id="52" name="Freeform 10">
-              <a:extLst>
-                <a:ext uri="{FF2B5EF4-FFF2-40B4-BE49-F238E27FC236}">
-                  <a16:creationId xmlns:a16="http://schemas.microsoft.com/office/drawing/2014/main" id="{92B4AAEB-ABF4-42A7-BE52-0B442190D16A}"/>
-                </a:ext>
-                <a:ext uri="{C183D7F6-B498-43B3-948B-1728B52AA6E4}">
-                  <adec:decorative xmlns:adec="http://schemas.microsoft.com/office/drawing/2017/decorative" val="1"/>
-                </a:ext>
-              </a:extLst>
-            </p:cNvPr>
-            <p:cNvSpPr/>
-            <p:nvPr>
-              <p:extLst>
-                <p:ext uri="{386F3935-93C4-4BCD-93E2-E3B085C9AB24}">
-                  <p16:designElem xmlns:p16="http://schemas.microsoft.com/office/powerpoint/2015/main" val="1"/>
-                </p:ext>
-              </p:extLst>
-            </p:nvPr>
-          </p:nvSpPr>
-          <p:spPr bwMode="auto">
-            <a:xfrm>
-              <a:off x="285750" y="4763"/>
-              <a:ext cx="369888" cy="1430338"/>
-            </a:xfrm>
-            <a:custGeom>
-              <a:avLst/>
-              <a:gdLst/>
-              <a:ahLst/>
-              <a:cxnLst/>
-              <a:rect l="0" t="0" r="r" b="b"/>
-              <a:pathLst>
-                <a:path w="233" h="901">
-                  <a:moveTo>
-                    <a:pt x="221" y="901"/>
-                  </a:moveTo>
-                  <a:lnTo>
-                    <a:pt x="0" y="383"/>
-                  </a:lnTo>
-                  <a:lnTo>
-                    <a:pt x="0" y="0"/>
-                  </a:lnTo>
-                  <a:lnTo>
-                    <a:pt x="18" y="0"/>
-                  </a:lnTo>
-                  <a:lnTo>
-                    <a:pt x="18" y="380"/>
-                  </a:lnTo>
-                  <a:lnTo>
-                    <a:pt x="233" y="895"/>
-                  </a:lnTo>
-                  <a:lnTo>
-                    <a:pt x="221" y="901"/>
-                  </a:lnTo>
-                  <a:close/>
-                </a:path>
-              </a:pathLst>
-            </a:custGeom>
-            <a:grpFill/>
-            <a:ln>
-              <a:noFill/>
-            </a:ln>
-            <a:extLst>
-              <a:ext uri="{91240B29-F687-4f45-9708-019B960494DF}">
-                <a14:hiddenLine xmlns="" xmlns:a16="http://schemas.microsoft.com/office/drawing/2014/main" xmlns:p14="http://schemas.microsoft.com/office/powerpoint/2010/main" xmlns:a14="http://schemas.microsoft.com/office/drawing/2010/main" w="9525">
-                  <a:solidFill>
-                    <a:srgbClr val="000000"/>
-                  </a:solidFill>
-                  <a:round/>
-                  <a:headEnd/>
-                  <a:tailEnd/>
-                </a14:hiddenLine>
-              </a:ext>
-            </a:extLst>
-          </p:spPr>
-          <p:txBody>
-            <a:bodyPr/>
-            <a:lstStyle/>
-            <a:p>
-              <a:endParaRPr lang="hu-HU"/>
-            </a:p>
-          </p:txBody>
-        </p:sp>
-        <p:sp>
-          <p:nvSpPr>
-            <p:cNvPr id="53" name="Freeform 11">
-              <a:extLst>
-                <a:ext uri="{FF2B5EF4-FFF2-40B4-BE49-F238E27FC236}">
-                  <a16:creationId xmlns:a16="http://schemas.microsoft.com/office/drawing/2014/main" id="{3767C370-4A42-4376-8CAE-606C4BC8F450}"/>
-                </a:ext>
-                <a:ext uri="{C183D7F6-B498-43B3-948B-1728B52AA6E4}">
-                  <adec:decorative xmlns:adec="http://schemas.microsoft.com/office/drawing/2017/decorative" val="1"/>
-                </a:ext>
-              </a:extLst>
-            </p:cNvPr>
-            <p:cNvSpPr/>
-            <p:nvPr>
-              <p:extLst>
-                <p:ext uri="{386F3935-93C4-4BCD-93E2-E3B085C9AB24}">
-                  <p16:designElem xmlns:p16="http://schemas.microsoft.com/office/powerpoint/2015/main" val="1"/>
-                </p:ext>
-              </p:extLst>
-            </p:nvPr>
-          </p:nvSpPr>
-          <p:spPr bwMode="auto">
-            <a:xfrm>
-              <a:off x="546100" y="0"/>
-              <a:ext cx="152400" cy="912813"/>
-            </a:xfrm>
-            <a:custGeom>
-              <a:avLst/>
-              <a:gdLst/>
-              <a:ahLst/>
-              <a:cxnLst/>
-              <a:rect l="0" t="0" r="r" b="b"/>
-              <a:pathLst>
-                <a:path w="96" h="575">
-                  <a:moveTo>
-                    <a:pt x="96" y="575"/>
-                  </a:moveTo>
-                  <a:lnTo>
-                    <a:pt x="78" y="575"/>
-                  </a:lnTo>
-                  <a:lnTo>
-                    <a:pt x="78" y="192"/>
-                  </a:lnTo>
-                  <a:lnTo>
-                    <a:pt x="0" y="6"/>
-                  </a:lnTo>
-                  <a:lnTo>
-                    <a:pt x="15" y="0"/>
-                  </a:lnTo>
-                  <a:lnTo>
-                    <a:pt x="96" y="189"/>
-                  </a:lnTo>
-                  <a:lnTo>
-                    <a:pt x="96" y="575"/>
-                  </a:lnTo>
-                  <a:close/>
-                </a:path>
-              </a:pathLst>
-            </a:custGeom>
-            <a:grpFill/>
-            <a:ln>
-              <a:noFill/>
-            </a:ln>
-            <a:extLst>
-              <a:ext uri="{91240B29-F687-4f45-9708-019B960494DF}">
-                <a14:hiddenLine xmlns="" xmlns:a16="http://schemas.microsoft.com/office/drawing/2014/main" xmlns:p14="http://schemas.microsoft.com/office/powerpoint/2010/main" xmlns:a14="http://schemas.microsoft.com/office/drawing/2010/main" w="9525">
-                  <a:solidFill>
-                    <a:srgbClr val="000000"/>
-                  </a:solidFill>
-                  <a:round/>
-                  <a:headEnd/>
-                  <a:tailEnd/>
-                </a14:hiddenLine>
-              </a:ext>
-            </a:extLst>
-          </p:spPr>
-          <p:txBody>
-            <a:bodyPr/>
-            <a:lstStyle/>
-            <a:p>
-              <a:endParaRPr lang="hu-HU"/>
-            </a:p>
-          </p:txBody>
-        </p:sp>
-        <p:sp>
-          <p:nvSpPr>
-            <p:cNvPr id="54" name="Freeform 12">
-              <a:extLst>
-                <a:ext uri="{FF2B5EF4-FFF2-40B4-BE49-F238E27FC236}">
-                  <a16:creationId xmlns:a16="http://schemas.microsoft.com/office/drawing/2014/main" id="{36205F53-9C95-4954-B97C-1625BB8A350F}"/>
-                </a:ext>
-                <a:ext uri="{C183D7F6-B498-43B3-948B-1728B52AA6E4}">
-                  <adec:decorative xmlns:adec="http://schemas.microsoft.com/office/drawing/2017/decorative" val="1"/>
-                </a:ext>
-              </a:extLst>
-            </p:cNvPr>
-            <p:cNvSpPr>
-              <a:spLocks noEditPoints="1"/>
-            </p:cNvSpPr>
-            <p:nvPr>
-              <p:extLst>
-                <p:ext uri="{386F3935-93C4-4BCD-93E2-E3B085C9AB24}">
-                  <p16:designElem xmlns:p16="http://schemas.microsoft.com/office/powerpoint/2015/main" val="1"/>
-                </p:ext>
-              </p:extLst>
-            </p:nvPr>
-          </p:nvSpPr>
-          <p:spPr bwMode="auto">
-            <a:xfrm>
-              <a:off x="588962" y="1420813"/>
-              <a:ext cx="190500" cy="190500"/>
-            </a:xfrm>
-            <a:custGeom>
-              <a:avLst/>
-              <a:gdLst/>
-              <a:ahLst/>
-              <a:cxnLst/>
-              <a:rect l="0" t="0" r="r" b="b"/>
-              <a:pathLst>
-                <a:path w="40" h="40">
-                  <a:moveTo>
-                    <a:pt x="20" y="40"/>
-                  </a:moveTo>
-                  <a:cubicBezTo>
-                    <a:pt x="9" y="40"/>
-                    <a:pt x="0" y="31"/>
-                    <a:pt x="0" y="20"/>
-                  </a:cubicBezTo>
-                  <a:cubicBezTo>
-                    <a:pt x="0" y="9"/>
-                    <a:pt x="9" y="0"/>
-                    <a:pt x="20" y="0"/>
-                  </a:cubicBezTo>
-                  <a:cubicBezTo>
-                    <a:pt x="33" y="0"/>
-                    <a:pt x="40" y="7"/>
-                    <a:pt x="40" y="20"/>
-                  </a:cubicBezTo>
-                  <a:cubicBezTo>
-                    <a:pt x="40" y="31"/>
-                    <a:pt x="31" y="40"/>
-                    <a:pt x="20" y="40"/>
-                  </a:cubicBezTo>
-                  <a:close/>
-                  <a:moveTo>
-                    <a:pt x="20" y="4"/>
-                  </a:moveTo>
-                  <a:cubicBezTo>
-                    <a:pt x="11" y="4"/>
-                    <a:pt x="4" y="11"/>
-                    <a:pt x="4" y="20"/>
-                  </a:cubicBezTo>
-                  <a:cubicBezTo>
-                    <a:pt x="4" y="29"/>
-                    <a:pt x="11" y="36"/>
-                    <a:pt x="20" y="36"/>
-                  </a:cubicBezTo>
-                  <a:cubicBezTo>
-                    <a:pt x="29" y="36"/>
-                    <a:pt x="36" y="29"/>
-                    <a:pt x="36" y="20"/>
-                  </a:cubicBezTo>
-                  <a:cubicBezTo>
-                    <a:pt x="36" y="9"/>
-                    <a:pt x="31" y="4"/>
-                    <a:pt x="20" y="4"/>
-                  </a:cubicBezTo>
-                  <a:close/>
-                </a:path>
-              </a:pathLst>
-            </a:custGeom>
-            <a:grpFill/>
-            <a:ln>
-              <a:noFill/>
-            </a:ln>
-            <a:extLst>
-              <a:ext uri="{91240B29-F687-4f45-9708-019B960494DF}">
-                <a14:hiddenLine xmlns="" xmlns:a16="http://schemas.microsoft.com/office/drawing/2014/main" xmlns:p14="http://schemas.microsoft.com/office/powerpoint/2010/main" xmlns:a14="http://schemas.microsoft.com/office/drawing/2010/main" w="9525">
-                  <a:solidFill>
-                    <a:srgbClr val="000000"/>
-                  </a:solidFill>
-                  <a:round/>
-                  <a:headEnd/>
-                  <a:tailEnd/>
-                </a14:hiddenLine>
-              </a:ext>
-            </a:extLst>
-          </p:spPr>
-          <p:txBody>
-            <a:bodyPr/>
-            <a:lstStyle/>
-            <a:p>
-              <a:endParaRPr lang="hu-HU"/>
-            </a:p>
-          </p:txBody>
-        </p:sp>
-        <p:sp>
-          <p:nvSpPr>
-            <p:cNvPr id="55" name="Freeform 13">
-              <a:extLst>
-                <a:ext uri="{FF2B5EF4-FFF2-40B4-BE49-F238E27FC236}">
-                  <a16:creationId xmlns:a16="http://schemas.microsoft.com/office/drawing/2014/main" id="{DC80B58E-3469-43E9-96FC-D747B6983030}"/>
-                </a:ext>
-                <a:ext uri="{C183D7F6-B498-43B3-948B-1728B52AA6E4}">
-                  <adec:decorative xmlns:adec="http://schemas.microsoft.com/office/drawing/2017/decorative" val="1"/>
-                </a:ext>
-              </a:extLst>
-            </p:cNvPr>
-            <p:cNvSpPr>
-              <a:spLocks noEditPoints="1"/>
-            </p:cNvSpPr>
-            <p:nvPr>
-              <p:extLst>
-                <p:ext uri="{386F3935-93C4-4BCD-93E2-E3B085C9AB24}">
-                  <p16:designElem xmlns:p16="http://schemas.microsoft.com/office/powerpoint/2015/main" val="1"/>
-                </p:ext>
-              </p:extLst>
-            </p:nvPr>
-          </p:nvSpPr>
-          <p:spPr bwMode="auto">
-            <a:xfrm>
-              <a:off x="588962" y="903288"/>
-              <a:ext cx="190500" cy="190500"/>
-            </a:xfrm>
-            <a:custGeom>
-              <a:avLst/>
-              <a:gdLst/>
-              <a:ahLst/>
-              <a:cxnLst/>
-              <a:rect l="0" t="0" r="r" b="b"/>
-              <a:pathLst>
-                <a:path w="40" h="40">
-                  <a:moveTo>
-                    <a:pt x="20" y="40"/>
-                  </a:moveTo>
-                  <a:cubicBezTo>
-                    <a:pt x="9" y="40"/>
-                    <a:pt x="0" y="31"/>
-                    <a:pt x="0" y="20"/>
-                  </a:cubicBezTo>
-                  <a:cubicBezTo>
-                    <a:pt x="0" y="9"/>
-                    <a:pt x="9" y="0"/>
-                    <a:pt x="20" y="0"/>
-                  </a:cubicBezTo>
-                  <a:cubicBezTo>
-                    <a:pt x="31" y="0"/>
-                    <a:pt x="40" y="9"/>
-                    <a:pt x="40" y="20"/>
-                  </a:cubicBezTo>
-                  <a:cubicBezTo>
-                    <a:pt x="40" y="31"/>
-                    <a:pt x="31" y="40"/>
-                    <a:pt x="20" y="40"/>
-                  </a:cubicBezTo>
-                  <a:close/>
-                  <a:moveTo>
-                    <a:pt x="20" y="4"/>
-                  </a:moveTo>
-                  <a:cubicBezTo>
-                    <a:pt x="11" y="4"/>
-                    <a:pt x="4" y="11"/>
-                    <a:pt x="4" y="20"/>
-                  </a:cubicBezTo>
-                  <a:cubicBezTo>
-                    <a:pt x="4" y="29"/>
-                    <a:pt x="11" y="36"/>
-                    <a:pt x="20" y="36"/>
-                  </a:cubicBezTo>
-                  <a:cubicBezTo>
-                    <a:pt x="29" y="36"/>
-                    <a:pt x="36" y="29"/>
-                    <a:pt x="36" y="20"/>
-                  </a:cubicBezTo>
-                  <a:cubicBezTo>
-                    <a:pt x="36" y="11"/>
-                    <a:pt x="29" y="4"/>
-                    <a:pt x="20" y="4"/>
-                  </a:cubicBezTo>
-                  <a:close/>
-                </a:path>
-              </a:pathLst>
-            </a:custGeom>
-            <a:grpFill/>
-            <a:ln>
-              <a:noFill/>
-            </a:ln>
-            <a:extLst>
-              <a:ext uri="{91240B29-F687-4f45-9708-019B960494DF}">
-                <a14:hiddenLine xmlns="" xmlns:a16="http://schemas.microsoft.com/office/drawing/2014/main" xmlns:p14="http://schemas.microsoft.com/office/powerpoint/2010/main" xmlns:a14="http://schemas.microsoft.com/office/drawing/2010/main" w="9525">
-                  <a:solidFill>
-                    <a:srgbClr val="000000"/>
-                  </a:solidFill>
-                  <a:round/>
-                  <a:headEnd/>
-                  <a:tailEnd/>
-                </a14:hiddenLine>
-              </a:ext>
-            </a:extLst>
-          </p:spPr>
-          <p:txBody>
-            <a:bodyPr/>
-            <a:lstStyle/>
-            <a:p>
-              <a:endParaRPr lang="hu-HU"/>
-            </a:p>
-          </p:txBody>
-        </p:sp>
-        <p:sp>
-          <p:nvSpPr>
-            <p:cNvPr id="56" name="Freeform 14">
-              <a:extLst>
-                <a:ext uri="{FF2B5EF4-FFF2-40B4-BE49-F238E27FC236}">
-                  <a16:creationId xmlns:a16="http://schemas.microsoft.com/office/drawing/2014/main" id="{E17A4ED2-DDD7-4B4D-A39C-9B0121C88622}"/>
-                </a:ext>
-                <a:ext uri="{C183D7F6-B498-43B3-948B-1728B52AA6E4}">
-                  <adec:decorative xmlns:adec="http://schemas.microsoft.com/office/drawing/2017/decorative" val="1"/>
-                </a:ext>
-              </a:extLst>
-            </p:cNvPr>
-            <p:cNvSpPr/>
-            <p:nvPr>
-              <p:extLst>
-                <p:ext uri="{386F3935-93C4-4BCD-93E2-E3B085C9AB24}">
-                  <p16:designElem xmlns:p16="http://schemas.microsoft.com/office/powerpoint/2015/main" val="1"/>
-                </p:ext>
-              </p:extLst>
-            </p:nvPr>
-          </p:nvSpPr>
-          <p:spPr bwMode="auto">
-            <a:xfrm>
-              <a:off x="641350" y="0"/>
-              <a:ext cx="422275" cy="527050"/>
-            </a:xfrm>
-            <a:custGeom>
-              <a:avLst/>
-              <a:gdLst/>
-              <a:ahLst/>
-              <a:cxnLst/>
-              <a:rect l="0" t="0" r="r" b="b"/>
-              <a:pathLst>
-                <a:path w="266" h="332">
-                  <a:moveTo>
-                    <a:pt x="257" y="332"/>
-                  </a:moveTo>
-                  <a:lnTo>
-                    <a:pt x="48" y="123"/>
-                  </a:lnTo>
-                  <a:lnTo>
-                    <a:pt x="0" y="6"/>
-                  </a:lnTo>
-                  <a:lnTo>
-                    <a:pt x="15" y="0"/>
-                  </a:lnTo>
-                  <a:lnTo>
-                    <a:pt x="63" y="114"/>
-                  </a:lnTo>
-                  <a:lnTo>
-                    <a:pt x="266" y="320"/>
-                  </a:lnTo>
-                  <a:lnTo>
-                    <a:pt x="257" y="332"/>
-                  </a:lnTo>
-                  <a:close/>
-                </a:path>
-              </a:pathLst>
-            </a:custGeom>
-            <a:grpFill/>
-            <a:ln>
-              <a:noFill/>
-            </a:ln>
-            <a:extLst>
-              <a:ext uri="{91240B29-F687-4f45-9708-019B960494DF}">
-                <a14:hiddenLine xmlns="" xmlns:a16="http://schemas.microsoft.com/office/drawing/2014/main" xmlns:p14="http://schemas.microsoft.com/office/powerpoint/2010/main" xmlns:a14="http://schemas.microsoft.com/office/drawing/2010/main" w="9525">
-                  <a:solidFill>
-                    <a:srgbClr val="000000"/>
-                  </a:solidFill>
-                  <a:round/>
-                  <a:headEnd/>
-                  <a:tailEnd/>
-                </a14:hiddenLine>
-              </a:ext>
-            </a:extLst>
-          </p:spPr>
-          <p:txBody>
-            <a:bodyPr/>
-            <a:lstStyle/>
-            <a:p>
-              <a:endParaRPr lang="hu-HU"/>
-            </a:p>
-          </p:txBody>
-        </p:sp>
-        <p:sp>
-          <p:nvSpPr>
-            <p:cNvPr id="57" name="Freeform 15">
-              <a:extLst>
-                <a:ext uri="{FF2B5EF4-FFF2-40B4-BE49-F238E27FC236}">
-                  <a16:creationId xmlns:a16="http://schemas.microsoft.com/office/drawing/2014/main" id="{A2C14A85-E7A9-4E1D-809F-20F5CFA788BE}"/>
-                </a:ext>
-                <a:ext uri="{C183D7F6-B498-43B3-948B-1728B52AA6E4}">
-                  <adec:decorative xmlns:adec="http://schemas.microsoft.com/office/drawing/2017/decorative" val="1"/>
-                </a:ext>
-              </a:extLst>
-            </p:cNvPr>
-            <p:cNvSpPr>
-              <a:spLocks noEditPoints="1"/>
-            </p:cNvSpPr>
-            <p:nvPr>
-              <p:extLst>
-                <p:ext uri="{386F3935-93C4-4BCD-93E2-E3B085C9AB24}">
-                  <p16:designElem xmlns:p16="http://schemas.microsoft.com/office/powerpoint/2015/main" val="1"/>
-                </p:ext>
-              </p:extLst>
-            </p:nvPr>
-          </p:nvSpPr>
-          <p:spPr bwMode="auto">
-            <a:xfrm>
-              <a:off x="1020762" y="488950"/>
-              <a:ext cx="161925" cy="147638"/>
-            </a:xfrm>
-            <a:custGeom>
-              <a:avLst/>
-              <a:gdLst/>
-              <a:ahLst/>
-              <a:cxnLst/>
-              <a:rect l="0" t="0" r="r" b="b"/>
-              <a:pathLst>
-                <a:path w="34" h="31">
-                  <a:moveTo>
-                    <a:pt x="17" y="31"/>
-                  </a:moveTo>
-                  <a:cubicBezTo>
-                    <a:pt x="13" y="31"/>
-                    <a:pt x="9" y="30"/>
-                    <a:pt x="6" y="27"/>
-                  </a:cubicBezTo>
-                  <a:cubicBezTo>
-                    <a:pt x="0" y="20"/>
-                    <a:pt x="0" y="10"/>
-                    <a:pt x="6" y="4"/>
-                  </a:cubicBezTo>
-                  <a:cubicBezTo>
-                    <a:pt x="9" y="1"/>
-                    <a:pt x="13" y="0"/>
-                    <a:pt x="17" y="0"/>
-                  </a:cubicBezTo>
-                  <a:cubicBezTo>
-                    <a:pt x="21" y="0"/>
-                    <a:pt x="25" y="1"/>
-                    <a:pt x="28" y="4"/>
-                  </a:cubicBezTo>
-                  <a:cubicBezTo>
-                    <a:pt x="34" y="10"/>
-                    <a:pt x="34" y="20"/>
-                    <a:pt x="28" y="27"/>
-                  </a:cubicBezTo>
-                  <a:cubicBezTo>
-                    <a:pt x="25" y="30"/>
-                    <a:pt x="21" y="31"/>
-                    <a:pt x="17" y="31"/>
-                  </a:cubicBezTo>
-                  <a:close/>
-                  <a:moveTo>
-                    <a:pt x="17" y="4"/>
-                  </a:moveTo>
-                  <a:cubicBezTo>
-                    <a:pt x="14" y="4"/>
-                    <a:pt x="11" y="5"/>
-                    <a:pt x="9" y="7"/>
-                  </a:cubicBezTo>
-                  <a:cubicBezTo>
-                    <a:pt x="4" y="12"/>
-                    <a:pt x="4" y="19"/>
-                    <a:pt x="9" y="24"/>
-                  </a:cubicBezTo>
-                  <a:cubicBezTo>
-                    <a:pt x="11" y="26"/>
-                    <a:pt x="14" y="27"/>
-                    <a:pt x="17" y="27"/>
-                  </a:cubicBezTo>
-                  <a:cubicBezTo>
-                    <a:pt x="20" y="27"/>
-                    <a:pt x="23" y="26"/>
-                    <a:pt x="25" y="24"/>
-                  </a:cubicBezTo>
-                  <a:cubicBezTo>
-                    <a:pt x="30" y="19"/>
-                    <a:pt x="30" y="12"/>
-                    <a:pt x="25" y="7"/>
-                  </a:cubicBezTo>
-                  <a:cubicBezTo>
-                    <a:pt x="23" y="5"/>
-                    <a:pt x="20" y="4"/>
-                    <a:pt x="17" y="4"/>
-                  </a:cubicBezTo>
-                  <a:close/>
-                </a:path>
-              </a:pathLst>
-            </a:custGeom>
-            <a:grpFill/>
-            <a:ln>
-              <a:noFill/>
-            </a:ln>
-            <a:extLst>
-              <a:ext uri="{91240B29-F687-4f45-9708-019B960494DF}">
-                <a14:hiddenLine xmlns="" xmlns:a16="http://schemas.microsoft.com/office/drawing/2014/main" xmlns:p14="http://schemas.microsoft.com/office/powerpoint/2010/main" xmlns:a14="http://schemas.microsoft.com/office/drawing/2010/main" w="9525">
-                  <a:solidFill>
-                    <a:srgbClr val="000000"/>
-                  </a:solidFill>
-                  <a:round/>
-                  <a:headEnd/>
-                  <a:tailEnd/>
-                </a14:hiddenLine>
-              </a:ext>
-            </a:extLst>
-          </p:spPr>
-          <p:txBody>
-            <a:bodyPr/>
-            <a:lstStyle/>
-            <a:p>
-              <a:endParaRPr lang="hu-HU"/>
-            </a:p>
-          </p:txBody>
-        </p:sp>
-        <p:sp>
-          <p:nvSpPr>
-            <p:cNvPr id="58" name="Line 16">
-              <a:extLst>
-                <a:ext uri="{FF2B5EF4-FFF2-40B4-BE49-F238E27FC236}">
-                  <a16:creationId xmlns:a16="http://schemas.microsoft.com/office/drawing/2014/main" id="{F3D51E32-9399-4B7F-8D91-BF9A068B834B}"/>
-                </a:ext>
-                <a:ext uri="{C183D7F6-B498-43B3-948B-1728B52AA6E4}">
-                  <adec:decorative xmlns:adec="http://schemas.microsoft.com/office/drawing/2017/decorative" val="1"/>
-                </a:ext>
-              </a:extLst>
-            </p:cNvPr>
-            <p:cNvSpPr>
-              <a:spLocks noChangeShapeType="1"/>
-            </p:cNvSpPr>
-            <p:nvPr>
-              <p:extLst>
-                <p:ext uri="{386F3935-93C4-4BCD-93E2-E3B085C9AB24}">
-                  <p16:designElem xmlns:p16="http://schemas.microsoft.com/office/powerpoint/2015/main" val="1"/>
-                </p:ext>
-              </p:extLst>
-            </p:nvPr>
-          </p:nvSpPr>
-          <p:spPr bwMode="auto">
-            <a:xfrm>
-              <a:off x="-4763" y="9525"/>
-              <a:ext cx="0" cy="0"/>
-            </a:xfrm>
-            <a:prstGeom prst="line">
-              <a:avLst/>
-            </a:prstGeom>
-            <a:grpFill/>
-            <a:ln w="15" cap="flat">
-              <a:solidFill>
-                <a:srgbClr val="FFFFFF"/>
-              </a:solidFill>
-              <a:prstDash val="solid"/>
-              <a:miter lim="800000"/>
-              <a:headEnd/>
-              <a:tailEnd/>
-            </a:ln>
-          </p:spPr>
-          <p:txBody>
-            <a:bodyPr/>
-            <a:lstStyle/>
-            <a:p>
-              <a:endParaRPr lang="hu-HU"/>
-            </a:p>
-          </p:txBody>
-        </p:sp>
-        <p:sp>
-          <p:nvSpPr>
-            <p:cNvPr id="59" name="Freeform 17">
-              <a:extLst>
-                <a:ext uri="{FF2B5EF4-FFF2-40B4-BE49-F238E27FC236}">
-                  <a16:creationId xmlns:a16="http://schemas.microsoft.com/office/drawing/2014/main" id="{9969F9D2-502D-4C1D-ABA5-02B1BF2A0013}"/>
-                </a:ext>
-                <a:ext uri="{C183D7F6-B498-43B3-948B-1728B52AA6E4}">
-                  <adec:decorative xmlns:adec="http://schemas.microsoft.com/office/drawing/2017/decorative" val="1"/>
-                </a:ext>
-              </a:extLst>
-            </p:cNvPr>
-            <p:cNvSpPr/>
-            <p:nvPr>
-              <p:extLst>
-                <p:ext uri="{386F3935-93C4-4BCD-93E2-E3B085C9AB24}">
-                  <p16:designElem xmlns:p16="http://schemas.microsoft.com/office/powerpoint/2015/main" val="1"/>
-                </p:ext>
-              </p:extLst>
-            </p:nvPr>
-          </p:nvSpPr>
-          <p:spPr bwMode="auto">
-            <a:xfrm>
-              <a:off x="9525" y="1801813"/>
-              <a:ext cx="123825" cy="127000"/>
-            </a:xfrm>
-            <a:custGeom>
-              <a:avLst/>
-              <a:gdLst/>
-              <a:ahLst/>
-              <a:cxnLst/>
-              <a:rect l="0" t="0" r="r" b="b"/>
-              <a:pathLst>
-                <a:path w="78" h="80">
-                  <a:moveTo>
-                    <a:pt x="6" y="80"/>
-                  </a:moveTo>
-                  <a:lnTo>
-                    <a:pt x="0" y="71"/>
-                  </a:lnTo>
-                  <a:lnTo>
-                    <a:pt x="69" y="0"/>
-                  </a:lnTo>
-                  <a:lnTo>
-                    <a:pt x="78" y="9"/>
-                  </a:lnTo>
-                  <a:lnTo>
-                    <a:pt x="6" y="80"/>
-                  </a:lnTo>
-                  <a:close/>
-                </a:path>
-              </a:pathLst>
-            </a:custGeom>
-            <a:grpFill/>
-            <a:ln>
-              <a:noFill/>
-            </a:ln>
-            <a:extLst>
-              <a:ext uri="{91240B29-F687-4f45-9708-019B960494DF}">
-                <a14:hiddenLine xmlns="" xmlns:a16="http://schemas.microsoft.com/office/drawing/2014/main" xmlns:p14="http://schemas.microsoft.com/office/powerpoint/2010/main" xmlns:a14="http://schemas.microsoft.com/office/drawing/2010/main" w="9525">
-                  <a:solidFill>
-                    <a:srgbClr val="000000"/>
-                  </a:solidFill>
-                  <a:round/>
-                  <a:headEnd/>
-                  <a:tailEnd/>
-                </a14:hiddenLine>
-              </a:ext>
-            </a:extLst>
-          </p:spPr>
-          <p:txBody>
-            <a:bodyPr/>
-            <a:lstStyle/>
-            <a:p>
-              <a:endParaRPr lang="hu-HU"/>
-            </a:p>
-          </p:txBody>
-        </p:sp>
-        <p:sp>
-          <p:nvSpPr>
-            <p:cNvPr id="60" name="Freeform 18">
-              <a:extLst>
-                <a:ext uri="{FF2B5EF4-FFF2-40B4-BE49-F238E27FC236}">
-                  <a16:creationId xmlns:a16="http://schemas.microsoft.com/office/drawing/2014/main" id="{4AE555C6-5623-478A-BF35-63E9929A3A23}"/>
-                </a:ext>
-                <a:ext uri="{C183D7F6-B498-43B3-948B-1728B52AA6E4}">
-                  <adec:decorative xmlns:adec="http://schemas.microsoft.com/office/drawing/2017/decorative" val="1"/>
-                </a:ext>
-              </a:extLst>
-            </p:cNvPr>
-            <p:cNvSpPr/>
-            <p:nvPr>
-              <p:extLst>
-                <p:ext uri="{386F3935-93C4-4BCD-93E2-E3B085C9AB24}">
-                  <p16:designElem xmlns:p16="http://schemas.microsoft.com/office/powerpoint/2015/main" val="1"/>
-                </p:ext>
-              </p:extLst>
-            </p:nvPr>
-          </p:nvSpPr>
-          <p:spPr bwMode="auto">
-            <a:xfrm>
-              <a:off x="-9525" y="3549650"/>
-              <a:ext cx="147638" cy="481013"/>
-            </a:xfrm>
-            <a:custGeom>
-              <a:avLst/>
-              <a:gdLst/>
-              <a:ahLst/>
-              <a:cxnLst/>
-              <a:rect l="0" t="0" r="r" b="b"/>
-              <a:pathLst>
-                <a:path w="93" h="303">
-                  <a:moveTo>
-                    <a:pt x="93" y="303"/>
-                  </a:moveTo>
-                  <a:lnTo>
-                    <a:pt x="78" y="303"/>
-                  </a:lnTo>
-                  <a:lnTo>
-                    <a:pt x="78" y="78"/>
-                  </a:lnTo>
-                  <a:lnTo>
-                    <a:pt x="0" y="12"/>
-                  </a:lnTo>
-                  <a:lnTo>
-                    <a:pt x="12" y="0"/>
-                  </a:lnTo>
-                  <a:lnTo>
-                    <a:pt x="93" y="69"/>
-                  </a:lnTo>
-                  <a:lnTo>
-                    <a:pt x="93" y="303"/>
-                  </a:lnTo>
-                  <a:close/>
-                </a:path>
-              </a:pathLst>
-            </a:custGeom>
-            <a:grpFill/>
-            <a:ln>
-              <a:noFill/>
-            </a:ln>
-            <a:extLst>
-              <a:ext uri="{91240B29-F687-4f45-9708-019B960494DF}">
-                <a14:hiddenLine xmlns="" xmlns:a16="http://schemas.microsoft.com/office/drawing/2014/main" xmlns:p14="http://schemas.microsoft.com/office/powerpoint/2010/main" xmlns:a14="http://schemas.microsoft.com/office/drawing/2010/main" w="9525">
-                  <a:solidFill>
-                    <a:srgbClr val="000000"/>
-                  </a:solidFill>
-                  <a:round/>
-                  <a:headEnd/>
-                  <a:tailEnd/>
-                </a14:hiddenLine>
-              </a:ext>
-            </a:extLst>
-          </p:spPr>
-          <p:txBody>
-            <a:bodyPr/>
-            <a:lstStyle/>
-            <a:p>
-              <a:endParaRPr lang="hu-HU"/>
-            </a:p>
-          </p:txBody>
-        </p:sp>
-        <p:sp>
-          <p:nvSpPr>
-            <p:cNvPr id="61" name="Freeform 19">
-              <a:extLst>
-                <a:ext uri="{FF2B5EF4-FFF2-40B4-BE49-F238E27FC236}">
-                  <a16:creationId xmlns:a16="http://schemas.microsoft.com/office/drawing/2014/main" id="{A3D3AED4-A69E-4301-9BB4-436DC5F0C95D}"/>
-                </a:ext>
-                <a:ext uri="{C183D7F6-B498-43B3-948B-1728B52AA6E4}">
-                  <adec:decorative xmlns:adec="http://schemas.microsoft.com/office/drawing/2017/decorative" val="1"/>
-                </a:ext>
-              </a:extLst>
-            </p:cNvPr>
-            <p:cNvSpPr/>
-            <p:nvPr>
-              <p:extLst>
-                <p:ext uri="{386F3935-93C4-4BCD-93E2-E3B085C9AB24}">
-                  <p16:designElem xmlns:p16="http://schemas.microsoft.com/office/powerpoint/2015/main" val="1"/>
-                </p:ext>
-              </p:extLst>
-            </p:nvPr>
-          </p:nvSpPr>
-          <p:spPr bwMode="auto">
-            <a:xfrm>
-              <a:off x="128587" y="1382713"/>
-              <a:ext cx="142875" cy="476250"/>
-            </a:xfrm>
-            <a:custGeom>
-              <a:avLst/>
-              <a:gdLst/>
-              <a:ahLst/>
-              <a:cxnLst/>
-              <a:rect l="0" t="0" r="r" b="b"/>
-              <a:pathLst>
-                <a:path w="90" h="300">
-                  <a:moveTo>
-                    <a:pt x="90" y="300"/>
-                  </a:moveTo>
-                  <a:lnTo>
-                    <a:pt x="78" y="300"/>
-                  </a:lnTo>
-                  <a:lnTo>
-                    <a:pt x="78" y="84"/>
-                  </a:lnTo>
-                  <a:lnTo>
-                    <a:pt x="0" y="9"/>
-                  </a:lnTo>
-                  <a:lnTo>
-                    <a:pt x="9" y="0"/>
-                  </a:lnTo>
-                  <a:lnTo>
-                    <a:pt x="90" y="81"/>
-                  </a:lnTo>
-                  <a:lnTo>
-                    <a:pt x="90" y="300"/>
-                  </a:lnTo>
-                  <a:close/>
-                </a:path>
-              </a:pathLst>
-            </a:custGeom>
-            <a:grpFill/>
-            <a:ln>
-              <a:noFill/>
-            </a:ln>
-            <a:extLst>
-              <a:ext uri="{91240B29-F687-4f45-9708-019B960494DF}">
-                <a14:hiddenLine xmlns="" xmlns:a16="http://schemas.microsoft.com/office/drawing/2014/main" xmlns:p14="http://schemas.microsoft.com/office/powerpoint/2010/main" xmlns:a14="http://schemas.microsoft.com/office/drawing/2010/main" w="9525">
-                  <a:solidFill>
-                    <a:srgbClr val="000000"/>
-                  </a:solidFill>
-                  <a:round/>
-                  <a:headEnd/>
-                  <a:tailEnd/>
-                </a14:hiddenLine>
-              </a:ext>
-            </a:extLst>
-          </p:spPr>
-          <p:txBody>
-            <a:bodyPr/>
-            <a:lstStyle/>
-            <a:p>
-              <a:endParaRPr lang="hu-HU"/>
-            </a:p>
-          </p:txBody>
-        </p:sp>
-        <p:sp>
-          <p:nvSpPr>
-            <p:cNvPr id="62" name="Freeform 20">
-              <a:extLst>
-                <a:ext uri="{FF2B5EF4-FFF2-40B4-BE49-F238E27FC236}">
-                  <a16:creationId xmlns:a16="http://schemas.microsoft.com/office/drawing/2014/main" id="{C3B8082C-2D81-48D7-8B45-85B7C892963C}"/>
-                </a:ext>
-                <a:ext uri="{C183D7F6-B498-43B3-948B-1728B52AA6E4}">
-                  <adec:decorative xmlns:adec="http://schemas.microsoft.com/office/drawing/2017/decorative" val="1"/>
-                </a:ext>
-              </a:extLst>
-            </p:cNvPr>
-            <p:cNvSpPr>
-              <a:spLocks noEditPoints="1"/>
-            </p:cNvSpPr>
-            <p:nvPr>
-              <p:extLst>
-                <p:ext uri="{386F3935-93C4-4BCD-93E2-E3B085C9AB24}">
-                  <p16:designElem xmlns:p16="http://schemas.microsoft.com/office/powerpoint/2015/main" val="1"/>
-                </p:ext>
-              </p:extLst>
-            </p:nvPr>
-          </p:nvSpPr>
-          <p:spPr bwMode="auto">
-            <a:xfrm>
-              <a:off x="204787" y="1849438"/>
-              <a:ext cx="114300" cy="107950"/>
-            </a:xfrm>
-            <a:custGeom>
-              <a:avLst/>
-              <a:gdLst/>
-              <a:ahLst/>
-              <a:cxnLst/>
-              <a:rect l="0" t="0" r="r" b="b"/>
-              <a:pathLst>
-                <a:path w="24" h="23">
-                  <a:moveTo>
-                    <a:pt x="12" y="23"/>
-                  </a:moveTo>
-                  <a:cubicBezTo>
-                    <a:pt x="6" y="23"/>
-                    <a:pt x="0" y="18"/>
-                    <a:pt x="0" y="12"/>
-                  </a:cubicBezTo>
-                  <a:cubicBezTo>
-                    <a:pt x="0" y="5"/>
-                    <a:pt x="6" y="0"/>
-                    <a:pt x="12" y="0"/>
-                  </a:cubicBezTo>
-                  <a:cubicBezTo>
-                    <a:pt x="18" y="0"/>
-                    <a:pt x="24" y="5"/>
-                    <a:pt x="24" y="12"/>
-                  </a:cubicBezTo>
-                  <a:cubicBezTo>
-                    <a:pt x="24" y="18"/>
-                    <a:pt x="18" y="23"/>
-                    <a:pt x="12" y="23"/>
-                  </a:cubicBezTo>
-                  <a:close/>
-                  <a:moveTo>
-                    <a:pt x="12" y="4"/>
-                  </a:moveTo>
-                  <a:cubicBezTo>
-                    <a:pt x="8" y="4"/>
-                    <a:pt x="4" y="8"/>
-                    <a:pt x="4" y="12"/>
-                  </a:cubicBezTo>
-                  <a:cubicBezTo>
-                    <a:pt x="4" y="16"/>
-                    <a:pt x="8" y="19"/>
-                    <a:pt x="12" y="19"/>
-                  </a:cubicBezTo>
-                  <a:cubicBezTo>
-                    <a:pt x="16" y="19"/>
-                    <a:pt x="20" y="16"/>
-                    <a:pt x="20" y="12"/>
-                  </a:cubicBezTo>
-                  <a:cubicBezTo>
-                    <a:pt x="20" y="8"/>
-                    <a:pt x="16" y="4"/>
-                    <a:pt x="12" y="4"/>
-                  </a:cubicBezTo>
-                  <a:close/>
-                </a:path>
-              </a:pathLst>
-            </a:custGeom>
-            <a:grpFill/>
-            <a:ln>
-              <a:noFill/>
-            </a:ln>
-            <a:extLst>
-              <a:ext uri="{91240B29-F687-4f45-9708-019B960494DF}">
-                <a14:hiddenLine xmlns="" xmlns:a16="http://schemas.microsoft.com/office/drawing/2014/main" xmlns:p14="http://schemas.microsoft.com/office/powerpoint/2010/main" xmlns:a14="http://schemas.microsoft.com/office/drawing/2010/main" w="9525">
-                  <a:solidFill>
-                    <a:srgbClr val="000000"/>
-                  </a:solidFill>
-                  <a:round/>
-                  <a:headEnd/>
-                  <a:tailEnd/>
-                </a14:hiddenLine>
-              </a:ext>
-            </a:extLst>
-          </p:spPr>
-          <p:txBody>
-            <a:bodyPr/>
-            <a:lstStyle/>
-            <a:p>
-              <a:endParaRPr lang="hu-HU"/>
-            </a:p>
-          </p:txBody>
-        </p:sp>
-        <p:sp>
-          <p:nvSpPr>
-            <p:cNvPr id="63" name="Rectangle 21">
-              <a:extLst>
-                <a:ext uri="{FF2B5EF4-FFF2-40B4-BE49-F238E27FC236}">
-                  <a16:creationId xmlns:a16="http://schemas.microsoft.com/office/drawing/2014/main" id="{9AD35461-BA86-408B-8A29-244EB2F2FB55}"/>
-                </a:ext>
-                <a:ext uri="{C183D7F6-B498-43B3-948B-1728B52AA6E4}">
-                  <adec:decorative xmlns:adec="http://schemas.microsoft.com/office/drawing/2017/decorative" val="1"/>
-                </a:ext>
-              </a:extLst>
-            </p:cNvPr>
-            <p:cNvSpPr>
-              <a:spLocks noChangeArrowheads="1"/>
-            </p:cNvSpPr>
-            <p:nvPr>
-              <p:extLst>
-                <p:ext uri="{386F3935-93C4-4BCD-93E2-E3B085C9AB24}">
-                  <p16:designElem xmlns:p16="http://schemas.microsoft.com/office/powerpoint/2015/main" val="1"/>
-                </p:ext>
-              </p:extLst>
-            </p:nvPr>
-          </p:nvSpPr>
-          <p:spPr bwMode="auto">
-            <a:xfrm>
-              <a:off x="133350" y="4662488"/>
-              <a:ext cx="23813" cy="2181225"/>
-            </a:xfrm>
-            <a:prstGeom prst="rect">
-              <a:avLst/>
-            </a:prstGeom>
-            <a:grpFill/>
-            <a:ln>
-              <a:noFill/>
-            </a:ln>
-            <a:extLst>
-              <a:ext uri="{91240B29-F687-4f45-9708-019B960494DF}">
-                <a14:hiddenLine xmlns="" xmlns:a16="http://schemas.microsoft.com/office/drawing/2014/main" xmlns:p14="http://schemas.microsoft.com/office/powerpoint/2010/main" xmlns:a14="http://schemas.microsoft.com/office/drawing/2010/main" w="9525">
-                  <a:solidFill>
-                    <a:srgbClr val="000000"/>
-                  </a:solidFill>
-                  <a:miter lim="800000"/>
-                  <a:headEnd/>
-                  <a:tailEnd/>
-                </a14:hiddenLine>
-              </a:ext>
-            </a:extLst>
-          </p:spPr>
-          <p:txBody>
-            <a:bodyPr/>
-            <a:lstStyle/>
-            <a:p>
-              <a:endParaRPr lang="hu-HU"/>
-            </a:p>
-          </p:txBody>
-        </p:sp>
-        <p:sp>
-          <p:nvSpPr>
-            <p:cNvPr id="64" name="Freeform 22">
-              <a:extLst>
-                <a:ext uri="{FF2B5EF4-FFF2-40B4-BE49-F238E27FC236}">
-                  <a16:creationId xmlns:a16="http://schemas.microsoft.com/office/drawing/2014/main" id="{F238E495-B6C6-4857-899B-CDD584831201}"/>
-                </a:ext>
-                <a:ext uri="{C183D7F6-B498-43B3-948B-1728B52AA6E4}">
-                  <adec:decorative xmlns:adec="http://schemas.microsoft.com/office/drawing/2017/decorative" val="1"/>
-                </a:ext>
-              </a:extLst>
-            </p:cNvPr>
-            <p:cNvSpPr/>
-            <p:nvPr>
-              <p:extLst>
-                <p:ext uri="{386F3935-93C4-4BCD-93E2-E3B085C9AB24}">
-                  <p16:designElem xmlns:p16="http://schemas.microsoft.com/office/powerpoint/2015/main" val="1"/>
-                </p:ext>
-              </p:extLst>
-            </p:nvPr>
-          </p:nvSpPr>
-          <p:spPr bwMode="auto">
-            <a:xfrm>
-              <a:off x="223837" y="5041900"/>
-              <a:ext cx="369888" cy="1801813"/>
-            </a:xfrm>
-            <a:custGeom>
-              <a:avLst/>
-              <a:gdLst/>
-              <a:ahLst/>
-              <a:cxnLst/>
-              <a:rect l="0" t="0" r="r" b="b"/>
-              <a:pathLst>
-                <a:path w="233" h="1135">
-                  <a:moveTo>
-                    <a:pt x="15" y="1135"/>
-                  </a:moveTo>
-                  <a:lnTo>
-                    <a:pt x="0" y="1135"/>
-                  </a:lnTo>
-                  <a:lnTo>
-                    <a:pt x="0" y="515"/>
-                  </a:lnTo>
-                  <a:lnTo>
-                    <a:pt x="0" y="512"/>
-                  </a:lnTo>
-                  <a:lnTo>
-                    <a:pt x="218" y="0"/>
-                  </a:lnTo>
-                  <a:lnTo>
-                    <a:pt x="233" y="6"/>
-                  </a:lnTo>
-                  <a:lnTo>
-                    <a:pt x="15" y="518"/>
-                  </a:lnTo>
-                  <a:lnTo>
-                    <a:pt x="15" y="1135"/>
-                  </a:lnTo>
-                  <a:close/>
-                </a:path>
-              </a:pathLst>
-            </a:custGeom>
-            <a:grpFill/>
-            <a:ln>
-              <a:noFill/>
-            </a:ln>
-            <a:extLst>
-              <a:ext uri="{91240B29-F687-4f45-9708-019B960494DF}">
-                <a14:hiddenLine xmlns="" xmlns:a16="http://schemas.microsoft.com/office/drawing/2014/main" xmlns:p14="http://schemas.microsoft.com/office/powerpoint/2010/main" xmlns:a14="http://schemas.microsoft.com/office/drawing/2010/main" w="9525">
-                  <a:solidFill>
-                    <a:srgbClr val="000000"/>
-                  </a:solidFill>
-                  <a:round/>
-                  <a:headEnd/>
-                  <a:tailEnd/>
-                </a14:hiddenLine>
-              </a:ext>
-            </a:extLst>
-          </p:spPr>
-          <p:txBody>
-            <a:bodyPr/>
-            <a:lstStyle/>
-            <a:p>
-              <a:endParaRPr lang="hu-HU"/>
-            </a:p>
-          </p:txBody>
-        </p:sp>
-        <p:sp>
-          <p:nvSpPr>
-            <p:cNvPr id="65" name="Freeform 23">
-              <a:extLst>
-                <a:ext uri="{FF2B5EF4-FFF2-40B4-BE49-F238E27FC236}">
-                  <a16:creationId xmlns:a16="http://schemas.microsoft.com/office/drawing/2014/main" id="{E20A751E-054C-4EC2-8DA3-0EC923A65888}"/>
-                </a:ext>
-                <a:ext uri="{C183D7F6-B498-43B3-948B-1728B52AA6E4}">
-                  <adec:decorative xmlns:adec="http://schemas.microsoft.com/office/drawing/2017/decorative" val="1"/>
-                </a:ext>
-              </a:extLst>
-            </p:cNvPr>
-            <p:cNvSpPr>
-              <a:spLocks noEditPoints="1"/>
-            </p:cNvSpPr>
-            <p:nvPr>
-              <p:extLst>
-                <p:ext uri="{386F3935-93C4-4BCD-93E2-E3B085C9AB24}">
-                  <p16:designElem xmlns:p16="http://schemas.microsoft.com/office/powerpoint/2015/main" val="1"/>
-                </p:ext>
-              </p:extLst>
-            </p:nvPr>
-          </p:nvSpPr>
-          <p:spPr bwMode="auto">
-            <a:xfrm>
-              <a:off x="52387" y="4481513"/>
-              <a:ext cx="190500" cy="190500"/>
-            </a:xfrm>
-            <a:custGeom>
-              <a:avLst/>
-              <a:gdLst/>
-              <a:ahLst/>
-              <a:cxnLst/>
-              <a:rect l="0" t="0" r="r" b="b"/>
-              <a:pathLst>
-                <a:path w="40" h="40">
-                  <a:moveTo>
-                    <a:pt x="20" y="40"/>
-                  </a:moveTo>
-                  <a:cubicBezTo>
-                    <a:pt x="9" y="40"/>
-                    <a:pt x="0" y="31"/>
-                    <a:pt x="0" y="20"/>
-                  </a:cubicBezTo>
-                  <a:cubicBezTo>
-                    <a:pt x="0" y="9"/>
-                    <a:pt x="9" y="0"/>
-                    <a:pt x="20" y="0"/>
-                  </a:cubicBezTo>
-                  <a:cubicBezTo>
-                    <a:pt x="31" y="0"/>
-                    <a:pt x="40" y="9"/>
-                    <a:pt x="40" y="20"/>
-                  </a:cubicBezTo>
-                  <a:cubicBezTo>
-                    <a:pt x="40" y="31"/>
-                    <a:pt x="31" y="40"/>
-                    <a:pt x="20" y="40"/>
-                  </a:cubicBezTo>
-                  <a:close/>
-                  <a:moveTo>
-                    <a:pt x="20" y="4"/>
-                  </a:moveTo>
-                  <a:cubicBezTo>
-                    <a:pt x="11" y="4"/>
-                    <a:pt x="4" y="11"/>
-                    <a:pt x="4" y="20"/>
-                  </a:cubicBezTo>
-                  <a:cubicBezTo>
-                    <a:pt x="4" y="29"/>
-                    <a:pt x="11" y="36"/>
-                    <a:pt x="20" y="36"/>
-                  </a:cubicBezTo>
-                  <a:cubicBezTo>
-                    <a:pt x="28" y="36"/>
-                    <a:pt x="36" y="29"/>
-                    <a:pt x="36" y="20"/>
-                  </a:cubicBezTo>
-                  <a:cubicBezTo>
-                    <a:pt x="36" y="11"/>
-                    <a:pt x="28" y="4"/>
-                    <a:pt x="20" y="4"/>
-                  </a:cubicBezTo>
-                  <a:close/>
-                </a:path>
-              </a:pathLst>
-            </a:custGeom>
-            <a:grpFill/>
-            <a:ln>
-              <a:noFill/>
-            </a:ln>
-            <a:extLst>
-              <a:ext uri="{91240B29-F687-4f45-9708-019B960494DF}">
-                <a14:hiddenLine xmlns="" xmlns:a16="http://schemas.microsoft.com/office/drawing/2014/main" xmlns:p14="http://schemas.microsoft.com/office/powerpoint/2010/main" xmlns:a14="http://schemas.microsoft.com/office/drawing/2010/main" w="9525">
-                  <a:solidFill>
-                    <a:srgbClr val="000000"/>
-                  </a:solidFill>
-                  <a:round/>
-                  <a:headEnd/>
-                  <a:tailEnd/>
-                </a14:hiddenLine>
-              </a:ext>
-            </a:extLst>
-          </p:spPr>
-          <p:txBody>
-            <a:bodyPr/>
-            <a:lstStyle/>
-            <a:p>
-              <a:endParaRPr lang="hu-HU"/>
-            </a:p>
-          </p:txBody>
-        </p:sp>
-        <p:sp>
-          <p:nvSpPr>
-            <p:cNvPr id="66" name="Freeform 24">
-              <a:extLst>
-                <a:ext uri="{FF2B5EF4-FFF2-40B4-BE49-F238E27FC236}">
-                  <a16:creationId xmlns:a16="http://schemas.microsoft.com/office/drawing/2014/main" id="{B6E8E701-3D21-4E5C-AB6E-9A7404697066}"/>
-                </a:ext>
-                <a:ext uri="{C183D7F6-B498-43B3-948B-1728B52AA6E4}">
-                  <adec:decorative xmlns:adec="http://schemas.microsoft.com/office/drawing/2017/decorative" val="1"/>
-                </a:ext>
-              </a:extLst>
-            </p:cNvPr>
-            <p:cNvSpPr/>
-            <p:nvPr>
-              <p:extLst>
-                <p:ext uri="{386F3935-93C4-4BCD-93E2-E3B085C9AB24}">
-                  <p16:designElem xmlns:p16="http://schemas.microsoft.com/office/powerpoint/2015/main" val="1"/>
-                </p:ext>
-              </p:extLst>
-            </p:nvPr>
-          </p:nvSpPr>
-          <p:spPr bwMode="auto">
-            <a:xfrm>
-              <a:off x="-14288" y="5627688"/>
-              <a:ext cx="85725" cy="1216025"/>
-            </a:xfrm>
-            <a:custGeom>
-              <a:avLst/>
-              <a:gdLst/>
-              <a:ahLst/>
-              <a:cxnLst/>
-              <a:rect l="0" t="0" r="r" b="b"/>
-              <a:pathLst>
-                <a:path w="54" h="766">
-                  <a:moveTo>
-                    <a:pt x="54" y="766"/>
-                  </a:moveTo>
-                  <a:lnTo>
-                    <a:pt x="36" y="766"/>
-                  </a:lnTo>
-                  <a:lnTo>
-                    <a:pt x="36" y="149"/>
-                  </a:lnTo>
-                  <a:lnTo>
-                    <a:pt x="0" y="3"/>
-                  </a:lnTo>
-                  <a:lnTo>
-                    <a:pt x="18" y="0"/>
-                  </a:lnTo>
-                  <a:lnTo>
-                    <a:pt x="54" y="146"/>
-                  </a:lnTo>
-                  <a:lnTo>
-                    <a:pt x="54" y="766"/>
-                  </a:lnTo>
-                  <a:close/>
-                </a:path>
-              </a:pathLst>
-            </a:custGeom>
-            <a:grpFill/>
-            <a:ln>
-              <a:noFill/>
-            </a:ln>
-            <a:extLst>
-              <a:ext uri="{91240B29-F687-4f45-9708-019B960494DF}">
-                <a14:hiddenLine xmlns="" xmlns:a16="http://schemas.microsoft.com/office/drawing/2014/main" xmlns:p14="http://schemas.microsoft.com/office/powerpoint/2010/main" xmlns:a14="http://schemas.microsoft.com/office/drawing/2010/main" w="9525">
-                  <a:solidFill>
-                    <a:srgbClr val="000000"/>
-                  </a:solidFill>
-                  <a:round/>
-                  <a:headEnd/>
-                  <a:tailEnd/>
-                </a14:hiddenLine>
-              </a:ext>
-            </a:extLst>
-          </p:spPr>
-          <p:txBody>
-            <a:bodyPr/>
-            <a:lstStyle/>
-            <a:p>
-              <a:endParaRPr lang="hu-HU"/>
-            </a:p>
-          </p:txBody>
-        </p:sp>
-        <p:sp>
-          <p:nvSpPr>
-            <p:cNvPr id="67" name="Freeform 25">
-              <a:extLst>
-                <a:ext uri="{FF2B5EF4-FFF2-40B4-BE49-F238E27FC236}">
-                  <a16:creationId xmlns:a16="http://schemas.microsoft.com/office/drawing/2014/main" id="{431BDA41-D09D-4984-B888-756F5F81B49E}"/>
-                </a:ext>
-                <a:ext uri="{C183D7F6-B498-43B3-948B-1728B52AA6E4}">
-                  <adec:decorative xmlns:adec="http://schemas.microsoft.com/office/drawing/2017/decorative" val="1"/>
-                </a:ext>
-              </a:extLst>
-            </p:cNvPr>
-            <p:cNvSpPr>
-              <a:spLocks noEditPoints="1"/>
-            </p:cNvSpPr>
-            <p:nvPr>
-              <p:extLst>
-                <p:ext uri="{386F3935-93C4-4BCD-93E2-E3B085C9AB24}">
-                  <p16:designElem xmlns:p16="http://schemas.microsoft.com/office/powerpoint/2015/main" val="1"/>
-                </p:ext>
-              </p:extLst>
-            </p:nvPr>
-          </p:nvSpPr>
-          <p:spPr bwMode="auto">
-            <a:xfrm>
-              <a:off x="527050" y="4867275"/>
-              <a:ext cx="190500" cy="188913"/>
-            </a:xfrm>
-            <a:custGeom>
-              <a:avLst/>
-              <a:gdLst/>
-              <a:ahLst/>
-              <a:cxnLst/>
-              <a:rect l="0" t="0" r="r" b="b"/>
-              <a:pathLst>
-                <a:path w="40" h="40">
-                  <a:moveTo>
-                    <a:pt x="20" y="40"/>
-                  </a:moveTo>
-                  <a:cubicBezTo>
-                    <a:pt x="9" y="40"/>
-                    <a:pt x="0" y="31"/>
-                    <a:pt x="0" y="20"/>
-                  </a:cubicBezTo>
-                  <a:cubicBezTo>
-                    <a:pt x="0" y="9"/>
-                    <a:pt x="9" y="0"/>
-                    <a:pt x="20" y="0"/>
-                  </a:cubicBezTo>
-                  <a:cubicBezTo>
-                    <a:pt x="31" y="0"/>
-                    <a:pt x="40" y="9"/>
-                    <a:pt x="40" y="20"/>
-                  </a:cubicBezTo>
-                  <a:cubicBezTo>
-                    <a:pt x="40" y="31"/>
-                    <a:pt x="31" y="40"/>
-                    <a:pt x="20" y="40"/>
-                  </a:cubicBezTo>
-                  <a:close/>
-                  <a:moveTo>
-                    <a:pt x="20" y="4"/>
-                  </a:moveTo>
-                  <a:cubicBezTo>
-                    <a:pt x="11" y="4"/>
-                    <a:pt x="4" y="11"/>
-                    <a:pt x="4" y="20"/>
-                  </a:cubicBezTo>
-                  <a:cubicBezTo>
-                    <a:pt x="4" y="29"/>
-                    <a:pt x="11" y="36"/>
-                    <a:pt x="20" y="36"/>
-                  </a:cubicBezTo>
-                  <a:cubicBezTo>
-                    <a:pt x="29" y="36"/>
-                    <a:pt x="36" y="29"/>
-                    <a:pt x="36" y="20"/>
-                  </a:cubicBezTo>
-                  <a:cubicBezTo>
-                    <a:pt x="36" y="11"/>
-                    <a:pt x="29" y="4"/>
-                    <a:pt x="20" y="4"/>
-                  </a:cubicBezTo>
-                  <a:close/>
-                </a:path>
-              </a:pathLst>
-            </a:custGeom>
-            <a:grpFill/>
-            <a:ln>
-              <a:noFill/>
-            </a:ln>
-            <a:extLst>
-              <a:ext uri="{91240B29-F687-4f45-9708-019B960494DF}">
-                <a14:hiddenLine xmlns="" xmlns:a16="http://schemas.microsoft.com/office/drawing/2014/main" xmlns:p14="http://schemas.microsoft.com/office/powerpoint/2010/main" xmlns:a14="http://schemas.microsoft.com/office/drawing/2010/main" w="9525">
-                  <a:solidFill>
-                    <a:srgbClr val="000000"/>
-                  </a:solidFill>
-                  <a:round/>
-                  <a:headEnd/>
-                  <a:tailEnd/>
-                </a14:hiddenLine>
-              </a:ext>
-            </a:extLst>
-          </p:spPr>
-          <p:txBody>
-            <a:bodyPr/>
-            <a:lstStyle/>
-            <a:p>
-              <a:endParaRPr lang="hu-HU"/>
-            </a:p>
-          </p:txBody>
-        </p:sp>
-        <p:sp>
-          <p:nvSpPr>
-            <p:cNvPr id="68" name="Freeform 26">
-              <a:extLst>
-                <a:ext uri="{FF2B5EF4-FFF2-40B4-BE49-F238E27FC236}">
-                  <a16:creationId xmlns:a16="http://schemas.microsoft.com/office/drawing/2014/main" id="{0DC943D2-20E4-4C00-82D2-D405A7C00BBE}"/>
-                </a:ext>
-                <a:ext uri="{C183D7F6-B498-43B3-948B-1728B52AA6E4}">
-                  <adec:decorative xmlns:adec="http://schemas.microsoft.com/office/drawing/2017/decorative" val="1"/>
-                </a:ext>
-              </a:extLst>
-            </p:cNvPr>
-            <p:cNvSpPr/>
-            <p:nvPr>
-              <p:extLst>
-                <p:ext uri="{386F3935-93C4-4BCD-93E2-E3B085C9AB24}">
-                  <p16:designElem xmlns:p16="http://schemas.microsoft.com/office/powerpoint/2015/main" val="1"/>
-                </p:ext>
-              </p:extLst>
-            </p:nvPr>
-          </p:nvSpPr>
-          <p:spPr bwMode="auto">
-            <a:xfrm>
-              <a:off x="309562" y="5422900"/>
-              <a:ext cx="374650" cy="1425575"/>
-            </a:xfrm>
-            <a:custGeom>
-              <a:avLst/>
-              <a:gdLst/>
-              <a:ahLst/>
-              <a:cxnLst/>
-              <a:rect l="0" t="0" r="r" b="b"/>
-              <a:pathLst>
-                <a:path w="236" h="898">
-                  <a:moveTo>
-                    <a:pt x="18" y="898"/>
-                  </a:moveTo>
-                  <a:lnTo>
-                    <a:pt x="0" y="898"/>
-                  </a:lnTo>
-                  <a:lnTo>
-                    <a:pt x="0" y="515"/>
-                  </a:lnTo>
-                  <a:lnTo>
-                    <a:pt x="3" y="512"/>
-                  </a:lnTo>
-                  <a:lnTo>
-                    <a:pt x="221" y="0"/>
-                  </a:lnTo>
-                  <a:lnTo>
-                    <a:pt x="236" y="6"/>
-                  </a:lnTo>
-                  <a:lnTo>
-                    <a:pt x="18" y="518"/>
-                  </a:lnTo>
-                  <a:lnTo>
-                    <a:pt x="18" y="898"/>
-                  </a:lnTo>
-                  <a:close/>
-                </a:path>
-              </a:pathLst>
-            </a:custGeom>
-            <a:grpFill/>
-            <a:ln>
-              <a:noFill/>
-            </a:ln>
-            <a:extLst>
-              <a:ext uri="{91240B29-F687-4f45-9708-019B960494DF}">
-                <a14:hiddenLine xmlns="" xmlns:a16="http://schemas.microsoft.com/office/drawing/2014/main" xmlns:p14="http://schemas.microsoft.com/office/powerpoint/2010/main" xmlns:a14="http://schemas.microsoft.com/office/drawing/2010/main" w="9525">
-                  <a:solidFill>
-                    <a:srgbClr val="000000"/>
-                  </a:solidFill>
-                  <a:round/>
-                  <a:headEnd/>
-                  <a:tailEnd/>
-                </a14:hiddenLine>
-              </a:ext>
-            </a:extLst>
-          </p:spPr>
-          <p:txBody>
-            <a:bodyPr/>
-            <a:lstStyle/>
-            <a:p>
-              <a:endParaRPr lang="hu-HU"/>
-            </a:p>
-          </p:txBody>
-        </p:sp>
-        <p:sp>
-          <p:nvSpPr>
-            <p:cNvPr id="69" name="Freeform 27">
-              <a:extLst>
-                <a:ext uri="{FF2B5EF4-FFF2-40B4-BE49-F238E27FC236}">
-                  <a16:creationId xmlns:a16="http://schemas.microsoft.com/office/drawing/2014/main" id="{4BC34A74-80A2-4DE1-8ADC-BBD1709035BA}"/>
-                </a:ext>
-                <a:ext uri="{C183D7F6-B498-43B3-948B-1728B52AA6E4}">
-                  <adec:decorative xmlns:adec="http://schemas.microsoft.com/office/drawing/2017/decorative" val="1"/>
-                </a:ext>
-              </a:extLst>
-            </p:cNvPr>
-            <p:cNvSpPr/>
-            <p:nvPr>
-              <p:extLst>
-                <p:ext uri="{386F3935-93C4-4BCD-93E2-E3B085C9AB24}">
-                  <p16:designElem xmlns:p16="http://schemas.microsoft.com/office/powerpoint/2015/main" val="1"/>
-                </p:ext>
-              </p:extLst>
-            </p:nvPr>
-          </p:nvSpPr>
-          <p:spPr bwMode="auto">
-            <a:xfrm>
-              <a:off x="569912" y="5945188"/>
-              <a:ext cx="152400" cy="912813"/>
-            </a:xfrm>
-            <a:custGeom>
-              <a:avLst/>
-              <a:gdLst/>
-              <a:ahLst/>
-              <a:cxnLst/>
-              <a:rect l="0" t="0" r="r" b="b"/>
-              <a:pathLst>
-                <a:path w="96" h="575">
-                  <a:moveTo>
-                    <a:pt x="15" y="575"/>
-                  </a:moveTo>
-                  <a:lnTo>
-                    <a:pt x="0" y="569"/>
-                  </a:lnTo>
-                  <a:lnTo>
-                    <a:pt x="81" y="383"/>
-                  </a:lnTo>
-                  <a:lnTo>
-                    <a:pt x="81" y="0"/>
-                  </a:lnTo>
-                  <a:lnTo>
-                    <a:pt x="96" y="0"/>
-                  </a:lnTo>
-                  <a:lnTo>
-                    <a:pt x="96" y="386"/>
-                  </a:lnTo>
-                  <a:lnTo>
-                    <a:pt x="15" y="575"/>
-                  </a:lnTo>
-                  <a:close/>
-                </a:path>
-              </a:pathLst>
-            </a:custGeom>
-            <a:grpFill/>
-            <a:ln>
-              <a:noFill/>
-            </a:ln>
-            <a:extLst>
-              <a:ext uri="{91240B29-F687-4f45-9708-019B960494DF}">
-                <a14:hiddenLine xmlns="" xmlns:a16="http://schemas.microsoft.com/office/drawing/2014/main" xmlns:p14="http://schemas.microsoft.com/office/powerpoint/2010/main" xmlns:a14="http://schemas.microsoft.com/office/drawing/2010/main" w="9525">
-                  <a:solidFill>
-                    <a:srgbClr val="000000"/>
-                  </a:solidFill>
-                  <a:round/>
-                  <a:headEnd/>
-                  <a:tailEnd/>
-                </a14:hiddenLine>
-              </a:ext>
-            </a:extLst>
-          </p:spPr>
-          <p:txBody>
-            <a:bodyPr/>
-            <a:lstStyle/>
-            <a:p>
-              <a:endParaRPr lang="hu-HU"/>
-            </a:p>
-          </p:txBody>
-        </p:sp>
-        <p:sp>
-          <p:nvSpPr>
-            <p:cNvPr id="70" name="Freeform 28">
-              <a:extLst>
-                <a:ext uri="{FF2B5EF4-FFF2-40B4-BE49-F238E27FC236}">
-                  <a16:creationId xmlns:a16="http://schemas.microsoft.com/office/drawing/2014/main" id="{C6C3CA25-431F-4E26-952D-4AA9C4C725CF}"/>
-                </a:ext>
-                <a:ext uri="{C183D7F6-B498-43B3-948B-1728B52AA6E4}">
-                  <adec:decorative xmlns:adec="http://schemas.microsoft.com/office/drawing/2017/decorative" val="1"/>
-                </a:ext>
-              </a:extLst>
-            </p:cNvPr>
-            <p:cNvSpPr>
-              <a:spLocks noEditPoints="1"/>
-            </p:cNvSpPr>
-            <p:nvPr>
-              <p:extLst>
-                <p:ext uri="{386F3935-93C4-4BCD-93E2-E3B085C9AB24}">
-                  <p16:designElem xmlns:p16="http://schemas.microsoft.com/office/powerpoint/2015/main" val="1"/>
-                </p:ext>
-              </p:extLst>
-            </p:nvPr>
-          </p:nvSpPr>
-          <p:spPr bwMode="auto">
-            <a:xfrm>
-              <a:off x="612775" y="5246688"/>
-              <a:ext cx="190500" cy="190500"/>
-            </a:xfrm>
-            <a:custGeom>
-              <a:avLst/>
-              <a:gdLst/>
-              <a:ahLst/>
-              <a:cxnLst/>
-              <a:rect l="0" t="0" r="r" b="b"/>
-              <a:pathLst>
-                <a:path w="40" h="40">
-                  <a:moveTo>
-                    <a:pt x="20" y="40"/>
-                  </a:moveTo>
-                  <a:cubicBezTo>
-                    <a:pt x="9" y="40"/>
-                    <a:pt x="0" y="31"/>
-                    <a:pt x="0" y="20"/>
-                  </a:cubicBezTo>
-                  <a:cubicBezTo>
-                    <a:pt x="0" y="9"/>
-                    <a:pt x="9" y="0"/>
-                    <a:pt x="20" y="0"/>
-                  </a:cubicBezTo>
-                  <a:cubicBezTo>
-                    <a:pt x="31" y="0"/>
-                    <a:pt x="40" y="9"/>
-                    <a:pt x="40" y="20"/>
-                  </a:cubicBezTo>
-                  <a:cubicBezTo>
-                    <a:pt x="40" y="31"/>
-                    <a:pt x="31" y="40"/>
-                    <a:pt x="20" y="40"/>
-                  </a:cubicBezTo>
-                  <a:close/>
-                  <a:moveTo>
-                    <a:pt x="20" y="4"/>
-                  </a:moveTo>
-                  <a:cubicBezTo>
-                    <a:pt x="12" y="4"/>
-                    <a:pt x="4" y="11"/>
-                    <a:pt x="4" y="20"/>
-                  </a:cubicBezTo>
-                  <a:cubicBezTo>
-                    <a:pt x="4" y="29"/>
-                    <a:pt x="12" y="36"/>
-                    <a:pt x="20" y="36"/>
-                  </a:cubicBezTo>
-                  <a:cubicBezTo>
-                    <a:pt x="29" y="36"/>
-                    <a:pt x="36" y="29"/>
-                    <a:pt x="36" y="20"/>
-                  </a:cubicBezTo>
-                  <a:cubicBezTo>
-                    <a:pt x="36" y="11"/>
-                    <a:pt x="29" y="4"/>
-                    <a:pt x="20" y="4"/>
-                  </a:cubicBezTo>
-                  <a:close/>
-                </a:path>
-              </a:pathLst>
-            </a:custGeom>
-            <a:grpFill/>
-            <a:ln>
-              <a:noFill/>
-            </a:ln>
-            <a:extLst>
-              <a:ext uri="{91240B29-F687-4f45-9708-019B960494DF}">
-                <a14:hiddenLine xmlns="" xmlns:a16="http://schemas.microsoft.com/office/drawing/2014/main" xmlns:p14="http://schemas.microsoft.com/office/powerpoint/2010/main" xmlns:a14="http://schemas.microsoft.com/office/drawing/2010/main" w="9525">
-                  <a:solidFill>
-                    <a:srgbClr val="000000"/>
-                  </a:solidFill>
-                  <a:round/>
-                  <a:headEnd/>
-                  <a:tailEnd/>
-                </a14:hiddenLine>
-              </a:ext>
-            </a:extLst>
-          </p:spPr>
-          <p:txBody>
-            <a:bodyPr/>
-            <a:lstStyle/>
-            <a:p>
-              <a:endParaRPr lang="hu-HU"/>
-            </a:p>
-          </p:txBody>
-        </p:sp>
-        <p:sp>
-          <p:nvSpPr>
-            <p:cNvPr id="71" name="Freeform 29">
-              <a:extLst>
-                <a:ext uri="{FF2B5EF4-FFF2-40B4-BE49-F238E27FC236}">
-                  <a16:creationId xmlns:a16="http://schemas.microsoft.com/office/drawing/2014/main" id="{776D1836-82AE-40EF-9829-C6B8D2CF0258}"/>
-                </a:ext>
-                <a:ext uri="{C183D7F6-B498-43B3-948B-1728B52AA6E4}">
-                  <adec:decorative xmlns:adec="http://schemas.microsoft.com/office/drawing/2017/decorative" val="1"/>
-                </a:ext>
-              </a:extLst>
-            </p:cNvPr>
-            <p:cNvSpPr>
-              <a:spLocks noEditPoints="1"/>
-            </p:cNvSpPr>
-            <p:nvPr>
-              <p:extLst>
-                <p:ext uri="{386F3935-93C4-4BCD-93E2-E3B085C9AB24}">
-                  <p16:designElem xmlns:p16="http://schemas.microsoft.com/office/powerpoint/2015/main" val="1"/>
-                </p:ext>
-              </p:extLst>
-            </p:nvPr>
-          </p:nvSpPr>
-          <p:spPr bwMode="auto">
-            <a:xfrm>
-              <a:off x="612775" y="5764213"/>
-              <a:ext cx="190500" cy="190500"/>
-            </a:xfrm>
-            <a:custGeom>
-              <a:avLst/>
-              <a:gdLst/>
-              <a:ahLst/>
-              <a:cxnLst/>
-              <a:rect l="0" t="0" r="r" b="b"/>
-              <a:pathLst>
-                <a:path w="40" h="40">
-                  <a:moveTo>
-                    <a:pt x="20" y="40"/>
-                  </a:moveTo>
-                  <a:cubicBezTo>
-                    <a:pt x="9" y="40"/>
-                    <a:pt x="0" y="31"/>
-                    <a:pt x="0" y="20"/>
-                  </a:cubicBezTo>
-                  <a:cubicBezTo>
-                    <a:pt x="0" y="9"/>
-                    <a:pt x="9" y="0"/>
-                    <a:pt x="20" y="0"/>
-                  </a:cubicBezTo>
-                  <a:cubicBezTo>
-                    <a:pt x="31" y="0"/>
-                    <a:pt x="40" y="9"/>
-                    <a:pt x="40" y="20"/>
-                  </a:cubicBezTo>
-                  <a:cubicBezTo>
-                    <a:pt x="40" y="31"/>
-                    <a:pt x="31" y="40"/>
-                    <a:pt x="20" y="40"/>
-                  </a:cubicBezTo>
-                  <a:close/>
-                  <a:moveTo>
-                    <a:pt x="20" y="4"/>
-                  </a:moveTo>
-                  <a:cubicBezTo>
-                    <a:pt x="12" y="4"/>
-                    <a:pt x="4" y="11"/>
-                    <a:pt x="4" y="20"/>
-                  </a:cubicBezTo>
-                  <a:cubicBezTo>
-                    <a:pt x="4" y="29"/>
-                    <a:pt x="12" y="36"/>
-                    <a:pt x="20" y="36"/>
-                  </a:cubicBezTo>
-                  <a:cubicBezTo>
-                    <a:pt x="29" y="36"/>
-                    <a:pt x="36" y="29"/>
-                    <a:pt x="36" y="20"/>
-                  </a:cubicBezTo>
-                  <a:cubicBezTo>
-                    <a:pt x="36" y="11"/>
-                    <a:pt x="29" y="4"/>
-                    <a:pt x="20" y="4"/>
-                  </a:cubicBezTo>
-                  <a:close/>
-                </a:path>
-              </a:pathLst>
-            </a:custGeom>
-            <a:grpFill/>
-            <a:ln>
-              <a:noFill/>
-            </a:ln>
-            <a:extLst>
-              <a:ext uri="{91240B29-F687-4f45-9708-019B960494DF}">
-                <a14:hiddenLine xmlns="" xmlns:a16="http://schemas.microsoft.com/office/drawing/2014/main" xmlns:p14="http://schemas.microsoft.com/office/powerpoint/2010/main" xmlns:a14="http://schemas.microsoft.com/office/drawing/2010/main" w="9525">
-                  <a:solidFill>
-                    <a:srgbClr val="000000"/>
-                  </a:solidFill>
-                  <a:round/>
-                  <a:headEnd/>
-                  <a:tailEnd/>
-                </a14:hiddenLine>
-              </a:ext>
-            </a:extLst>
-          </p:spPr>
-          <p:txBody>
-            <a:bodyPr/>
-            <a:lstStyle/>
-            <a:p>
-              <a:endParaRPr lang="hu-HU"/>
-            </a:p>
-          </p:txBody>
-        </p:sp>
-        <p:sp>
-          <p:nvSpPr>
-            <p:cNvPr id="72" name="Freeform 30">
-              <a:extLst>
-                <a:ext uri="{FF2B5EF4-FFF2-40B4-BE49-F238E27FC236}">
-                  <a16:creationId xmlns:a16="http://schemas.microsoft.com/office/drawing/2014/main" id="{9A8E397E-ADF9-45C1-98F4-3F5A86378B6F}"/>
-                </a:ext>
-                <a:ext uri="{C183D7F6-B498-43B3-948B-1728B52AA6E4}">
-                  <adec:decorative xmlns:adec="http://schemas.microsoft.com/office/drawing/2017/decorative" val="1"/>
-                </a:ext>
-              </a:extLst>
-            </p:cNvPr>
-            <p:cNvSpPr/>
-            <p:nvPr>
-              <p:extLst>
-                <p:ext uri="{386F3935-93C4-4BCD-93E2-E3B085C9AB24}">
-                  <p16:designElem xmlns:p16="http://schemas.microsoft.com/office/powerpoint/2015/main" val="1"/>
-                </p:ext>
-              </p:extLst>
-            </p:nvPr>
-          </p:nvSpPr>
-          <p:spPr bwMode="auto">
-            <a:xfrm>
-              <a:off x="669925" y="6330950"/>
-              <a:ext cx="417513" cy="517525"/>
-            </a:xfrm>
-            <a:custGeom>
-              <a:avLst/>
-              <a:gdLst/>
-              <a:ahLst/>
-              <a:cxnLst/>
-              <a:rect l="0" t="0" r="r" b="b"/>
-              <a:pathLst>
-                <a:path w="263" h="326">
-                  <a:moveTo>
-                    <a:pt x="15" y="326"/>
-                  </a:moveTo>
-                  <a:lnTo>
-                    <a:pt x="0" y="320"/>
-                  </a:lnTo>
-                  <a:lnTo>
-                    <a:pt x="45" y="206"/>
-                  </a:lnTo>
-                  <a:lnTo>
-                    <a:pt x="48" y="206"/>
-                  </a:lnTo>
-                  <a:lnTo>
-                    <a:pt x="254" y="0"/>
-                  </a:lnTo>
-                  <a:lnTo>
-                    <a:pt x="263" y="12"/>
-                  </a:lnTo>
-                  <a:lnTo>
-                    <a:pt x="60" y="215"/>
-                  </a:lnTo>
-                  <a:lnTo>
-                    <a:pt x="15" y="326"/>
-                  </a:lnTo>
-                  <a:close/>
-                </a:path>
-              </a:pathLst>
-            </a:custGeom>
-            <a:grpFill/>
-            <a:ln>
-              <a:noFill/>
-            </a:ln>
-            <a:extLst>
-              <a:ext uri="{91240B29-F687-4f45-9708-019B960494DF}">
-                <a14:hiddenLine xmlns="" xmlns:a16="http://schemas.microsoft.com/office/drawing/2014/main" xmlns:p14="http://schemas.microsoft.com/office/powerpoint/2010/main" xmlns:a14="http://schemas.microsoft.com/office/drawing/2010/main" w="9525">
-                  <a:solidFill>
-                    <a:srgbClr val="000000"/>
-                  </a:solidFill>
-                  <a:round/>
-                  <a:headEnd/>
-                  <a:tailEnd/>
-                </a14:hiddenLine>
-              </a:ext>
-            </a:extLst>
-          </p:spPr>
-          <p:txBody>
-            <a:bodyPr/>
-            <a:lstStyle/>
-            <a:p>
-              <a:endParaRPr lang="hu-HU"/>
-            </a:p>
-          </p:txBody>
-        </p:sp>
-        <p:sp>
-          <p:nvSpPr>
-            <p:cNvPr id="73" name="Freeform 31">
-              <a:extLst>
-                <a:ext uri="{FF2B5EF4-FFF2-40B4-BE49-F238E27FC236}">
-                  <a16:creationId xmlns:a16="http://schemas.microsoft.com/office/drawing/2014/main" id="{DE07CFD9-357F-40BC-A792-CE874BFE5094}"/>
-                </a:ext>
-                <a:ext uri="{C183D7F6-B498-43B3-948B-1728B52AA6E4}">
-                  <adec:decorative xmlns:adec="http://schemas.microsoft.com/office/drawing/2017/decorative" val="1"/>
-                </a:ext>
-              </a:extLst>
-            </p:cNvPr>
-            <p:cNvSpPr>
-              <a:spLocks noEditPoints="1"/>
-            </p:cNvSpPr>
-            <p:nvPr>
-              <p:extLst>
-                <p:ext uri="{386F3935-93C4-4BCD-93E2-E3B085C9AB24}">
-                  <p16:designElem xmlns:p16="http://schemas.microsoft.com/office/powerpoint/2015/main" val="1"/>
-                </p:ext>
-              </p:extLst>
-            </p:nvPr>
-          </p:nvSpPr>
-          <p:spPr bwMode="auto">
-            <a:xfrm>
-              <a:off x="1049337" y="6221413"/>
-              <a:ext cx="157163" cy="147638"/>
-            </a:xfrm>
-            <a:custGeom>
-              <a:avLst/>
-              <a:gdLst/>
-              <a:ahLst/>
-              <a:cxnLst/>
-              <a:rect l="0" t="0" r="r" b="b"/>
-              <a:pathLst>
-                <a:path w="33" h="31">
-                  <a:moveTo>
-                    <a:pt x="16" y="31"/>
-                  </a:moveTo>
-                  <a:cubicBezTo>
-                    <a:pt x="12" y="31"/>
-                    <a:pt x="8" y="29"/>
-                    <a:pt x="5" y="26"/>
-                  </a:cubicBezTo>
-                  <a:cubicBezTo>
-                    <a:pt x="2" y="24"/>
-                    <a:pt x="0" y="20"/>
-                    <a:pt x="0" y="15"/>
-                  </a:cubicBezTo>
-                  <a:cubicBezTo>
-                    <a:pt x="0" y="11"/>
-                    <a:pt x="2" y="7"/>
-                    <a:pt x="5" y="4"/>
-                  </a:cubicBezTo>
-                  <a:cubicBezTo>
-                    <a:pt x="8" y="1"/>
-                    <a:pt x="12" y="0"/>
-                    <a:pt x="16" y="0"/>
-                  </a:cubicBezTo>
-                  <a:cubicBezTo>
-                    <a:pt x="20" y="0"/>
-                    <a:pt x="24" y="1"/>
-                    <a:pt x="27" y="4"/>
-                  </a:cubicBezTo>
-                  <a:cubicBezTo>
-                    <a:pt x="33" y="10"/>
-                    <a:pt x="33" y="20"/>
-                    <a:pt x="27" y="26"/>
-                  </a:cubicBezTo>
-                  <a:cubicBezTo>
-                    <a:pt x="24" y="29"/>
-                    <a:pt x="20" y="31"/>
-                    <a:pt x="16" y="31"/>
-                  </a:cubicBezTo>
-                  <a:close/>
-                  <a:moveTo>
-                    <a:pt x="16" y="4"/>
-                  </a:moveTo>
-                  <a:cubicBezTo>
-                    <a:pt x="13" y="4"/>
-                    <a:pt x="10" y="5"/>
-                    <a:pt x="8" y="7"/>
-                  </a:cubicBezTo>
-                  <a:cubicBezTo>
-                    <a:pt x="6" y="9"/>
-                    <a:pt x="4" y="12"/>
-                    <a:pt x="4" y="15"/>
-                  </a:cubicBezTo>
-                  <a:cubicBezTo>
-                    <a:pt x="4" y="19"/>
-                    <a:pt x="6" y="21"/>
-                    <a:pt x="8" y="24"/>
-                  </a:cubicBezTo>
-                  <a:cubicBezTo>
-                    <a:pt x="10" y="26"/>
-                    <a:pt x="13" y="27"/>
-                    <a:pt x="16" y="27"/>
-                  </a:cubicBezTo>
-                  <a:cubicBezTo>
-                    <a:pt x="19" y="27"/>
-                    <a:pt x="22" y="26"/>
-                    <a:pt x="24" y="24"/>
-                  </a:cubicBezTo>
-                  <a:cubicBezTo>
-                    <a:pt x="29" y="19"/>
-                    <a:pt x="29" y="12"/>
-                    <a:pt x="24" y="7"/>
-                  </a:cubicBezTo>
-                  <a:cubicBezTo>
-                    <a:pt x="22" y="5"/>
-                    <a:pt x="19" y="4"/>
-                    <a:pt x="16" y="4"/>
-                  </a:cubicBezTo>
-                  <a:close/>
-                </a:path>
-              </a:pathLst>
-            </a:custGeom>
-            <a:grpFill/>
-            <a:ln>
-              <a:noFill/>
-            </a:ln>
-            <a:extLst>
-              <a:ext uri="{91240B29-F687-4f45-9708-019B960494DF}">
-                <a14:hiddenLine xmlns="" xmlns:a16="http://schemas.microsoft.com/office/drawing/2014/main" xmlns:p14="http://schemas.microsoft.com/office/powerpoint/2010/main" xmlns:a14="http://schemas.microsoft.com/office/drawing/2010/main" w="9525">
-                  <a:solidFill>
-                    <a:srgbClr val="000000"/>
-                  </a:solidFill>
-                  <a:round/>
-                  <a:headEnd/>
-                  <a:tailEnd/>
-                </a14:hiddenLine>
-              </a:ext>
-            </a:extLst>
-          </p:spPr>
-          <p:txBody>
-            <a:bodyPr/>
-            <a:lstStyle/>
-            <a:p>
-              <a:endParaRPr lang="hu-HU"/>
-            </a:p>
-          </p:txBody>
-        </p:sp>
-      </p:grpSp>
       <p:sp>
         <p:nvSpPr>
           <p:cNvPr id="2" name="Cím 1">
@@ -35821,8 +33146,8 @@
         </p:nvSpPr>
         <p:spPr>
           <a:xfrm>
-            <a:off x="1141413" y="1082673"/>
-            <a:ext cx="2869416" cy="4708528"/>
+            <a:off x="1141413" y="618518"/>
+            <a:ext cx="9905998" cy="1478570"/>
           </a:xfrm>
         </p:spPr>
         <p:txBody>
@@ -35831,68 +33156,63 @@
           </a:bodyPr>
           <a:lstStyle/>
           <a:p>
-            <a:pPr algn="r"/>
+            <a:pPr algn="ctr"/>
             <a:r>
-              <a:rPr lang="hu-HU" sz="4000"/>
+              <a:rPr lang="hu-HU"/>
               <a:t>Openshift integráció</a:t>
             </a:r>
           </a:p>
         </p:txBody>
       </p:sp>
-      <p:cxnSp>
-        <p:nvCxnSpPr>
-          <p:cNvPr id="75" name="Straight Connector 74">
+      <p:pic>
+        <p:nvPicPr>
+          <p:cNvPr id="7" name="Kép 6">
             <a:extLst>
               <a:ext uri="{FF2B5EF4-FFF2-40B4-BE49-F238E27FC236}">
-                <a16:creationId xmlns:a16="http://schemas.microsoft.com/office/drawing/2014/main" id="{085ECEC0-FF5D-4348-92C7-1EA7C61E770C}"/>
-              </a:ext>
-              <a:ext uri="{C183D7F6-B498-43B3-948B-1728B52AA6E4}">
-                <adec:decorative xmlns:adec="http://schemas.microsoft.com/office/drawing/2017/decorative" val="1"/>
+                <a16:creationId xmlns:a16="http://schemas.microsoft.com/office/drawing/2014/main" id="{0846712B-485D-8B66-8AF1-F2FB19FF71AA}"/>
               </a:ext>
             </a:extLst>
           </p:cNvPr>
-          <p:cNvCxnSpPr>
-            <a:cxnSpLocks noGrp="1" noRot="1" noChangeAspect="1" noMove="1" noResize="1" noEditPoints="1" noAdjustHandles="1" noChangeArrowheads="1" noChangeShapeType="1"/>
-          </p:cNvCxnSpPr>
-          <p:nvPr>
-            <p:extLst>
-              <p:ext uri="{386F3935-93C4-4BCD-93E2-E3B085C9AB24}">
-                <p16:designElem xmlns:p16="http://schemas.microsoft.com/office/powerpoint/2015/main" val="1"/>
-              </p:ext>
-            </p:extLst>
-          </p:nvPr>
-        </p:nvCxnSpPr>
+          <p:cNvPicPr>
+            <a:picLocks noChangeAspect="1"/>
+          </p:cNvPicPr>
+          <p:nvPr/>
+        </p:nvPicPr>
+        <p:blipFill>
+          <a:blip r:embed="rId3"/>
+          <a:srcRect r="52199" b="-1"/>
+          <a:stretch/>
+        </p:blipFill>
         <p:spPr>
           <a:xfrm>
-            <a:off x="4654296" y="1454684"/>
-            <a:ext cx="0" cy="3649129"/>
+            <a:off x="1141412" y="2497720"/>
+            <a:ext cx="4662140" cy="3047892"/>
           </a:xfrm>
-          <a:prstGeom prst="line">
-            <a:avLst/>
+          <a:prstGeom prst="round2DiagRect">
+            <a:avLst>
+              <a:gd name="adj1" fmla="val 4860"/>
+              <a:gd name="adj2" fmla="val 0"/>
+            </a:avLst>
           </a:prstGeom>
-          <a:ln w="25400">
+          <a:ln w="19050" cap="sq">
             <a:solidFill>
-              <a:schemeClr val="tx1">
-                <a:alpha val="70000"/>
+              <a:schemeClr val="tx2">
+                <a:lumMod val="60000"/>
+                <a:lumOff val="40000"/>
+                <a:alpha val="60000"/>
               </a:schemeClr>
             </a:solidFill>
+            <a:miter lim="800000"/>
           </a:ln>
+          <a:effectLst>
+            <a:outerShdw blurRad="88900" dist="38100" dir="5400000" algn="t" rotWithShape="0">
+              <a:prstClr val="black">
+                <a:alpha val="40000"/>
+              </a:prstClr>
+            </a:outerShdw>
+          </a:effectLst>
         </p:spPr>
-        <p:style>
-          <a:lnRef idx="1">
-            <a:schemeClr val="accent1"/>
-          </a:lnRef>
-          <a:fillRef idx="0">
-            <a:schemeClr val="accent1"/>
-          </a:fillRef>
-          <a:effectRef idx="0">
-            <a:schemeClr val="accent1"/>
-          </a:effectRef>
-          <a:fontRef idx="minor">
-            <a:schemeClr val="tx1"/>
-          </a:fontRef>
-        </p:style>
-      </p:cxnSp>
+      </p:pic>
       <p:sp>
         <p:nvSpPr>
           <p:cNvPr id="3" name="Tartalom helye 2">
@@ -35911,8 +33231,8 @@
         </p:nvSpPr>
         <p:spPr>
           <a:xfrm>
-            <a:off x="5297763" y="1082673"/>
-            <a:ext cx="5751237" cy="4708528"/>
+            <a:off x="6204479" y="2249487"/>
+            <a:ext cx="4844521" cy="3541714"/>
           </a:xfrm>
         </p:spPr>
         <p:txBody>
@@ -35922,1088 +33242,71 @@
           <a:lstStyle/>
           <a:p>
             <a:pPr>
+              <a:lnSpc>
+                <a:spcPct val="110000"/>
+              </a:lnSpc>
               <a:buFont typeface="Arial" panose="020B0604020202020204" pitchFamily="34" charset="0"/>
               <a:buChar char="•"/>
             </a:pPr>
             <a:r>
-              <a:rPr lang="hu-HU" sz="1800"/>
+              <a:rPr lang="hu-HU"/>
               <a:t>NodeJS 18 és Java 17 builder image</a:t>
             </a:r>
           </a:p>
           <a:p>
             <a:pPr>
+              <a:lnSpc>
+                <a:spcPct val="110000"/>
+              </a:lnSpc>
               <a:buFont typeface="Arial" panose="020B0604020202020204" pitchFamily="34" charset="0"/>
               <a:buChar char="•"/>
             </a:pPr>
             <a:r>
-              <a:rPr lang="hu-HU" sz="1800"/>
+              <a:rPr lang="hu-HU"/>
               <a:t>Webhook-alapú CI/CD pipeline</a:t>
             </a:r>
           </a:p>
           <a:p>
             <a:pPr>
+              <a:lnSpc>
+                <a:spcPct val="110000"/>
+              </a:lnSpc>
               <a:buFont typeface="Arial" panose="020B0604020202020204" pitchFamily="34" charset="0"/>
               <a:buChar char="•"/>
             </a:pPr>
             <a:r>
-              <a:rPr lang="hu-HU" sz="1800"/>
+              <a:rPr lang="hu-HU"/>
               <a:t>Külön context dir (frontend/backend)</a:t>
             </a:r>
           </a:p>
           <a:p>
             <a:pPr>
+              <a:lnSpc>
+                <a:spcPct val="110000"/>
+              </a:lnSpc>
               <a:buFont typeface="Arial" panose="020B0604020202020204" pitchFamily="34" charset="0"/>
               <a:buChar char="•"/>
             </a:pPr>
             <a:r>
-              <a:rPr lang="hu-HU" sz="1800"/>
+              <a:rPr lang="hu-HU"/>
               <a:t>Adatbázis létrehozása</a:t>
             </a:r>
           </a:p>
           <a:p>
             <a:pPr>
+              <a:lnSpc>
+                <a:spcPct val="110000"/>
+              </a:lnSpc>
               <a:buFont typeface="Arial" panose="020B0604020202020204" pitchFamily="34" charset="0"/>
               <a:buChar char="•"/>
             </a:pPr>
             <a:r>
-              <a:rPr lang="hu-HU" sz="1800"/>
+              <a:rPr lang="hu-HU"/>
               <a:t>Környezeti változók beállítása</a:t>
             </a:r>
           </a:p>
         </p:txBody>
       </p:sp>
-      <p:grpSp>
-        <p:nvGrpSpPr>
-          <p:cNvPr id="77" name="Group 76">
-            <a:extLst>
-              <a:ext uri="{FF2B5EF4-FFF2-40B4-BE49-F238E27FC236}">
-                <a16:creationId xmlns:a16="http://schemas.microsoft.com/office/drawing/2014/main" id="{F4E035BE-9FF4-43D3-BC25-CF582D7FF85E}"/>
-              </a:ext>
-              <a:ext uri="{C183D7F6-B498-43B3-948B-1728B52AA6E4}">
-                <adec:decorative xmlns:adec="http://schemas.microsoft.com/office/drawing/2017/decorative" val="1"/>
-              </a:ext>
-            </a:extLst>
-          </p:cNvPr>
-          <p:cNvGrpSpPr>
-            <a:grpSpLocks noGrp="1" noUngrp="1" noRot="1" noChangeAspect="1" noMove="1" noResize="1"/>
-          </p:cNvGrpSpPr>
-          <p:nvPr>
-            <p:extLst>
-              <p:ext uri="{386F3935-93C4-4BCD-93E2-E3B085C9AB24}">
-                <p16:designElem xmlns:p16="http://schemas.microsoft.com/office/powerpoint/2015/main" val="1"/>
-              </p:ext>
-            </p:extLst>
-          </p:nvPr>
-        </p:nvGrpSpPr>
-        <p:grpSpPr>
-          <a:xfrm>
-            <a:off x="11364912" y="0"/>
-            <a:ext cx="674688" cy="6848476"/>
-            <a:chOff x="11364912" y="0"/>
-            <a:chExt cx="674688" cy="6848476"/>
-          </a:xfrm>
-          <a:solidFill>
-            <a:schemeClr val="tx1">
-              <a:alpha val="60000"/>
-            </a:schemeClr>
-          </a:solidFill>
-        </p:grpSpPr>
-        <p:sp>
-          <p:nvSpPr>
-            <p:cNvPr id="78" name="Freeform 32">
-              <a:extLst>
-                <a:ext uri="{FF2B5EF4-FFF2-40B4-BE49-F238E27FC236}">
-                  <a16:creationId xmlns:a16="http://schemas.microsoft.com/office/drawing/2014/main" id="{F98BCEB2-EC20-4E84-A994-0AC37292C8B2}"/>
-                </a:ext>
-                <a:ext uri="{C183D7F6-B498-43B3-948B-1728B52AA6E4}">
-                  <adec:decorative xmlns:adec="http://schemas.microsoft.com/office/drawing/2017/decorative" val="1"/>
-                </a:ext>
-              </a:extLst>
-            </p:cNvPr>
-            <p:cNvSpPr/>
-            <p:nvPr>
-              <p:extLst>
-                <p:ext uri="{386F3935-93C4-4BCD-93E2-E3B085C9AB24}">
-                  <p16:designElem xmlns:p16="http://schemas.microsoft.com/office/powerpoint/2015/main" val="1"/>
-                </p:ext>
-              </p:extLst>
-            </p:nvPr>
-          </p:nvSpPr>
-          <p:spPr bwMode="auto">
-            <a:xfrm>
-              <a:off x="11483975" y="0"/>
-              <a:ext cx="417513" cy="512763"/>
-            </a:xfrm>
-            <a:custGeom>
-              <a:avLst/>
-              <a:gdLst/>
-              <a:ahLst/>
-              <a:cxnLst/>
-              <a:rect l="0" t="0" r="r" b="b"/>
-              <a:pathLst>
-                <a:path w="263" h="323">
-                  <a:moveTo>
-                    <a:pt x="12" y="323"/>
-                  </a:moveTo>
-                  <a:lnTo>
-                    <a:pt x="0" y="314"/>
-                  </a:lnTo>
-                  <a:lnTo>
-                    <a:pt x="203" y="108"/>
-                  </a:lnTo>
-                  <a:lnTo>
-                    <a:pt x="248" y="0"/>
-                  </a:lnTo>
-                  <a:lnTo>
-                    <a:pt x="263" y="6"/>
-                  </a:lnTo>
-                  <a:lnTo>
-                    <a:pt x="218" y="117"/>
-                  </a:lnTo>
-                  <a:lnTo>
-                    <a:pt x="218" y="117"/>
-                  </a:lnTo>
-                  <a:lnTo>
-                    <a:pt x="12" y="323"/>
-                  </a:lnTo>
-                  <a:close/>
-                </a:path>
-              </a:pathLst>
-            </a:custGeom>
-            <a:grpFill/>
-            <a:ln>
-              <a:noFill/>
-            </a:ln>
-            <a:extLst>
-              <a:ext uri="{91240B29-F687-4f45-9708-019B960494DF}">
-                <a14:hiddenLine xmlns="" xmlns:a16="http://schemas.microsoft.com/office/drawing/2014/main" xmlns:p14="http://schemas.microsoft.com/office/powerpoint/2010/main" xmlns:a14="http://schemas.microsoft.com/office/drawing/2010/main" w="9525">
-                  <a:solidFill>
-                    <a:srgbClr val="000000"/>
-                  </a:solidFill>
-                  <a:round/>
-                  <a:headEnd/>
-                  <a:tailEnd/>
-                </a14:hiddenLine>
-              </a:ext>
-            </a:extLst>
-          </p:spPr>
-          <p:txBody>
-            <a:bodyPr/>
-            <a:lstStyle/>
-            <a:p>
-              <a:endParaRPr lang="hu-HU"/>
-            </a:p>
-          </p:txBody>
-        </p:sp>
-        <p:sp>
-          <p:nvSpPr>
-            <p:cNvPr id="79" name="Freeform 33">
-              <a:extLst>
-                <a:ext uri="{FF2B5EF4-FFF2-40B4-BE49-F238E27FC236}">
-                  <a16:creationId xmlns:a16="http://schemas.microsoft.com/office/drawing/2014/main" id="{7A2E1821-AEDF-417E-9F17-83379E9C0941}"/>
-                </a:ext>
-                <a:ext uri="{C183D7F6-B498-43B3-948B-1728B52AA6E4}">
-                  <adec:decorative xmlns:adec="http://schemas.microsoft.com/office/drawing/2017/decorative" val="1"/>
-                </a:ext>
-              </a:extLst>
-            </p:cNvPr>
-            <p:cNvSpPr>
-              <a:spLocks noEditPoints="1"/>
-            </p:cNvSpPr>
-            <p:nvPr>
-              <p:extLst>
-                <p:ext uri="{386F3935-93C4-4BCD-93E2-E3B085C9AB24}">
-                  <p16:designElem xmlns:p16="http://schemas.microsoft.com/office/powerpoint/2015/main" val="1"/>
-                </p:ext>
-              </p:extLst>
-            </p:nvPr>
-          </p:nvSpPr>
-          <p:spPr bwMode="auto">
-            <a:xfrm>
-              <a:off x="11364912" y="474663"/>
-              <a:ext cx="157163" cy="152400"/>
-            </a:xfrm>
-            <a:custGeom>
-              <a:avLst/>
-              <a:gdLst/>
-              <a:ahLst/>
-              <a:cxnLst/>
-              <a:rect l="0" t="0" r="r" b="b"/>
-              <a:pathLst>
-                <a:path w="33" h="32">
-                  <a:moveTo>
-                    <a:pt x="17" y="32"/>
-                  </a:moveTo>
-                  <a:cubicBezTo>
-                    <a:pt x="13" y="32"/>
-                    <a:pt x="9" y="30"/>
-                    <a:pt x="6" y="27"/>
-                  </a:cubicBezTo>
-                  <a:cubicBezTo>
-                    <a:pt x="0" y="21"/>
-                    <a:pt x="0" y="11"/>
-                    <a:pt x="6" y="5"/>
-                  </a:cubicBezTo>
-                  <a:cubicBezTo>
-                    <a:pt x="9" y="2"/>
-                    <a:pt x="13" y="0"/>
-                    <a:pt x="17" y="0"/>
-                  </a:cubicBezTo>
-                  <a:cubicBezTo>
-                    <a:pt x="21" y="0"/>
-                    <a:pt x="25" y="2"/>
-                    <a:pt x="28" y="5"/>
-                  </a:cubicBezTo>
-                  <a:cubicBezTo>
-                    <a:pt x="31" y="8"/>
-                    <a:pt x="33" y="12"/>
-                    <a:pt x="33" y="16"/>
-                  </a:cubicBezTo>
-                  <a:cubicBezTo>
-                    <a:pt x="33" y="20"/>
-                    <a:pt x="31" y="24"/>
-                    <a:pt x="28" y="27"/>
-                  </a:cubicBezTo>
-                  <a:cubicBezTo>
-                    <a:pt x="25" y="30"/>
-                    <a:pt x="21" y="32"/>
-                    <a:pt x="17" y="32"/>
-                  </a:cubicBezTo>
-                  <a:close/>
-                  <a:moveTo>
-                    <a:pt x="17" y="4"/>
-                  </a:moveTo>
-                  <a:cubicBezTo>
-                    <a:pt x="14" y="4"/>
-                    <a:pt x="11" y="6"/>
-                    <a:pt x="9" y="8"/>
-                  </a:cubicBezTo>
-                  <a:cubicBezTo>
-                    <a:pt x="4" y="12"/>
-                    <a:pt x="4" y="20"/>
-                    <a:pt x="9" y="24"/>
-                  </a:cubicBezTo>
-                  <a:cubicBezTo>
-                    <a:pt x="11" y="27"/>
-                    <a:pt x="14" y="28"/>
-                    <a:pt x="17" y="28"/>
-                  </a:cubicBezTo>
-                  <a:cubicBezTo>
-                    <a:pt x="20" y="28"/>
-                    <a:pt x="23" y="27"/>
-                    <a:pt x="26" y="24"/>
-                  </a:cubicBezTo>
-                  <a:cubicBezTo>
-                    <a:pt x="30" y="20"/>
-                    <a:pt x="30" y="12"/>
-                    <a:pt x="26" y="8"/>
-                  </a:cubicBezTo>
-                  <a:cubicBezTo>
-                    <a:pt x="23" y="6"/>
-                    <a:pt x="20" y="4"/>
-                    <a:pt x="17" y="4"/>
-                  </a:cubicBezTo>
-                  <a:close/>
-                </a:path>
-              </a:pathLst>
-            </a:custGeom>
-            <a:grpFill/>
-            <a:ln>
-              <a:noFill/>
-            </a:ln>
-            <a:extLst>
-              <a:ext uri="{91240B29-F687-4f45-9708-019B960494DF}">
-                <a14:hiddenLine xmlns="" xmlns:a16="http://schemas.microsoft.com/office/drawing/2014/main" xmlns:p14="http://schemas.microsoft.com/office/powerpoint/2010/main" xmlns:a14="http://schemas.microsoft.com/office/drawing/2010/main" w="9525">
-                  <a:solidFill>
-                    <a:srgbClr val="000000"/>
-                  </a:solidFill>
-                  <a:round/>
-                  <a:headEnd/>
-                  <a:tailEnd/>
-                </a14:hiddenLine>
-              </a:ext>
-            </a:extLst>
-          </p:spPr>
-          <p:txBody>
-            <a:bodyPr/>
-            <a:lstStyle/>
-            <a:p>
-              <a:endParaRPr lang="hu-HU"/>
-            </a:p>
-          </p:txBody>
-        </p:sp>
-        <p:sp>
-          <p:nvSpPr>
-            <p:cNvPr id="80" name="Freeform 34">
-              <a:extLst>
-                <a:ext uri="{FF2B5EF4-FFF2-40B4-BE49-F238E27FC236}">
-                  <a16:creationId xmlns:a16="http://schemas.microsoft.com/office/drawing/2014/main" id="{CB3734E2-8292-4B47-B6AB-0E5A058DE95A}"/>
-                </a:ext>
-                <a:ext uri="{C183D7F6-B498-43B3-948B-1728B52AA6E4}">
-                  <adec:decorative xmlns:adec="http://schemas.microsoft.com/office/drawing/2017/decorative" val="1"/>
-                </a:ext>
-              </a:extLst>
-            </p:cNvPr>
-            <p:cNvSpPr>
-              <a:spLocks noEditPoints="1"/>
-            </p:cNvSpPr>
-            <p:nvPr>
-              <p:extLst>
-                <p:ext uri="{386F3935-93C4-4BCD-93E2-E3B085C9AB24}">
-                  <p16:designElem xmlns:p16="http://schemas.microsoft.com/office/powerpoint/2015/main" val="1"/>
-                </p:ext>
-              </p:extLst>
-            </p:nvPr>
-          </p:nvSpPr>
-          <p:spPr bwMode="auto">
-            <a:xfrm>
-              <a:off x="11631612" y="1539875"/>
-              <a:ext cx="188913" cy="190500"/>
-            </a:xfrm>
-            <a:custGeom>
-              <a:avLst/>
-              <a:gdLst/>
-              <a:ahLst/>
-              <a:cxnLst/>
-              <a:rect l="0" t="0" r="r" b="b"/>
-              <a:pathLst>
-                <a:path w="40" h="40">
-                  <a:moveTo>
-                    <a:pt x="20" y="40"/>
-                  </a:moveTo>
-                  <a:cubicBezTo>
-                    <a:pt x="9" y="40"/>
-                    <a:pt x="0" y="31"/>
-                    <a:pt x="0" y="20"/>
-                  </a:cubicBezTo>
-                  <a:cubicBezTo>
-                    <a:pt x="0" y="9"/>
-                    <a:pt x="9" y="0"/>
-                    <a:pt x="20" y="0"/>
-                  </a:cubicBezTo>
-                  <a:cubicBezTo>
-                    <a:pt x="31" y="0"/>
-                    <a:pt x="40" y="9"/>
-                    <a:pt x="40" y="20"/>
-                  </a:cubicBezTo>
-                  <a:cubicBezTo>
-                    <a:pt x="40" y="31"/>
-                    <a:pt x="31" y="40"/>
-                    <a:pt x="20" y="40"/>
-                  </a:cubicBezTo>
-                  <a:close/>
-                  <a:moveTo>
-                    <a:pt x="20" y="4"/>
-                  </a:moveTo>
-                  <a:cubicBezTo>
-                    <a:pt x="11" y="4"/>
-                    <a:pt x="4" y="11"/>
-                    <a:pt x="4" y="20"/>
-                  </a:cubicBezTo>
-                  <a:cubicBezTo>
-                    <a:pt x="4" y="29"/>
-                    <a:pt x="11" y="36"/>
-                    <a:pt x="20" y="36"/>
-                  </a:cubicBezTo>
-                  <a:cubicBezTo>
-                    <a:pt x="29" y="36"/>
-                    <a:pt x="36" y="29"/>
-                    <a:pt x="36" y="20"/>
-                  </a:cubicBezTo>
-                  <a:cubicBezTo>
-                    <a:pt x="36" y="11"/>
-                    <a:pt x="29" y="4"/>
-                    <a:pt x="20" y="4"/>
-                  </a:cubicBezTo>
-                  <a:close/>
-                </a:path>
-              </a:pathLst>
-            </a:custGeom>
-            <a:grpFill/>
-            <a:ln>
-              <a:noFill/>
-            </a:ln>
-            <a:extLst>
-              <a:ext uri="{91240B29-F687-4f45-9708-019B960494DF}">
-                <a14:hiddenLine xmlns="" xmlns:a16="http://schemas.microsoft.com/office/drawing/2014/main" xmlns:p14="http://schemas.microsoft.com/office/powerpoint/2010/main" xmlns:a14="http://schemas.microsoft.com/office/drawing/2010/main" w="9525">
-                  <a:solidFill>
-                    <a:srgbClr val="000000"/>
-                  </a:solidFill>
-                  <a:round/>
-                  <a:headEnd/>
-                  <a:tailEnd/>
-                </a14:hiddenLine>
-              </a:ext>
-            </a:extLst>
-          </p:spPr>
-          <p:txBody>
-            <a:bodyPr/>
-            <a:lstStyle/>
-            <a:p>
-              <a:endParaRPr lang="hu-HU"/>
-            </a:p>
-          </p:txBody>
-        </p:sp>
-        <p:sp>
-          <p:nvSpPr>
-            <p:cNvPr id="81" name="Freeform 35">
-              <a:extLst>
-                <a:ext uri="{FF2B5EF4-FFF2-40B4-BE49-F238E27FC236}">
-                  <a16:creationId xmlns:a16="http://schemas.microsoft.com/office/drawing/2014/main" id="{A0B09C51-29AB-45C0-B707-CCFB9DF280B1}"/>
-                </a:ext>
-                <a:ext uri="{C183D7F6-B498-43B3-948B-1728B52AA6E4}">
-                  <adec:decorative xmlns:adec="http://schemas.microsoft.com/office/drawing/2017/decorative" val="1"/>
-                </a:ext>
-              </a:extLst>
-            </p:cNvPr>
-            <p:cNvSpPr/>
-            <p:nvPr>
-              <p:extLst>
-                <p:ext uri="{386F3935-93C4-4BCD-93E2-E3B085C9AB24}">
-                  <p16:designElem xmlns:p16="http://schemas.microsoft.com/office/powerpoint/2015/main" val="1"/>
-                </p:ext>
-              </p:extLst>
-            </p:nvPr>
-          </p:nvSpPr>
-          <p:spPr bwMode="auto">
-            <a:xfrm>
-              <a:off x="11531600" y="5694363"/>
-              <a:ext cx="298450" cy="1154113"/>
-            </a:xfrm>
-            <a:custGeom>
-              <a:avLst/>
-              <a:gdLst/>
-              <a:ahLst/>
-              <a:cxnLst/>
-              <a:rect l="0" t="0" r="r" b="b"/>
-              <a:pathLst>
-                <a:path w="188" h="727">
-                  <a:moveTo>
-                    <a:pt x="15" y="727"/>
-                  </a:moveTo>
-                  <a:lnTo>
-                    <a:pt x="0" y="727"/>
-                  </a:lnTo>
-                  <a:lnTo>
-                    <a:pt x="0" y="407"/>
-                  </a:lnTo>
-                  <a:lnTo>
-                    <a:pt x="0" y="407"/>
-                  </a:lnTo>
-                  <a:lnTo>
-                    <a:pt x="176" y="0"/>
-                  </a:lnTo>
-                  <a:lnTo>
-                    <a:pt x="188" y="6"/>
-                  </a:lnTo>
-                  <a:lnTo>
-                    <a:pt x="15" y="410"/>
-                  </a:lnTo>
-                  <a:lnTo>
-                    <a:pt x="15" y="727"/>
-                  </a:lnTo>
-                  <a:close/>
-                </a:path>
-              </a:pathLst>
-            </a:custGeom>
-            <a:grpFill/>
-            <a:ln>
-              <a:noFill/>
-            </a:ln>
-            <a:extLst>
-              <a:ext uri="{91240B29-F687-4f45-9708-019B960494DF}">
-                <a14:hiddenLine xmlns="" xmlns:a16="http://schemas.microsoft.com/office/drawing/2014/main" xmlns:p14="http://schemas.microsoft.com/office/powerpoint/2010/main" xmlns:a14="http://schemas.microsoft.com/office/drawing/2010/main" w="9525">
-                  <a:solidFill>
-                    <a:srgbClr val="000000"/>
-                  </a:solidFill>
-                  <a:round/>
-                  <a:headEnd/>
-                  <a:tailEnd/>
-                </a14:hiddenLine>
-              </a:ext>
-            </a:extLst>
-          </p:spPr>
-          <p:txBody>
-            <a:bodyPr/>
-            <a:lstStyle/>
-            <a:p>
-              <a:endParaRPr lang="hu-HU"/>
-            </a:p>
-          </p:txBody>
-        </p:sp>
-        <p:sp>
-          <p:nvSpPr>
-            <p:cNvPr id="82" name="Freeform 36">
-              <a:extLst>
-                <a:ext uri="{FF2B5EF4-FFF2-40B4-BE49-F238E27FC236}">
-                  <a16:creationId xmlns:a16="http://schemas.microsoft.com/office/drawing/2014/main" id="{510C0CED-AE1B-45AE-B5E1-57521E589D27}"/>
-                </a:ext>
-                <a:ext uri="{C183D7F6-B498-43B3-948B-1728B52AA6E4}">
-                  <adec:decorative xmlns:adec="http://schemas.microsoft.com/office/drawing/2017/decorative" val="1"/>
-                </a:ext>
-              </a:extLst>
-            </p:cNvPr>
-            <p:cNvSpPr>
-              <a:spLocks noEditPoints="1"/>
-            </p:cNvSpPr>
-            <p:nvPr>
-              <p:extLst>
-                <p:ext uri="{386F3935-93C4-4BCD-93E2-E3B085C9AB24}">
-                  <p16:designElem xmlns:p16="http://schemas.microsoft.com/office/powerpoint/2015/main" val="1"/>
-                </p:ext>
-              </p:extLst>
-            </p:nvPr>
-          </p:nvSpPr>
-          <p:spPr bwMode="auto">
-            <a:xfrm>
-              <a:off x="11772900" y="5551488"/>
-              <a:ext cx="157163" cy="155575"/>
-            </a:xfrm>
-            <a:custGeom>
-              <a:avLst/>
-              <a:gdLst/>
-              <a:ahLst/>
-              <a:cxnLst/>
-              <a:rect l="0" t="0" r="r" b="b"/>
-              <a:pathLst>
-                <a:path w="33" h="33">
-                  <a:moveTo>
-                    <a:pt x="17" y="33"/>
-                  </a:moveTo>
-                  <a:cubicBezTo>
-                    <a:pt x="8" y="33"/>
-                    <a:pt x="0" y="25"/>
-                    <a:pt x="0" y="16"/>
-                  </a:cubicBezTo>
-                  <a:cubicBezTo>
-                    <a:pt x="0" y="7"/>
-                    <a:pt x="8" y="0"/>
-                    <a:pt x="17" y="0"/>
-                  </a:cubicBezTo>
-                  <a:cubicBezTo>
-                    <a:pt x="26" y="0"/>
-                    <a:pt x="33" y="7"/>
-                    <a:pt x="33" y="16"/>
-                  </a:cubicBezTo>
-                  <a:cubicBezTo>
-                    <a:pt x="33" y="25"/>
-                    <a:pt x="26" y="33"/>
-                    <a:pt x="17" y="33"/>
-                  </a:cubicBezTo>
-                  <a:close/>
-                  <a:moveTo>
-                    <a:pt x="17" y="4"/>
-                  </a:moveTo>
-                  <a:cubicBezTo>
-                    <a:pt x="10" y="4"/>
-                    <a:pt x="4" y="9"/>
-                    <a:pt x="4" y="16"/>
-                  </a:cubicBezTo>
-                  <a:cubicBezTo>
-                    <a:pt x="4" y="23"/>
-                    <a:pt x="10" y="29"/>
-                    <a:pt x="17" y="29"/>
-                  </a:cubicBezTo>
-                  <a:cubicBezTo>
-                    <a:pt x="23" y="29"/>
-                    <a:pt x="29" y="23"/>
-                    <a:pt x="29" y="16"/>
-                  </a:cubicBezTo>
-                  <a:cubicBezTo>
-                    <a:pt x="29" y="9"/>
-                    <a:pt x="23" y="4"/>
-                    <a:pt x="17" y="4"/>
-                  </a:cubicBezTo>
-                  <a:close/>
-                </a:path>
-              </a:pathLst>
-            </a:custGeom>
-            <a:grpFill/>
-            <a:ln>
-              <a:noFill/>
-            </a:ln>
-            <a:extLst>
-              <a:ext uri="{91240B29-F687-4f45-9708-019B960494DF}">
-                <a14:hiddenLine xmlns="" xmlns:a16="http://schemas.microsoft.com/office/drawing/2014/main" xmlns:p14="http://schemas.microsoft.com/office/powerpoint/2010/main" xmlns:a14="http://schemas.microsoft.com/office/drawing/2010/main" w="9525">
-                  <a:solidFill>
-                    <a:srgbClr val="000000"/>
-                  </a:solidFill>
-                  <a:round/>
-                  <a:headEnd/>
-                  <a:tailEnd/>
-                </a14:hiddenLine>
-              </a:ext>
-            </a:extLst>
-          </p:spPr>
-          <p:txBody>
-            <a:bodyPr/>
-            <a:lstStyle/>
-            <a:p>
-              <a:endParaRPr lang="hu-HU"/>
-            </a:p>
-          </p:txBody>
-        </p:sp>
-        <p:sp>
-          <p:nvSpPr>
-            <p:cNvPr id="83" name="Freeform 37">
-              <a:extLst>
-                <a:ext uri="{FF2B5EF4-FFF2-40B4-BE49-F238E27FC236}">
-                  <a16:creationId xmlns:a16="http://schemas.microsoft.com/office/drawing/2014/main" id="{591F2327-4B45-41AA-B41C-7404B6A1E4F2}"/>
-                </a:ext>
-                <a:ext uri="{C183D7F6-B498-43B3-948B-1728B52AA6E4}">
-                  <adec:decorative xmlns:adec="http://schemas.microsoft.com/office/drawing/2017/decorative" val="1"/>
-                </a:ext>
-              </a:extLst>
-            </p:cNvPr>
-            <p:cNvSpPr/>
-            <p:nvPr>
-              <p:extLst>
-                <p:ext uri="{386F3935-93C4-4BCD-93E2-E3B085C9AB24}">
-                  <p16:designElem xmlns:p16="http://schemas.microsoft.com/office/powerpoint/2015/main" val="1"/>
-                </p:ext>
-              </p:extLst>
-            </p:nvPr>
-          </p:nvSpPr>
-          <p:spPr bwMode="auto">
-            <a:xfrm>
-              <a:off x="11710987" y="4763"/>
-              <a:ext cx="304800" cy="1544638"/>
-            </a:xfrm>
-            <a:custGeom>
-              <a:avLst/>
-              <a:gdLst/>
-              <a:ahLst/>
-              <a:cxnLst/>
-              <a:rect l="0" t="0" r="r" b="b"/>
-              <a:pathLst>
-                <a:path w="192" h="973">
-                  <a:moveTo>
-                    <a:pt x="15" y="973"/>
-                  </a:moveTo>
-                  <a:lnTo>
-                    <a:pt x="0" y="973"/>
-                  </a:lnTo>
-                  <a:lnTo>
-                    <a:pt x="0" y="790"/>
-                  </a:lnTo>
-                  <a:lnTo>
-                    <a:pt x="174" y="614"/>
-                  </a:lnTo>
-                  <a:lnTo>
-                    <a:pt x="174" y="0"/>
-                  </a:lnTo>
-                  <a:lnTo>
-                    <a:pt x="192" y="0"/>
-                  </a:lnTo>
-                  <a:lnTo>
-                    <a:pt x="192" y="620"/>
-                  </a:lnTo>
-                  <a:lnTo>
-                    <a:pt x="15" y="796"/>
-                  </a:lnTo>
-                  <a:lnTo>
-                    <a:pt x="15" y="973"/>
-                  </a:lnTo>
-                  <a:close/>
-                </a:path>
-              </a:pathLst>
-            </a:custGeom>
-            <a:grpFill/>
-            <a:ln>
-              <a:noFill/>
-            </a:ln>
-            <a:extLst>
-              <a:ext uri="{91240B29-F687-4f45-9708-019B960494DF}">
-                <a14:hiddenLine xmlns="" xmlns:a16="http://schemas.microsoft.com/office/drawing/2014/main" xmlns:p14="http://schemas.microsoft.com/office/powerpoint/2010/main" xmlns:a14="http://schemas.microsoft.com/office/drawing/2010/main" w="9525">
-                  <a:solidFill>
-                    <a:srgbClr val="000000"/>
-                  </a:solidFill>
-                  <a:round/>
-                  <a:headEnd/>
-                  <a:tailEnd/>
-                </a14:hiddenLine>
-              </a:ext>
-            </a:extLst>
-          </p:spPr>
-          <p:txBody>
-            <a:bodyPr/>
-            <a:lstStyle/>
-            <a:p>
-              <a:endParaRPr lang="hu-HU"/>
-            </a:p>
-          </p:txBody>
-        </p:sp>
-        <p:sp>
-          <p:nvSpPr>
-            <p:cNvPr id="84" name="Freeform 38">
-              <a:extLst>
-                <a:ext uri="{FF2B5EF4-FFF2-40B4-BE49-F238E27FC236}">
-                  <a16:creationId xmlns:a16="http://schemas.microsoft.com/office/drawing/2014/main" id="{5A63224C-41A0-42C0-96F6-0B2BE99A1353}"/>
-                </a:ext>
-                <a:ext uri="{C183D7F6-B498-43B3-948B-1728B52AA6E4}">
-                  <adec:decorative xmlns:adec="http://schemas.microsoft.com/office/drawing/2017/decorative" val="1"/>
-                </a:ext>
-              </a:extLst>
-            </p:cNvPr>
-            <p:cNvSpPr>
-              <a:spLocks noEditPoints="1"/>
-            </p:cNvSpPr>
-            <p:nvPr>
-              <p:extLst>
-                <p:ext uri="{386F3935-93C4-4BCD-93E2-E3B085C9AB24}">
-                  <p16:designElem xmlns:p16="http://schemas.microsoft.com/office/powerpoint/2015/main" val="1"/>
-                </p:ext>
-              </p:extLst>
-            </p:nvPr>
-          </p:nvSpPr>
-          <p:spPr bwMode="auto">
-            <a:xfrm>
-              <a:off x="11636375" y="4867275"/>
-              <a:ext cx="188913" cy="188913"/>
-            </a:xfrm>
-            <a:custGeom>
-              <a:avLst/>
-              <a:gdLst/>
-              <a:ahLst/>
-              <a:cxnLst/>
-              <a:rect l="0" t="0" r="r" b="b"/>
-              <a:pathLst>
-                <a:path w="40" h="40">
-                  <a:moveTo>
-                    <a:pt x="20" y="40"/>
-                  </a:moveTo>
-                  <a:cubicBezTo>
-                    <a:pt x="9" y="40"/>
-                    <a:pt x="0" y="31"/>
-                    <a:pt x="0" y="20"/>
-                  </a:cubicBezTo>
-                  <a:cubicBezTo>
-                    <a:pt x="0" y="9"/>
-                    <a:pt x="9" y="0"/>
-                    <a:pt x="20" y="0"/>
-                  </a:cubicBezTo>
-                  <a:cubicBezTo>
-                    <a:pt x="31" y="0"/>
-                    <a:pt x="40" y="9"/>
-                    <a:pt x="40" y="20"/>
-                  </a:cubicBezTo>
-                  <a:cubicBezTo>
-                    <a:pt x="40" y="31"/>
-                    <a:pt x="31" y="40"/>
-                    <a:pt x="20" y="40"/>
-                  </a:cubicBezTo>
-                  <a:close/>
-                  <a:moveTo>
-                    <a:pt x="20" y="4"/>
-                  </a:moveTo>
-                  <a:cubicBezTo>
-                    <a:pt x="11" y="4"/>
-                    <a:pt x="4" y="11"/>
-                    <a:pt x="4" y="20"/>
-                  </a:cubicBezTo>
-                  <a:cubicBezTo>
-                    <a:pt x="4" y="29"/>
-                    <a:pt x="11" y="36"/>
-                    <a:pt x="20" y="36"/>
-                  </a:cubicBezTo>
-                  <a:cubicBezTo>
-                    <a:pt x="29" y="36"/>
-                    <a:pt x="36" y="29"/>
-                    <a:pt x="36" y="20"/>
-                  </a:cubicBezTo>
-                  <a:cubicBezTo>
-                    <a:pt x="36" y="11"/>
-                    <a:pt x="29" y="4"/>
-                    <a:pt x="20" y="4"/>
-                  </a:cubicBezTo>
-                  <a:close/>
-                </a:path>
-              </a:pathLst>
-            </a:custGeom>
-            <a:grpFill/>
-            <a:ln>
-              <a:noFill/>
-            </a:ln>
-            <a:extLst>
-              <a:ext uri="{91240B29-F687-4f45-9708-019B960494DF}">
-                <a14:hiddenLine xmlns="" xmlns:a16="http://schemas.microsoft.com/office/drawing/2014/main" xmlns:p14="http://schemas.microsoft.com/office/powerpoint/2010/main" xmlns:a14="http://schemas.microsoft.com/office/drawing/2010/main" w="9525">
-                  <a:solidFill>
-                    <a:srgbClr val="000000"/>
-                  </a:solidFill>
-                  <a:round/>
-                  <a:headEnd/>
-                  <a:tailEnd/>
-                </a14:hiddenLine>
-              </a:ext>
-            </a:extLst>
-          </p:spPr>
-          <p:txBody>
-            <a:bodyPr/>
-            <a:lstStyle/>
-            <a:p>
-              <a:endParaRPr lang="hu-HU"/>
-            </a:p>
-          </p:txBody>
-        </p:sp>
-        <p:sp>
-          <p:nvSpPr>
-            <p:cNvPr id="85" name="Freeform 39">
-              <a:extLst>
-                <a:ext uri="{FF2B5EF4-FFF2-40B4-BE49-F238E27FC236}">
-                  <a16:creationId xmlns:a16="http://schemas.microsoft.com/office/drawing/2014/main" id="{A7C00B9F-C253-4776-9935-EC02254A4F2F}"/>
-                </a:ext>
-                <a:ext uri="{C183D7F6-B498-43B3-948B-1728B52AA6E4}">
-                  <adec:decorative xmlns:adec="http://schemas.microsoft.com/office/drawing/2017/decorative" val="1"/>
-                </a:ext>
-              </a:extLst>
-            </p:cNvPr>
-            <p:cNvSpPr/>
-            <p:nvPr>
-              <p:extLst>
-                <p:ext uri="{386F3935-93C4-4BCD-93E2-E3B085C9AB24}">
-                  <p16:designElem xmlns:p16="http://schemas.microsoft.com/office/powerpoint/2015/main" val="1"/>
-                </p:ext>
-              </p:extLst>
-            </p:nvPr>
-          </p:nvSpPr>
-          <p:spPr bwMode="auto">
-            <a:xfrm>
-              <a:off x="11441112" y="5046663"/>
-              <a:ext cx="307975" cy="1801813"/>
-            </a:xfrm>
-            <a:custGeom>
-              <a:avLst/>
-              <a:gdLst/>
-              <a:ahLst/>
-              <a:cxnLst/>
-              <a:rect l="0" t="0" r="r" b="b"/>
-              <a:pathLst>
-                <a:path w="194" h="1135">
-                  <a:moveTo>
-                    <a:pt x="18" y="1135"/>
-                  </a:moveTo>
-                  <a:lnTo>
-                    <a:pt x="0" y="1135"/>
-                  </a:lnTo>
-                  <a:lnTo>
-                    <a:pt x="0" y="354"/>
-                  </a:lnTo>
-                  <a:lnTo>
-                    <a:pt x="176" y="177"/>
-                  </a:lnTo>
-                  <a:lnTo>
-                    <a:pt x="176" y="0"/>
-                  </a:lnTo>
-                  <a:lnTo>
-                    <a:pt x="194" y="0"/>
-                  </a:lnTo>
-                  <a:lnTo>
-                    <a:pt x="194" y="183"/>
-                  </a:lnTo>
-                  <a:lnTo>
-                    <a:pt x="18" y="360"/>
-                  </a:lnTo>
-                  <a:lnTo>
-                    <a:pt x="18" y="1135"/>
-                  </a:lnTo>
-                  <a:close/>
-                </a:path>
-              </a:pathLst>
-            </a:custGeom>
-            <a:grpFill/>
-            <a:ln>
-              <a:noFill/>
-            </a:ln>
-            <a:extLst>
-              <a:ext uri="{91240B29-F687-4f45-9708-019B960494DF}">
-                <a14:hiddenLine xmlns="" xmlns:a16="http://schemas.microsoft.com/office/drawing/2014/main" xmlns:p14="http://schemas.microsoft.com/office/powerpoint/2010/main" xmlns:a14="http://schemas.microsoft.com/office/drawing/2010/main" w="9525">
-                  <a:solidFill>
-                    <a:srgbClr val="000000"/>
-                  </a:solidFill>
-                  <a:round/>
-                  <a:headEnd/>
-                  <a:tailEnd/>
-                </a14:hiddenLine>
-              </a:ext>
-            </a:extLst>
-          </p:spPr>
-          <p:txBody>
-            <a:bodyPr/>
-            <a:lstStyle/>
-            <a:p>
-              <a:endParaRPr lang="hu-HU"/>
-            </a:p>
-          </p:txBody>
-        </p:sp>
-        <p:sp>
-          <p:nvSpPr>
-            <p:cNvPr id="86" name="Freeform 40">
-              <a:extLst>
-                <a:ext uri="{FF2B5EF4-FFF2-40B4-BE49-F238E27FC236}">
-                  <a16:creationId xmlns:a16="http://schemas.microsoft.com/office/drawing/2014/main" id="{5062D4AA-13F3-4064-8440-FFE8562D8540}"/>
-                </a:ext>
-                <a:ext uri="{C183D7F6-B498-43B3-948B-1728B52AA6E4}">
-                  <adec:decorative xmlns:adec="http://schemas.microsoft.com/office/drawing/2017/decorative" val="1"/>
-                </a:ext>
-              </a:extLst>
-            </p:cNvPr>
-            <p:cNvSpPr>
-              <a:spLocks noEditPoints="1"/>
-            </p:cNvSpPr>
-            <p:nvPr>
-              <p:extLst>
-                <p:ext uri="{386F3935-93C4-4BCD-93E2-E3B085C9AB24}">
-                  <p16:designElem xmlns:p16="http://schemas.microsoft.com/office/powerpoint/2015/main" val="1"/>
-                </p:ext>
-              </p:extLst>
-            </p:nvPr>
-          </p:nvSpPr>
-          <p:spPr bwMode="auto">
-            <a:xfrm>
-              <a:off x="11849100" y="6416675"/>
-              <a:ext cx="190500" cy="188913"/>
-            </a:xfrm>
-            <a:custGeom>
-              <a:avLst/>
-              <a:gdLst/>
-              <a:ahLst/>
-              <a:cxnLst/>
-              <a:rect l="0" t="0" r="r" b="b"/>
-              <a:pathLst>
-                <a:path w="40" h="40">
-                  <a:moveTo>
-                    <a:pt x="20" y="40"/>
-                  </a:moveTo>
-                  <a:cubicBezTo>
-                    <a:pt x="9" y="40"/>
-                    <a:pt x="0" y="31"/>
-                    <a:pt x="0" y="20"/>
-                  </a:cubicBezTo>
-                  <a:cubicBezTo>
-                    <a:pt x="0" y="9"/>
-                    <a:pt x="9" y="0"/>
-                    <a:pt x="20" y="0"/>
-                  </a:cubicBezTo>
-                  <a:cubicBezTo>
-                    <a:pt x="31" y="0"/>
-                    <a:pt x="40" y="9"/>
-                    <a:pt x="40" y="20"/>
-                  </a:cubicBezTo>
-                  <a:cubicBezTo>
-                    <a:pt x="40" y="31"/>
-                    <a:pt x="31" y="40"/>
-                    <a:pt x="20" y="40"/>
-                  </a:cubicBezTo>
-                  <a:close/>
-                  <a:moveTo>
-                    <a:pt x="20" y="4"/>
-                  </a:moveTo>
-                  <a:cubicBezTo>
-                    <a:pt x="12" y="4"/>
-                    <a:pt x="4" y="11"/>
-                    <a:pt x="4" y="20"/>
-                  </a:cubicBezTo>
-                  <a:cubicBezTo>
-                    <a:pt x="4" y="29"/>
-                    <a:pt x="12" y="36"/>
-                    <a:pt x="20" y="36"/>
-                  </a:cubicBezTo>
-                  <a:cubicBezTo>
-                    <a:pt x="29" y="36"/>
-                    <a:pt x="36" y="29"/>
-                    <a:pt x="36" y="20"/>
-                  </a:cubicBezTo>
-                  <a:cubicBezTo>
-                    <a:pt x="36" y="11"/>
-                    <a:pt x="29" y="4"/>
-                    <a:pt x="20" y="4"/>
-                  </a:cubicBezTo>
-                  <a:close/>
-                </a:path>
-              </a:pathLst>
-            </a:custGeom>
-            <a:grpFill/>
-            <a:ln>
-              <a:noFill/>
-            </a:ln>
-            <a:extLst>
-              <a:ext uri="{91240B29-F687-4f45-9708-019B960494DF}">
-                <a14:hiddenLine xmlns="" xmlns:a16="http://schemas.microsoft.com/office/drawing/2014/main" xmlns:p14="http://schemas.microsoft.com/office/powerpoint/2010/main" xmlns:a14="http://schemas.microsoft.com/office/drawing/2010/main" w="9525">
-                  <a:solidFill>
-                    <a:srgbClr val="000000"/>
-                  </a:solidFill>
-                  <a:round/>
-                  <a:headEnd/>
-                  <a:tailEnd/>
-                </a14:hiddenLine>
-              </a:ext>
-            </a:extLst>
-          </p:spPr>
-          <p:txBody>
-            <a:bodyPr/>
-            <a:lstStyle/>
-            <a:p>
-              <a:endParaRPr lang="hu-HU"/>
-            </a:p>
-          </p:txBody>
-        </p:sp>
-        <p:sp>
-          <p:nvSpPr>
-            <p:cNvPr id="87" name="Rectangle 41">
-              <a:extLst>
-                <a:ext uri="{FF2B5EF4-FFF2-40B4-BE49-F238E27FC236}">
-                  <a16:creationId xmlns:a16="http://schemas.microsoft.com/office/drawing/2014/main" id="{3E143B27-CB82-440B-879B-D25C1891C191}"/>
-                </a:ext>
-                <a:ext uri="{C183D7F6-B498-43B3-948B-1728B52AA6E4}">
-                  <adec:decorative xmlns:adec="http://schemas.microsoft.com/office/drawing/2017/decorative" val="1"/>
-                </a:ext>
-              </a:extLst>
-            </p:cNvPr>
-            <p:cNvSpPr>
-              <a:spLocks noChangeArrowheads="1"/>
-            </p:cNvSpPr>
-            <p:nvPr>
-              <p:extLst>
-                <p:ext uri="{386F3935-93C4-4BCD-93E2-E3B085C9AB24}">
-                  <p16:designElem xmlns:p16="http://schemas.microsoft.com/office/powerpoint/2015/main" val="1"/>
-                </p:ext>
-              </p:extLst>
-            </p:nvPr>
-          </p:nvSpPr>
-          <p:spPr bwMode="auto">
-            <a:xfrm>
-              <a:off x="11939587" y="6596063"/>
-              <a:ext cx="23813" cy="252413"/>
-            </a:xfrm>
-            <a:prstGeom prst="rect">
-              <a:avLst/>
-            </a:prstGeom>
-            <a:grpFill/>
-            <a:ln>
-              <a:noFill/>
-            </a:ln>
-            <a:extLst>
-              <a:ext uri="{91240B29-F687-4f45-9708-019B960494DF}">
-                <a14:hiddenLine xmlns="" xmlns:a16="http://schemas.microsoft.com/office/drawing/2014/main" xmlns:p14="http://schemas.microsoft.com/office/powerpoint/2010/main" xmlns:a14="http://schemas.microsoft.com/office/drawing/2010/main" w="9525">
-                  <a:solidFill>
-                    <a:srgbClr val="000000"/>
-                  </a:solidFill>
-                  <a:miter lim="800000"/>
-                  <a:headEnd/>
-                  <a:tailEnd/>
-                </a14:hiddenLine>
-              </a:ext>
-            </a:extLst>
-          </p:spPr>
-          <p:txBody>
-            <a:bodyPr/>
-            <a:lstStyle/>
-            <a:p>
-              <a:endParaRPr lang="hu-HU"/>
-            </a:p>
-          </p:txBody>
-        </p:sp>
-      </p:grpSp>
     </p:spTree>
     <p:extLst>
       <p:ext uri="{BB962C8B-B14F-4D97-AF65-F5344CB8AC3E}">
@@ -37166,7 +33469,7 @@
           <a:noFill/>
           <a:extLst>
             <a:ext uri="{909E8E84-426E-40dd-AFC4-6F175D3DCCD1}">
-              <a14:hiddenFill xmlns="" xmlns:a16="http://schemas.microsoft.com/office/drawing/2014/main" xmlns:p14="http://schemas.microsoft.com/office/powerpoint/2010/main" xmlns:a14="http://schemas.microsoft.com/office/drawing/2010/main">
+              <a14:hiddenFill xmlns:a14="http://schemas.microsoft.com/office/drawing/2010/main" xmlns:p14="http://schemas.microsoft.com/office/powerpoint/2010/main" xmlns:a16="http://schemas.microsoft.com/office/drawing/2014/main" xmlns="">
                 <a:solidFill>
                   <a:srgbClr val="FFFFFF"/>
                 </a:solidFill>
@@ -37391,7 +33694,7 @@
             </a:ln>
             <a:extLst>
               <a:ext uri="{91240B29-F687-4f45-9708-019B960494DF}">
-                <a14:hiddenLine xmlns="" xmlns:a16="http://schemas.microsoft.com/office/drawing/2014/main" xmlns:p14="http://schemas.microsoft.com/office/powerpoint/2010/main" xmlns:a14="http://schemas.microsoft.com/office/drawing/2010/main" w="9525">
+                <a14:hiddenLine xmlns:a14="http://schemas.microsoft.com/office/drawing/2010/main" xmlns:p14="http://schemas.microsoft.com/office/powerpoint/2010/main" xmlns:a16="http://schemas.microsoft.com/office/drawing/2014/main" xmlns="" w="9525">
                   <a:solidFill>
                     <a:srgbClr val="000000"/>
                   </a:solidFill>
@@ -37503,7 +33806,7 @@
             </a:ln>
             <a:extLst>
               <a:ext uri="{91240B29-F687-4f45-9708-019B960494DF}">
-                <a14:hiddenLine xmlns="" xmlns:a16="http://schemas.microsoft.com/office/drawing/2014/main" xmlns:p14="http://schemas.microsoft.com/office/powerpoint/2010/main" xmlns:a14="http://schemas.microsoft.com/office/drawing/2010/main" w="9525">
+                <a14:hiddenLine xmlns:a14="http://schemas.microsoft.com/office/drawing/2010/main" xmlns:p14="http://schemas.microsoft.com/office/powerpoint/2010/main" xmlns:a16="http://schemas.microsoft.com/office/drawing/2014/main" xmlns="" w="9525">
                   <a:solidFill>
                     <a:srgbClr val="000000"/>
                   </a:solidFill>
@@ -37615,7 +33918,7 @@
             </a:ln>
             <a:extLst>
               <a:ext uri="{91240B29-F687-4f45-9708-019B960494DF}">
-                <a14:hiddenLine xmlns="" xmlns:a16="http://schemas.microsoft.com/office/drawing/2014/main" xmlns:p14="http://schemas.microsoft.com/office/powerpoint/2010/main" xmlns:a14="http://schemas.microsoft.com/office/drawing/2010/main" w="9525">
+                <a14:hiddenLine xmlns:a14="http://schemas.microsoft.com/office/drawing/2010/main" xmlns:p14="http://schemas.microsoft.com/office/powerpoint/2010/main" xmlns:a16="http://schemas.microsoft.com/office/drawing/2014/main" xmlns="" w="9525">
                   <a:solidFill>
                     <a:srgbClr val="000000"/>
                   </a:solidFill>
@@ -37699,7 +34002,7 @@
             </a:ln>
             <a:extLst>
               <a:ext uri="{91240B29-F687-4f45-9708-019B960494DF}">
-                <a14:hiddenLine xmlns="" xmlns:a16="http://schemas.microsoft.com/office/drawing/2014/main" xmlns:p14="http://schemas.microsoft.com/office/powerpoint/2010/main" xmlns:a14="http://schemas.microsoft.com/office/drawing/2010/main" w="9525">
+                <a14:hiddenLine xmlns:a14="http://schemas.microsoft.com/office/drawing/2010/main" xmlns:p14="http://schemas.microsoft.com/office/powerpoint/2010/main" xmlns:a16="http://schemas.microsoft.com/office/drawing/2014/main" xmlns="" w="9525">
                   <a:solidFill>
                     <a:srgbClr val="000000"/>
                   </a:solidFill>
@@ -37811,7 +34114,7 @@
             </a:ln>
             <a:extLst>
               <a:ext uri="{91240B29-F687-4f45-9708-019B960494DF}">
-                <a14:hiddenLine xmlns="" xmlns:a16="http://schemas.microsoft.com/office/drawing/2014/main" xmlns:p14="http://schemas.microsoft.com/office/powerpoint/2010/main" xmlns:a14="http://schemas.microsoft.com/office/drawing/2010/main" w="9525">
+                <a14:hiddenLine xmlns:a14="http://schemas.microsoft.com/office/drawing/2010/main" xmlns:p14="http://schemas.microsoft.com/office/powerpoint/2010/main" xmlns:a16="http://schemas.microsoft.com/office/drawing/2014/main" xmlns="" w="9525">
                   <a:solidFill>
                     <a:srgbClr val="000000"/>
                   </a:solidFill>
@@ -37895,7 +34198,7 @@
             </a:ln>
             <a:extLst>
               <a:ext uri="{91240B29-F687-4f45-9708-019B960494DF}">
-                <a14:hiddenLine xmlns="" xmlns:a16="http://schemas.microsoft.com/office/drawing/2014/main" xmlns:p14="http://schemas.microsoft.com/office/powerpoint/2010/main" xmlns:a14="http://schemas.microsoft.com/office/drawing/2010/main" w="9525">
+                <a14:hiddenLine xmlns:a14="http://schemas.microsoft.com/office/drawing/2010/main" xmlns:p14="http://schemas.microsoft.com/office/powerpoint/2010/main" xmlns:a16="http://schemas.microsoft.com/office/drawing/2014/main" xmlns="" w="9525">
                   <a:solidFill>
                     <a:srgbClr val="000000"/>
                   </a:solidFill>
@@ -37979,7 +34282,7 @@
             </a:ln>
             <a:extLst>
               <a:ext uri="{91240B29-F687-4f45-9708-019B960494DF}">
-                <a14:hiddenLine xmlns="" xmlns:a16="http://schemas.microsoft.com/office/drawing/2014/main" xmlns:p14="http://schemas.microsoft.com/office/powerpoint/2010/main" xmlns:a14="http://schemas.microsoft.com/office/drawing/2010/main" w="9525">
+                <a14:hiddenLine xmlns:a14="http://schemas.microsoft.com/office/drawing/2010/main" xmlns:p14="http://schemas.microsoft.com/office/powerpoint/2010/main" xmlns:a16="http://schemas.microsoft.com/office/drawing/2014/main" xmlns="" w="9525">
                   <a:solidFill>
                     <a:srgbClr val="000000"/>
                   </a:solidFill>
@@ -38091,7 +34394,7 @@
             </a:ln>
             <a:extLst>
               <a:ext uri="{91240B29-F687-4f45-9708-019B960494DF}">
-                <a14:hiddenLine xmlns="" xmlns:a16="http://schemas.microsoft.com/office/drawing/2014/main" xmlns:p14="http://schemas.microsoft.com/office/powerpoint/2010/main" xmlns:a14="http://schemas.microsoft.com/office/drawing/2010/main" w="9525">
+                <a14:hiddenLine xmlns:a14="http://schemas.microsoft.com/office/drawing/2010/main" xmlns:p14="http://schemas.microsoft.com/office/powerpoint/2010/main" xmlns:a16="http://schemas.microsoft.com/office/drawing/2014/main" xmlns="" w="9525">
                   <a:solidFill>
                     <a:srgbClr val="000000"/>
                   </a:solidFill>
@@ -38203,7 +34506,7 @@
             </a:ln>
             <a:extLst>
               <a:ext uri="{91240B29-F687-4f45-9708-019B960494DF}">
-                <a14:hiddenLine xmlns="" xmlns:a16="http://schemas.microsoft.com/office/drawing/2014/main" xmlns:p14="http://schemas.microsoft.com/office/powerpoint/2010/main" xmlns:a14="http://schemas.microsoft.com/office/drawing/2010/main" w="9525">
+                <a14:hiddenLine xmlns:a14="http://schemas.microsoft.com/office/drawing/2010/main" xmlns:p14="http://schemas.microsoft.com/office/powerpoint/2010/main" xmlns:a16="http://schemas.microsoft.com/office/drawing/2014/main" xmlns="" w="9525">
                   <a:solidFill>
                     <a:srgbClr val="000000"/>
                   </a:solidFill>
@@ -38287,7 +34590,7 @@
             </a:ln>
             <a:extLst>
               <a:ext uri="{91240B29-F687-4f45-9708-019B960494DF}">
-                <a14:hiddenLine xmlns="" xmlns:a16="http://schemas.microsoft.com/office/drawing/2014/main" xmlns:p14="http://schemas.microsoft.com/office/powerpoint/2010/main" xmlns:a14="http://schemas.microsoft.com/office/drawing/2010/main" w="9525">
+                <a14:hiddenLine xmlns:a14="http://schemas.microsoft.com/office/drawing/2010/main" xmlns:p14="http://schemas.microsoft.com/office/powerpoint/2010/main" xmlns:a16="http://schemas.microsoft.com/office/drawing/2014/main" xmlns="" w="9525">
                   <a:solidFill>
                     <a:srgbClr val="000000"/>
                   </a:solidFill>
@@ -38419,7 +34722,7 @@
             </a:ln>
             <a:extLst>
               <a:ext uri="{91240B29-F687-4f45-9708-019B960494DF}">
-                <a14:hiddenLine xmlns="" xmlns:a16="http://schemas.microsoft.com/office/drawing/2014/main" xmlns:p14="http://schemas.microsoft.com/office/powerpoint/2010/main" xmlns:a14="http://schemas.microsoft.com/office/drawing/2010/main" w="9525">
+                <a14:hiddenLine xmlns:a14="http://schemas.microsoft.com/office/drawing/2010/main" xmlns:p14="http://schemas.microsoft.com/office/powerpoint/2010/main" xmlns:a16="http://schemas.microsoft.com/office/drawing/2014/main" xmlns="" w="9525">
                   <a:solidFill>
                     <a:srgbClr val="000000"/>
                   </a:solidFill>
@@ -38547,7 +34850,7 @@
             </a:ln>
             <a:extLst>
               <a:ext uri="{91240B29-F687-4f45-9708-019B960494DF}">
-                <a14:hiddenLine xmlns="" xmlns:a16="http://schemas.microsoft.com/office/drawing/2014/main" xmlns:p14="http://schemas.microsoft.com/office/powerpoint/2010/main" xmlns:a14="http://schemas.microsoft.com/office/drawing/2010/main" w="9525">
+                <a14:hiddenLine xmlns:a14="http://schemas.microsoft.com/office/drawing/2010/main" xmlns:p14="http://schemas.microsoft.com/office/powerpoint/2010/main" xmlns:a16="http://schemas.microsoft.com/office/drawing/2014/main" xmlns="" w="9525">
                   <a:solidFill>
                     <a:srgbClr val="000000"/>
                   </a:solidFill>
@@ -38631,7 +34934,7 @@
             </a:ln>
             <a:extLst>
               <a:ext uri="{91240B29-F687-4f45-9708-019B960494DF}">
-                <a14:hiddenLine xmlns="" xmlns:a16="http://schemas.microsoft.com/office/drawing/2014/main" xmlns:p14="http://schemas.microsoft.com/office/powerpoint/2010/main" xmlns:a14="http://schemas.microsoft.com/office/drawing/2010/main" w="9525">
+                <a14:hiddenLine xmlns:a14="http://schemas.microsoft.com/office/drawing/2010/main" xmlns:p14="http://schemas.microsoft.com/office/powerpoint/2010/main" xmlns:a16="http://schemas.microsoft.com/office/drawing/2014/main" xmlns="" w="9525">
                   <a:solidFill>
                     <a:srgbClr val="000000"/>
                   </a:solidFill>
@@ -38715,7 +35018,7 @@
             </a:ln>
             <a:extLst>
               <a:ext uri="{91240B29-F687-4f45-9708-019B960494DF}">
-                <a14:hiddenLine xmlns="" xmlns:a16="http://schemas.microsoft.com/office/drawing/2014/main" xmlns:p14="http://schemas.microsoft.com/office/powerpoint/2010/main" xmlns:a14="http://schemas.microsoft.com/office/drawing/2010/main" w="9525">
+                <a14:hiddenLine xmlns:a14="http://schemas.microsoft.com/office/drawing/2010/main" xmlns:p14="http://schemas.microsoft.com/office/powerpoint/2010/main" xmlns:a16="http://schemas.microsoft.com/office/drawing/2014/main" xmlns="" w="9525">
                   <a:solidFill>
                     <a:srgbClr val="000000"/>
                   </a:solidFill>
@@ -38827,7 +35130,7 @@
             </a:ln>
             <a:extLst>
               <a:ext uri="{91240B29-F687-4f45-9708-019B960494DF}">
-                <a14:hiddenLine xmlns="" xmlns:a16="http://schemas.microsoft.com/office/drawing/2014/main" xmlns:p14="http://schemas.microsoft.com/office/powerpoint/2010/main" xmlns:a14="http://schemas.microsoft.com/office/drawing/2010/main" w="9525">
+                <a14:hiddenLine xmlns:a14="http://schemas.microsoft.com/office/drawing/2010/main" xmlns:p14="http://schemas.microsoft.com/office/powerpoint/2010/main" xmlns:a16="http://schemas.microsoft.com/office/drawing/2014/main" xmlns="" w="9525">
                   <a:solidFill>
                     <a:srgbClr val="000000"/>
                   </a:solidFill>
@@ -38883,7 +35186,7 @@
             </a:ln>
             <a:extLst>
               <a:ext uri="{91240B29-F687-4f45-9708-019B960494DF}">
-                <a14:hiddenLine xmlns="" xmlns:a16="http://schemas.microsoft.com/office/drawing/2014/main" xmlns:p14="http://schemas.microsoft.com/office/powerpoint/2010/main" xmlns:a14="http://schemas.microsoft.com/office/drawing/2010/main" w="9525">
+                <a14:hiddenLine xmlns:a14="http://schemas.microsoft.com/office/drawing/2010/main" xmlns:p14="http://schemas.microsoft.com/office/powerpoint/2010/main" xmlns:a16="http://schemas.microsoft.com/office/drawing/2014/main" xmlns="" w="9525">
                   <a:solidFill>
                     <a:srgbClr val="000000"/>
                   </a:solidFill>
@@ -38970,7 +35273,7 @@
             </a:ln>
             <a:extLst>
               <a:ext uri="{91240B29-F687-4f45-9708-019B960494DF}">
-                <a14:hiddenLine xmlns="" xmlns:a16="http://schemas.microsoft.com/office/drawing/2014/main" xmlns:p14="http://schemas.microsoft.com/office/powerpoint/2010/main" xmlns:a14="http://schemas.microsoft.com/office/drawing/2010/main" w="9525">
+                <a14:hiddenLine xmlns:a14="http://schemas.microsoft.com/office/drawing/2010/main" xmlns:p14="http://schemas.microsoft.com/office/powerpoint/2010/main" xmlns:a16="http://schemas.microsoft.com/office/drawing/2014/main" xmlns="" w="9525">
                   <a:solidFill>
                     <a:srgbClr val="000000"/>
                   </a:solidFill>
@@ -39082,7 +35385,7 @@
             </a:ln>
             <a:extLst>
               <a:ext uri="{91240B29-F687-4f45-9708-019B960494DF}">
-                <a14:hiddenLine xmlns="" xmlns:a16="http://schemas.microsoft.com/office/drawing/2014/main" xmlns:p14="http://schemas.microsoft.com/office/powerpoint/2010/main" xmlns:a14="http://schemas.microsoft.com/office/drawing/2010/main" w="9525">
+                <a14:hiddenLine xmlns:a14="http://schemas.microsoft.com/office/drawing/2010/main" xmlns:p14="http://schemas.microsoft.com/office/powerpoint/2010/main" xmlns:a16="http://schemas.microsoft.com/office/drawing/2014/main" xmlns="" w="9525">
                   <a:solidFill>
                     <a:srgbClr val="000000"/>
                   </a:solidFill>
@@ -39166,7 +35469,7 @@
             </a:ln>
             <a:extLst>
               <a:ext uri="{91240B29-F687-4f45-9708-019B960494DF}">
-                <a14:hiddenLine xmlns="" xmlns:a16="http://schemas.microsoft.com/office/drawing/2014/main" xmlns:p14="http://schemas.microsoft.com/office/powerpoint/2010/main" xmlns:a14="http://schemas.microsoft.com/office/drawing/2010/main" w="9525">
+                <a14:hiddenLine xmlns:a14="http://schemas.microsoft.com/office/drawing/2010/main" xmlns:p14="http://schemas.microsoft.com/office/powerpoint/2010/main" xmlns:a16="http://schemas.microsoft.com/office/drawing/2014/main" xmlns="" w="9525">
                   <a:solidFill>
                     <a:srgbClr val="000000"/>
                   </a:solidFill>
@@ -39278,7 +35581,7 @@
             </a:ln>
             <a:extLst>
               <a:ext uri="{91240B29-F687-4f45-9708-019B960494DF}">
-                <a14:hiddenLine xmlns="" xmlns:a16="http://schemas.microsoft.com/office/drawing/2014/main" xmlns:p14="http://schemas.microsoft.com/office/powerpoint/2010/main" xmlns:a14="http://schemas.microsoft.com/office/drawing/2010/main" w="9525">
+                <a14:hiddenLine xmlns:a14="http://schemas.microsoft.com/office/drawing/2010/main" xmlns:p14="http://schemas.microsoft.com/office/powerpoint/2010/main" xmlns:a16="http://schemas.microsoft.com/office/drawing/2014/main" xmlns="" w="9525">
                   <a:solidFill>
                     <a:srgbClr val="000000"/>
                   </a:solidFill>
@@ -39365,7 +35668,7 @@
             </a:ln>
             <a:extLst>
               <a:ext uri="{91240B29-F687-4f45-9708-019B960494DF}">
-                <a14:hiddenLine xmlns="" xmlns:a16="http://schemas.microsoft.com/office/drawing/2014/main" xmlns:p14="http://schemas.microsoft.com/office/powerpoint/2010/main" xmlns:a14="http://schemas.microsoft.com/office/drawing/2010/main" w="9525">
+                <a14:hiddenLine xmlns:a14="http://schemas.microsoft.com/office/drawing/2010/main" xmlns:p14="http://schemas.microsoft.com/office/powerpoint/2010/main" xmlns:a16="http://schemas.microsoft.com/office/drawing/2014/main" xmlns="" w="9525">
                   <a:solidFill>
                     <a:srgbClr val="000000"/>
                   </a:solidFill>
@@ -39449,7 +35752,7 @@
             </a:ln>
             <a:extLst>
               <a:ext uri="{91240B29-F687-4f45-9708-019B960494DF}">
-                <a14:hiddenLine xmlns="" xmlns:a16="http://schemas.microsoft.com/office/drawing/2014/main" xmlns:p14="http://schemas.microsoft.com/office/powerpoint/2010/main" xmlns:a14="http://schemas.microsoft.com/office/drawing/2010/main" w="9525">
+                <a14:hiddenLine xmlns:a14="http://schemas.microsoft.com/office/drawing/2010/main" xmlns:p14="http://schemas.microsoft.com/office/powerpoint/2010/main" xmlns:a16="http://schemas.microsoft.com/office/drawing/2014/main" xmlns="" w="9525">
                   <a:solidFill>
                     <a:srgbClr val="000000"/>
                   </a:solidFill>
@@ -39561,7 +35864,7 @@
             </a:ln>
             <a:extLst>
               <a:ext uri="{91240B29-F687-4f45-9708-019B960494DF}">
-                <a14:hiddenLine xmlns="" xmlns:a16="http://schemas.microsoft.com/office/drawing/2014/main" xmlns:p14="http://schemas.microsoft.com/office/powerpoint/2010/main" xmlns:a14="http://schemas.microsoft.com/office/drawing/2010/main" w="9525">
+                <a14:hiddenLine xmlns:a14="http://schemas.microsoft.com/office/drawing/2010/main" xmlns:p14="http://schemas.microsoft.com/office/powerpoint/2010/main" xmlns:a16="http://schemas.microsoft.com/office/drawing/2014/main" xmlns="" w="9525">
                   <a:solidFill>
                     <a:srgbClr val="000000"/>
                   </a:solidFill>
@@ -39673,7 +35976,7 @@
             </a:ln>
             <a:extLst>
               <a:ext uri="{91240B29-F687-4f45-9708-019B960494DF}">
-                <a14:hiddenLine xmlns="" xmlns:a16="http://schemas.microsoft.com/office/drawing/2014/main" xmlns:p14="http://schemas.microsoft.com/office/powerpoint/2010/main" xmlns:a14="http://schemas.microsoft.com/office/drawing/2010/main" w="9525">
+                <a14:hiddenLine xmlns:a14="http://schemas.microsoft.com/office/drawing/2010/main" xmlns:p14="http://schemas.microsoft.com/office/powerpoint/2010/main" xmlns:a16="http://schemas.microsoft.com/office/drawing/2014/main" xmlns="" w="9525">
                   <a:solidFill>
                     <a:srgbClr val="000000"/>
                   </a:solidFill>
@@ -39760,7 +36063,7 @@
             </a:ln>
             <a:extLst>
               <a:ext uri="{91240B29-F687-4f45-9708-019B960494DF}">
-                <a14:hiddenLine xmlns="" xmlns:a16="http://schemas.microsoft.com/office/drawing/2014/main" xmlns:p14="http://schemas.microsoft.com/office/powerpoint/2010/main" xmlns:a14="http://schemas.microsoft.com/office/drawing/2010/main" w="9525">
+                <a14:hiddenLine xmlns:a14="http://schemas.microsoft.com/office/drawing/2010/main" xmlns:p14="http://schemas.microsoft.com/office/powerpoint/2010/main" xmlns:a16="http://schemas.microsoft.com/office/drawing/2014/main" xmlns="" w="9525">
                   <a:solidFill>
                     <a:srgbClr val="000000"/>
                   </a:solidFill>
@@ -39902,7 +36205,7 @@
             </a:ln>
             <a:extLst>
               <a:ext uri="{91240B29-F687-4f45-9708-019B960494DF}">
-                <a14:hiddenLine xmlns="" xmlns:a16="http://schemas.microsoft.com/office/drawing/2014/main" xmlns:p14="http://schemas.microsoft.com/office/powerpoint/2010/main" xmlns:a14="http://schemas.microsoft.com/office/drawing/2010/main" w="9525">
+                <a14:hiddenLine xmlns:a14="http://schemas.microsoft.com/office/drawing/2010/main" xmlns:p14="http://schemas.microsoft.com/office/powerpoint/2010/main" xmlns:a16="http://schemas.microsoft.com/office/drawing/2014/main" xmlns="" w="9525">
                   <a:solidFill>
                     <a:srgbClr val="000000"/>
                   </a:solidFill>
@@ -40111,7 +36414,7 @@
             </a:ln>
             <a:extLst>
               <a:ext uri="{91240B29-F687-4f45-9708-019B960494DF}">
-                <a14:hiddenLine xmlns="" xmlns:a16="http://schemas.microsoft.com/office/drawing/2014/main" xmlns:p14="http://schemas.microsoft.com/office/powerpoint/2010/main" xmlns:a14="http://schemas.microsoft.com/office/drawing/2010/main" w="9525">
+                <a14:hiddenLine xmlns:a14="http://schemas.microsoft.com/office/drawing/2010/main" xmlns:p14="http://schemas.microsoft.com/office/powerpoint/2010/main" xmlns:a16="http://schemas.microsoft.com/office/drawing/2014/main" xmlns="" w="9525">
                   <a:solidFill>
                     <a:srgbClr val="000000"/>
                   </a:solidFill>
@@ -40223,7 +36526,7 @@
             </a:ln>
             <a:extLst>
               <a:ext uri="{91240B29-F687-4f45-9708-019B960494DF}">
-                <a14:hiddenLine xmlns="" xmlns:a16="http://schemas.microsoft.com/office/drawing/2014/main" xmlns:p14="http://schemas.microsoft.com/office/powerpoint/2010/main" xmlns:a14="http://schemas.microsoft.com/office/drawing/2010/main" w="9525">
+                <a14:hiddenLine xmlns:a14="http://schemas.microsoft.com/office/drawing/2010/main" xmlns:p14="http://schemas.microsoft.com/office/powerpoint/2010/main" xmlns:a16="http://schemas.microsoft.com/office/drawing/2014/main" xmlns="" w="9525">
                   <a:solidFill>
                     <a:srgbClr val="000000"/>
                   </a:solidFill>
@@ -40335,7 +36638,7 @@
             </a:ln>
             <a:extLst>
               <a:ext uri="{91240B29-F687-4f45-9708-019B960494DF}">
-                <a14:hiddenLine xmlns="" xmlns:a16="http://schemas.microsoft.com/office/drawing/2014/main" xmlns:p14="http://schemas.microsoft.com/office/powerpoint/2010/main" xmlns:a14="http://schemas.microsoft.com/office/drawing/2010/main" w="9525">
+                <a14:hiddenLine xmlns:a14="http://schemas.microsoft.com/office/drawing/2010/main" xmlns:p14="http://schemas.microsoft.com/office/powerpoint/2010/main" xmlns:a16="http://schemas.microsoft.com/office/drawing/2014/main" xmlns="" w="9525">
                   <a:solidFill>
                     <a:srgbClr val="000000"/>
                   </a:solidFill>
@@ -40419,7 +36722,7 @@
             </a:ln>
             <a:extLst>
               <a:ext uri="{91240B29-F687-4f45-9708-019B960494DF}">
-                <a14:hiddenLine xmlns="" xmlns:a16="http://schemas.microsoft.com/office/drawing/2014/main" xmlns:p14="http://schemas.microsoft.com/office/powerpoint/2010/main" xmlns:a14="http://schemas.microsoft.com/office/drawing/2010/main" w="9525">
+                <a14:hiddenLine xmlns:a14="http://schemas.microsoft.com/office/drawing/2010/main" xmlns:p14="http://schemas.microsoft.com/office/powerpoint/2010/main" xmlns:a16="http://schemas.microsoft.com/office/drawing/2014/main" xmlns="" w="9525">
                   <a:solidFill>
                     <a:srgbClr val="000000"/>
                   </a:solidFill>
@@ -40531,7 +36834,7 @@
             </a:ln>
             <a:extLst>
               <a:ext uri="{91240B29-F687-4f45-9708-019B960494DF}">
-                <a14:hiddenLine xmlns="" xmlns:a16="http://schemas.microsoft.com/office/drawing/2014/main" xmlns:p14="http://schemas.microsoft.com/office/powerpoint/2010/main" xmlns:a14="http://schemas.microsoft.com/office/drawing/2010/main" w="9525">
+                <a14:hiddenLine xmlns:a14="http://schemas.microsoft.com/office/drawing/2010/main" xmlns:p14="http://schemas.microsoft.com/office/powerpoint/2010/main" xmlns:a16="http://schemas.microsoft.com/office/drawing/2014/main" xmlns="" w="9525">
                   <a:solidFill>
                     <a:srgbClr val="000000"/>
                   </a:solidFill>
@@ -40615,7 +36918,7 @@
             </a:ln>
             <a:extLst>
               <a:ext uri="{91240B29-F687-4f45-9708-019B960494DF}">
-                <a14:hiddenLine xmlns="" xmlns:a16="http://schemas.microsoft.com/office/drawing/2014/main" xmlns:p14="http://schemas.microsoft.com/office/powerpoint/2010/main" xmlns:a14="http://schemas.microsoft.com/office/drawing/2010/main" w="9525">
+                <a14:hiddenLine xmlns:a14="http://schemas.microsoft.com/office/drawing/2010/main" xmlns:p14="http://schemas.microsoft.com/office/powerpoint/2010/main" xmlns:a16="http://schemas.microsoft.com/office/drawing/2014/main" xmlns="" w="9525">
                   <a:solidFill>
                     <a:srgbClr val="000000"/>
                   </a:solidFill>
@@ -40699,7 +37002,7 @@
             </a:ln>
             <a:extLst>
               <a:ext uri="{91240B29-F687-4f45-9708-019B960494DF}">
-                <a14:hiddenLine xmlns="" xmlns:a16="http://schemas.microsoft.com/office/drawing/2014/main" xmlns:p14="http://schemas.microsoft.com/office/powerpoint/2010/main" xmlns:a14="http://schemas.microsoft.com/office/drawing/2010/main" w="9525">
+                <a14:hiddenLine xmlns:a14="http://schemas.microsoft.com/office/drawing/2010/main" xmlns:p14="http://schemas.microsoft.com/office/powerpoint/2010/main" xmlns:a16="http://schemas.microsoft.com/office/drawing/2014/main" xmlns="" w="9525">
                   <a:solidFill>
                     <a:srgbClr val="000000"/>
                   </a:solidFill>
@@ -40811,7 +37114,7 @@
             </a:ln>
             <a:extLst>
               <a:ext uri="{91240B29-F687-4f45-9708-019B960494DF}">
-                <a14:hiddenLine xmlns="" xmlns:a16="http://schemas.microsoft.com/office/drawing/2014/main" xmlns:p14="http://schemas.microsoft.com/office/powerpoint/2010/main" xmlns:a14="http://schemas.microsoft.com/office/drawing/2010/main" w="9525">
+                <a14:hiddenLine xmlns:a14="http://schemas.microsoft.com/office/drawing/2010/main" xmlns:p14="http://schemas.microsoft.com/office/powerpoint/2010/main" xmlns:a16="http://schemas.microsoft.com/office/drawing/2014/main" xmlns="" w="9525">
                   <a:solidFill>
                     <a:srgbClr val="000000"/>
                   </a:solidFill>
@@ -40923,7 +37226,7 @@
             </a:ln>
             <a:extLst>
               <a:ext uri="{91240B29-F687-4f45-9708-019B960494DF}">
-                <a14:hiddenLine xmlns="" xmlns:a16="http://schemas.microsoft.com/office/drawing/2014/main" xmlns:p14="http://schemas.microsoft.com/office/powerpoint/2010/main" xmlns:a14="http://schemas.microsoft.com/office/drawing/2010/main" w="9525">
+                <a14:hiddenLine xmlns:a14="http://schemas.microsoft.com/office/drawing/2010/main" xmlns:p14="http://schemas.microsoft.com/office/powerpoint/2010/main" xmlns:a16="http://schemas.microsoft.com/office/drawing/2014/main" xmlns="" w="9525">
                   <a:solidFill>
                     <a:srgbClr val="000000"/>
                   </a:solidFill>
@@ -41007,7 +37310,7 @@
             </a:ln>
             <a:extLst>
               <a:ext uri="{91240B29-F687-4f45-9708-019B960494DF}">
-                <a14:hiddenLine xmlns="" xmlns:a16="http://schemas.microsoft.com/office/drawing/2014/main" xmlns:p14="http://schemas.microsoft.com/office/powerpoint/2010/main" xmlns:a14="http://schemas.microsoft.com/office/drawing/2010/main" w="9525">
+                <a14:hiddenLine xmlns:a14="http://schemas.microsoft.com/office/drawing/2010/main" xmlns:p14="http://schemas.microsoft.com/office/powerpoint/2010/main" xmlns:a16="http://schemas.microsoft.com/office/drawing/2014/main" xmlns="" w="9525">
                   <a:solidFill>
                     <a:srgbClr val="000000"/>
                   </a:solidFill>
@@ -41139,7 +37442,7 @@
             </a:ln>
             <a:extLst>
               <a:ext uri="{91240B29-F687-4f45-9708-019B960494DF}">
-                <a14:hiddenLine xmlns="" xmlns:a16="http://schemas.microsoft.com/office/drawing/2014/main" xmlns:p14="http://schemas.microsoft.com/office/powerpoint/2010/main" xmlns:a14="http://schemas.microsoft.com/office/drawing/2010/main" w="9525">
+                <a14:hiddenLine xmlns:a14="http://schemas.microsoft.com/office/drawing/2010/main" xmlns:p14="http://schemas.microsoft.com/office/powerpoint/2010/main" xmlns:a16="http://schemas.microsoft.com/office/drawing/2014/main" xmlns="" w="9525">
                   <a:solidFill>
                     <a:srgbClr val="000000"/>
                   </a:solidFill>
@@ -41267,7 +37570,7 @@
             </a:ln>
             <a:extLst>
               <a:ext uri="{91240B29-F687-4f45-9708-019B960494DF}">
-                <a14:hiddenLine xmlns="" xmlns:a16="http://schemas.microsoft.com/office/drawing/2014/main" xmlns:p14="http://schemas.microsoft.com/office/powerpoint/2010/main" xmlns:a14="http://schemas.microsoft.com/office/drawing/2010/main" w="9525">
+                <a14:hiddenLine xmlns:a14="http://schemas.microsoft.com/office/drawing/2010/main" xmlns:p14="http://schemas.microsoft.com/office/powerpoint/2010/main" xmlns:a16="http://schemas.microsoft.com/office/drawing/2014/main" xmlns="" w="9525">
                   <a:solidFill>
                     <a:srgbClr val="000000"/>
                   </a:solidFill>
@@ -41351,7 +37654,7 @@
             </a:ln>
             <a:extLst>
               <a:ext uri="{91240B29-F687-4f45-9708-019B960494DF}">
-                <a14:hiddenLine xmlns="" xmlns:a16="http://schemas.microsoft.com/office/drawing/2014/main" xmlns:p14="http://schemas.microsoft.com/office/powerpoint/2010/main" xmlns:a14="http://schemas.microsoft.com/office/drawing/2010/main" w="9525">
+                <a14:hiddenLine xmlns:a14="http://schemas.microsoft.com/office/drawing/2010/main" xmlns:p14="http://schemas.microsoft.com/office/powerpoint/2010/main" xmlns:a16="http://schemas.microsoft.com/office/drawing/2014/main" xmlns="" w="9525">
                   <a:solidFill>
                     <a:srgbClr val="000000"/>
                   </a:solidFill>
@@ -41435,7 +37738,7 @@
             </a:ln>
             <a:extLst>
               <a:ext uri="{91240B29-F687-4f45-9708-019B960494DF}">
-                <a14:hiddenLine xmlns="" xmlns:a16="http://schemas.microsoft.com/office/drawing/2014/main" xmlns:p14="http://schemas.microsoft.com/office/powerpoint/2010/main" xmlns:a14="http://schemas.microsoft.com/office/drawing/2010/main" w="9525">
+                <a14:hiddenLine xmlns:a14="http://schemas.microsoft.com/office/drawing/2010/main" xmlns:p14="http://schemas.microsoft.com/office/powerpoint/2010/main" xmlns:a16="http://schemas.microsoft.com/office/drawing/2014/main" xmlns="" w="9525">
                   <a:solidFill>
                     <a:srgbClr val="000000"/>
                   </a:solidFill>
@@ -41547,7 +37850,7 @@
             </a:ln>
             <a:extLst>
               <a:ext uri="{91240B29-F687-4f45-9708-019B960494DF}">
-                <a14:hiddenLine xmlns="" xmlns:a16="http://schemas.microsoft.com/office/drawing/2014/main" xmlns:p14="http://schemas.microsoft.com/office/powerpoint/2010/main" xmlns:a14="http://schemas.microsoft.com/office/drawing/2010/main" w="9525">
+                <a14:hiddenLine xmlns:a14="http://schemas.microsoft.com/office/drawing/2010/main" xmlns:p14="http://schemas.microsoft.com/office/powerpoint/2010/main" xmlns:a16="http://schemas.microsoft.com/office/drawing/2014/main" xmlns="" w="9525">
                   <a:solidFill>
                     <a:srgbClr val="000000"/>
                   </a:solidFill>
@@ -41603,7 +37906,7 @@
             </a:ln>
             <a:extLst>
               <a:ext uri="{91240B29-F687-4f45-9708-019B960494DF}">
-                <a14:hiddenLine xmlns="" xmlns:a16="http://schemas.microsoft.com/office/drawing/2014/main" xmlns:p14="http://schemas.microsoft.com/office/powerpoint/2010/main" xmlns:a14="http://schemas.microsoft.com/office/drawing/2010/main" w="9525">
+                <a14:hiddenLine xmlns:a14="http://schemas.microsoft.com/office/drawing/2010/main" xmlns:p14="http://schemas.microsoft.com/office/powerpoint/2010/main" xmlns:a16="http://schemas.microsoft.com/office/drawing/2014/main" xmlns="" w="9525">
                   <a:solidFill>
                     <a:srgbClr val="000000"/>
                   </a:solidFill>
@@ -41690,7 +37993,7 @@
             </a:ln>
             <a:extLst>
               <a:ext uri="{91240B29-F687-4f45-9708-019B960494DF}">
-                <a14:hiddenLine xmlns="" xmlns:a16="http://schemas.microsoft.com/office/drawing/2014/main" xmlns:p14="http://schemas.microsoft.com/office/powerpoint/2010/main" xmlns:a14="http://schemas.microsoft.com/office/drawing/2010/main" w="9525">
+                <a14:hiddenLine xmlns:a14="http://schemas.microsoft.com/office/drawing/2010/main" xmlns:p14="http://schemas.microsoft.com/office/powerpoint/2010/main" xmlns:a16="http://schemas.microsoft.com/office/drawing/2014/main" xmlns="" w="9525">
                   <a:solidFill>
                     <a:srgbClr val="000000"/>
                   </a:solidFill>
@@ -41802,7 +38105,7 @@
             </a:ln>
             <a:extLst>
               <a:ext uri="{91240B29-F687-4f45-9708-019B960494DF}">
-                <a14:hiddenLine xmlns="" xmlns:a16="http://schemas.microsoft.com/office/drawing/2014/main" xmlns:p14="http://schemas.microsoft.com/office/powerpoint/2010/main" xmlns:a14="http://schemas.microsoft.com/office/drawing/2010/main" w="9525">
+                <a14:hiddenLine xmlns:a14="http://schemas.microsoft.com/office/drawing/2010/main" xmlns:p14="http://schemas.microsoft.com/office/powerpoint/2010/main" xmlns:a16="http://schemas.microsoft.com/office/drawing/2014/main" xmlns="" w="9525">
                   <a:solidFill>
                     <a:srgbClr val="000000"/>
                   </a:solidFill>
@@ -41886,7 +38189,7 @@
             </a:ln>
             <a:extLst>
               <a:ext uri="{91240B29-F687-4f45-9708-019B960494DF}">
-                <a14:hiddenLine xmlns="" xmlns:a16="http://schemas.microsoft.com/office/drawing/2014/main" xmlns:p14="http://schemas.microsoft.com/office/powerpoint/2010/main" xmlns:a14="http://schemas.microsoft.com/office/drawing/2010/main" w="9525">
+                <a14:hiddenLine xmlns:a14="http://schemas.microsoft.com/office/drawing/2010/main" xmlns:p14="http://schemas.microsoft.com/office/powerpoint/2010/main" xmlns:a16="http://schemas.microsoft.com/office/drawing/2014/main" xmlns="" w="9525">
                   <a:solidFill>
                     <a:srgbClr val="000000"/>
                   </a:solidFill>
@@ -41998,7 +38301,7 @@
             </a:ln>
             <a:extLst>
               <a:ext uri="{91240B29-F687-4f45-9708-019B960494DF}">
-                <a14:hiddenLine xmlns="" xmlns:a16="http://schemas.microsoft.com/office/drawing/2014/main" xmlns:p14="http://schemas.microsoft.com/office/powerpoint/2010/main" xmlns:a14="http://schemas.microsoft.com/office/drawing/2010/main" w="9525">
+                <a14:hiddenLine xmlns:a14="http://schemas.microsoft.com/office/drawing/2010/main" xmlns:p14="http://schemas.microsoft.com/office/powerpoint/2010/main" xmlns:a16="http://schemas.microsoft.com/office/drawing/2014/main" xmlns="" w="9525">
                   <a:solidFill>
                     <a:srgbClr val="000000"/>
                   </a:solidFill>
@@ -42085,7 +38388,7 @@
             </a:ln>
             <a:extLst>
               <a:ext uri="{91240B29-F687-4f45-9708-019B960494DF}">
-                <a14:hiddenLine xmlns="" xmlns:a16="http://schemas.microsoft.com/office/drawing/2014/main" xmlns:p14="http://schemas.microsoft.com/office/powerpoint/2010/main" xmlns:a14="http://schemas.microsoft.com/office/drawing/2010/main" w="9525">
+                <a14:hiddenLine xmlns:a14="http://schemas.microsoft.com/office/drawing/2010/main" xmlns:p14="http://schemas.microsoft.com/office/powerpoint/2010/main" xmlns:a16="http://schemas.microsoft.com/office/drawing/2014/main" xmlns="" w="9525">
                   <a:solidFill>
                     <a:srgbClr val="000000"/>
                   </a:solidFill>
@@ -42169,7 +38472,7 @@
             </a:ln>
             <a:extLst>
               <a:ext uri="{91240B29-F687-4f45-9708-019B960494DF}">
-                <a14:hiddenLine xmlns="" xmlns:a16="http://schemas.microsoft.com/office/drawing/2014/main" xmlns:p14="http://schemas.microsoft.com/office/powerpoint/2010/main" xmlns:a14="http://schemas.microsoft.com/office/drawing/2010/main" w="9525">
+                <a14:hiddenLine xmlns:a14="http://schemas.microsoft.com/office/drawing/2010/main" xmlns:p14="http://schemas.microsoft.com/office/powerpoint/2010/main" xmlns:a16="http://schemas.microsoft.com/office/drawing/2014/main" xmlns="" w="9525">
                   <a:solidFill>
                     <a:srgbClr val="000000"/>
                   </a:solidFill>
@@ -42281,7 +38584,7 @@
             </a:ln>
             <a:extLst>
               <a:ext uri="{91240B29-F687-4f45-9708-019B960494DF}">
-                <a14:hiddenLine xmlns="" xmlns:a16="http://schemas.microsoft.com/office/drawing/2014/main" xmlns:p14="http://schemas.microsoft.com/office/powerpoint/2010/main" xmlns:a14="http://schemas.microsoft.com/office/drawing/2010/main" w="9525">
+                <a14:hiddenLine xmlns:a14="http://schemas.microsoft.com/office/drawing/2010/main" xmlns:p14="http://schemas.microsoft.com/office/powerpoint/2010/main" xmlns:a16="http://schemas.microsoft.com/office/drawing/2014/main" xmlns="" w="9525">
                   <a:solidFill>
                     <a:srgbClr val="000000"/>
                   </a:solidFill>
@@ -42393,7 +38696,7 @@
             </a:ln>
             <a:extLst>
               <a:ext uri="{91240B29-F687-4f45-9708-019B960494DF}">
-                <a14:hiddenLine xmlns="" xmlns:a16="http://schemas.microsoft.com/office/drawing/2014/main" xmlns:p14="http://schemas.microsoft.com/office/powerpoint/2010/main" xmlns:a14="http://schemas.microsoft.com/office/drawing/2010/main" w="9525">
+                <a14:hiddenLine xmlns:a14="http://schemas.microsoft.com/office/drawing/2010/main" xmlns:p14="http://schemas.microsoft.com/office/powerpoint/2010/main" xmlns:a16="http://schemas.microsoft.com/office/drawing/2014/main" xmlns="" w="9525">
                   <a:solidFill>
                     <a:srgbClr val="000000"/>
                   </a:solidFill>
@@ -42480,7 +38783,7 @@
             </a:ln>
             <a:extLst>
               <a:ext uri="{91240B29-F687-4f45-9708-019B960494DF}">
-                <a14:hiddenLine xmlns="" xmlns:a16="http://schemas.microsoft.com/office/drawing/2014/main" xmlns:p14="http://schemas.microsoft.com/office/powerpoint/2010/main" xmlns:a14="http://schemas.microsoft.com/office/drawing/2010/main" w="9525">
+                <a14:hiddenLine xmlns:a14="http://schemas.microsoft.com/office/drawing/2010/main" xmlns:p14="http://schemas.microsoft.com/office/powerpoint/2010/main" xmlns:a16="http://schemas.microsoft.com/office/drawing/2014/main" xmlns="" w="9525">
                   <a:solidFill>
                     <a:srgbClr val="000000"/>
                   </a:solidFill>
@@ -42622,7 +38925,7 @@
             </a:ln>
             <a:extLst>
               <a:ext uri="{91240B29-F687-4f45-9708-019B960494DF}">
-                <a14:hiddenLine xmlns="" xmlns:a16="http://schemas.microsoft.com/office/drawing/2014/main" xmlns:p14="http://schemas.microsoft.com/office/powerpoint/2010/main" xmlns:a14="http://schemas.microsoft.com/office/drawing/2010/main" w="9525">
+                <a14:hiddenLine xmlns:a14="http://schemas.microsoft.com/office/drawing/2010/main" xmlns:p14="http://schemas.microsoft.com/office/powerpoint/2010/main" xmlns:a16="http://schemas.microsoft.com/office/drawing/2014/main" xmlns="" w="9525">
                   <a:solidFill>
                     <a:srgbClr val="000000"/>
                   </a:solidFill>
@@ -42901,7 +39204,7 @@
             </a:ln>
             <a:extLst>
               <a:ext uri="{91240B29-F687-4f45-9708-019B960494DF}">
-                <a14:hiddenLine xmlns="" xmlns:a16="http://schemas.microsoft.com/office/drawing/2014/main" xmlns:p14="http://schemas.microsoft.com/office/powerpoint/2010/main" xmlns:a14="http://schemas.microsoft.com/office/drawing/2010/main" w="9525">
+                <a14:hiddenLine xmlns:a14="http://schemas.microsoft.com/office/drawing/2010/main" xmlns:p14="http://schemas.microsoft.com/office/powerpoint/2010/main" xmlns:a16="http://schemas.microsoft.com/office/drawing/2014/main" xmlns="" w="9525">
                   <a:solidFill>
                     <a:srgbClr val="000000"/>
                   </a:solidFill>
@@ -43038,7 +39341,7 @@
             </a:ln>
             <a:extLst>
               <a:ext uri="{91240B29-F687-4f45-9708-019B960494DF}">
-                <a14:hiddenLine xmlns="" xmlns:a16="http://schemas.microsoft.com/office/drawing/2014/main" xmlns:p14="http://schemas.microsoft.com/office/powerpoint/2010/main" xmlns:a14="http://schemas.microsoft.com/office/drawing/2010/main" w="9525">
+                <a14:hiddenLine xmlns:a14="http://schemas.microsoft.com/office/drawing/2010/main" xmlns:p14="http://schemas.microsoft.com/office/powerpoint/2010/main" xmlns:a16="http://schemas.microsoft.com/office/drawing/2014/main" xmlns="" w="9525">
                   <a:solidFill>
                     <a:srgbClr val="000000"/>
                   </a:solidFill>
@@ -43150,7 +39453,7 @@
             </a:ln>
             <a:extLst>
               <a:ext uri="{91240B29-F687-4f45-9708-019B960494DF}">
-                <a14:hiddenLine xmlns="" xmlns:a16="http://schemas.microsoft.com/office/drawing/2014/main" xmlns:p14="http://schemas.microsoft.com/office/powerpoint/2010/main" xmlns:a14="http://schemas.microsoft.com/office/drawing/2010/main" w="9525">
+                <a14:hiddenLine xmlns:a14="http://schemas.microsoft.com/office/drawing/2010/main" xmlns:p14="http://schemas.microsoft.com/office/powerpoint/2010/main" xmlns:a16="http://schemas.microsoft.com/office/drawing/2014/main" xmlns="" w="9525">
                   <a:solidFill>
                     <a:srgbClr val="000000"/>
                   </a:solidFill>
@@ -43237,7 +39540,7 @@
             </a:ln>
             <a:extLst>
               <a:ext uri="{91240B29-F687-4f45-9708-019B960494DF}">
-                <a14:hiddenLine xmlns="" xmlns:a16="http://schemas.microsoft.com/office/drawing/2014/main" xmlns:p14="http://schemas.microsoft.com/office/powerpoint/2010/main" xmlns:a14="http://schemas.microsoft.com/office/drawing/2010/main" w="9525">
+                <a14:hiddenLine xmlns:a14="http://schemas.microsoft.com/office/drawing/2010/main" xmlns:p14="http://schemas.microsoft.com/office/powerpoint/2010/main" xmlns:a16="http://schemas.microsoft.com/office/drawing/2014/main" xmlns="" w="9525">
                   <a:solidFill>
                     <a:srgbClr val="000000"/>
                   </a:solidFill>
@@ -43349,7 +39652,7 @@
             </a:ln>
             <a:extLst>
               <a:ext uri="{91240B29-F687-4f45-9708-019B960494DF}">
-                <a14:hiddenLine xmlns="" xmlns:a16="http://schemas.microsoft.com/office/drawing/2014/main" xmlns:p14="http://schemas.microsoft.com/office/powerpoint/2010/main" xmlns:a14="http://schemas.microsoft.com/office/drawing/2010/main" w="9525">
+                <a14:hiddenLine xmlns:a14="http://schemas.microsoft.com/office/drawing/2010/main" xmlns:p14="http://schemas.microsoft.com/office/powerpoint/2010/main" xmlns:a16="http://schemas.microsoft.com/office/drawing/2014/main" xmlns="" w="9525">
                   <a:solidFill>
                     <a:srgbClr val="000000"/>
                   </a:solidFill>
@@ -43439,7 +39742,7 @@
             </a:ln>
             <a:extLst>
               <a:ext uri="{91240B29-F687-4f45-9708-019B960494DF}">
-                <a14:hiddenLine xmlns="" xmlns:a16="http://schemas.microsoft.com/office/drawing/2014/main" xmlns:p14="http://schemas.microsoft.com/office/powerpoint/2010/main" xmlns:a14="http://schemas.microsoft.com/office/drawing/2010/main" w="9525">
+                <a14:hiddenLine xmlns:a14="http://schemas.microsoft.com/office/drawing/2010/main" xmlns:p14="http://schemas.microsoft.com/office/powerpoint/2010/main" xmlns:a16="http://schemas.microsoft.com/office/drawing/2014/main" xmlns="" w="9525">
                   <a:solidFill>
                     <a:srgbClr val="000000"/>
                   </a:solidFill>
@@ -43551,7 +39854,7 @@
             </a:ln>
             <a:extLst>
               <a:ext uri="{91240B29-F687-4f45-9708-019B960494DF}">
-                <a14:hiddenLine xmlns="" xmlns:a16="http://schemas.microsoft.com/office/drawing/2014/main" xmlns:p14="http://schemas.microsoft.com/office/powerpoint/2010/main" xmlns:a14="http://schemas.microsoft.com/office/drawing/2010/main" w="9525">
+                <a14:hiddenLine xmlns:a14="http://schemas.microsoft.com/office/drawing/2010/main" xmlns:p14="http://schemas.microsoft.com/office/powerpoint/2010/main" xmlns:a16="http://schemas.microsoft.com/office/drawing/2014/main" xmlns="" w="9525">
                   <a:solidFill>
                     <a:srgbClr val="000000"/>
                   </a:solidFill>
@@ -43641,7 +39944,7 @@
             </a:ln>
             <a:extLst>
               <a:ext uri="{91240B29-F687-4f45-9708-019B960494DF}">
-                <a14:hiddenLine xmlns="" xmlns:a16="http://schemas.microsoft.com/office/drawing/2014/main" xmlns:p14="http://schemas.microsoft.com/office/powerpoint/2010/main" xmlns:a14="http://schemas.microsoft.com/office/drawing/2010/main" w="9525">
+                <a14:hiddenLine xmlns:a14="http://schemas.microsoft.com/office/drawing/2010/main" xmlns:p14="http://schemas.microsoft.com/office/powerpoint/2010/main" xmlns:a16="http://schemas.microsoft.com/office/drawing/2014/main" xmlns="" w="9525">
                   <a:solidFill>
                     <a:srgbClr val="000000"/>
                   </a:solidFill>
@@ -43753,7 +40056,7 @@
             </a:ln>
             <a:extLst>
               <a:ext uri="{91240B29-F687-4f45-9708-019B960494DF}">
-                <a14:hiddenLine xmlns="" xmlns:a16="http://schemas.microsoft.com/office/drawing/2014/main" xmlns:p14="http://schemas.microsoft.com/office/powerpoint/2010/main" xmlns:a14="http://schemas.microsoft.com/office/drawing/2010/main" w="9525">
+                <a14:hiddenLine xmlns:a14="http://schemas.microsoft.com/office/drawing/2010/main" xmlns:p14="http://schemas.microsoft.com/office/powerpoint/2010/main" xmlns:a16="http://schemas.microsoft.com/office/drawing/2014/main" xmlns="" w="9525">
                   <a:solidFill>
                     <a:srgbClr val="000000"/>
                   </a:solidFill>
@@ -43809,7 +40112,7 @@
             </a:ln>
             <a:extLst>
               <a:ext uri="{91240B29-F687-4f45-9708-019B960494DF}">
-                <a14:hiddenLine xmlns="" xmlns:a16="http://schemas.microsoft.com/office/drawing/2014/main" xmlns:p14="http://schemas.microsoft.com/office/powerpoint/2010/main" xmlns:a14="http://schemas.microsoft.com/office/drawing/2010/main" w="9525">
+                <a14:hiddenLine xmlns:a14="http://schemas.microsoft.com/office/drawing/2010/main" xmlns:p14="http://schemas.microsoft.com/office/powerpoint/2010/main" xmlns:a16="http://schemas.microsoft.com/office/drawing/2014/main" xmlns="" w="9525">
                   <a:solidFill>
                     <a:srgbClr val="000000"/>
                   </a:solidFill>
